--- a/FinalProject/FinalProjectPresentation.pptx
+++ b/FinalProject/FinalProjectPresentation.pptx
@@ -4,6 +4,13 @@
   <p:sldMasterIdLst>
     <p:sldMasterId id="2147483648" r:id="rId1"/>
   </p:sldMasterIdLst>
+  <p:sldIdLst>
+    <p:sldId id="256" r:id="rId2"/>
+    <p:sldId id="257" r:id="rId3"/>
+    <p:sldId id="258" r:id="rId4"/>
+    <p:sldId id="259" r:id="rId5"/>
+    <p:sldId id="260" r:id="rId6"/>
+  </p:sldIdLst>
   <p:sldSz cx="9144000" cy="6858000" type="screen4x3"/>
   <p:notesSz cx="6858000" cy="9144000"/>
   <p:defaultTextStyle>
@@ -286,7 +293,7 @@
             <a:fld id="{1D8BD707-D9CF-40AE-B4C6-C98DA3205C09}" type="datetimeFigureOut">
               <a:rPr lang="en-US" smtClean="0"/>
               <a:pPr/>
-              <a:t>9/18/2006</a:t>
+              <a:t>3/23/2015</a:t>
             </a:fld>
             <a:endParaRPr lang="en-US"/>
           </a:p>
@@ -453,7 +460,7 @@
             <a:fld id="{1D8BD707-D9CF-40AE-B4C6-C98DA3205C09}" type="datetimeFigureOut">
               <a:rPr lang="en-US" smtClean="0"/>
               <a:pPr/>
-              <a:t>9/18/2006</a:t>
+              <a:t>3/23/2015</a:t>
             </a:fld>
             <a:endParaRPr lang="en-US"/>
           </a:p>
@@ -630,7 +637,7 @@
             <a:fld id="{1D8BD707-D9CF-40AE-B4C6-C98DA3205C09}" type="datetimeFigureOut">
               <a:rPr lang="en-US" smtClean="0"/>
               <a:pPr/>
-              <a:t>9/18/2006</a:t>
+              <a:t>3/23/2015</a:t>
             </a:fld>
             <a:endParaRPr lang="en-US"/>
           </a:p>
@@ -797,7 +804,7 @@
             <a:fld id="{1D8BD707-D9CF-40AE-B4C6-C98DA3205C09}" type="datetimeFigureOut">
               <a:rPr lang="en-US" smtClean="0"/>
               <a:pPr/>
-              <a:t>9/18/2006</a:t>
+              <a:t>3/23/2015</a:t>
             </a:fld>
             <a:endParaRPr lang="en-US"/>
           </a:p>
@@ -1040,7 +1047,7 @@
             <a:fld id="{1D8BD707-D9CF-40AE-B4C6-C98DA3205C09}" type="datetimeFigureOut">
               <a:rPr lang="en-US" smtClean="0"/>
               <a:pPr/>
-              <a:t>9/18/2006</a:t>
+              <a:t>3/23/2015</a:t>
             </a:fld>
             <a:endParaRPr lang="en-US"/>
           </a:p>
@@ -1325,7 +1332,7 @@
             <a:fld id="{1D8BD707-D9CF-40AE-B4C6-C98DA3205C09}" type="datetimeFigureOut">
               <a:rPr lang="en-US" smtClean="0"/>
               <a:pPr/>
-              <a:t>9/18/2006</a:t>
+              <a:t>3/23/2015</a:t>
             </a:fld>
             <a:endParaRPr lang="en-US"/>
           </a:p>
@@ -1744,7 +1751,7 @@
             <a:fld id="{1D8BD707-D9CF-40AE-B4C6-C98DA3205C09}" type="datetimeFigureOut">
               <a:rPr lang="en-US" smtClean="0"/>
               <a:pPr/>
-              <a:t>9/18/2006</a:t>
+              <a:t>3/23/2015</a:t>
             </a:fld>
             <a:endParaRPr lang="en-US"/>
           </a:p>
@@ -1859,7 +1866,7 @@
             <a:fld id="{1D8BD707-D9CF-40AE-B4C6-C98DA3205C09}" type="datetimeFigureOut">
               <a:rPr lang="en-US" smtClean="0"/>
               <a:pPr/>
-              <a:t>9/18/2006</a:t>
+              <a:t>3/23/2015</a:t>
             </a:fld>
             <a:endParaRPr lang="en-US"/>
           </a:p>
@@ -1951,7 +1958,7 @@
             <a:fld id="{1D8BD707-D9CF-40AE-B4C6-C98DA3205C09}" type="datetimeFigureOut">
               <a:rPr lang="en-US" smtClean="0"/>
               <a:pPr/>
-              <a:t>9/18/2006</a:t>
+              <a:t>3/23/2015</a:t>
             </a:fld>
             <a:endParaRPr lang="en-US"/>
           </a:p>
@@ -2225,7 +2232,7 @@
             <a:fld id="{1D8BD707-D9CF-40AE-B4C6-C98DA3205C09}" type="datetimeFigureOut">
               <a:rPr lang="en-US" smtClean="0"/>
               <a:pPr/>
-              <a:t>9/18/2006</a:t>
+              <a:t>3/23/2015</a:t>
             </a:fld>
             <a:endParaRPr lang="en-US"/>
           </a:p>
@@ -2475,7 +2482,7 @@
             <a:fld id="{1D8BD707-D9CF-40AE-B4C6-C98DA3205C09}" type="datetimeFigureOut">
               <a:rPr lang="en-US" smtClean="0"/>
               <a:pPr/>
-              <a:t>9/18/2006</a:t>
+              <a:t>3/23/2015</a:t>
             </a:fld>
             <a:endParaRPr lang="en-US"/>
           </a:p>
@@ -2685,7 +2692,7 @@
             <a:fld id="{1D8BD707-D9CF-40AE-B4C6-C98DA3205C09}" type="datetimeFigureOut">
               <a:rPr lang="en-US" smtClean="0"/>
               <a:pPr/>
-              <a:t>9/18/2006</a:t>
+              <a:t>3/23/2015</a:t>
             </a:fld>
             <a:endParaRPr lang="en-US"/>
           </a:p>
@@ -3037,6 +3044,701 @@
     </p:otherStyle>
   </p:txStyles>
 </p:sldMaster>
+</file>
+
+<file path=ppt/slides/slide1.xml><?xml version="1.0" encoding="utf-8"?>
+<p:sld xmlns:a="http://schemas.openxmlformats.org/drawingml/2006/main" xmlns:r="http://schemas.openxmlformats.org/officeDocument/2006/relationships" xmlns:p="http://schemas.openxmlformats.org/presentationml/2006/main">
+  <p:cSld>
+    <p:spTree>
+      <p:nvGrpSpPr>
+        <p:cNvPr id="1" name=""/>
+        <p:cNvGrpSpPr/>
+        <p:nvPr/>
+      </p:nvGrpSpPr>
+      <p:grpSpPr>
+        <a:xfrm>
+          <a:off x="0" y="0"/>
+          <a:ext cx="0" cy="0"/>
+          <a:chOff x="0" y="0"/>
+          <a:chExt cx="0" cy="0"/>
+        </a:xfrm>
+      </p:grpSpPr>
+      <p:sp>
+        <p:nvSpPr>
+          <p:cNvPr id="2" name="Title 1"/>
+          <p:cNvSpPr>
+            <a:spLocks noGrp="1"/>
+          </p:cNvSpPr>
+          <p:nvPr>
+            <p:ph type="ctrTitle"/>
+          </p:nvPr>
+        </p:nvSpPr>
+        <p:spPr/>
+        <p:txBody>
+          <a:bodyPr/>
+          <a:lstStyle/>
+          <a:p>
+            <a:r>
+              <a:rPr lang="en-US" dirty="0" smtClean="0"/>
+              <a:t>Connect Four AI</a:t>
+            </a:r>
+            <a:endParaRPr lang="en-US" dirty="0"/>
+          </a:p>
+        </p:txBody>
+      </p:sp>
+      <p:sp>
+        <p:nvSpPr>
+          <p:cNvPr id="3" name="Subtitle 2"/>
+          <p:cNvSpPr>
+            <a:spLocks noGrp="1"/>
+          </p:cNvSpPr>
+          <p:nvPr>
+            <p:ph type="subTitle" idx="1"/>
+          </p:nvPr>
+        </p:nvSpPr>
+        <p:spPr/>
+        <p:txBody>
+          <a:bodyPr/>
+          <a:lstStyle/>
+          <a:p>
+            <a:r>
+              <a:rPr lang="en-US" dirty="0" smtClean="0"/>
+              <a:t>Jason Pearson</a:t>
+            </a:r>
+            <a:endParaRPr lang="en-US" dirty="0"/>
+          </a:p>
+        </p:txBody>
+      </p:sp>
+    </p:spTree>
+  </p:cSld>
+  <p:clrMapOvr>
+    <a:masterClrMapping/>
+  </p:clrMapOvr>
+  <p:timing>
+    <p:tnLst>
+      <p:par>
+        <p:cTn id="1" dur="indefinite" restart="never" nodeType="tmRoot"/>
+      </p:par>
+    </p:tnLst>
+  </p:timing>
+</p:sld>
+</file>
+
+<file path=ppt/slides/slide2.xml><?xml version="1.0" encoding="utf-8"?>
+<p:sld xmlns:a="http://schemas.openxmlformats.org/drawingml/2006/main" xmlns:r="http://schemas.openxmlformats.org/officeDocument/2006/relationships" xmlns:p="http://schemas.openxmlformats.org/presentationml/2006/main">
+  <p:cSld>
+    <p:spTree>
+      <p:nvGrpSpPr>
+        <p:cNvPr id="1" name=""/>
+        <p:cNvGrpSpPr/>
+        <p:nvPr/>
+      </p:nvGrpSpPr>
+      <p:grpSpPr>
+        <a:xfrm>
+          <a:off x="0" y="0"/>
+          <a:ext cx="0" cy="0"/>
+          <a:chOff x="0" y="0"/>
+          <a:chExt cx="0" cy="0"/>
+        </a:xfrm>
+      </p:grpSpPr>
+      <p:sp>
+        <p:nvSpPr>
+          <p:cNvPr id="2" name="Title 1"/>
+          <p:cNvSpPr>
+            <a:spLocks noGrp="1"/>
+          </p:cNvSpPr>
+          <p:nvPr>
+            <p:ph type="title"/>
+          </p:nvPr>
+        </p:nvSpPr>
+        <p:spPr/>
+        <p:txBody>
+          <a:bodyPr/>
+          <a:lstStyle/>
+          <a:p>
+            <a:r>
+              <a:rPr lang="en-US" dirty="0" smtClean="0"/>
+              <a:t>What Is Connect Four</a:t>
+            </a:r>
+            <a:endParaRPr lang="en-US" dirty="0"/>
+          </a:p>
+        </p:txBody>
+      </p:sp>
+      <p:sp>
+        <p:nvSpPr>
+          <p:cNvPr id="3" name="Content Placeholder 2"/>
+          <p:cNvSpPr>
+            <a:spLocks noGrp="1"/>
+          </p:cNvSpPr>
+          <p:nvPr>
+            <p:ph idx="1"/>
+          </p:nvPr>
+        </p:nvSpPr>
+        <p:spPr/>
+        <p:txBody>
+          <a:bodyPr/>
+          <a:lstStyle/>
+          <a:p>
+            <a:r>
+              <a:rPr lang="en-US" dirty="0" smtClean="0"/>
+              <a:t>Turn Based Game</a:t>
+            </a:r>
+          </a:p>
+          <a:p>
+            <a:r>
+              <a:rPr lang="en-US" dirty="0" smtClean="0"/>
+              <a:t>Line 4 pieces in a row </a:t>
+            </a:r>
+          </a:p>
+          <a:p>
+            <a:pPr lvl="1"/>
+            <a:r>
+              <a:rPr lang="en-US" dirty="0" smtClean="0"/>
+              <a:t>Horizontally</a:t>
+            </a:r>
+          </a:p>
+          <a:p>
+            <a:pPr lvl="1"/>
+            <a:r>
+              <a:rPr lang="en-US" dirty="0" smtClean="0"/>
+              <a:t>Vertically</a:t>
+            </a:r>
+          </a:p>
+          <a:p>
+            <a:pPr lvl="1"/>
+            <a:r>
+              <a:rPr lang="en-US" dirty="0" smtClean="0"/>
+              <a:t>Diagonally</a:t>
+            </a:r>
+            <a:endParaRPr lang="en-US" dirty="0"/>
+          </a:p>
+        </p:txBody>
+      </p:sp>
+      <p:pic>
+        <p:nvPicPr>
+          <p:cNvPr id="1026" name="Picture 2" descr="http://i.dailymail.co.uk/i/pix/2013/03/27/article-2299912-18F3D988000005DC-118_634x568.jpg"/>
+          <p:cNvPicPr>
+            <a:picLocks noChangeAspect="1" noChangeArrowheads="1"/>
+          </p:cNvPicPr>
+          <p:nvPr/>
+        </p:nvPicPr>
+        <p:blipFill>
+          <a:blip r:embed="rId2"/>
+          <a:srcRect/>
+          <a:stretch>
+            <a:fillRect/>
+          </a:stretch>
+        </p:blipFill>
+        <p:spPr bwMode="auto">
+          <a:xfrm>
+            <a:off x="4572000" y="2667000"/>
+            <a:ext cx="4438650" cy="3976582"/>
+          </a:xfrm>
+          <a:prstGeom prst="rect">
+            <a:avLst/>
+          </a:prstGeom>
+          <a:noFill/>
+        </p:spPr>
+      </p:pic>
+      <p:pic>
+        <p:nvPicPr>
+          <p:cNvPr id="5" name="Picture 2" descr="http://upload.wikimedia.org/wikipedia/commons/a/ad/Connect_Four.gif"/>
+          <p:cNvPicPr>
+            <a:picLocks noChangeAspect="1" noChangeArrowheads="1" noCrop="1"/>
+          </p:cNvPicPr>
+          <p:nvPr/>
+        </p:nvPicPr>
+        <p:blipFill>
+          <a:blip r:embed="rId3"/>
+          <a:srcRect/>
+          <a:stretch>
+            <a:fillRect/>
+          </a:stretch>
+        </p:blipFill>
+        <p:spPr bwMode="auto">
+          <a:xfrm>
+            <a:off x="457200" y="4572000"/>
+            <a:ext cx="3429000" cy="2035970"/>
+          </a:xfrm>
+          <a:prstGeom prst="rect">
+            <a:avLst/>
+          </a:prstGeom>
+          <a:noFill/>
+        </p:spPr>
+      </p:pic>
+    </p:spTree>
+  </p:cSld>
+  <p:clrMapOvr>
+    <a:masterClrMapping/>
+  </p:clrMapOvr>
+  <p:timing>
+    <p:tnLst>
+      <p:par>
+        <p:cTn id="1" dur="indefinite" restart="never" nodeType="tmRoot"/>
+      </p:par>
+    </p:tnLst>
+  </p:timing>
+</p:sld>
+</file>
+
+<file path=ppt/slides/slide3.xml><?xml version="1.0" encoding="utf-8"?>
+<p:sld xmlns:a="http://schemas.openxmlformats.org/drawingml/2006/main" xmlns:r="http://schemas.openxmlformats.org/officeDocument/2006/relationships" xmlns:p="http://schemas.openxmlformats.org/presentationml/2006/main">
+  <p:cSld>
+    <p:spTree>
+      <p:nvGrpSpPr>
+        <p:cNvPr id="1" name=""/>
+        <p:cNvGrpSpPr/>
+        <p:nvPr/>
+      </p:nvGrpSpPr>
+      <p:grpSpPr>
+        <a:xfrm>
+          <a:off x="0" y="0"/>
+          <a:ext cx="0" cy="0"/>
+          <a:chOff x="0" y="0"/>
+          <a:chExt cx="0" cy="0"/>
+        </a:xfrm>
+      </p:grpSpPr>
+      <p:sp>
+        <p:nvSpPr>
+          <p:cNvPr id="2" name="Title 1"/>
+          <p:cNvSpPr>
+            <a:spLocks noGrp="1"/>
+          </p:cNvSpPr>
+          <p:nvPr>
+            <p:ph type="title"/>
+          </p:nvPr>
+        </p:nvSpPr>
+        <p:spPr/>
+        <p:txBody>
+          <a:bodyPr/>
+          <a:lstStyle/>
+          <a:p>
+            <a:r>
+              <a:rPr lang="en-US" dirty="0" smtClean="0"/>
+              <a:t>Why Connect  Four</a:t>
+            </a:r>
+            <a:endParaRPr lang="en-US" dirty="0"/>
+          </a:p>
+        </p:txBody>
+      </p:sp>
+      <p:sp>
+        <p:nvSpPr>
+          <p:cNvPr id="3" name="Content Placeholder 2"/>
+          <p:cNvSpPr>
+            <a:spLocks noGrp="1"/>
+          </p:cNvSpPr>
+          <p:nvPr>
+            <p:ph idx="1"/>
+          </p:nvPr>
+        </p:nvSpPr>
+        <p:spPr/>
+        <p:txBody>
+          <a:bodyPr/>
+          <a:lstStyle/>
+          <a:p>
+            <a:r>
+              <a:rPr lang="en-US" dirty="0" smtClean="0"/>
+              <a:t>Simple Game</a:t>
+            </a:r>
+          </a:p>
+          <a:p>
+            <a:r>
+              <a:rPr lang="en-US" dirty="0" smtClean="0"/>
+              <a:t>Solved Game</a:t>
+            </a:r>
+          </a:p>
+        </p:txBody>
+      </p:sp>
+    </p:spTree>
+  </p:cSld>
+  <p:clrMapOvr>
+    <a:masterClrMapping/>
+  </p:clrMapOvr>
+  <p:timing>
+    <p:tnLst>
+      <p:par>
+        <p:cTn id="1" dur="indefinite" restart="never" nodeType="tmRoot"/>
+      </p:par>
+    </p:tnLst>
+  </p:timing>
+</p:sld>
+</file>
+
+<file path=ppt/slides/slide4.xml><?xml version="1.0" encoding="utf-8"?>
+<p:sld xmlns:a="http://schemas.openxmlformats.org/drawingml/2006/main" xmlns:r="http://schemas.openxmlformats.org/officeDocument/2006/relationships" xmlns:p="http://schemas.openxmlformats.org/presentationml/2006/main">
+  <p:cSld>
+    <p:spTree>
+      <p:nvGrpSpPr>
+        <p:cNvPr id="1" name=""/>
+        <p:cNvGrpSpPr/>
+        <p:nvPr/>
+      </p:nvGrpSpPr>
+      <p:grpSpPr>
+        <a:xfrm>
+          <a:off x="0" y="0"/>
+          <a:ext cx="0" cy="0"/>
+          <a:chOff x="0" y="0"/>
+          <a:chExt cx="0" cy="0"/>
+        </a:xfrm>
+      </p:grpSpPr>
+      <p:sp>
+        <p:nvSpPr>
+          <p:cNvPr id="2" name="Title 1"/>
+          <p:cNvSpPr>
+            <a:spLocks noGrp="1"/>
+          </p:cNvSpPr>
+          <p:nvPr>
+            <p:ph type="title"/>
+          </p:nvPr>
+        </p:nvSpPr>
+        <p:spPr/>
+        <p:txBody>
+          <a:bodyPr/>
+          <a:lstStyle/>
+          <a:p>
+            <a:r>
+              <a:rPr lang="en-US" dirty="0" smtClean="0"/>
+              <a:t>First Moves</a:t>
+            </a:r>
+            <a:endParaRPr lang="en-US" dirty="0"/>
+          </a:p>
+        </p:txBody>
+      </p:sp>
+      <p:pic>
+        <p:nvPicPr>
+          <p:cNvPr id="4" name="Picture 4" descr="http://www.nonkit.com/smallbasic.files/Connect4Board.png"/>
+          <p:cNvPicPr>
+            <a:picLocks noChangeAspect="1" noChangeArrowheads="1"/>
+          </p:cNvPicPr>
+          <p:nvPr/>
+        </p:nvPicPr>
+        <p:blipFill>
+          <a:blip r:embed="rId2"/>
+          <a:srcRect/>
+          <a:stretch>
+            <a:fillRect/>
+          </a:stretch>
+        </p:blipFill>
+        <p:spPr bwMode="auto">
+          <a:xfrm>
+            <a:off x="1600200" y="1524000"/>
+            <a:ext cx="6096000" cy="4572000"/>
+          </a:xfrm>
+          <a:prstGeom prst="rect">
+            <a:avLst/>
+          </a:prstGeom>
+          <a:noFill/>
+        </p:spPr>
+      </p:pic>
+      <p:sp>
+        <p:nvSpPr>
+          <p:cNvPr id="5" name="TextBox 4"/>
+          <p:cNvSpPr txBox="1"/>
+          <p:nvPr/>
+        </p:nvSpPr>
+        <p:spPr>
+          <a:xfrm>
+            <a:off x="4419600" y="6096000"/>
+            <a:ext cx="420308" cy="369332"/>
+          </a:xfrm>
+          <a:prstGeom prst="rect">
+            <a:avLst/>
+          </a:prstGeom>
+          <a:noFill/>
+        </p:spPr>
+        <p:txBody>
+          <a:bodyPr wrap="none" rtlCol="0">
+            <a:spAutoFit/>
+          </a:bodyPr>
+          <a:lstStyle/>
+          <a:p>
+            <a:r>
+              <a:rPr lang="en-US" dirty="0" smtClean="0"/>
+              <a:t>P1</a:t>
+            </a:r>
+            <a:endParaRPr lang="en-US" dirty="0"/>
+          </a:p>
+        </p:txBody>
+      </p:sp>
+      <p:sp>
+        <p:nvSpPr>
+          <p:cNvPr id="6" name="TextBox 5"/>
+          <p:cNvSpPr txBox="1"/>
+          <p:nvPr/>
+        </p:nvSpPr>
+        <p:spPr>
+          <a:xfrm>
+            <a:off x="533400" y="6096000"/>
+            <a:ext cx="881973" cy="369332"/>
+          </a:xfrm>
+          <a:prstGeom prst="rect">
+            <a:avLst/>
+          </a:prstGeom>
+          <a:noFill/>
+        </p:spPr>
+        <p:txBody>
+          <a:bodyPr wrap="none" rtlCol="0">
+            <a:spAutoFit/>
+          </a:bodyPr>
+          <a:lstStyle/>
+          <a:p>
+            <a:r>
+              <a:rPr lang="en-US" dirty="0" smtClean="0"/>
+              <a:t>Winner</a:t>
+            </a:r>
+            <a:endParaRPr lang="en-US" dirty="0"/>
+          </a:p>
+        </p:txBody>
+      </p:sp>
+      <p:sp>
+        <p:nvSpPr>
+          <p:cNvPr id="7" name="TextBox 6"/>
+          <p:cNvSpPr txBox="1"/>
+          <p:nvPr/>
+        </p:nvSpPr>
+        <p:spPr>
+          <a:xfrm>
+            <a:off x="3581400" y="6096000"/>
+            <a:ext cx="465192" cy="369332"/>
+          </a:xfrm>
+          <a:prstGeom prst="rect">
+            <a:avLst/>
+          </a:prstGeom>
+          <a:noFill/>
+        </p:spPr>
+        <p:txBody>
+          <a:bodyPr wrap="none" rtlCol="0">
+            <a:spAutoFit/>
+          </a:bodyPr>
+          <a:lstStyle/>
+          <a:p>
+            <a:r>
+              <a:rPr lang="en-US" dirty="0" smtClean="0"/>
+              <a:t>Tie</a:t>
+            </a:r>
+            <a:endParaRPr lang="en-US" dirty="0"/>
+          </a:p>
+        </p:txBody>
+      </p:sp>
+      <p:sp>
+        <p:nvSpPr>
+          <p:cNvPr id="8" name="TextBox 7"/>
+          <p:cNvSpPr txBox="1"/>
+          <p:nvPr/>
+        </p:nvSpPr>
+        <p:spPr>
+          <a:xfrm>
+            <a:off x="5257800" y="6096000"/>
+            <a:ext cx="465192" cy="369332"/>
+          </a:xfrm>
+          <a:prstGeom prst="rect">
+            <a:avLst/>
+          </a:prstGeom>
+          <a:noFill/>
+        </p:spPr>
+        <p:txBody>
+          <a:bodyPr wrap="none" rtlCol="0">
+            <a:spAutoFit/>
+          </a:bodyPr>
+          <a:lstStyle/>
+          <a:p>
+            <a:r>
+              <a:rPr lang="en-US" dirty="0" smtClean="0"/>
+              <a:t>Tie</a:t>
+            </a:r>
+            <a:endParaRPr lang="en-US" dirty="0"/>
+          </a:p>
+        </p:txBody>
+      </p:sp>
+      <p:sp>
+        <p:nvSpPr>
+          <p:cNvPr id="9" name="TextBox 8"/>
+          <p:cNvSpPr txBox="1"/>
+          <p:nvPr/>
+        </p:nvSpPr>
+        <p:spPr>
+          <a:xfrm>
+            <a:off x="1828800" y="6096000"/>
+            <a:ext cx="420308" cy="369332"/>
+          </a:xfrm>
+          <a:prstGeom prst="rect">
+            <a:avLst/>
+          </a:prstGeom>
+          <a:noFill/>
+        </p:spPr>
+        <p:txBody>
+          <a:bodyPr wrap="none" rtlCol="0">
+            <a:spAutoFit/>
+          </a:bodyPr>
+          <a:lstStyle/>
+          <a:p>
+            <a:r>
+              <a:rPr lang="en-US" smtClean="0"/>
+              <a:t>P2</a:t>
+            </a:r>
+            <a:endParaRPr lang="en-US" dirty="0"/>
+          </a:p>
+        </p:txBody>
+      </p:sp>
+      <p:sp>
+        <p:nvSpPr>
+          <p:cNvPr id="10" name="TextBox 9"/>
+          <p:cNvSpPr txBox="1"/>
+          <p:nvPr/>
+        </p:nvSpPr>
+        <p:spPr>
+          <a:xfrm>
+            <a:off x="2667000" y="6096000"/>
+            <a:ext cx="420308" cy="369332"/>
+          </a:xfrm>
+          <a:prstGeom prst="rect">
+            <a:avLst/>
+          </a:prstGeom>
+          <a:noFill/>
+        </p:spPr>
+        <p:txBody>
+          <a:bodyPr wrap="none" rtlCol="0">
+            <a:spAutoFit/>
+          </a:bodyPr>
+          <a:lstStyle/>
+          <a:p>
+            <a:r>
+              <a:rPr lang="en-US" smtClean="0"/>
+              <a:t>P2</a:t>
+            </a:r>
+            <a:endParaRPr lang="en-US" dirty="0"/>
+          </a:p>
+        </p:txBody>
+      </p:sp>
+      <p:sp>
+        <p:nvSpPr>
+          <p:cNvPr id="11" name="TextBox 10"/>
+          <p:cNvSpPr txBox="1"/>
+          <p:nvPr/>
+        </p:nvSpPr>
+        <p:spPr>
+          <a:xfrm>
+            <a:off x="6172200" y="6096000"/>
+            <a:ext cx="420308" cy="369332"/>
+          </a:xfrm>
+          <a:prstGeom prst="rect">
+            <a:avLst/>
+          </a:prstGeom>
+          <a:noFill/>
+        </p:spPr>
+        <p:txBody>
+          <a:bodyPr wrap="none" rtlCol="0">
+            <a:spAutoFit/>
+          </a:bodyPr>
+          <a:lstStyle/>
+          <a:p>
+            <a:r>
+              <a:rPr lang="en-US" smtClean="0"/>
+              <a:t>P2</a:t>
+            </a:r>
+            <a:endParaRPr lang="en-US" dirty="0"/>
+          </a:p>
+        </p:txBody>
+      </p:sp>
+      <p:sp>
+        <p:nvSpPr>
+          <p:cNvPr id="12" name="TextBox 11"/>
+          <p:cNvSpPr txBox="1"/>
+          <p:nvPr/>
+        </p:nvSpPr>
+        <p:spPr>
+          <a:xfrm>
+            <a:off x="7010400" y="6096000"/>
+            <a:ext cx="420308" cy="369332"/>
+          </a:xfrm>
+          <a:prstGeom prst="rect">
+            <a:avLst/>
+          </a:prstGeom>
+          <a:noFill/>
+        </p:spPr>
+        <p:txBody>
+          <a:bodyPr wrap="none" rtlCol="0">
+            <a:spAutoFit/>
+          </a:bodyPr>
+          <a:lstStyle/>
+          <a:p>
+            <a:r>
+              <a:rPr lang="en-US" dirty="0" smtClean="0"/>
+              <a:t>P2</a:t>
+            </a:r>
+            <a:endParaRPr lang="en-US" dirty="0"/>
+          </a:p>
+        </p:txBody>
+      </p:sp>
+    </p:spTree>
+  </p:cSld>
+  <p:clrMapOvr>
+    <a:masterClrMapping/>
+  </p:clrMapOvr>
+</p:sld>
+</file>
+
+<file path=ppt/slides/slide5.xml><?xml version="1.0" encoding="utf-8"?>
+<p:sld xmlns:a="http://schemas.openxmlformats.org/drawingml/2006/main" xmlns:r="http://schemas.openxmlformats.org/officeDocument/2006/relationships" xmlns:p="http://schemas.openxmlformats.org/presentationml/2006/main">
+  <p:cSld>
+    <p:spTree>
+      <p:nvGrpSpPr>
+        <p:cNvPr id="1" name=""/>
+        <p:cNvGrpSpPr/>
+        <p:nvPr/>
+      </p:nvGrpSpPr>
+      <p:grpSpPr>
+        <a:xfrm>
+          <a:off x="0" y="0"/>
+          <a:ext cx="0" cy="0"/>
+          <a:chOff x="0" y="0"/>
+          <a:chExt cx="0" cy="0"/>
+        </a:xfrm>
+      </p:grpSpPr>
+      <p:sp>
+        <p:nvSpPr>
+          <p:cNvPr id="2" name="Title 1"/>
+          <p:cNvSpPr>
+            <a:spLocks noGrp="1"/>
+          </p:cNvSpPr>
+          <p:nvPr>
+            <p:ph type="title"/>
+          </p:nvPr>
+        </p:nvSpPr>
+        <p:spPr/>
+        <p:txBody>
+          <a:bodyPr/>
+          <a:lstStyle/>
+          <a:p>
+            <a:endParaRPr lang="en-US" dirty="0"/>
+          </a:p>
+        </p:txBody>
+      </p:sp>
+      <p:sp>
+        <p:nvSpPr>
+          <p:cNvPr id="3" name="Content Placeholder 2"/>
+          <p:cNvSpPr>
+            <a:spLocks noGrp="1"/>
+          </p:cNvSpPr>
+          <p:nvPr>
+            <p:ph idx="1"/>
+          </p:nvPr>
+        </p:nvSpPr>
+        <p:spPr/>
+        <p:txBody>
+          <a:bodyPr/>
+          <a:lstStyle/>
+          <a:p>
+            <a:endParaRPr lang="en-US"/>
+          </a:p>
+        </p:txBody>
+      </p:sp>
+    </p:spTree>
+  </p:cSld>
+  <p:clrMapOvr>
+    <a:masterClrMapping/>
+  </p:clrMapOvr>
+</p:sld>
 </file>
 
 <file path=ppt/theme/theme1.xml><?xml version="1.0" encoding="utf-8"?>

--- a/FinalProject/FinalProjectPresentation.pptx
+++ b/FinalProject/FinalProjectPresentation.pptx
@@ -9,7 +9,11 @@
     <p:sldId id="257" r:id="rId3"/>
     <p:sldId id="258" r:id="rId4"/>
     <p:sldId id="259" r:id="rId5"/>
-    <p:sldId id="260" r:id="rId6"/>
+    <p:sldId id="261" r:id="rId6"/>
+    <p:sldId id="262" r:id="rId7"/>
+    <p:sldId id="263" r:id="rId8"/>
+    <p:sldId id="264" r:id="rId9"/>
+    <p:sldId id="265" r:id="rId10"/>
   </p:sldIdLst>
   <p:sldSz cx="9144000" cy="6858000" type="screen4x3"/>
   <p:notesSz cx="6858000" cy="9144000"/>
@@ -293,7 +297,7 @@
             <a:fld id="{1D8BD707-D9CF-40AE-B4C6-C98DA3205C09}" type="datetimeFigureOut">
               <a:rPr lang="en-US" smtClean="0"/>
               <a:pPr/>
-              <a:t>3/23/2015</a:t>
+              <a:t>4/6/2015</a:t>
             </a:fld>
             <a:endParaRPr lang="en-US"/>
           </a:p>
@@ -460,7 +464,7 @@
             <a:fld id="{1D8BD707-D9CF-40AE-B4C6-C98DA3205C09}" type="datetimeFigureOut">
               <a:rPr lang="en-US" smtClean="0"/>
               <a:pPr/>
-              <a:t>3/23/2015</a:t>
+              <a:t>4/6/2015</a:t>
             </a:fld>
             <a:endParaRPr lang="en-US"/>
           </a:p>
@@ -637,7 +641,7 @@
             <a:fld id="{1D8BD707-D9CF-40AE-B4C6-C98DA3205C09}" type="datetimeFigureOut">
               <a:rPr lang="en-US" smtClean="0"/>
               <a:pPr/>
-              <a:t>3/23/2015</a:t>
+              <a:t>4/6/2015</a:t>
             </a:fld>
             <a:endParaRPr lang="en-US"/>
           </a:p>
@@ -804,7 +808,7 @@
             <a:fld id="{1D8BD707-D9CF-40AE-B4C6-C98DA3205C09}" type="datetimeFigureOut">
               <a:rPr lang="en-US" smtClean="0"/>
               <a:pPr/>
-              <a:t>3/23/2015</a:t>
+              <a:t>4/6/2015</a:t>
             </a:fld>
             <a:endParaRPr lang="en-US"/>
           </a:p>
@@ -1047,7 +1051,7 @@
             <a:fld id="{1D8BD707-D9CF-40AE-B4C6-C98DA3205C09}" type="datetimeFigureOut">
               <a:rPr lang="en-US" smtClean="0"/>
               <a:pPr/>
-              <a:t>3/23/2015</a:t>
+              <a:t>4/6/2015</a:t>
             </a:fld>
             <a:endParaRPr lang="en-US"/>
           </a:p>
@@ -1332,7 +1336,7 @@
             <a:fld id="{1D8BD707-D9CF-40AE-B4C6-C98DA3205C09}" type="datetimeFigureOut">
               <a:rPr lang="en-US" smtClean="0"/>
               <a:pPr/>
-              <a:t>3/23/2015</a:t>
+              <a:t>4/6/2015</a:t>
             </a:fld>
             <a:endParaRPr lang="en-US"/>
           </a:p>
@@ -1751,7 +1755,7 @@
             <a:fld id="{1D8BD707-D9CF-40AE-B4C6-C98DA3205C09}" type="datetimeFigureOut">
               <a:rPr lang="en-US" smtClean="0"/>
               <a:pPr/>
-              <a:t>3/23/2015</a:t>
+              <a:t>4/6/2015</a:t>
             </a:fld>
             <a:endParaRPr lang="en-US"/>
           </a:p>
@@ -1866,7 +1870,7 @@
             <a:fld id="{1D8BD707-D9CF-40AE-B4C6-C98DA3205C09}" type="datetimeFigureOut">
               <a:rPr lang="en-US" smtClean="0"/>
               <a:pPr/>
-              <a:t>3/23/2015</a:t>
+              <a:t>4/6/2015</a:t>
             </a:fld>
             <a:endParaRPr lang="en-US"/>
           </a:p>
@@ -1958,7 +1962,7 @@
             <a:fld id="{1D8BD707-D9CF-40AE-B4C6-C98DA3205C09}" type="datetimeFigureOut">
               <a:rPr lang="en-US" smtClean="0"/>
               <a:pPr/>
-              <a:t>3/23/2015</a:t>
+              <a:t>4/6/2015</a:t>
             </a:fld>
             <a:endParaRPr lang="en-US"/>
           </a:p>
@@ -2232,7 +2236,7 @@
             <a:fld id="{1D8BD707-D9CF-40AE-B4C6-C98DA3205C09}" type="datetimeFigureOut">
               <a:rPr lang="en-US" smtClean="0"/>
               <a:pPr/>
-              <a:t>3/23/2015</a:t>
+              <a:t>4/6/2015</a:t>
             </a:fld>
             <a:endParaRPr lang="en-US"/>
           </a:p>
@@ -2482,7 +2486,7 @@
             <a:fld id="{1D8BD707-D9CF-40AE-B4C6-C98DA3205C09}" type="datetimeFigureOut">
               <a:rPr lang="en-US" smtClean="0"/>
               <a:pPr/>
-              <a:t>3/23/2015</a:t>
+              <a:t>4/6/2015</a:t>
             </a:fld>
             <a:endParaRPr lang="en-US"/>
           </a:p>
@@ -2692,7 +2696,7 @@
             <a:fld id="{1D8BD707-D9CF-40AE-B4C6-C98DA3205C09}" type="datetimeFigureOut">
               <a:rPr lang="en-US" smtClean="0"/>
               <a:pPr/>
-              <a:t>3/23/2015</a:t>
+              <a:t>4/6/2015</a:t>
             </a:fld>
             <a:endParaRPr lang="en-US"/>
           </a:p>
@@ -3710,6 +3714,10 @@
           <a:bodyPr/>
           <a:lstStyle/>
           <a:p>
+            <a:r>
+              <a:rPr lang="en-US" dirty="0" smtClean="0"/>
+              <a:t>Calculating Next Move</a:t>
+            </a:r>
             <a:endParaRPr lang="en-US" dirty="0"/>
           </a:p>
         </p:txBody>
@@ -3729,10 +3737,5276 @@
           <a:bodyPr/>
           <a:lstStyle/>
           <a:p>
-            <a:endParaRPr lang="en-US"/>
-          </a:p>
-        </p:txBody>
-      </p:sp>
+            <a:r>
+              <a:rPr lang="en-US" dirty="0" smtClean="0"/>
+              <a:t>Adjacent Blank Space = 1 point</a:t>
+            </a:r>
+          </a:p>
+          <a:p>
+            <a:r>
+              <a:rPr lang="en-US" dirty="0" smtClean="0"/>
+              <a:t>Adjacent Enemy Space = 2 points</a:t>
+            </a:r>
+          </a:p>
+          <a:p>
+            <a:r>
+              <a:rPr lang="en-US" dirty="0" smtClean="0"/>
+              <a:t>Adjacent Friendly Space = 4 points</a:t>
+            </a:r>
+          </a:p>
+          <a:p>
+            <a:r>
+              <a:rPr lang="en-US" dirty="0" smtClean="0"/>
+              <a:t>Enemy Wins with move = -max </a:t>
+            </a:r>
+            <a:r>
+              <a:rPr lang="en-US" dirty="0" err="1" smtClean="0"/>
+              <a:t>int</a:t>
+            </a:r>
+            <a:r>
+              <a:rPr lang="en-US" dirty="0" smtClean="0"/>
+              <a:t> points - 100</a:t>
+            </a:r>
+          </a:p>
+          <a:p>
+            <a:r>
+              <a:rPr lang="en-US" dirty="0" smtClean="0"/>
+              <a:t>Our move wins = max </a:t>
+            </a:r>
+            <a:r>
+              <a:rPr lang="en-US" dirty="0" err="1" smtClean="0"/>
+              <a:t>int</a:t>
+            </a:r>
+            <a:r>
+              <a:rPr lang="en-US" dirty="0" smtClean="0"/>
+              <a:t> points - 100</a:t>
+            </a:r>
+            <a:endParaRPr lang="en-US" dirty="0"/>
+          </a:p>
+        </p:txBody>
+      </p:sp>
+    </p:spTree>
+  </p:cSld>
+  <p:clrMapOvr>
+    <a:masterClrMapping/>
+  </p:clrMapOvr>
+</p:sld>
+</file>
+
+<file path=ppt/slides/slide6.xml><?xml version="1.0" encoding="utf-8"?>
+<p:sld xmlns:a="http://schemas.openxmlformats.org/drawingml/2006/main" xmlns:r="http://schemas.openxmlformats.org/officeDocument/2006/relationships" xmlns:p="http://schemas.openxmlformats.org/presentationml/2006/main">
+  <p:cSld>
+    <p:spTree>
+      <p:nvGrpSpPr>
+        <p:cNvPr id="1" name=""/>
+        <p:cNvGrpSpPr/>
+        <p:nvPr/>
+      </p:nvGrpSpPr>
+      <p:grpSpPr>
+        <a:xfrm>
+          <a:off x="0" y="0"/>
+          <a:ext cx="0" cy="0"/>
+          <a:chOff x="0" y="0"/>
+          <a:chExt cx="0" cy="0"/>
+        </a:xfrm>
+      </p:grpSpPr>
+      <p:sp>
+        <p:nvSpPr>
+          <p:cNvPr id="2" name="Title 1"/>
+          <p:cNvSpPr>
+            <a:spLocks noGrp="1"/>
+          </p:cNvSpPr>
+          <p:nvPr>
+            <p:ph type="title"/>
+          </p:nvPr>
+        </p:nvSpPr>
+        <p:spPr/>
+        <p:txBody>
+          <a:bodyPr/>
+          <a:lstStyle/>
+          <a:p>
+            <a:r>
+              <a:rPr lang="en-US" dirty="0" smtClean="0"/>
+              <a:t>Lesser </a:t>
+            </a:r>
+            <a:r>
+              <a:rPr lang="en-US" dirty="0" err="1" smtClean="0"/>
+              <a:t>Bot</a:t>
+            </a:r>
+            <a:r>
+              <a:rPr lang="en-US" dirty="0" smtClean="0"/>
+              <a:t> </a:t>
+            </a:r>
+            <a:r>
+              <a:rPr lang="en-US" dirty="0" err="1" smtClean="0"/>
+              <a:t>vs</a:t>
+            </a:r>
+            <a:r>
+              <a:rPr lang="en-US" dirty="0" smtClean="0"/>
+              <a:t> Greater </a:t>
+            </a:r>
+            <a:r>
+              <a:rPr lang="en-US" dirty="0" err="1" smtClean="0"/>
+              <a:t>Bot</a:t>
+            </a:r>
+            <a:endParaRPr lang="en-US" dirty="0"/>
+          </a:p>
+        </p:txBody>
+      </p:sp>
+      <p:sp>
+        <p:nvSpPr>
+          <p:cNvPr id="3" name="Content Placeholder 2"/>
+          <p:cNvSpPr>
+            <a:spLocks noGrp="1"/>
+          </p:cNvSpPr>
+          <p:nvPr>
+            <p:ph idx="1"/>
+          </p:nvPr>
+        </p:nvSpPr>
+        <p:spPr/>
+        <p:txBody>
+          <a:bodyPr/>
+          <a:lstStyle/>
+          <a:p>
+            <a:r>
+              <a:rPr lang="en-US" dirty="0" smtClean="0"/>
+              <a:t>Lesser </a:t>
+            </a:r>
+            <a:r>
+              <a:rPr lang="en-US" dirty="0" err="1" smtClean="0"/>
+              <a:t>bot</a:t>
+            </a:r>
+            <a:r>
+              <a:rPr lang="en-US" dirty="0" smtClean="0"/>
+              <a:t> calculates only its current moves and what it’s optimal move is</a:t>
+            </a:r>
+          </a:p>
+          <a:p>
+            <a:r>
+              <a:rPr lang="en-US" dirty="0" smtClean="0"/>
+              <a:t>Greater </a:t>
+            </a:r>
+            <a:r>
+              <a:rPr lang="en-US" dirty="0" err="1" smtClean="0"/>
+              <a:t>bot</a:t>
+            </a:r>
+            <a:r>
+              <a:rPr lang="en-US" dirty="0" smtClean="0"/>
+              <a:t> calculates the best move considering the best move for the opponent with the move that Greater boot made</a:t>
+            </a:r>
+            <a:endParaRPr lang="en-US" dirty="0"/>
+          </a:p>
+        </p:txBody>
+      </p:sp>
+    </p:spTree>
+  </p:cSld>
+  <p:clrMapOvr>
+    <a:masterClrMapping/>
+  </p:clrMapOvr>
+</p:sld>
+</file>
+
+<file path=ppt/slides/slide7.xml><?xml version="1.0" encoding="utf-8"?>
+<p:sld xmlns:a="http://schemas.openxmlformats.org/drawingml/2006/main" xmlns:r="http://schemas.openxmlformats.org/officeDocument/2006/relationships" xmlns:p="http://schemas.openxmlformats.org/presentationml/2006/main">
+  <p:cSld>
+    <p:spTree>
+      <p:nvGrpSpPr>
+        <p:cNvPr id="1" name=""/>
+        <p:cNvGrpSpPr/>
+        <p:nvPr/>
+      </p:nvGrpSpPr>
+      <p:grpSpPr>
+        <a:xfrm>
+          <a:off x="0" y="0"/>
+          <a:ext cx="0" cy="0"/>
+          <a:chOff x="0" y="0"/>
+          <a:chExt cx="0" cy="0"/>
+        </a:xfrm>
+      </p:grpSpPr>
+      <p:sp>
+        <p:nvSpPr>
+          <p:cNvPr id="2" name="Title 1"/>
+          <p:cNvSpPr>
+            <a:spLocks noGrp="1"/>
+          </p:cNvSpPr>
+          <p:nvPr>
+            <p:ph type="title"/>
+          </p:nvPr>
+        </p:nvSpPr>
+        <p:spPr/>
+        <p:txBody>
+          <a:bodyPr/>
+          <a:lstStyle/>
+          <a:p>
+            <a:r>
+              <a:rPr lang="en-US" dirty="0" err="1" smtClean="0"/>
+              <a:t>Nega</a:t>
+            </a:r>
+            <a:r>
+              <a:rPr lang="en-US" dirty="0" smtClean="0"/>
+              <a:t>-Max Lesser </a:t>
+            </a:r>
+            <a:r>
+              <a:rPr lang="en-US" dirty="0" err="1" smtClean="0"/>
+              <a:t>Bot</a:t>
+            </a:r>
+            <a:endParaRPr lang="en-US" dirty="0"/>
+          </a:p>
+        </p:txBody>
+      </p:sp>
+      <p:sp>
+        <p:nvSpPr>
+          <p:cNvPr id="4" name="Oval 3"/>
+          <p:cNvSpPr/>
+          <p:nvPr/>
+        </p:nvSpPr>
+        <p:spPr>
+          <a:xfrm>
+            <a:off x="3810000" y="1295400"/>
+            <a:ext cx="1371600" cy="1371600"/>
+          </a:xfrm>
+          <a:prstGeom prst="ellipse">
+            <a:avLst/>
+          </a:prstGeom>
+        </p:spPr>
+        <p:style>
+          <a:lnRef idx="2">
+            <a:schemeClr val="accent1">
+              <a:shade val="50000"/>
+            </a:schemeClr>
+          </a:lnRef>
+          <a:fillRef idx="1">
+            <a:schemeClr val="accent1"/>
+          </a:fillRef>
+          <a:effectRef idx="0">
+            <a:schemeClr val="accent1"/>
+          </a:effectRef>
+          <a:fontRef idx="minor">
+            <a:schemeClr val="lt1"/>
+          </a:fontRef>
+        </p:style>
+        <p:txBody>
+          <a:bodyPr rtlCol="0" anchor="ctr"/>
+          <a:lstStyle/>
+          <a:p>
+            <a:pPr algn="ctr"/>
+            <a:r>
+              <a:rPr lang="en-US" dirty="0" smtClean="0"/>
+              <a:t>Max = 12</a:t>
+            </a:r>
+            <a:endParaRPr lang="en-US" dirty="0"/>
+          </a:p>
+        </p:txBody>
+      </p:sp>
+      <p:sp>
+        <p:nvSpPr>
+          <p:cNvPr id="9" name="Oval 8"/>
+          <p:cNvSpPr/>
+          <p:nvPr/>
+        </p:nvSpPr>
+        <p:spPr>
+          <a:xfrm>
+            <a:off x="7772400" y="2971800"/>
+            <a:ext cx="1143000" cy="1143000"/>
+          </a:xfrm>
+          <a:prstGeom prst="ellipse">
+            <a:avLst/>
+          </a:prstGeom>
+        </p:spPr>
+        <p:style>
+          <a:lnRef idx="2">
+            <a:schemeClr val="accent1">
+              <a:shade val="50000"/>
+            </a:schemeClr>
+          </a:lnRef>
+          <a:fillRef idx="1">
+            <a:schemeClr val="accent1"/>
+          </a:fillRef>
+          <a:effectRef idx="0">
+            <a:schemeClr val="accent1"/>
+          </a:effectRef>
+          <a:fontRef idx="minor">
+            <a:schemeClr val="lt1"/>
+          </a:fontRef>
+        </p:style>
+        <p:txBody>
+          <a:bodyPr rtlCol="0" anchor="ctr"/>
+          <a:lstStyle/>
+          <a:p>
+            <a:pPr algn="ctr"/>
+            <a:r>
+              <a:rPr lang="en-US" dirty="0" smtClean="0"/>
+              <a:t>+12</a:t>
+            </a:r>
+            <a:endParaRPr lang="en-US" dirty="0"/>
+          </a:p>
+        </p:txBody>
+      </p:sp>
+      <p:sp>
+        <p:nvSpPr>
+          <p:cNvPr id="12" name="Oval 11"/>
+          <p:cNvSpPr/>
+          <p:nvPr/>
+        </p:nvSpPr>
+        <p:spPr>
+          <a:xfrm>
+            <a:off x="5257800" y="2971800"/>
+            <a:ext cx="1143000" cy="1143000"/>
+          </a:xfrm>
+          <a:prstGeom prst="ellipse">
+            <a:avLst/>
+          </a:prstGeom>
+        </p:spPr>
+        <p:style>
+          <a:lnRef idx="2">
+            <a:schemeClr val="accent1">
+              <a:shade val="50000"/>
+            </a:schemeClr>
+          </a:lnRef>
+          <a:fillRef idx="1">
+            <a:schemeClr val="accent1"/>
+          </a:fillRef>
+          <a:effectRef idx="0">
+            <a:schemeClr val="accent1"/>
+          </a:effectRef>
+          <a:fontRef idx="minor">
+            <a:schemeClr val="lt1"/>
+          </a:fontRef>
+        </p:style>
+        <p:txBody>
+          <a:bodyPr rtlCol="0" anchor="ctr"/>
+          <a:lstStyle/>
+          <a:p>
+            <a:pPr algn="ctr"/>
+            <a:r>
+              <a:rPr lang="en-US" dirty="0" smtClean="0"/>
+              <a:t>+1</a:t>
+            </a:r>
+            <a:endParaRPr lang="en-US" dirty="0"/>
+          </a:p>
+        </p:txBody>
+      </p:sp>
+      <p:sp>
+        <p:nvSpPr>
+          <p:cNvPr id="13" name="Oval 12"/>
+          <p:cNvSpPr/>
+          <p:nvPr/>
+        </p:nvSpPr>
+        <p:spPr>
+          <a:xfrm>
+            <a:off x="2743200" y="2971800"/>
+            <a:ext cx="1143000" cy="1143000"/>
+          </a:xfrm>
+          <a:prstGeom prst="ellipse">
+            <a:avLst/>
+          </a:prstGeom>
+        </p:spPr>
+        <p:style>
+          <a:lnRef idx="2">
+            <a:schemeClr val="accent1">
+              <a:shade val="50000"/>
+            </a:schemeClr>
+          </a:lnRef>
+          <a:fillRef idx="1">
+            <a:schemeClr val="accent1"/>
+          </a:fillRef>
+          <a:effectRef idx="0">
+            <a:schemeClr val="accent1"/>
+          </a:effectRef>
+          <a:fontRef idx="minor">
+            <a:schemeClr val="lt1"/>
+          </a:fontRef>
+        </p:style>
+        <p:txBody>
+          <a:bodyPr rtlCol="0" anchor="ctr"/>
+          <a:lstStyle/>
+          <a:p>
+            <a:pPr algn="ctr"/>
+            <a:r>
+              <a:rPr lang="en-US" dirty="0" smtClean="0"/>
+              <a:t>+7</a:t>
+            </a:r>
+            <a:endParaRPr lang="en-US" dirty="0"/>
+          </a:p>
+        </p:txBody>
+      </p:sp>
+      <p:sp>
+        <p:nvSpPr>
+          <p:cNvPr id="14" name="Oval 13"/>
+          <p:cNvSpPr/>
+          <p:nvPr/>
+        </p:nvSpPr>
+        <p:spPr>
+          <a:xfrm>
+            <a:off x="6515100" y="2971800"/>
+            <a:ext cx="1143000" cy="1143000"/>
+          </a:xfrm>
+          <a:prstGeom prst="ellipse">
+            <a:avLst/>
+          </a:prstGeom>
+        </p:spPr>
+        <p:style>
+          <a:lnRef idx="2">
+            <a:schemeClr val="accent1">
+              <a:shade val="50000"/>
+            </a:schemeClr>
+          </a:lnRef>
+          <a:fillRef idx="1">
+            <a:schemeClr val="accent1"/>
+          </a:fillRef>
+          <a:effectRef idx="0">
+            <a:schemeClr val="accent1"/>
+          </a:effectRef>
+          <a:fontRef idx="minor">
+            <a:schemeClr val="lt1"/>
+          </a:fontRef>
+        </p:style>
+        <p:txBody>
+          <a:bodyPr rtlCol="0" anchor="ctr"/>
+          <a:lstStyle/>
+          <a:p>
+            <a:pPr algn="ctr"/>
+            <a:r>
+              <a:rPr lang="en-US" dirty="0" smtClean="0"/>
+              <a:t>+7</a:t>
+            </a:r>
+            <a:endParaRPr lang="en-US" dirty="0"/>
+          </a:p>
+        </p:txBody>
+      </p:sp>
+      <p:sp>
+        <p:nvSpPr>
+          <p:cNvPr id="15" name="Oval 14"/>
+          <p:cNvSpPr/>
+          <p:nvPr/>
+        </p:nvSpPr>
+        <p:spPr>
+          <a:xfrm>
+            <a:off x="4000500" y="2971800"/>
+            <a:ext cx="1143000" cy="1143000"/>
+          </a:xfrm>
+          <a:prstGeom prst="ellipse">
+            <a:avLst/>
+          </a:prstGeom>
+        </p:spPr>
+        <p:style>
+          <a:lnRef idx="2">
+            <a:schemeClr val="accent1">
+              <a:shade val="50000"/>
+            </a:schemeClr>
+          </a:lnRef>
+          <a:fillRef idx="1">
+            <a:schemeClr val="accent1"/>
+          </a:fillRef>
+          <a:effectRef idx="0">
+            <a:schemeClr val="accent1"/>
+          </a:effectRef>
+          <a:fontRef idx="minor">
+            <a:schemeClr val="lt1"/>
+          </a:fontRef>
+        </p:style>
+        <p:txBody>
+          <a:bodyPr rtlCol="0" anchor="ctr"/>
+          <a:lstStyle/>
+          <a:p>
+            <a:pPr algn="ctr"/>
+            <a:r>
+              <a:rPr lang="en-US" dirty="0" smtClean="0"/>
+              <a:t>+7</a:t>
+            </a:r>
+            <a:endParaRPr lang="en-US" dirty="0"/>
+          </a:p>
+        </p:txBody>
+      </p:sp>
+      <p:sp>
+        <p:nvSpPr>
+          <p:cNvPr id="16" name="Oval 15"/>
+          <p:cNvSpPr/>
+          <p:nvPr/>
+        </p:nvSpPr>
+        <p:spPr>
+          <a:xfrm>
+            <a:off x="1485900" y="2971800"/>
+            <a:ext cx="1143000" cy="1143000"/>
+          </a:xfrm>
+          <a:prstGeom prst="ellipse">
+            <a:avLst/>
+          </a:prstGeom>
+        </p:spPr>
+        <p:style>
+          <a:lnRef idx="2">
+            <a:schemeClr val="accent1">
+              <a:shade val="50000"/>
+            </a:schemeClr>
+          </a:lnRef>
+          <a:fillRef idx="1">
+            <a:schemeClr val="accent1"/>
+          </a:fillRef>
+          <a:effectRef idx="0">
+            <a:schemeClr val="accent1"/>
+          </a:effectRef>
+          <a:fontRef idx="minor">
+            <a:schemeClr val="lt1"/>
+          </a:fontRef>
+        </p:style>
+        <p:txBody>
+          <a:bodyPr rtlCol="0" anchor="ctr"/>
+          <a:lstStyle/>
+          <a:p>
+            <a:pPr algn="ctr"/>
+            <a:r>
+              <a:rPr lang="en-US" dirty="0" smtClean="0"/>
+              <a:t>+8</a:t>
+            </a:r>
+            <a:endParaRPr lang="en-US" dirty="0"/>
+          </a:p>
+        </p:txBody>
+      </p:sp>
+      <p:sp>
+        <p:nvSpPr>
+          <p:cNvPr id="17" name="Oval 16"/>
+          <p:cNvSpPr/>
+          <p:nvPr/>
+        </p:nvSpPr>
+        <p:spPr>
+          <a:xfrm>
+            <a:off x="228600" y="2971800"/>
+            <a:ext cx="1143000" cy="1143000"/>
+          </a:xfrm>
+          <a:prstGeom prst="ellipse">
+            <a:avLst/>
+          </a:prstGeom>
+        </p:spPr>
+        <p:style>
+          <a:lnRef idx="2">
+            <a:schemeClr val="accent1">
+              <a:shade val="50000"/>
+            </a:schemeClr>
+          </a:lnRef>
+          <a:fillRef idx="1">
+            <a:schemeClr val="accent1"/>
+          </a:fillRef>
+          <a:effectRef idx="0">
+            <a:schemeClr val="accent1"/>
+          </a:effectRef>
+          <a:fontRef idx="minor">
+            <a:schemeClr val="lt1"/>
+          </a:fontRef>
+        </p:style>
+        <p:txBody>
+          <a:bodyPr rtlCol="0" anchor="ctr"/>
+          <a:lstStyle/>
+          <a:p>
+            <a:pPr algn="ctr"/>
+            <a:r>
+              <a:rPr lang="en-US" dirty="0" smtClean="0"/>
+              <a:t>+1</a:t>
+            </a:r>
+            <a:endParaRPr lang="en-US" dirty="0"/>
+          </a:p>
+        </p:txBody>
+      </p:sp>
+      <p:cxnSp>
+        <p:nvCxnSpPr>
+          <p:cNvPr id="19" name="Straight Connector 18"/>
+          <p:cNvCxnSpPr>
+            <a:stCxn id="4" idx="4"/>
+            <a:endCxn id="17" idx="0"/>
+          </p:cNvCxnSpPr>
+          <p:nvPr/>
+        </p:nvCxnSpPr>
+        <p:spPr>
+          <a:xfrm rot="5400000">
+            <a:off x="2495550" y="971550"/>
+            <a:ext cx="304800" cy="3695700"/>
+          </a:xfrm>
+          <a:prstGeom prst="line">
+            <a:avLst/>
+          </a:prstGeom>
+        </p:spPr>
+        <p:style>
+          <a:lnRef idx="1">
+            <a:schemeClr val="accent1"/>
+          </a:lnRef>
+          <a:fillRef idx="0">
+            <a:schemeClr val="accent1"/>
+          </a:fillRef>
+          <a:effectRef idx="0">
+            <a:schemeClr val="accent1"/>
+          </a:effectRef>
+          <a:fontRef idx="minor">
+            <a:schemeClr val="tx1"/>
+          </a:fontRef>
+        </p:style>
+      </p:cxnSp>
+      <p:cxnSp>
+        <p:nvCxnSpPr>
+          <p:cNvPr id="21" name="Straight Connector 20"/>
+          <p:cNvCxnSpPr>
+            <a:stCxn id="16" idx="0"/>
+            <a:endCxn id="4" idx="4"/>
+          </p:cNvCxnSpPr>
+          <p:nvPr/>
+        </p:nvCxnSpPr>
+        <p:spPr>
+          <a:xfrm rot="5400000" flipH="1" flipV="1">
+            <a:off x="3124200" y="1600200"/>
+            <a:ext cx="304800" cy="2438400"/>
+          </a:xfrm>
+          <a:prstGeom prst="line">
+            <a:avLst/>
+          </a:prstGeom>
+        </p:spPr>
+        <p:style>
+          <a:lnRef idx="1">
+            <a:schemeClr val="accent1"/>
+          </a:lnRef>
+          <a:fillRef idx="0">
+            <a:schemeClr val="accent1"/>
+          </a:fillRef>
+          <a:effectRef idx="0">
+            <a:schemeClr val="accent1"/>
+          </a:effectRef>
+          <a:fontRef idx="minor">
+            <a:schemeClr val="tx1"/>
+          </a:fontRef>
+        </p:style>
+      </p:cxnSp>
+      <p:cxnSp>
+        <p:nvCxnSpPr>
+          <p:cNvPr id="23" name="Straight Connector 22"/>
+          <p:cNvCxnSpPr>
+            <a:stCxn id="4" idx="4"/>
+            <a:endCxn id="15" idx="0"/>
+          </p:cNvCxnSpPr>
+          <p:nvPr/>
+        </p:nvCxnSpPr>
+        <p:spPr>
+          <a:xfrm rot="16200000" flipH="1">
+            <a:off x="4381500" y="2781300"/>
+            <a:ext cx="304800" cy="76200"/>
+          </a:xfrm>
+          <a:prstGeom prst="line">
+            <a:avLst/>
+          </a:prstGeom>
+        </p:spPr>
+        <p:style>
+          <a:lnRef idx="1">
+            <a:schemeClr val="accent1"/>
+          </a:lnRef>
+          <a:fillRef idx="0">
+            <a:schemeClr val="accent1"/>
+          </a:fillRef>
+          <a:effectRef idx="0">
+            <a:schemeClr val="accent1"/>
+          </a:effectRef>
+          <a:fontRef idx="minor">
+            <a:schemeClr val="tx1"/>
+          </a:fontRef>
+        </p:style>
+      </p:cxnSp>
+      <p:cxnSp>
+        <p:nvCxnSpPr>
+          <p:cNvPr id="25" name="Straight Connector 24"/>
+          <p:cNvCxnSpPr>
+            <a:stCxn id="13" idx="0"/>
+            <a:endCxn id="4" idx="4"/>
+          </p:cNvCxnSpPr>
+          <p:nvPr/>
+        </p:nvCxnSpPr>
+        <p:spPr>
+          <a:xfrm rot="5400000" flipH="1" flipV="1">
+            <a:off x="3752850" y="2228850"/>
+            <a:ext cx="304800" cy="1181100"/>
+          </a:xfrm>
+          <a:prstGeom prst="line">
+            <a:avLst/>
+          </a:prstGeom>
+        </p:spPr>
+        <p:style>
+          <a:lnRef idx="1">
+            <a:schemeClr val="accent1"/>
+          </a:lnRef>
+          <a:fillRef idx="0">
+            <a:schemeClr val="accent1"/>
+          </a:fillRef>
+          <a:effectRef idx="0">
+            <a:schemeClr val="accent1"/>
+          </a:effectRef>
+          <a:fontRef idx="minor">
+            <a:schemeClr val="tx1"/>
+          </a:fontRef>
+        </p:style>
+      </p:cxnSp>
+      <p:cxnSp>
+        <p:nvCxnSpPr>
+          <p:cNvPr id="27" name="Straight Connector 26"/>
+          <p:cNvCxnSpPr>
+            <a:stCxn id="12" idx="0"/>
+            <a:endCxn id="4" idx="4"/>
+          </p:cNvCxnSpPr>
+          <p:nvPr/>
+        </p:nvCxnSpPr>
+        <p:spPr>
+          <a:xfrm rot="16200000" flipV="1">
+            <a:off x="5010150" y="2152650"/>
+            <a:ext cx="304800" cy="1333500"/>
+          </a:xfrm>
+          <a:prstGeom prst="line">
+            <a:avLst/>
+          </a:prstGeom>
+        </p:spPr>
+        <p:style>
+          <a:lnRef idx="1">
+            <a:schemeClr val="accent1"/>
+          </a:lnRef>
+          <a:fillRef idx="0">
+            <a:schemeClr val="accent1"/>
+          </a:fillRef>
+          <a:effectRef idx="0">
+            <a:schemeClr val="accent1"/>
+          </a:effectRef>
+          <a:fontRef idx="minor">
+            <a:schemeClr val="tx1"/>
+          </a:fontRef>
+        </p:style>
+      </p:cxnSp>
+      <p:cxnSp>
+        <p:nvCxnSpPr>
+          <p:cNvPr id="29" name="Straight Connector 28"/>
+          <p:cNvCxnSpPr>
+            <a:stCxn id="14" idx="0"/>
+            <a:endCxn id="4" idx="4"/>
+          </p:cNvCxnSpPr>
+          <p:nvPr/>
+        </p:nvCxnSpPr>
+        <p:spPr>
+          <a:xfrm rot="16200000" flipV="1">
+            <a:off x="5638800" y="1524000"/>
+            <a:ext cx="304800" cy="2590800"/>
+          </a:xfrm>
+          <a:prstGeom prst="line">
+            <a:avLst/>
+          </a:prstGeom>
+        </p:spPr>
+        <p:style>
+          <a:lnRef idx="1">
+            <a:schemeClr val="accent1"/>
+          </a:lnRef>
+          <a:fillRef idx="0">
+            <a:schemeClr val="accent1"/>
+          </a:fillRef>
+          <a:effectRef idx="0">
+            <a:schemeClr val="accent1"/>
+          </a:effectRef>
+          <a:fontRef idx="minor">
+            <a:schemeClr val="tx1"/>
+          </a:fontRef>
+        </p:style>
+      </p:cxnSp>
+      <p:cxnSp>
+        <p:nvCxnSpPr>
+          <p:cNvPr id="31" name="Straight Connector 30"/>
+          <p:cNvCxnSpPr>
+            <a:stCxn id="9" idx="0"/>
+            <a:endCxn id="4" idx="4"/>
+          </p:cNvCxnSpPr>
+          <p:nvPr/>
+        </p:nvCxnSpPr>
+        <p:spPr>
+          <a:xfrm rot="16200000" flipV="1">
+            <a:off x="6267450" y="895350"/>
+            <a:ext cx="304800" cy="3848100"/>
+          </a:xfrm>
+          <a:prstGeom prst="line">
+            <a:avLst/>
+          </a:prstGeom>
+        </p:spPr>
+        <p:style>
+          <a:lnRef idx="1">
+            <a:schemeClr val="accent1"/>
+          </a:lnRef>
+          <a:fillRef idx="0">
+            <a:schemeClr val="accent1"/>
+          </a:fillRef>
+          <a:effectRef idx="0">
+            <a:schemeClr val="accent1"/>
+          </a:effectRef>
+          <a:fontRef idx="minor">
+            <a:schemeClr val="tx1"/>
+          </a:fontRef>
+        </p:style>
+      </p:cxnSp>
+    </p:spTree>
+  </p:cSld>
+  <p:clrMapOvr>
+    <a:masterClrMapping/>
+  </p:clrMapOvr>
+</p:sld>
+</file>
+
+<file path=ppt/slides/slide8.xml><?xml version="1.0" encoding="utf-8"?>
+<p:sld xmlns:a="http://schemas.openxmlformats.org/drawingml/2006/main" xmlns:r="http://schemas.openxmlformats.org/officeDocument/2006/relationships" xmlns:p="http://schemas.openxmlformats.org/presentationml/2006/main">
+  <p:cSld>
+    <p:spTree>
+      <p:nvGrpSpPr>
+        <p:cNvPr id="1" name=""/>
+        <p:cNvGrpSpPr/>
+        <p:nvPr/>
+      </p:nvGrpSpPr>
+      <p:grpSpPr>
+        <a:xfrm>
+          <a:off x="0" y="0"/>
+          <a:ext cx="0" cy="0"/>
+          <a:chOff x="0" y="0"/>
+          <a:chExt cx="0" cy="0"/>
+        </a:xfrm>
+      </p:grpSpPr>
+      <p:sp>
+        <p:nvSpPr>
+          <p:cNvPr id="2" name="Title 1"/>
+          <p:cNvSpPr>
+            <a:spLocks noGrp="1"/>
+          </p:cNvSpPr>
+          <p:nvPr>
+            <p:ph type="title"/>
+          </p:nvPr>
+        </p:nvSpPr>
+        <p:spPr>
+          <a:xfrm>
+            <a:off x="381000" y="-152400"/>
+            <a:ext cx="8229600" cy="1143000"/>
+          </a:xfrm>
+        </p:spPr>
+        <p:txBody>
+          <a:bodyPr/>
+          <a:lstStyle/>
+          <a:p>
+            <a:r>
+              <a:rPr lang="en-US" dirty="0" err="1" smtClean="0"/>
+              <a:t>Nega</a:t>
+            </a:r>
+            <a:r>
+              <a:rPr lang="en-US" dirty="0" smtClean="0"/>
+              <a:t>-Max Greater </a:t>
+            </a:r>
+            <a:r>
+              <a:rPr lang="en-US" dirty="0" err="1" smtClean="0"/>
+              <a:t>Bot</a:t>
+            </a:r>
+            <a:endParaRPr lang="en-US" dirty="0"/>
+          </a:p>
+        </p:txBody>
+      </p:sp>
+      <p:sp>
+        <p:nvSpPr>
+          <p:cNvPr id="4" name="Oval 3"/>
+          <p:cNvSpPr/>
+          <p:nvPr/>
+        </p:nvSpPr>
+        <p:spPr>
+          <a:xfrm>
+            <a:off x="3886200" y="640080"/>
+            <a:ext cx="731520" cy="731520"/>
+          </a:xfrm>
+          <a:prstGeom prst="ellipse">
+            <a:avLst/>
+          </a:prstGeom>
+        </p:spPr>
+        <p:style>
+          <a:lnRef idx="2">
+            <a:schemeClr val="accent1">
+              <a:shade val="50000"/>
+            </a:schemeClr>
+          </a:lnRef>
+          <a:fillRef idx="1">
+            <a:schemeClr val="accent1"/>
+          </a:fillRef>
+          <a:effectRef idx="0">
+            <a:schemeClr val="accent1"/>
+          </a:effectRef>
+          <a:fontRef idx="minor">
+            <a:schemeClr val="lt1"/>
+          </a:fontRef>
+        </p:style>
+        <p:txBody>
+          <a:bodyPr rtlCol="0" anchor="ctr"/>
+          <a:lstStyle/>
+          <a:p>
+            <a:pPr algn="ctr"/>
+            <a:r>
+              <a:rPr lang="en-US" dirty="0" smtClean="0"/>
+              <a:t>-6</a:t>
+            </a:r>
+            <a:endParaRPr lang="en-US" dirty="0"/>
+          </a:p>
+        </p:txBody>
+      </p:sp>
+      <p:sp>
+        <p:nvSpPr>
+          <p:cNvPr id="9" name="Oval 8"/>
+          <p:cNvSpPr/>
+          <p:nvPr/>
+        </p:nvSpPr>
+        <p:spPr>
+          <a:xfrm>
+            <a:off x="7848600" y="1600200"/>
+            <a:ext cx="609600" cy="609600"/>
+          </a:xfrm>
+          <a:prstGeom prst="ellipse">
+            <a:avLst/>
+          </a:prstGeom>
+        </p:spPr>
+        <p:style>
+          <a:lnRef idx="2">
+            <a:schemeClr val="accent1">
+              <a:shade val="50000"/>
+            </a:schemeClr>
+          </a:lnRef>
+          <a:fillRef idx="1">
+            <a:schemeClr val="accent1"/>
+          </a:fillRef>
+          <a:effectRef idx="0">
+            <a:schemeClr val="accent1"/>
+          </a:effectRef>
+          <a:fontRef idx="minor">
+            <a:schemeClr val="lt1"/>
+          </a:fontRef>
+        </p:style>
+        <p:txBody>
+          <a:bodyPr rtlCol="0" anchor="ctr"/>
+          <a:lstStyle/>
+          <a:p>
+            <a:pPr algn="ctr"/>
+            <a:r>
+              <a:rPr lang="en-US" dirty="0" smtClean="0"/>
+              <a:t>-9</a:t>
+            </a:r>
+            <a:endParaRPr lang="en-US" dirty="0"/>
+          </a:p>
+        </p:txBody>
+      </p:sp>
+      <p:sp>
+        <p:nvSpPr>
+          <p:cNvPr id="12" name="Oval 11"/>
+          <p:cNvSpPr/>
+          <p:nvPr/>
+        </p:nvSpPr>
+        <p:spPr>
+          <a:xfrm>
+            <a:off x="5334000" y="1600200"/>
+            <a:ext cx="609600" cy="609600"/>
+          </a:xfrm>
+          <a:prstGeom prst="ellipse">
+            <a:avLst/>
+          </a:prstGeom>
+        </p:spPr>
+        <p:style>
+          <a:lnRef idx="2">
+            <a:schemeClr val="accent1">
+              <a:shade val="50000"/>
+            </a:schemeClr>
+          </a:lnRef>
+          <a:fillRef idx="1">
+            <a:schemeClr val="accent1"/>
+          </a:fillRef>
+          <a:effectRef idx="0">
+            <a:schemeClr val="accent1"/>
+          </a:effectRef>
+          <a:fontRef idx="minor">
+            <a:schemeClr val="lt1"/>
+          </a:fontRef>
+        </p:style>
+        <p:txBody>
+          <a:bodyPr rtlCol="0" anchor="ctr"/>
+          <a:lstStyle/>
+          <a:p>
+            <a:pPr algn="ctr"/>
+            <a:r>
+              <a:rPr lang="en-US" dirty="0" smtClean="0"/>
+              <a:t>-9</a:t>
+            </a:r>
+            <a:endParaRPr lang="en-US" dirty="0"/>
+          </a:p>
+        </p:txBody>
+      </p:sp>
+      <p:sp>
+        <p:nvSpPr>
+          <p:cNvPr id="13" name="Oval 12"/>
+          <p:cNvSpPr/>
+          <p:nvPr/>
+        </p:nvSpPr>
+        <p:spPr>
+          <a:xfrm>
+            <a:off x="2819400" y="1600200"/>
+            <a:ext cx="609600" cy="609600"/>
+          </a:xfrm>
+          <a:prstGeom prst="ellipse">
+            <a:avLst/>
+          </a:prstGeom>
+        </p:spPr>
+        <p:style>
+          <a:lnRef idx="2">
+            <a:schemeClr val="accent1">
+              <a:shade val="50000"/>
+            </a:schemeClr>
+          </a:lnRef>
+          <a:fillRef idx="1">
+            <a:schemeClr val="accent1"/>
+          </a:fillRef>
+          <a:effectRef idx="0">
+            <a:schemeClr val="accent1"/>
+          </a:effectRef>
+          <a:fontRef idx="minor">
+            <a:schemeClr val="lt1"/>
+          </a:fontRef>
+        </p:style>
+        <p:txBody>
+          <a:bodyPr rtlCol="0" anchor="ctr"/>
+          <a:lstStyle/>
+          <a:p>
+            <a:pPr algn="ctr"/>
+            <a:r>
+              <a:rPr lang="en-US" dirty="0" smtClean="0"/>
+              <a:t>-6</a:t>
+            </a:r>
+            <a:endParaRPr lang="en-US" dirty="0"/>
+          </a:p>
+        </p:txBody>
+      </p:sp>
+      <p:sp>
+        <p:nvSpPr>
+          <p:cNvPr id="14" name="Oval 13"/>
+          <p:cNvSpPr/>
+          <p:nvPr/>
+        </p:nvSpPr>
+        <p:spPr>
+          <a:xfrm>
+            <a:off x="6591300" y="1600200"/>
+            <a:ext cx="609600" cy="609600"/>
+          </a:xfrm>
+          <a:prstGeom prst="ellipse">
+            <a:avLst/>
+          </a:prstGeom>
+        </p:spPr>
+        <p:style>
+          <a:lnRef idx="2">
+            <a:schemeClr val="accent1">
+              <a:shade val="50000"/>
+            </a:schemeClr>
+          </a:lnRef>
+          <a:fillRef idx="1">
+            <a:schemeClr val="accent1"/>
+          </a:fillRef>
+          <a:effectRef idx="0">
+            <a:schemeClr val="accent1"/>
+          </a:effectRef>
+          <a:fontRef idx="minor">
+            <a:schemeClr val="lt1"/>
+          </a:fontRef>
+        </p:style>
+        <p:txBody>
+          <a:bodyPr rtlCol="0" anchor="ctr"/>
+          <a:lstStyle/>
+          <a:p>
+            <a:pPr algn="ctr"/>
+            <a:r>
+              <a:rPr lang="en-US" dirty="0" smtClean="0"/>
+              <a:t>-9</a:t>
+            </a:r>
+            <a:endParaRPr lang="en-US" dirty="0"/>
+          </a:p>
+        </p:txBody>
+      </p:sp>
+      <p:sp>
+        <p:nvSpPr>
+          <p:cNvPr id="15" name="Oval 14"/>
+          <p:cNvSpPr/>
+          <p:nvPr/>
+        </p:nvSpPr>
+        <p:spPr>
+          <a:xfrm>
+            <a:off x="4076700" y="1600200"/>
+            <a:ext cx="609600" cy="609600"/>
+          </a:xfrm>
+          <a:prstGeom prst="ellipse">
+            <a:avLst/>
+          </a:prstGeom>
+        </p:spPr>
+        <p:style>
+          <a:lnRef idx="2">
+            <a:schemeClr val="accent1">
+              <a:shade val="50000"/>
+            </a:schemeClr>
+          </a:lnRef>
+          <a:fillRef idx="1">
+            <a:schemeClr val="accent1"/>
+          </a:fillRef>
+          <a:effectRef idx="0">
+            <a:schemeClr val="accent1"/>
+          </a:effectRef>
+          <a:fontRef idx="minor">
+            <a:schemeClr val="lt1"/>
+          </a:fontRef>
+        </p:style>
+        <p:txBody>
+          <a:bodyPr rtlCol="0" anchor="ctr"/>
+          <a:lstStyle/>
+          <a:p>
+            <a:pPr algn="ctr"/>
+            <a:r>
+              <a:rPr lang="en-US" dirty="0" smtClean="0"/>
+              <a:t>-9</a:t>
+            </a:r>
+            <a:endParaRPr lang="en-US" dirty="0"/>
+          </a:p>
+        </p:txBody>
+      </p:sp>
+      <p:sp>
+        <p:nvSpPr>
+          <p:cNvPr id="16" name="Oval 15"/>
+          <p:cNvSpPr/>
+          <p:nvPr/>
+        </p:nvSpPr>
+        <p:spPr>
+          <a:xfrm>
+            <a:off x="1562100" y="1600200"/>
+            <a:ext cx="609600" cy="609600"/>
+          </a:xfrm>
+          <a:prstGeom prst="ellipse">
+            <a:avLst/>
+          </a:prstGeom>
+        </p:spPr>
+        <p:style>
+          <a:lnRef idx="2">
+            <a:schemeClr val="accent1">
+              <a:shade val="50000"/>
+            </a:schemeClr>
+          </a:lnRef>
+          <a:fillRef idx="1">
+            <a:schemeClr val="accent1"/>
+          </a:fillRef>
+          <a:effectRef idx="0">
+            <a:schemeClr val="accent1"/>
+          </a:effectRef>
+          <a:fontRef idx="minor">
+            <a:schemeClr val="lt1"/>
+          </a:fontRef>
+        </p:style>
+        <p:txBody>
+          <a:bodyPr rtlCol="0" anchor="ctr"/>
+          <a:lstStyle/>
+          <a:p>
+            <a:pPr algn="ctr"/>
+            <a:r>
+              <a:rPr lang="en-US" dirty="0" smtClean="0"/>
+              <a:t>-7</a:t>
+            </a:r>
+            <a:endParaRPr lang="en-US" dirty="0"/>
+          </a:p>
+        </p:txBody>
+      </p:sp>
+      <p:sp>
+        <p:nvSpPr>
+          <p:cNvPr id="17" name="Oval 16"/>
+          <p:cNvSpPr/>
+          <p:nvPr/>
+        </p:nvSpPr>
+        <p:spPr>
+          <a:xfrm>
+            <a:off x="304800" y="1600200"/>
+            <a:ext cx="609600" cy="609600"/>
+          </a:xfrm>
+          <a:prstGeom prst="ellipse">
+            <a:avLst/>
+          </a:prstGeom>
+        </p:spPr>
+        <p:style>
+          <a:lnRef idx="2">
+            <a:schemeClr val="accent1">
+              <a:shade val="50000"/>
+            </a:schemeClr>
+          </a:lnRef>
+          <a:fillRef idx="1">
+            <a:schemeClr val="accent1"/>
+          </a:fillRef>
+          <a:effectRef idx="0">
+            <a:schemeClr val="accent1"/>
+          </a:effectRef>
+          <a:fontRef idx="minor">
+            <a:schemeClr val="lt1"/>
+          </a:fontRef>
+        </p:style>
+        <p:txBody>
+          <a:bodyPr rtlCol="0" anchor="ctr"/>
+          <a:lstStyle/>
+          <a:p>
+            <a:pPr algn="ctr"/>
+            <a:r>
+              <a:rPr lang="en-US" dirty="0" smtClean="0"/>
+              <a:t>-8</a:t>
+            </a:r>
+            <a:endParaRPr lang="en-US" dirty="0"/>
+          </a:p>
+        </p:txBody>
+      </p:sp>
+      <p:cxnSp>
+        <p:nvCxnSpPr>
+          <p:cNvPr id="19" name="Straight Connector 18"/>
+          <p:cNvCxnSpPr>
+            <a:stCxn id="4" idx="4"/>
+            <a:endCxn id="17" idx="0"/>
+          </p:cNvCxnSpPr>
+          <p:nvPr/>
+        </p:nvCxnSpPr>
+        <p:spPr>
+          <a:xfrm rot="5400000">
+            <a:off x="2316480" y="-335280"/>
+            <a:ext cx="228600" cy="3642360"/>
+          </a:xfrm>
+          <a:prstGeom prst="line">
+            <a:avLst/>
+          </a:prstGeom>
+        </p:spPr>
+        <p:style>
+          <a:lnRef idx="1">
+            <a:schemeClr val="accent1"/>
+          </a:lnRef>
+          <a:fillRef idx="0">
+            <a:schemeClr val="accent1"/>
+          </a:fillRef>
+          <a:effectRef idx="0">
+            <a:schemeClr val="accent1"/>
+          </a:effectRef>
+          <a:fontRef idx="minor">
+            <a:schemeClr val="tx1"/>
+          </a:fontRef>
+        </p:style>
+      </p:cxnSp>
+      <p:cxnSp>
+        <p:nvCxnSpPr>
+          <p:cNvPr id="21" name="Straight Connector 20"/>
+          <p:cNvCxnSpPr>
+            <a:stCxn id="16" idx="0"/>
+            <a:endCxn id="4" idx="4"/>
+          </p:cNvCxnSpPr>
+          <p:nvPr/>
+        </p:nvCxnSpPr>
+        <p:spPr>
+          <a:xfrm rot="5400000" flipH="1" flipV="1">
+            <a:off x="2945130" y="293370"/>
+            <a:ext cx="228600" cy="2385060"/>
+          </a:xfrm>
+          <a:prstGeom prst="line">
+            <a:avLst/>
+          </a:prstGeom>
+        </p:spPr>
+        <p:style>
+          <a:lnRef idx="1">
+            <a:schemeClr val="accent1"/>
+          </a:lnRef>
+          <a:fillRef idx="0">
+            <a:schemeClr val="accent1"/>
+          </a:fillRef>
+          <a:effectRef idx="0">
+            <a:schemeClr val="accent1"/>
+          </a:effectRef>
+          <a:fontRef idx="minor">
+            <a:schemeClr val="tx1"/>
+          </a:fontRef>
+        </p:style>
+      </p:cxnSp>
+      <p:cxnSp>
+        <p:nvCxnSpPr>
+          <p:cNvPr id="23" name="Straight Connector 22"/>
+          <p:cNvCxnSpPr>
+            <a:stCxn id="4" idx="4"/>
+            <a:endCxn id="15" idx="0"/>
+          </p:cNvCxnSpPr>
+          <p:nvPr/>
+        </p:nvCxnSpPr>
+        <p:spPr>
+          <a:xfrm rot="16200000" flipH="1">
+            <a:off x="4202430" y="1421130"/>
+            <a:ext cx="228600" cy="129540"/>
+          </a:xfrm>
+          <a:prstGeom prst="line">
+            <a:avLst/>
+          </a:prstGeom>
+        </p:spPr>
+        <p:style>
+          <a:lnRef idx="1">
+            <a:schemeClr val="accent1"/>
+          </a:lnRef>
+          <a:fillRef idx="0">
+            <a:schemeClr val="accent1"/>
+          </a:fillRef>
+          <a:effectRef idx="0">
+            <a:schemeClr val="accent1"/>
+          </a:effectRef>
+          <a:fontRef idx="minor">
+            <a:schemeClr val="tx1"/>
+          </a:fontRef>
+        </p:style>
+      </p:cxnSp>
+      <p:cxnSp>
+        <p:nvCxnSpPr>
+          <p:cNvPr id="25" name="Straight Connector 24"/>
+          <p:cNvCxnSpPr>
+            <a:stCxn id="13" idx="0"/>
+            <a:endCxn id="4" idx="4"/>
+          </p:cNvCxnSpPr>
+          <p:nvPr/>
+        </p:nvCxnSpPr>
+        <p:spPr>
+          <a:xfrm rot="5400000" flipH="1" flipV="1">
+            <a:off x="3573780" y="922020"/>
+            <a:ext cx="228600" cy="1127760"/>
+          </a:xfrm>
+          <a:prstGeom prst="line">
+            <a:avLst/>
+          </a:prstGeom>
+        </p:spPr>
+        <p:style>
+          <a:lnRef idx="1">
+            <a:schemeClr val="accent1"/>
+          </a:lnRef>
+          <a:fillRef idx="0">
+            <a:schemeClr val="accent1"/>
+          </a:fillRef>
+          <a:effectRef idx="0">
+            <a:schemeClr val="accent1"/>
+          </a:effectRef>
+          <a:fontRef idx="minor">
+            <a:schemeClr val="tx1"/>
+          </a:fontRef>
+        </p:style>
+      </p:cxnSp>
+      <p:cxnSp>
+        <p:nvCxnSpPr>
+          <p:cNvPr id="27" name="Straight Connector 26"/>
+          <p:cNvCxnSpPr>
+            <a:stCxn id="12" idx="0"/>
+            <a:endCxn id="4" idx="4"/>
+          </p:cNvCxnSpPr>
+          <p:nvPr/>
+        </p:nvCxnSpPr>
+        <p:spPr>
+          <a:xfrm rot="16200000" flipV="1">
+            <a:off x="4831080" y="792480"/>
+            <a:ext cx="228600" cy="1386840"/>
+          </a:xfrm>
+          <a:prstGeom prst="line">
+            <a:avLst/>
+          </a:prstGeom>
+        </p:spPr>
+        <p:style>
+          <a:lnRef idx="1">
+            <a:schemeClr val="accent1"/>
+          </a:lnRef>
+          <a:fillRef idx="0">
+            <a:schemeClr val="accent1"/>
+          </a:fillRef>
+          <a:effectRef idx="0">
+            <a:schemeClr val="accent1"/>
+          </a:effectRef>
+          <a:fontRef idx="minor">
+            <a:schemeClr val="tx1"/>
+          </a:fontRef>
+        </p:style>
+      </p:cxnSp>
+      <p:cxnSp>
+        <p:nvCxnSpPr>
+          <p:cNvPr id="29" name="Straight Connector 28"/>
+          <p:cNvCxnSpPr>
+            <a:stCxn id="14" idx="0"/>
+            <a:endCxn id="4" idx="4"/>
+          </p:cNvCxnSpPr>
+          <p:nvPr/>
+        </p:nvCxnSpPr>
+        <p:spPr>
+          <a:xfrm rot="16200000" flipV="1">
+            <a:off x="5459730" y="163830"/>
+            <a:ext cx="228600" cy="2644140"/>
+          </a:xfrm>
+          <a:prstGeom prst="line">
+            <a:avLst/>
+          </a:prstGeom>
+        </p:spPr>
+        <p:style>
+          <a:lnRef idx="1">
+            <a:schemeClr val="accent1"/>
+          </a:lnRef>
+          <a:fillRef idx="0">
+            <a:schemeClr val="accent1"/>
+          </a:fillRef>
+          <a:effectRef idx="0">
+            <a:schemeClr val="accent1"/>
+          </a:effectRef>
+          <a:fontRef idx="minor">
+            <a:schemeClr val="tx1"/>
+          </a:fontRef>
+        </p:style>
+      </p:cxnSp>
+      <p:cxnSp>
+        <p:nvCxnSpPr>
+          <p:cNvPr id="31" name="Straight Connector 30"/>
+          <p:cNvCxnSpPr>
+            <a:stCxn id="9" idx="0"/>
+            <a:endCxn id="4" idx="4"/>
+          </p:cNvCxnSpPr>
+          <p:nvPr/>
+        </p:nvCxnSpPr>
+        <p:spPr>
+          <a:xfrm rot="16200000" flipV="1">
+            <a:off x="6088380" y="-464820"/>
+            <a:ext cx="228600" cy="3901440"/>
+          </a:xfrm>
+          <a:prstGeom prst="line">
+            <a:avLst/>
+          </a:prstGeom>
+        </p:spPr>
+        <p:style>
+          <a:lnRef idx="1">
+            <a:schemeClr val="accent1"/>
+          </a:lnRef>
+          <a:fillRef idx="0">
+            <a:schemeClr val="accent1"/>
+          </a:fillRef>
+          <a:effectRef idx="0">
+            <a:schemeClr val="accent1"/>
+          </a:effectRef>
+          <a:fontRef idx="minor">
+            <a:schemeClr val="tx1"/>
+          </a:fontRef>
+        </p:style>
+      </p:cxnSp>
+      <p:sp>
+        <p:nvSpPr>
+          <p:cNvPr id="39" name="Oval 38"/>
+          <p:cNvSpPr/>
+          <p:nvPr/>
+        </p:nvSpPr>
+        <p:spPr>
+          <a:xfrm>
+            <a:off x="304800" y="2362200"/>
+            <a:ext cx="533400" cy="533400"/>
+          </a:xfrm>
+          <a:prstGeom prst="ellipse">
+            <a:avLst/>
+          </a:prstGeom>
+        </p:spPr>
+        <p:style>
+          <a:lnRef idx="2">
+            <a:schemeClr val="accent1">
+              <a:shade val="50000"/>
+            </a:schemeClr>
+          </a:lnRef>
+          <a:fillRef idx="1">
+            <a:schemeClr val="accent1"/>
+          </a:fillRef>
+          <a:effectRef idx="0">
+            <a:schemeClr val="accent1"/>
+          </a:effectRef>
+          <a:fontRef idx="minor">
+            <a:schemeClr val="lt1"/>
+          </a:fontRef>
+        </p:style>
+        <p:txBody>
+          <a:bodyPr rtlCol="0" anchor="ctr"/>
+          <a:lstStyle/>
+          <a:p>
+            <a:pPr algn="ctr"/>
+            <a:r>
+              <a:rPr lang="en-US" dirty="0" smtClean="0"/>
+              <a:t>-5</a:t>
+            </a:r>
+            <a:endParaRPr lang="en-US" dirty="0"/>
+          </a:p>
+        </p:txBody>
+      </p:sp>
+      <p:sp>
+        <p:nvSpPr>
+          <p:cNvPr id="40" name="Oval 39"/>
+          <p:cNvSpPr/>
+          <p:nvPr/>
+        </p:nvSpPr>
+        <p:spPr>
+          <a:xfrm>
+            <a:off x="304800" y="2959100"/>
+            <a:ext cx="533400" cy="533400"/>
+          </a:xfrm>
+          <a:prstGeom prst="ellipse">
+            <a:avLst/>
+          </a:prstGeom>
+        </p:spPr>
+        <p:style>
+          <a:lnRef idx="2">
+            <a:schemeClr val="accent1">
+              <a:shade val="50000"/>
+            </a:schemeClr>
+          </a:lnRef>
+          <a:fillRef idx="1">
+            <a:schemeClr val="accent1"/>
+          </a:fillRef>
+          <a:effectRef idx="0">
+            <a:schemeClr val="accent1"/>
+          </a:effectRef>
+          <a:fontRef idx="minor">
+            <a:schemeClr val="lt1"/>
+          </a:fontRef>
+        </p:style>
+        <p:txBody>
+          <a:bodyPr rtlCol="0" anchor="ctr"/>
+          <a:lstStyle/>
+          <a:p>
+            <a:pPr algn="ctr"/>
+            <a:r>
+              <a:rPr lang="en-US" dirty="0" smtClean="0"/>
+              <a:t>-1</a:t>
+            </a:r>
+            <a:endParaRPr lang="en-US" dirty="0"/>
+          </a:p>
+        </p:txBody>
+      </p:sp>
+      <p:sp>
+        <p:nvSpPr>
+          <p:cNvPr id="41" name="Oval 40"/>
+          <p:cNvSpPr/>
+          <p:nvPr/>
+        </p:nvSpPr>
+        <p:spPr>
+          <a:xfrm>
+            <a:off x="304800" y="3556000"/>
+            <a:ext cx="533400" cy="533400"/>
+          </a:xfrm>
+          <a:prstGeom prst="ellipse">
+            <a:avLst/>
+          </a:prstGeom>
+        </p:spPr>
+        <p:style>
+          <a:lnRef idx="2">
+            <a:schemeClr val="accent1">
+              <a:shade val="50000"/>
+            </a:schemeClr>
+          </a:lnRef>
+          <a:fillRef idx="1">
+            <a:schemeClr val="accent1"/>
+          </a:fillRef>
+          <a:effectRef idx="0">
+            <a:schemeClr val="accent1"/>
+          </a:effectRef>
+          <a:fontRef idx="minor">
+            <a:schemeClr val="lt1"/>
+          </a:fontRef>
+        </p:style>
+        <p:txBody>
+          <a:bodyPr rtlCol="0" anchor="ctr"/>
+          <a:lstStyle/>
+          <a:p>
+            <a:pPr algn="ctr"/>
+            <a:r>
+              <a:rPr lang="en-US" dirty="0" smtClean="0"/>
+              <a:t>-8</a:t>
+            </a:r>
+            <a:endParaRPr lang="en-US" dirty="0"/>
+          </a:p>
+        </p:txBody>
+      </p:sp>
+      <p:sp>
+        <p:nvSpPr>
+          <p:cNvPr id="42" name="Oval 41"/>
+          <p:cNvSpPr/>
+          <p:nvPr/>
+        </p:nvSpPr>
+        <p:spPr>
+          <a:xfrm>
+            <a:off x="304800" y="4152900"/>
+            <a:ext cx="533400" cy="533400"/>
+          </a:xfrm>
+          <a:prstGeom prst="ellipse">
+            <a:avLst/>
+          </a:prstGeom>
+        </p:spPr>
+        <p:style>
+          <a:lnRef idx="2">
+            <a:schemeClr val="accent1">
+              <a:shade val="50000"/>
+            </a:schemeClr>
+          </a:lnRef>
+          <a:fillRef idx="1">
+            <a:schemeClr val="accent1"/>
+          </a:fillRef>
+          <a:effectRef idx="0">
+            <a:schemeClr val="accent1"/>
+          </a:effectRef>
+          <a:fontRef idx="minor">
+            <a:schemeClr val="lt1"/>
+          </a:fontRef>
+        </p:style>
+        <p:txBody>
+          <a:bodyPr rtlCol="0" anchor="ctr"/>
+          <a:lstStyle/>
+          <a:p>
+            <a:pPr algn="ctr"/>
+            <a:r>
+              <a:rPr lang="en-US" dirty="0" smtClean="0"/>
+              <a:t>-6</a:t>
+            </a:r>
+            <a:endParaRPr lang="en-US" dirty="0"/>
+          </a:p>
+        </p:txBody>
+      </p:sp>
+      <p:sp>
+        <p:nvSpPr>
+          <p:cNvPr id="43" name="Oval 42"/>
+          <p:cNvSpPr/>
+          <p:nvPr/>
+        </p:nvSpPr>
+        <p:spPr>
+          <a:xfrm>
+            <a:off x="304800" y="4749800"/>
+            <a:ext cx="533400" cy="533400"/>
+          </a:xfrm>
+          <a:prstGeom prst="ellipse">
+            <a:avLst/>
+          </a:prstGeom>
+        </p:spPr>
+        <p:style>
+          <a:lnRef idx="2">
+            <a:schemeClr val="accent1">
+              <a:shade val="50000"/>
+            </a:schemeClr>
+          </a:lnRef>
+          <a:fillRef idx="1">
+            <a:schemeClr val="accent1"/>
+          </a:fillRef>
+          <a:effectRef idx="0">
+            <a:schemeClr val="accent1"/>
+          </a:effectRef>
+          <a:fontRef idx="minor">
+            <a:schemeClr val="lt1"/>
+          </a:fontRef>
+        </p:style>
+        <p:txBody>
+          <a:bodyPr rtlCol="0" anchor="ctr"/>
+          <a:lstStyle/>
+          <a:p>
+            <a:pPr algn="ctr"/>
+            <a:r>
+              <a:rPr lang="en-US" dirty="0" smtClean="0"/>
+              <a:t>-7</a:t>
+            </a:r>
+            <a:endParaRPr lang="en-US" dirty="0"/>
+          </a:p>
+        </p:txBody>
+      </p:sp>
+      <p:sp>
+        <p:nvSpPr>
+          <p:cNvPr id="44" name="Oval 43"/>
+          <p:cNvSpPr/>
+          <p:nvPr/>
+        </p:nvSpPr>
+        <p:spPr>
+          <a:xfrm>
+            <a:off x="304800" y="5346700"/>
+            <a:ext cx="533400" cy="533400"/>
+          </a:xfrm>
+          <a:prstGeom prst="ellipse">
+            <a:avLst/>
+          </a:prstGeom>
+        </p:spPr>
+        <p:style>
+          <a:lnRef idx="2">
+            <a:schemeClr val="accent1">
+              <a:shade val="50000"/>
+            </a:schemeClr>
+          </a:lnRef>
+          <a:fillRef idx="1">
+            <a:schemeClr val="accent1"/>
+          </a:fillRef>
+          <a:effectRef idx="0">
+            <a:schemeClr val="accent1"/>
+          </a:effectRef>
+          <a:fontRef idx="minor">
+            <a:schemeClr val="lt1"/>
+          </a:fontRef>
+        </p:style>
+        <p:txBody>
+          <a:bodyPr rtlCol="0" anchor="ctr"/>
+          <a:lstStyle/>
+          <a:p>
+            <a:pPr algn="ctr"/>
+            <a:r>
+              <a:rPr lang="en-US" dirty="0" smtClean="0"/>
+              <a:t>-8</a:t>
+            </a:r>
+            <a:endParaRPr lang="en-US" dirty="0"/>
+          </a:p>
+        </p:txBody>
+      </p:sp>
+      <p:sp>
+        <p:nvSpPr>
+          <p:cNvPr id="45" name="Oval 44"/>
+          <p:cNvSpPr/>
+          <p:nvPr/>
+        </p:nvSpPr>
+        <p:spPr>
+          <a:xfrm>
+            <a:off x="304800" y="5943600"/>
+            <a:ext cx="533400" cy="533400"/>
+          </a:xfrm>
+          <a:prstGeom prst="ellipse">
+            <a:avLst/>
+          </a:prstGeom>
+        </p:spPr>
+        <p:style>
+          <a:lnRef idx="2">
+            <a:schemeClr val="accent1">
+              <a:shade val="50000"/>
+            </a:schemeClr>
+          </a:lnRef>
+          <a:fillRef idx="1">
+            <a:schemeClr val="accent1"/>
+          </a:fillRef>
+          <a:effectRef idx="0">
+            <a:schemeClr val="accent1"/>
+          </a:effectRef>
+          <a:fontRef idx="minor">
+            <a:schemeClr val="lt1"/>
+          </a:fontRef>
+        </p:style>
+        <p:txBody>
+          <a:bodyPr rtlCol="0" anchor="ctr"/>
+          <a:lstStyle/>
+          <a:p>
+            <a:pPr algn="ctr"/>
+            <a:r>
+              <a:rPr lang="en-US" dirty="0" smtClean="0"/>
+              <a:t>-1</a:t>
+            </a:r>
+            <a:endParaRPr lang="en-US" dirty="0"/>
+          </a:p>
+        </p:txBody>
+      </p:sp>
+      <p:sp>
+        <p:nvSpPr>
+          <p:cNvPr id="50" name="Oval 49"/>
+          <p:cNvSpPr/>
+          <p:nvPr/>
+        </p:nvSpPr>
+        <p:spPr>
+          <a:xfrm>
+            <a:off x="1600200" y="2362200"/>
+            <a:ext cx="533400" cy="533400"/>
+          </a:xfrm>
+          <a:prstGeom prst="ellipse">
+            <a:avLst/>
+          </a:prstGeom>
+        </p:spPr>
+        <p:style>
+          <a:lnRef idx="2">
+            <a:schemeClr val="accent1">
+              <a:shade val="50000"/>
+            </a:schemeClr>
+          </a:lnRef>
+          <a:fillRef idx="1">
+            <a:schemeClr val="accent1"/>
+          </a:fillRef>
+          <a:effectRef idx="0">
+            <a:schemeClr val="accent1"/>
+          </a:effectRef>
+          <a:fontRef idx="minor">
+            <a:schemeClr val="lt1"/>
+          </a:fontRef>
+        </p:style>
+        <p:txBody>
+          <a:bodyPr rtlCol="0" anchor="ctr"/>
+          <a:lstStyle/>
+          <a:p>
+            <a:pPr algn="ctr"/>
+            <a:r>
+              <a:rPr lang="en-US" dirty="0" smtClean="0"/>
+              <a:t>-7</a:t>
+            </a:r>
+            <a:endParaRPr lang="en-US" dirty="0"/>
+          </a:p>
+        </p:txBody>
+      </p:sp>
+      <p:sp>
+        <p:nvSpPr>
+          <p:cNvPr id="51" name="Oval 50"/>
+          <p:cNvSpPr/>
+          <p:nvPr/>
+        </p:nvSpPr>
+        <p:spPr>
+          <a:xfrm>
+            <a:off x="1600200" y="2959100"/>
+            <a:ext cx="533400" cy="533400"/>
+          </a:xfrm>
+          <a:prstGeom prst="ellipse">
+            <a:avLst/>
+          </a:prstGeom>
+        </p:spPr>
+        <p:style>
+          <a:lnRef idx="2">
+            <a:schemeClr val="accent1">
+              <a:shade val="50000"/>
+            </a:schemeClr>
+          </a:lnRef>
+          <a:fillRef idx="1">
+            <a:schemeClr val="accent1"/>
+          </a:fillRef>
+          <a:effectRef idx="0">
+            <a:schemeClr val="accent1"/>
+          </a:effectRef>
+          <a:fontRef idx="minor">
+            <a:schemeClr val="lt1"/>
+          </a:fontRef>
+        </p:style>
+        <p:txBody>
+          <a:bodyPr rtlCol="0" anchor="ctr"/>
+          <a:lstStyle/>
+          <a:p>
+            <a:pPr algn="ctr"/>
+            <a:r>
+              <a:rPr lang="en-US" dirty="0" smtClean="0"/>
+              <a:t>-3</a:t>
+            </a:r>
+            <a:endParaRPr lang="en-US" dirty="0"/>
+          </a:p>
+        </p:txBody>
+      </p:sp>
+      <p:sp>
+        <p:nvSpPr>
+          <p:cNvPr id="52" name="Oval 51"/>
+          <p:cNvSpPr/>
+          <p:nvPr/>
+        </p:nvSpPr>
+        <p:spPr>
+          <a:xfrm>
+            <a:off x="1600200" y="3556000"/>
+            <a:ext cx="533400" cy="533400"/>
+          </a:xfrm>
+          <a:prstGeom prst="ellipse">
+            <a:avLst/>
+          </a:prstGeom>
+        </p:spPr>
+        <p:style>
+          <a:lnRef idx="2">
+            <a:schemeClr val="accent1">
+              <a:shade val="50000"/>
+            </a:schemeClr>
+          </a:lnRef>
+          <a:fillRef idx="1">
+            <a:schemeClr val="accent1"/>
+          </a:fillRef>
+          <a:effectRef idx="0">
+            <a:schemeClr val="accent1"/>
+          </a:effectRef>
+          <a:fontRef idx="minor">
+            <a:schemeClr val="lt1"/>
+          </a:fontRef>
+        </p:style>
+        <p:txBody>
+          <a:bodyPr rtlCol="0" anchor="ctr"/>
+          <a:lstStyle/>
+          <a:p>
+            <a:pPr algn="ctr"/>
+            <a:r>
+              <a:rPr lang="en-US" dirty="0" smtClean="0"/>
+              <a:t>-4</a:t>
+            </a:r>
+            <a:endParaRPr lang="en-US" dirty="0"/>
+          </a:p>
+        </p:txBody>
+      </p:sp>
+      <p:sp>
+        <p:nvSpPr>
+          <p:cNvPr id="53" name="Oval 52"/>
+          <p:cNvSpPr/>
+          <p:nvPr/>
+        </p:nvSpPr>
+        <p:spPr>
+          <a:xfrm>
+            <a:off x="1600200" y="4152900"/>
+            <a:ext cx="533400" cy="533400"/>
+          </a:xfrm>
+          <a:prstGeom prst="ellipse">
+            <a:avLst/>
+          </a:prstGeom>
+        </p:spPr>
+        <p:style>
+          <a:lnRef idx="2">
+            <a:schemeClr val="accent1">
+              <a:shade val="50000"/>
+            </a:schemeClr>
+          </a:lnRef>
+          <a:fillRef idx="1">
+            <a:schemeClr val="accent1"/>
+          </a:fillRef>
+          <a:effectRef idx="0">
+            <a:schemeClr val="accent1"/>
+          </a:effectRef>
+          <a:fontRef idx="minor">
+            <a:schemeClr val="lt1"/>
+          </a:fontRef>
+        </p:style>
+        <p:txBody>
+          <a:bodyPr rtlCol="0" anchor="ctr"/>
+          <a:lstStyle/>
+          <a:p>
+            <a:pPr algn="ctr"/>
+            <a:r>
+              <a:rPr lang="en-US" dirty="0" smtClean="0"/>
+              <a:t>-2</a:t>
+            </a:r>
+            <a:endParaRPr lang="en-US" dirty="0"/>
+          </a:p>
+        </p:txBody>
+      </p:sp>
+      <p:sp>
+        <p:nvSpPr>
+          <p:cNvPr id="54" name="Oval 53"/>
+          <p:cNvSpPr/>
+          <p:nvPr/>
+        </p:nvSpPr>
+        <p:spPr>
+          <a:xfrm>
+            <a:off x="1600200" y="4749800"/>
+            <a:ext cx="533400" cy="533400"/>
+          </a:xfrm>
+          <a:prstGeom prst="ellipse">
+            <a:avLst/>
+          </a:prstGeom>
+        </p:spPr>
+        <p:style>
+          <a:lnRef idx="2">
+            <a:schemeClr val="accent1">
+              <a:shade val="50000"/>
+            </a:schemeClr>
+          </a:lnRef>
+          <a:fillRef idx="1">
+            <a:schemeClr val="accent1"/>
+          </a:fillRef>
+          <a:effectRef idx="0">
+            <a:schemeClr val="accent1"/>
+          </a:effectRef>
+          <a:fontRef idx="minor">
+            <a:schemeClr val="lt1"/>
+          </a:fontRef>
+        </p:style>
+        <p:txBody>
+          <a:bodyPr rtlCol="0" anchor="ctr"/>
+          <a:lstStyle/>
+          <a:p>
+            <a:pPr algn="ctr"/>
+            <a:r>
+              <a:rPr lang="en-US" dirty="0" smtClean="0"/>
+              <a:t>1</a:t>
+            </a:r>
+            <a:endParaRPr lang="en-US" dirty="0"/>
+          </a:p>
+        </p:txBody>
+      </p:sp>
+      <p:sp>
+        <p:nvSpPr>
+          <p:cNvPr id="55" name="Oval 54"/>
+          <p:cNvSpPr/>
+          <p:nvPr/>
+        </p:nvSpPr>
+        <p:spPr>
+          <a:xfrm>
+            <a:off x="1600200" y="5346700"/>
+            <a:ext cx="533400" cy="533400"/>
+          </a:xfrm>
+          <a:prstGeom prst="ellipse">
+            <a:avLst/>
+          </a:prstGeom>
+        </p:spPr>
+        <p:style>
+          <a:lnRef idx="2">
+            <a:schemeClr val="accent1">
+              <a:shade val="50000"/>
+            </a:schemeClr>
+          </a:lnRef>
+          <a:fillRef idx="1">
+            <a:schemeClr val="accent1"/>
+          </a:fillRef>
+          <a:effectRef idx="0">
+            <a:schemeClr val="accent1"/>
+          </a:effectRef>
+          <a:fontRef idx="minor">
+            <a:schemeClr val="lt1"/>
+          </a:fontRef>
+        </p:style>
+        <p:txBody>
+          <a:bodyPr rtlCol="0" anchor="ctr"/>
+          <a:lstStyle/>
+          <a:p>
+            <a:pPr algn="ctr"/>
+            <a:r>
+              <a:rPr lang="en-US" dirty="0" smtClean="0"/>
+              <a:t>-7</a:t>
+            </a:r>
+            <a:endParaRPr lang="en-US" dirty="0"/>
+          </a:p>
+        </p:txBody>
+      </p:sp>
+      <p:sp>
+        <p:nvSpPr>
+          <p:cNvPr id="56" name="Oval 55"/>
+          <p:cNvSpPr/>
+          <p:nvPr/>
+        </p:nvSpPr>
+        <p:spPr>
+          <a:xfrm>
+            <a:off x="1600200" y="5943600"/>
+            <a:ext cx="533400" cy="533400"/>
+          </a:xfrm>
+          <a:prstGeom prst="ellipse">
+            <a:avLst/>
+          </a:prstGeom>
+        </p:spPr>
+        <p:style>
+          <a:lnRef idx="2">
+            <a:schemeClr val="accent1">
+              <a:shade val="50000"/>
+            </a:schemeClr>
+          </a:lnRef>
+          <a:fillRef idx="1">
+            <a:schemeClr val="accent1"/>
+          </a:fillRef>
+          <a:effectRef idx="0">
+            <a:schemeClr val="accent1"/>
+          </a:effectRef>
+          <a:fontRef idx="minor">
+            <a:schemeClr val="lt1"/>
+          </a:fontRef>
+        </p:style>
+        <p:txBody>
+          <a:bodyPr rtlCol="0" anchor="ctr"/>
+          <a:lstStyle/>
+          <a:p>
+            <a:pPr algn="ctr"/>
+            <a:r>
+              <a:rPr lang="en-US" dirty="0" smtClean="0"/>
+              <a:t>-5</a:t>
+            </a:r>
+            <a:endParaRPr lang="en-US" dirty="0"/>
+          </a:p>
+        </p:txBody>
+      </p:sp>
+      <p:sp>
+        <p:nvSpPr>
+          <p:cNvPr id="64" name="Oval 63"/>
+          <p:cNvSpPr/>
+          <p:nvPr/>
+        </p:nvSpPr>
+        <p:spPr>
+          <a:xfrm>
+            <a:off x="2819400" y="2362200"/>
+            <a:ext cx="533400" cy="533400"/>
+          </a:xfrm>
+          <a:prstGeom prst="ellipse">
+            <a:avLst/>
+          </a:prstGeom>
+        </p:spPr>
+        <p:style>
+          <a:lnRef idx="2">
+            <a:schemeClr val="accent1">
+              <a:shade val="50000"/>
+            </a:schemeClr>
+          </a:lnRef>
+          <a:fillRef idx="1">
+            <a:schemeClr val="accent1"/>
+          </a:fillRef>
+          <a:effectRef idx="0">
+            <a:schemeClr val="accent1"/>
+          </a:effectRef>
+          <a:fontRef idx="minor">
+            <a:schemeClr val="lt1"/>
+          </a:fontRef>
+        </p:style>
+        <p:txBody>
+          <a:bodyPr rtlCol="0" anchor="ctr"/>
+          <a:lstStyle/>
+          <a:p>
+            <a:pPr algn="ctr"/>
+            <a:r>
+              <a:rPr lang="en-US" dirty="0" smtClean="0"/>
+              <a:t>-2</a:t>
+            </a:r>
+            <a:endParaRPr lang="en-US" dirty="0"/>
+          </a:p>
+        </p:txBody>
+      </p:sp>
+      <p:sp>
+        <p:nvSpPr>
+          <p:cNvPr id="65" name="Oval 64"/>
+          <p:cNvSpPr/>
+          <p:nvPr/>
+        </p:nvSpPr>
+        <p:spPr>
+          <a:xfrm>
+            <a:off x="2819400" y="2959100"/>
+            <a:ext cx="533400" cy="533400"/>
+          </a:xfrm>
+          <a:prstGeom prst="ellipse">
+            <a:avLst/>
+          </a:prstGeom>
+        </p:spPr>
+        <p:style>
+          <a:lnRef idx="2">
+            <a:schemeClr val="accent1">
+              <a:shade val="50000"/>
+            </a:schemeClr>
+          </a:lnRef>
+          <a:fillRef idx="1">
+            <a:schemeClr val="accent1"/>
+          </a:fillRef>
+          <a:effectRef idx="0">
+            <a:schemeClr val="accent1"/>
+          </a:effectRef>
+          <a:fontRef idx="minor">
+            <a:schemeClr val="lt1"/>
+          </a:fontRef>
+        </p:style>
+        <p:txBody>
+          <a:bodyPr rtlCol="0" anchor="ctr"/>
+          <a:lstStyle/>
+          <a:p>
+            <a:pPr algn="ctr"/>
+            <a:r>
+              <a:rPr lang="en-US" dirty="0" smtClean="0"/>
+              <a:t>-1</a:t>
+            </a:r>
+            <a:endParaRPr lang="en-US" dirty="0"/>
+          </a:p>
+        </p:txBody>
+      </p:sp>
+      <p:sp>
+        <p:nvSpPr>
+          <p:cNvPr id="66" name="Oval 65"/>
+          <p:cNvSpPr/>
+          <p:nvPr/>
+        </p:nvSpPr>
+        <p:spPr>
+          <a:xfrm>
+            <a:off x="2819400" y="3556000"/>
+            <a:ext cx="533400" cy="533400"/>
+          </a:xfrm>
+          <a:prstGeom prst="ellipse">
+            <a:avLst/>
+          </a:prstGeom>
+        </p:spPr>
+        <p:style>
+          <a:lnRef idx="2">
+            <a:schemeClr val="accent1">
+              <a:shade val="50000"/>
+            </a:schemeClr>
+          </a:lnRef>
+          <a:fillRef idx="1">
+            <a:schemeClr val="accent1"/>
+          </a:fillRef>
+          <a:effectRef idx="0">
+            <a:schemeClr val="accent1"/>
+          </a:effectRef>
+          <a:fontRef idx="minor">
+            <a:schemeClr val="lt1"/>
+          </a:fontRef>
+        </p:style>
+        <p:txBody>
+          <a:bodyPr rtlCol="0" anchor="ctr"/>
+          <a:lstStyle/>
+          <a:p>
+            <a:pPr algn="ctr"/>
+            <a:r>
+              <a:rPr lang="en-US" dirty="0" smtClean="0"/>
+              <a:t>-6</a:t>
+            </a:r>
+            <a:endParaRPr lang="en-US" dirty="0"/>
+          </a:p>
+        </p:txBody>
+      </p:sp>
+      <p:sp>
+        <p:nvSpPr>
+          <p:cNvPr id="67" name="Oval 66"/>
+          <p:cNvSpPr/>
+          <p:nvPr/>
+        </p:nvSpPr>
+        <p:spPr>
+          <a:xfrm>
+            <a:off x="2819400" y="4152900"/>
+            <a:ext cx="533400" cy="533400"/>
+          </a:xfrm>
+          <a:prstGeom prst="ellipse">
+            <a:avLst/>
+          </a:prstGeom>
+        </p:spPr>
+        <p:style>
+          <a:lnRef idx="2">
+            <a:schemeClr val="accent1">
+              <a:shade val="50000"/>
+            </a:schemeClr>
+          </a:lnRef>
+          <a:fillRef idx="1">
+            <a:schemeClr val="accent1"/>
+          </a:fillRef>
+          <a:effectRef idx="0">
+            <a:schemeClr val="accent1"/>
+          </a:effectRef>
+          <a:fontRef idx="minor">
+            <a:schemeClr val="lt1"/>
+          </a:fontRef>
+        </p:style>
+        <p:txBody>
+          <a:bodyPr rtlCol="0" anchor="ctr"/>
+          <a:lstStyle/>
+          <a:p>
+            <a:pPr algn="ctr"/>
+            <a:r>
+              <a:rPr lang="en-US" dirty="0" smtClean="0"/>
+              <a:t>-6</a:t>
+            </a:r>
+            <a:endParaRPr lang="en-US" dirty="0"/>
+          </a:p>
+        </p:txBody>
+      </p:sp>
+      <p:sp>
+        <p:nvSpPr>
+          <p:cNvPr id="68" name="Oval 67"/>
+          <p:cNvSpPr/>
+          <p:nvPr/>
+        </p:nvSpPr>
+        <p:spPr>
+          <a:xfrm>
+            <a:off x="2819400" y="4749800"/>
+            <a:ext cx="533400" cy="533400"/>
+          </a:xfrm>
+          <a:prstGeom prst="ellipse">
+            <a:avLst/>
+          </a:prstGeom>
+        </p:spPr>
+        <p:style>
+          <a:lnRef idx="2">
+            <a:schemeClr val="accent1">
+              <a:shade val="50000"/>
+            </a:schemeClr>
+          </a:lnRef>
+          <a:fillRef idx="1">
+            <a:schemeClr val="accent1"/>
+          </a:fillRef>
+          <a:effectRef idx="0">
+            <a:schemeClr val="accent1"/>
+          </a:effectRef>
+          <a:fontRef idx="minor">
+            <a:schemeClr val="lt1"/>
+          </a:fontRef>
+        </p:style>
+        <p:txBody>
+          <a:bodyPr rtlCol="0" anchor="ctr"/>
+          <a:lstStyle/>
+          <a:p>
+            <a:pPr algn="ctr"/>
+            <a:r>
+              <a:rPr lang="en-US" dirty="0" smtClean="0"/>
+              <a:t>-2</a:t>
+            </a:r>
+            <a:endParaRPr lang="en-US" dirty="0"/>
+          </a:p>
+        </p:txBody>
+      </p:sp>
+      <p:sp>
+        <p:nvSpPr>
+          <p:cNvPr id="69" name="Oval 68"/>
+          <p:cNvSpPr/>
+          <p:nvPr/>
+        </p:nvSpPr>
+        <p:spPr>
+          <a:xfrm>
+            <a:off x="2819400" y="5346700"/>
+            <a:ext cx="533400" cy="533400"/>
+          </a:xfrm>
+          <a:prstGeom prst="ellipse">
+            <a:avLst/>
+          </a:prstGeom>
+        </p:spPr>
+        <p:style>
+          <a:lnRef idx="2">
+            <a:schemeClr val="accent1">
+              <a:shade val="50000"/>
+            </a:schemeClr>
+          </a:lnRef>
+          <a:fillRef idx="1">
+            <a:schemeClr val="accent1"/>
+          </a:fillRef>
+          <a:effectRef idx="0">
+            <a:schemeClr val="accent1"/>
+          </a:effectRef>
+          <a:fontRef idx="minor">
+            <a:schemeClr val="lt1"/>
+          </a:fontRef>
+        </p:style>
+        <p:txBody>
+          <a:bodyPr rtlCol="0" anchor="ctr"/>
+          <a:lstStyle/>
+          <a:p>
+            <a:pPr algn="ctr"/>
+            <a:r>
+              <a:rPr lang="en-US" dirty="0" smtClean="0"/>
+              <a:t>-6</a:t>
+            </a:r>
+            <a:endParaRPr lang="en-US" dirty="0"/>
+          </a:p>
+        </p:txBody>
+      </p:sp>
+      <p:sp>
+        <p:nvSpPr>
+          <p:cNvPr id="70" name="Oval 69"/>
+          <p:cNvSpPr/>
+          <p:nvPr/>
+        </p:nvSpPr>
+        <p:spPr>
+          <a:xfrm>
+            <a:off x="2819400" y="5943600"/>
+            <a:ext cx="533400" cy="533400"/>
+          </a:xfrm>
+          <a:prstGeom prst="ellipse">
+            <a:avLst/>
+          </a:prstGeom>
+        </p:spPr>
+        <p:style>
+          <a:lnRef idx="2">
+            <a:schemeClr val="accent1">
+              <a:shade val="50000"/>
+            </a:schemeClr>
+          </a:lnRef>
+          <a:fillRef idx="1">
+            <a:schemeClr val="accent1"/>
+          </a:fillRef>
+          <a:effectRef idx="0">
+            <a:schemeClr val="accent1"/>
+          </a:effectRef>
+          <a:fontRef idx="minor">
+            <a:schemeClr val="lt1"/>
+          </a:fontRef>
+        </p:style>
+        <p:txBody>
+          <a:bodyPr rtlCol="0" anchor="ctr"/>
+          <a:lstStyle/>
+          <a:p>
+            <a:pPr algn="ctr"/>
+            <a:r>
+              <a:rPr lang="en-US" dirty="0" smtClean="0"/>
+              <a:t>-3</a:t>
+            </a:r>
+            <a:endParaRPr lang="en-US" dirty="0"/>
+          </a:p>
+        </p:txBody>
+      </p:sp>
+      <p:sp>
+        <p:nvSpPr>
+          <p:cNvPr id="71" name="Oval 70"/>
+          <p:cNvSpPr/>
+          <p:nvPr/>
+        </p:nvSpPr>
+        <p:spPr>
+          <a:xfrm>
+            <a:off x="4114800" y="2362200"/>
+            <a:ext cx="533400" cy="533400"/>
+          </a:xfrm>
+          <a:prstGeom prst="ellipse">
+            <a:avLst/>
+          </a:prstGeom>
+        </p:spPr>
+        <p:style>
+          <a:lnRef idx="2">
+            <a:schemeClr val="accent1">
+              <a:shade val="50000"/>
+            </a:schemeClr>
+          </a:lnRef>
+          <a:fillRef idx="1">
+            <a:schemeClr val="accent1"/>
+          </a:fillRef>
+          <a:effectRef idx="0">
+            <a:schemeClr val="accent1"/>
+          </a:effectRef>
+          <a:fontRef idx="minor">
+            <a:schemeClr val="lt1"/>
+          </a:fontRef>
+        </p:style>
+        <p:txBody>
+          <a:bodyPr rtlCol="0" anchor="ctr"/>
+          <a:lstStyle/>
+          <a:p>
+            <a:pPr algn="ctr"/>
+            <a:r>
+              <a:rPr lang="en-US" dirty="0" smtClean="0"/>
+              <a:t>-1</a:t>
+            </a:r>
+            <a:endParaRPr lang="en-US" dirty="0"/>
+          </a:p>
+        </p:txBody>
+      </p:sp>
+      <p:sp>
+        <p:nvSpPr>
+          <p:cNvPr id="72" name="Oval 71"/>
+          <p:cNvSpPr/>
+          <p:nvPr/>
+        </p:nvSpPr>
+        <p:spPr>
+          <a:xfrm>
+            <a:off x="4114800" y="2959100"/>
+            <a:ext cx="533400" cy="533400"/>
+          </a:xfrm>
+          <a:prstGeom prst="ellipse">
+            <a:avLst/>
+          </a:prstGeom>
+        </p:spPr>
+        <p:style>
+          <a:lnRef idx="2">
+            <a:schemeClr val="accent1">
+              <a:shade val="50000"/>
+            </a:schemeClr>
+          </a:lnRef>
+          <a:fillRef idx="1">
+            <a:schemeClr val="accent1"/>
+          </a:fillRef>
+          <a:effectRef idx="0">
+            <a:schemeClr val="accent1"/>
+          </a:effectRef>
+          <a:fontRef idx="minor">
+            <a:schemeClr val="lt1"/>
+          </a:fontRef>
+        </p:style>
+        <p:txBody>
+          <a:bodyPr rtlCol="0" anchor="ctr"/>
+          <a:lstStyle/>
+          <a:p>
+            <a:pPr algn="ctr"/>
+            <a:r>
+              <a:rPr lang="en-US" dirty="0" smtClean="0"/>
+              <a:t>-1</a:t>
+            </a:r>
+            <a:endParaRPr lang="en-US" dirty="0"/>
+          </a:p>
+        </p:txBody>
+      </p:sp>
+      <p:sp>
+        <p:nvSpPr>
+          <p:cNvPr id="73" name="Oval 72"/>
+          <p:cNvSpPr/>
+          <p:nvPr/>
+        </p:nvSpPr>
+        <p:spPr>
+          <a:xfrm>
+            <a:off x="4114800" y="3556000"/>
+            <a:ext cx="533400" cy="533400"/>
+          </a:xfrm>
+          <a:prstGeom prst="ellipse">
+            <a:avLst/>
+          </a:prstGeom>
+        </p:spPr>
+        <p:style>
+          <a:lnRef idx="2">
+            <a:schemeClr val="accent1">
+              <a:shade val="50000"/>
+            </a:schemeClr>
+          </a:lnRef>
+          <a:fillRef idx="1">
+            <a:schemeClr val="accent1"/>
+          </a:fillRef>
+          <a:effectRef idx="0">
+            <a:schemeClr val="accent1"/>
+          </a:effectRef>
+          <a:fontRef idx="minor">
+            <a:schemeClr val="lt1"/>
+          </a:fontRef>
+        </p:style>
+        <p:txBody>
+          <a:bodyPr rtlCol="0" anchor="ctr"/>
+          <a:lstStyle/>
+          <a:p>
+            <a:pPr algn="ctr"/>
+            <a:r>
+              <a:rPr lang="en-US" dirty="0" smtClean="0"/>
+              <a:t>-9</a:t>
+            </a:r>
+            <a:endParaRPr lang="en-US" dirty="0"/>
+          </a:p>
+        </p:txBody>
+      </p:sp>
+      <p:sp>
+        <p:nvSpPr>
+          <p:cNvPr id="74" name="Oval 73"/>
+          <p:cNvSpPr/>
+          <p:nvPr/>
+        </p:nvSpPr>
+        <p:spPr>
+          <a:xfrm>
+            <a:off x="4114800" y="4152900"/>
+            <a:ext cx="533400" cy="533400"/>
+          </a:xfrm>
+          <a:prstGeom prst="ellipse">
+            <a:avLst/>
+          </a:prstGeom>
+        </p:spPr>
+        <p:style>
+          <a:lnRef idx="2">
+            <a:schemeClr val="accent1">
+              <a:shade val="50000"/>
+            </a:schemeClr>
+          </a:lnRef>
+          <a:fillRef idx="1">
+            <a:schemeClr val="accent1"/>
+          </a:fillRef>
+          <a:effectRef idx="0">
+            <a:schemeClr val="accent1"/>
+          </a:effectRef>
+          <a:fontRef idx="minor">
+            <a:schemeClr val="lt1"/>
+          </a:fontRef>
+        </p:style>
+        <p:txBody>
+          <a:bodyPr rtlCol="0" anchor="ctr"/>
+          <a:lstStyle/>
+          <a:p>
+            <a:pPr algn="ctr"/>
+            <a:r>
+              <a:rPr lang="en-US" dirty="0" smtClean="0"/>
+              <a:t>-6</a:t>
+            </a:r>
+            <a:endParaRPr lang="en-US" dirty="0"/>
+          </a:p>
+        </p:txBody>
+      </p:sp>
+      <p:sp>
+        <p:nvSpPr>
+          <p:cNvPr id="75" name="Oval 74"/>
+          <p:cNvSpPr/>
+          <p:nvPr/>
+        </p:nvSpPr>
+        <p:spPr>
+          <a:xfrm>
+            <a:off x="4114800" y="4749800"/>
+            <a:ext cx="533400" cy="533400"/>
+          </a:xfrm>
+          <a:prstGeom prst="ellipse">
+            <a:avLst/>
+          </a:prstGeom>
+        </p:spPr>
+        <p:style>
+          <a:lnRef idx="2">
+            <a:schemeClr val="accent1">
+              <a:shade val="50000"/>
+            </a:schemeClr>
+          </a:lnRef>
+          <a:fillRef idx="1">
+            <a:schemeClr val="accent1"/>
+          </a:fillRef>
+          <a:effectRef idx="0">
+            <a:schemeClr val="accent1"/>
+          </a:effectRef>
+          <a:fontRef idx="minor">
+            <a:schemeClr val="lt1"/>
+          </a:fontRef>
+        </p:style>
+        <p:txBody>
+          <a:bodyPr rtlCol="0" anchor="ctr"/>
+          <a:lstStyle/>
+          <a:p>
+            <a:pPr algn="ctr"/>
+            <a:r>
+              <a:rPr lang="en-US" dirty="0" smtClean="0"/>
+              <a:t>-9</a:t>
+            </a:r>
+            <a:endParaRPr lang="en-US" dirty="0"/>
+          </a:p>
+        </p:txBody>
+      </p:sp>
+      <p:sp>
+        <p:nvSpPr>
+          <p:cNvPr id="76" name="Oval 75"/>
+          <p:cNvSpPr/>
+          <p:nvPr/>
+        </p:nvSpPr>
+        <p:spPr>
+          <a:xfrm>
+            <a:off x="4114800" y="5346700"/>
+            <a:ext cx="533400" cy="533400"/>
+          </a:xfrm>
+          <a:prstGeom prst="ellipse">
+            <a:avLst/>
+          </a:prstGeom>
+        </p:spPr>
+        <p:style>
+          <a:lnRef idx="2">
+            <a:schemeClr val="accent1">
+              <a:shade val="50000"/>
+            </a:schemeClr>
+          </a:lnRef>
+          <a:fillRef idx="1">
+            <a:schemeClr val="accent1"/>
+          </a:fillRef>
+          <a:effectRef idx="0">
+            <a:schemeClr val="accent1"/>
+          </a:effectRef>
+          <a:fontRef idx="minor">
+            <a:schemeClr val="lt1"/>
+          </a:fontRef>
+        </p:style>
+        <p:txBody>
+          <a:bodyPr rtlCol="0" anchor="ctr"/>
+          <a:lstStyle/>
+          <a:p>
+            <a:pPr algn="ctr"/>
+            <a:r>
+              <a:rPr lang="en-US" dirty="0" smtClean="0"/>
+              <a:t>-8</a:t>
+            </a:r>
+            <a:endParaRPr lang="en-US" dirty="0"/>
+          </a:p>
+        </p:txBody>
+      </p:sp>
+      <p:sp>
+        <p:nvSpPr>
+          <p:cNvPr id="77" name="Oval 76"/>
+          <p:cNvSpPr/>
+          <p:nvPr/>
+        </p:nvSpPr>
+        <p:spPr>
+          <a:xfrm>
+            <a:off x="4114800" y="5943600"/>
+            <a:ext cx="533400" cy="533400"/>
+          </a:xfrm>
+          <a:prstGeom prst="ellipse">
+            <a:avLst/>
+          </a:prstGeom>
+        </p:spPr>
+        <p:style>
+          <a:lnRef idx="2">
+            <a:schemeClr val="accent1">
+              <a:shade val="50000"/>
+            </a:schemeClr>
+          </a:lnRef>
+          <a:fillRef idx="1">
+            <a:schemeClr val="accent1"/>
+          </a:fillRef>
+          <a:effectRef idx="0">
+            <a:schemeClr val="accent1"/>
+          </a:effectRef>
+          <a:fontRef idx="minor">
+            <a:schemeClr val="lt1"/>
+          </a:fontRef>
+        </p:style>
+        <p:txBody>
+          <a:bodyPr rtlCol="0" anchor="ctr"/>
+          <a:lstStyle/>
+          <a:p>
+            <a:pPr algn="ctr"/>
+            <a:r>
+              <a:rPr lang="en-US" dirty="0" smtClean="0"/>
+              <a:t>-5</a:t>
+            </a:r>
+            <a:endParaRPr lang="en-US" dirty="0"/>
+          </a:p>
+        </p:txBody>
+      </p:sp>
+      <p:sp>
+        <p:nvSpPr>
+          <p:cNvPr id="78" name="Oval 77"/>
+          <p:cNvSpPr/>
+          <p:nvPr/>
+        </p:nvSpPr>
+        <p:spPr>
+          <a:xfrm>
+            <a:off x="5334000" y="2362200"/>
+            <a:ext cx="533400" cy="533400"/>
+          </a:xfrm>
+          <a:prstGeom prst="ellipse">
+            <a:avLst/>
+          </a:prstGeom>
+        </p:spPr>
+        <p:style>
+          <a:lnRef idx="2">
+            <a:schemeClr val="accent1">
+              <a:shade val="50000"/>
+            </a:schemeClr>
+          </a:lnRef>
+          <a:fillRef idx="1">
+            <a:schemeClr val="accent1"/>
+          </a:fillRef>
+          <a:effectRef idx="0">
+            <a:schemeClr val="accent1"/>
+          </a:effectRef>
+          <a:fontRef idx="minor">
+            <a:schemeClr val="lt1"/>
+          </a:fontRef>
+        </p:style>
+        <p:txBody>
+          <a:bodyPr rtlCol="0" anchor="ctr"/>
+          <a:lstStyle/>
+          <a:p>
+            <a:pPr algn="ctr"/>
+            <a:r>
+              <a:rPr lang="en-US" dirty="0" smtClean="0"/>
+              <a:t>-4</a:t>
+            </a:r>
+            <a:endParaRPr lang="en-US" dirty="0"/>
+          </a:p>
+        </p:txBody>
+      </p:sp>
+      <p:sp>
+        <p:nvSpPr>
+          <p:cNvPr id="79" name="Oval 78"/>
+          <p:cNvSpPr/>
+          <p:nvPr/>
+        </p:nvSpPr>
+        <p:spPr>
+          <a:xfrm>
+            <a:off x="5334000" y="2959100"/>
+            <a:ext cx="533400" cy="533400"/>
+          </a:xfrm>
+          <a:prstGeom prst="ellipse">
+            <a:avLst/>
+          </a:prstGeom>
+        </p:spPr>
+        <p:style>
+          <a:lnRef idx="2">
+            <a:schemeClr val="accent1">
+              <a:shade val="50000"/>
+            </a:schemeClr>
+          </a:lnRef>
+          <a:fillRef idx="1">
+            <a:schemeClr val="accent1"/>
+          </a:fillRef>
+          <a:effectRef idx="0">
+            <a:schemeClr val="accent1"/>
+          </a:effectRef>
+          <a:fontRef idx="minor">
+            <a:schemeClr val="lt1"/>
+          </a:fontRef>
+        </p:style>
+        <p:txBody>
+          <a:bodyPr rtlCol="0" anchor="ctr"/>
+          <a:lstStyle/>
+          <a:p>
+            <a:pPr algn="ctr"/>
+            <a:r>
+              <a:rPr lang="en-US" dirty="0" smtClean="0"/>
+              <a:t>-1</a:t>
+            </a:r>
+            <a:endParaRPr lang="en-US" dirty="0"/>
+          </a:p>
+        </p:txBody>
+      </p:sp>
+      <p:sp>
+        <p:nvSpPr>
+          <p:cNvPr id="80" name="Oval 79"/>
+          <p:cNvSpPr/>
+          <p:nvPr/>
+        </p:nvSpPr>
+        <p:spPr>
+          <a:xfrm>
+            <a:off x="5334000" y="3556000"/>
+            <a:ext cx="533400" cy="533400"/>
+          </a:xfrm>
+          <a:prstGeom prst="ellipse">
+            <a:avLst/>
+          </a:prstGeom>
+        </p:spPr>
+        <p:style>
+          <a:lnRef idx="2">
+            <a:schemeClr val="accent1">
+              <a:shade val="50000"/>
+            </a:schemeClr>
+          </a:lnRef>
+          <a:fillRef idx="1">
+            <a:schemeClr val="accent1"/>
+          </a:fillRef>
+          <a:effectRef idx="0">
+            <a:schemeClr val="accent1"/>
+          </a:effectRef>
+          <a:fontRef idx="minor">
+            <a:schemeClr val="lt1"/>
+          </a:fontRef>
+        </p:style>
+        <p:txBody>
+          <a:bodyPr rtlCol="0" anchor="ctr"/>
+          <a:lstStyle/>
+          <a:p>
+            <a:pPr algn="ctr"/>
+            <a:r>
+              <a:rPr lang="en-US" dirty="0" smtClean="0"/>
+              <a:t>-8</a:t>
+            </a:r>
+            <a:endParaRPr lang="en-US" dirty="0"/>
+          </a:p>
+        </p:txBody>
+      </p:sp>
+      <p:sp>
+        <p:nvSpPr>
+          <p:cNvPr id="81" name="Oval 80"/>
+          <p:cNvSpPr/>
+          <p:nvPr/>
+        </p:nvSpPr>
+        <p:spPr>
+          <a:xfrm>
+            <a:off x="5334000" y="4152900"/>
+            <a:ext cx="533400" cy="533400"/>
+          </a:xfrm>
+          <a:prstGeom prst="ellipse">
+            <a:avLst/>
+          </a:prstGeom>
+        </p:spPr>
+        <p:style>
+          <a:lnRef idx="2">
+            <a:schemeClr val="accent1">
+              <a:shade val="50000"/>
+            </a:schemeClr>
+          </a:lnRef>
+          <a:fillRef idx="1">
+            <a:schemeClr val="accent1"/>
+          </a:fillRef>
+          <a:effectRef idx="0">
+            <a:schemeClr val="accent1"/>
+          </a:effectRef>
+          <a:fontRef idx="minor">
+            <a:schemeClr val="lt1"/>
+          </a:fontRef>
+        </p:style>
+        <p:txBody>
+          <a:bodyPr rtlCol="0" anchor="ctr"/>
+          <a:lstStyle/>
+          <a:p>
+            <a:pPr algn="ctr"/>
+            <a:r>
+              <a:rPr lang="en-US" dirty="0" smtClean="0"/>
+              <a:t>-9</a:t>
+            </a:r>
+            <a:endParaRPr lang="en-US" dirty="0"/>
+          </a:p>
+        </p:txBody>
+      </p:sp>
+      <p:sp>
+        <p:nvSpPr>
+          <p:cNvPr id="82" name="Oval 81"/>
+          <p:cNvSpPr/>
+          <p:nvPr/>
+        </p:nvSpPr>
+        <p:spPr>
+          <a:xfrm>
+            <a:off x="5334000" y="4749800"/>
+            <a:ext cx="533400" cy="533400"/>
+          </a:xfrm>
+          <a:prstGeom prst="ellipse">
+            <a:avLst/>
+          </a:prstGeom>
+        </p:spPr>
+        <p:style>
+          <a:lnRef idx="2">
+            <a:schemeClr val="accent1">
+              <a:shade val="50000"/>
+            </a:schemeClr>
+          </a:lnRef>
+          <a:fillRef idx="1">
+            <a:schemeClr val="accent1"/>
+          </a:fillRef>
+          <a:effectRef idx="0">
+            <a:schemeClr val="accent1"/>
+          </a:effectRef>
+          <a:fontRef idx="minor">
+            <a:schemeClr val="lt1"/>
+          </a:fontRef>
+        </p:style>
+        <p:txBody>
+          <a:bodyPr rtlCol="0" anchor="ctr"/>
+          <a:lstStyle/>
+          <a:p>
+            <a:pPr algn="ctr"/>
+            <a:r>
+              <a:rPr lang="en-US" dirty="0" smtClean="0"/>
+              <a:t>-7</a:t>
+            </a:r>
+            <a:endParaRPr lang="en-US" dirty="0"/>
+          </a:p>
+        </p:txBody>
+      </p:sp>
+      <p:sp>
+        <p:nvSpPr>
+          <p:cNvPr id="83" name="Oval 82"/>
+          <p:cNvSpPr/>
+          <p:nvPr/>
+        </p:nvSpPr>
+        <p:spPr>
+          <a:xfrm>
+            <a:off x="5334000" y="5346700"/>
+            <a:ext cx="533400" cy="533400"/>
+          </a:xfrm>
+          <a:prstGeom prst="ellipse">
+            <a:avLst/>
+          </a:prstGeom>
+        </p:spPr>
+        <p:style>
+          <a:lnRef idx="2">
+            <a:schemeClr val="accent1">
+              <a:shade val="50000"/>
+            </a:schemeClr>
+          </a:lnRef>
+          <a:fillRef idx="1">
+            <a:schemeClr val="accent1"/>
+          </a:fillRef>
+          <a:effectRef idx="0">
+            <a:schemeClr val="accent1"/>
+          </a:effectRef>
+          <a:fontRef idx="minor">
+            <a:schemeClr val="lt1"/>
+          </a:fontRef>
+        </p:style>
+        <p:txBody>
+          <a:bodyPr rtlCol="0" anchor="ctr"/>
+          <a:lstStyle/>
+          <a:p>
+            <a:pPr algn="ctr"/>
+            <a:r>
+              <a:rPr lang="en-US" dirty="0" smtClean="0"/>
+              <a:t>-8</a:t>
+            </a:r>
+            <a:endParaRPr lang="en-US" dirty="0"/>
+          </a:p>
+        </p:txBody>
+      </p:sp>
+      <p:sp>
+        <p:nvSpPr>
+          <p:cNvPr id="84" name="Oval 83"/>
+          <p:cNvSpPr/>
+          <p:nvPr/>
+        </p:nvSpPr>
+        <p:spPr>
+          <a:xfrm>
+            <a:off x="5334000" y="5943600"/>
+            <a:ext cx="533400" cy="533400"/>
+          </a:xfrm>
+          <a:prstGeom prst="ellipse">
+            <a:avLst/>
+          </a:prstGeom>
+        </p:spPr>
+        <p:style>
+          <a:lnRef idx="2">
+            <a:schemeClr val="accent1">
+              <a:shade val="50000"/>
+            </a:schemeClr>
+          </a:lnRef>
+          <a:fillRef idx="1">
+            <a:schemeClr val="accent1"/>
+          </a:fillRef>
+          <a:effectRef idx="0">
+            <a:schemeClr val="accent1"/>
+          </a:effectRef>
+          <a:fontRef idx="minor">
+            <a:schemeClr val="lt1"/>
+          </a:fontRef>
+        </p:style>
+        <p:txBody>
+          <a:bodyPr rtlCol="0" anchor="ctr"/>
+          <a:lstStyle/>
+          <a:p>
+            <a:pPr algn="ctr"/>
+            <a:r>
+              <a:rPr lang="en-US" dirty="0" smtClean="0"/>
+              <a:t>-5</a:t>
+            </a:r>
+            <a:endParaRPr lang="en-US" dirty="0"/>
+          </a:p>
+        </p:txBody>
+      </p:sp>
+      <p:sp>
+        <p:nvSpPr>
+          <p:cNvPr id="85" name="Oval 84"/>
+          <p:cNvSpPr/>
+          <p:nvPr/>
+        </p:nvSpPr>
+        <p:spPr>
+          <a:xfrm>
+            <a:off x="6553200" y="2362200"/>
+            <a:ext cx="533400" cy="533400"/>
+          </a:xfrm>
+          <a:prstGeom prst="ellipse">
+            <a:avLst/>
+          </a:prstGeom>
+        </p:spPr>
+        <p:style>
+          <a:lnRef idx="2">
+            <a:schemeClr val="accent1">
+              <a:shade val="50000"/>
+            </a:schemeClr>
+          </a:lnRef>
+          <a:fillRef idx="1">
+            <a:schemeClr val="accent1"/>
+          </a:fillRef>
+          <a:effectRef idx="0">
+            <a:schemeClr val="accent1"/>
+          </a:effectRef>
+          <a:fontRef idx="minor">
+            <a:schemeClr val="lt1"/>
+          </a:fontRef>
+        </p:style>
+        <p:txBody>
+          <a:bodyPr rtlCol="0" anchor="ctr"/>
+          <a:lstStyle/>
+          <a:p>
+            <a:pPr algn="ctr"/>
+            <a:r>
+              <a:rPr lang="en-US" dirty="0" smtClean="0"/>
+              <a:t>-1</a:t>
+            </a:r>
+            <a:endParaRPr lang="en-US" dirty="0"/>
+          </a:p>
+        </p:txBody>
+      </p:sp>
+      <p:sp>
+        <p:nvSpPr>
+          <p:cNvPr id="86" name="Oval 85"/>
+          <p:cNvSpPr/>
+          <p:nvPr/>
+        </p:nvSpPr>
+        <p:spPr>
+          <a:xfrm>
+            <a:off x="6553200" y="2959100"/>
+            <a:ext cx="533400" cy="533400"/>
+          </a:xfrm>
+          <a:prstGeom prst="ellipse">
+            <a:avLst/>
+          </a:prstGeom>
+        </p:spPr>
+        <p:style>
+          <a:lnRef idx="2">
+            <a:schemeClr val="accent1">
+              <a:shade val="50000"/>
+            </a:schemeClr>
+          </a:lnRef>
+          <a:fillRef idx="1">
+            <a:schemeClr val="accent1"/>
+          </a:fillRef>
+          <a:effectRef idx="0">
+            <a:schemeClr val="accent1"/>
+          </a:effectRef>
+          <a:fontRef idx="minor">
+            <a:schemeClr val="lt1"/>
+          </a:fontRef>
+        </p:style>
+        <p:txBody>
+          <a:bodyPr rtlCol="0" anchor="ctr"/>
+          <a:lstStyle/>
+          <a:p>
+            <a:pPr algn="ctr"/>
+            <a:r>
+              <a:rPr lang="en-US" dirty="0" smtClean="0"/>
+              <a:t>-4</a:t>
+            </a:r>
+            <a:endParaRPr lang="en-US" dirty="0"/>
+          </a:p>
+        </p:txBody>
+      </p:sp>
+      <p:sp>
+        <p:nvSpPr>
+          <p:cNvPr id="87" name="Oval 86"/>
+          <p:cNvSpPr/>
+          <p:nvPr/>
+        </p:nvSpPr>
+        <p:spPr>
+          <a:xfrm>
+            <a:off x="6553200" y="3556000"/>
+            <a:ext cx="533400" cy="533400"/>
+          </a:xfrm>
+          <a:prstGeom prst="ellipse">
+            <a:avLst/>
+          </a:prstGeom>
+        </p:spPr>
+        <p:style>
+          <a:lnRef idx="2">
+            <a:schemeClr val="accent1">
+              <a:shade val="50000"/>
+            </a:schemeClr>
+          </a:lnRef>
+          <a:fillRef idx="1">
+            <a:schemeClr val="accent1"/>
+          </a:fillRef>
+          <a:effectRef idx="0">
+            <a:schemeClr val="accent1"/>
+          </a:effectRef>
+          <a:fontRef idx="minor">
+            <a:schemeClr val="lt1"/>
+          </a:fontRef>
+        </p:style>
+        <p:txBody>
+          <a:bodyPr rtlCol="0" anchor="ctr"/>
+          <a:lstStyle/>
+          <a:p>
+            <a:pPr algn="ctr"/>
+            <a:r>
+              <a:rPr lang="en-US" dirty="0" smtClean="0"/>
+              <a:t>-1</a:t>
+            </a:r>
+            <a:endParaRPr lang="en-US" dirty="0"/>
+          </a:p>
+        </p:txBody>
+      </p:sp>
+      <p:sp>
+        <p:nvSpPr>
+          <p:cNvPr id="88" name="Oval 87"/>
+          <p:cNvSpPr/>
+          <p:nvPr/>
+        </p:nvSpPr>
+        <p:spPr>
+          <a:xfrm>
+            <a:off x="6553200" y="4152900"/>
+            <a:ext cx="533400" cy="533400"/>
+          </a:xfrm>
+          <a:prstGeom prst="ellipse">
+            <a:avLst/>
+          </a:prstGeom>
+        </p:spPr>
+        <p:style>
+          <a:lnRef idx="2">
+            <a:schemeClr val="accent1">
+              <a:shade val="50000"/>
+            </a:schemeClr>
+          </a:lnRef>
+          <a:fillRef idx="1">
+            <a:schemeClr val="accent1"/>
+          </a:fillRef>
+          <a:effectRef idx="0">
+            <a:schemeClr val="accent1"/>
+          </a:effectRef>
+          <a:fontRef idx="minor">
+            <a:schemeClr val="lt1"/>
+          </a:fontRef>
+        </p:style>
+        <p:txBody>
+          <a:bodyPr rtlCol="0" anchor="ctr"/>
+          <a:lstStyle/>
+          <a:p>
+            <a:pPr algn="ctr"/>
+            <a:r>
+              <a:rPr lang="en-US" dirty="0" smtClean="0"/>
+              <a:t>-6</a:t>
+            </a:r>
+            <a:endParaRPr lang="en-US" dirty="0"/>
+          </a:p>
+        </p:txBody>
+      </p:sp>
+      <p:sp>
+        <p:nvSpPr>
+          <p:cNvPr id="89" name="Oval 88"/>
+          <p:cNvSpPr/>
+          <p:nvPr/>
+        </p:nvSpPr>
+        <p:spPr>
+          <a:xfrm>
+            <a:off x="6553200" y="4749800"/>
+            <a:ext cx="533400" cy="533400"/>
+          </a:xfrm>
+          <a:prstGeom prst="ellipse">
+            <a:avLst/>
+          </a:prstGeom>
+        </p:spPr>
+        <p:style>
+          <a:lnRef idx="2">
+            <a:schemeClr val="accent1">
+              <a:shade val="50000"/>
+            </a:schemeClr>
+          </a:lnRef>
+          <a:fillRef idx="1">
+            <a:schemeClr val="accent1"/>
+          </a:fillRef>
+          <a:effectRef idx="0">
+            <a:schemeClr val="accent1"/>
+          </a:effectRef>
+          <a:fontRef idx="minor">
+            <a:schemeClr val="lt1"/>
+          </a:fontRef>
+        </p:style>
+        <p:txBody>
+          <a:bodyPr rtlCol="0" anchor="ctr"/>
+          <a:lstStyle/>
+          <a:p>
+            <a:pPr algn="ctr"/>
+            <a:r>
+              <a:rPr lang="en-US" dirty="0" smtClean="0"/>
+              <a:t>-9</a:t>
+            </a:r>
+            <a:endParaRPr lang="en-US" dirty="0"/>
+          </a:p>
+        </p:txBody>
+      </p:sp>
+      <p:sp>
+        <p:nvSpPr>
+          <p:cNvPr id="90" name="Oval 89"/>
+          <p:cNvSpPr/>
+          <p:nvPr/>
+        </p:nvSpPr>
+        <p:spPr>
+          <a:xfrm>
+            <a:off x="6553200" y="5346700"/>
+            <a:ext cx="533400" cy="533400"/>
+          </a:xfrm>
+          <a:prstGeom prst="ellipse">
+            <a:avLst/>
+          </a:prstGeom>
+        </p:spPr>
+        <p:style>
+          <a:lnRef idx="2">
+            <a:schemeClr val="accent1">
+              <a:shade val="50000"/>
+            </a:schemeClr>
+          </a:lnRef>
+          <a:fillRef idx="1">
+            <a:schemeClr val="accent1"/>
+          </a:fillRef>
+          <a:effectRef idx="0">
+            <a:schemeClr val="accent1"/>
+          </a:effectRef>
+          <a:fontRef idx="minor">
+            <a:schemeClr val="lt1"/>
+          </a:fontRef>
+        </p:style>
+        <p:txBody>
+          <a:bodyPr rtlCol="0" anchor="ctr"/>
+          <a:lstStyle/>
+          <a:p>
+            <a:pPr algn="ctr"/>
+            <a:r>
+              <a:rPr lang="en-US" dirty="0" smtClean="0"/>
+              <a:t>-8</a:t>
+            </a:r>
+            <a:endParaRPr lang="en-US" dirty="0"/>
+          </a:p>
+        </p:txBody>
+      </p:sp>
+      <p:sp>
+        <p:nvSpPr>
+          <p:cNvPr id="91" name="Oval 90"/>
+          <p:cNvSpPr/>
+          <p:nvPr/>
+        </p:nvSpPr>
+        <p:spPr>
+          <a:xfrm>
+            <a:off x="6553200" y="5943600"/>
+            <a:ext cx="533400" cy="533400"/>
+          </a:xfrm>
+          <a:prstGeom prst="ellipse">
+            <a:avLst/>
+          </a:prstGeom>
+        </p:spPr>
+        <p:style>
+          <a:lnRef idx="2">
+            <a:schemeClr val="accent1">
+              <a:shade val="50000"/>
+            </a:schemeClr>
+          </a:lnRef>
+          <a:fillRef idx="1">
+            <a:schemeClr val="accent1"/>
+          </a:fillRef>
+          <a:effectRef idx="0">
+            <a:schemeClr val="accent1"/>
+          </a:effectRef>
+          <a:fontRef idx="minor">
+            <a:schemeClr val="lt1"/>
+          </a:fontRef>
+        </p:style>
+        <p:txBody>
+          <a:bodyPr rtlCol="0" anchor="ctr"/>
+          <a:lstStyle/>
+          <a:p>
+            <a:pPr algn="ctr"/>
+            <a:r>
+              <a:rPr lang="en-US" dirty="0" smtClean="0"/>
+              <a:t>-1</a:t>
+            </a:r>
+            <a:endParaRPr lang="en-US" dirty="0"/>
+          </a:p>
+        </p:txBody>
+      </p:sp>
+      <p:sp>
+        <p:nvSpPr>
+          <p:cNvPr id="92" name="Oval 91"/>
+          <p:cNvSpPr/>
+          <p:nvPr/>
+        </p:nvSpPr>
+        <p:spPr>
+          <a:xfrm>
+            <a:off x="7848600" y="2362200"/>
+            <a:ext cx="533400" cy="533400"/>
+          </a:xfrm>
+          <a:prstGeom prst="ellipse">
+            <a:avLst/>
+          </a:prstGeom>
+        </p:spPr>
+        <p:style>
+          <a:lnRef idx="2">
+            <a:schemeClr val="accent1">
+              <a:shade val="50000"/>
+            </a:schemeClr>
+          </a:lnRef>
+          <a:fillRef idx="1">
+            <a:schemeClr val="accent1"/>
+          </a:fillRef>
+          <a:effectRef idx="0">
+            <a:schemeClr val="accent1"/>
+          </a:effectRef>
+          <a:fontRef idx="minor">
+            <a:schemeClr val="lt1"/>
+          </a:fontRef>
+        </p:style>
+        <p:txBody>
+          <a:bodyPr rtlCol="0" anchor="ctr"/>
+          <a:lstStyle/>
+          <a:p>
+            <a:pPr algn="ctr"/>
+            <a:r>
+              <a:rPr lang="en-US" dirty="0" smtClean="0"/>
+              <a:t>-4</a:t>
+            </a:r>
+            <a:endParaRPr lang="en-US" dirty="0"/>
+          </a:p>
+        </p:txBody>
+      </p:sp>
+      <p:sp>
+        <p:nvSpPr>
+          <p:cNvPr id="93" name="Oval 92"/>
+          <p:cNvSpPr/>
+          <p:nvPr/>
+        </p:nvSpPr>
+        <p:spPr>
+          <a:xfrm>
+            <a:off x="7848600" y="2959100"/>
+            <a:ext cx="533400" cy="533400"/>
+          </a:xfrm>
+          <a:prstGeom prst="ellipse">
+            <a:avLst/>
+          </a:prstGeom>
+        </p:spPr>
+        <p:style>
+          <a:lnRef idx="2">
+            <a:schemeClr val="accent1">
+              <a:shade val="50000"/>
+            </a:schemeClr>
+          </a:lnRef>
+          <a:fillRef idx="1">
+            <a:schemeClr val="accent1"/>
+          </a:fillRef>
+          <a:effectRef idx="0">
+            <a:schemeClr val="accent1"/>
+          </a:effectRef>
+          <a:fontRef idx="minor">
+            <a:schemeClr val="lt1"/>
+          </a:fontRef>
+        </p:style>
+        <p:txBody>
+          <a:bodyPr rtlCol="0" anchor="ctr"/>
+          <a:lstStyle/>
+          <a:p>
+            <a:pPr algn="ctr"/>
+            <a:r>
+              <a:rPr lang="en-US" dirty="0" smtClean="0"/>
+              <a:t>-1</a:t>
+            </a:r>
+            <a:endParaRPr lang="en-US" dirty="0"/>
+          </a:p>
+        </p:txBody>
+      </p:sp>
+      <p:sp>
+        <p:nvSpPr>
+          <p:cNvPr id="94" name="Oval 93"/>
+          <p:cNvSpPr/>
+          <p:nvPr/>
+        </p:nvSpPr>
+        <p:spPr>
+          <a:xfrm>
+            <a:off x="7848600" y="3556000"/>
+            <a:ext cx="533400" cy="533400"/>
+          </a:xfrm>
+          <a:prstGeom prst="ellipse">
+            <a:avLst/>
+          </a:prstGeom>
+        </p:spPr>
+        <p:style>
+          <a:lnRef idx="2">
+            <a:schemeClr val="accent1">
+              <a:shade val="50000"/>
+            </a:schemeClr>
+          </a:lnRef>
+          <a:fillRef idx="1">
+            <a:schemeClr val="accent1"/>
+          </a:fillRef>
+          <a:effectRef idx="0">
+            <a:schemeClr val="accent1"/>
+          </a:effectRef>
+          <a:fontRef idx="minor">
+            <a:schemeClr val="lt1"/>
+          </a:fontRef>
+        </p:style>
+        <p:txBody>
+          <a:bodyPr rtlCol="0" anchor="ctr"/>
+          <a:lstStyle/>
+          <a:p>
+            <a:pPr algn="ctr"/>
+            <a:r>
+              <a:rPr lang="en-US" dirty="0" smtClean="0"/>
+              <a:t>-8</a:t>
+            </a:r>
+            <a:endParaRPr lang="en-US" dirty="0"/>
+          </a:p>
+        </p:txBody>
+      </p:sp>
+      <p:sp>
+        <p:nvSpPr>
+          <p:cNvPr id="95" name="Oval 94"/>
+          <p:cNvSpPr/>
+          <p:nvPr/>
+        </p:nvSpPr>
+        <p:spPr>
+          <a:xfrm>
+            <a:off x="7848600" y="4152900"/>
+            <a:ext cx="533400" cy="533400"/>
+          </a:xfrm>
+          <a:prstGeom prst="ellipse">
+            <a:avLst/>
+          </a:prstGeom>
+        </p:spPr>
+        <p:style>
+          <a:lnRef idx="2">
+            <a:schemeClr val="accent1">
+              <a:shade val="50000"/>
+            </a:schemeClr>
+          </a:lnRef>
+          <a:fillRef idx="1">
+            <a:schemeClr val="accent1"/>
+          </a:fillRef>
+          <a:effectRef idx="0">
+            <a:schemeClr val="accent1"/>
+          </a:effectRef>
+          <a:fontRef idx="minor">
+            <a:schemeClr val="lt1"/>
+          </a:fontRef>
+        </p:style>
+        <p:txBody>
+          <a:bodyPr rtlCol="0" anchor="ctr"/>
+          <a:lstStyle/>
+          <a:p>
+            <a:pPr algn="ctr"/>
+            <a:r>
+              <a:rPr lang="en-US" dirty="0" smtClean="0"/>
+              <a:t>-6</a:t>
+            </a:r>
+            <a:endParaRPr lang="en-US" dirty="0"/>
+          </a:p>
+        </p:txBody>
+      </p:sp>
+      <p:sp>
+        <p:nvSpPr>
+          <p:cNvPr id="96" name="Oval 95"/>
+          <p:cNvSpPr/>
+          <p:nvPr/>
+        </p:nvSpPr>
+        <p:spPr>
+          <a:xfrm>
+            <a:off x="7848600" y="4749800"/>
+            <a:ext cx="533400" cy="533400"/>
+          </a:xfrm>
+          <a:prstGeom prst="ellipse">
+            <a:avLst/>
+          </a:prstGeom>
+        </p:spPr>
+        <p:style>
+          <a:lnRef idx="2">
+            <a:schemeClr val="accent1">
+              <a:shade val="50000"/>
+            </a:schemeClr>
+          </a:lnRef>
+          <a:fillRef idx="1">
+            <a:schemeClr val="accent1"/>
+          </a:fillRef>
+          <a:effectRef idx="0">
+            <a:schemeClr val="accent1"/>
+          </a:effectRef>
+          <a:fontRef idx="minor">
+            <a:schemeClr val="lt1"/>
+          </a:fontRef>
+        </p:style>
+        <p:txBody>
+          <a:bodyPr rtlCol="0" anchor="ctr"/>
+          <a:lstStyle/>
+          <a:p>
+            <a:pPr algn="ctr"/>
+            <a:r>
+              <a:rPr lang="en-US" dirty="0" smtClean="0"/>
+              <a:t>-7</a:t>
+            </a:r>
+            <a:endParaRPr lang="en-US" dirty="0"/>
+          </a:p>
+        </p:txBody>
+      </p:sp>
+      <p:sp>
+        <p:nvSpPr>
+          <p:cNvPr id="97" name="Oval 96"/>
+          <p:cNvSpPr/>
+          <p:nvPr/>
+        </p:nvSpPr>
+        <p:spPr>
+          <a:xfrm>
+            <a:off x="7848600" y="5346700"/>
+            <a:ext cx="533400" cy="533400"/>
+          </a:xfrm>
+          <a:prstGeom prst="ellipse">
+            <a:avLst/>
+          </a:prstGeom>
+        </p:spPr>
+        <p:style>
+          <a:lnRef idx="2">
+            <a:schemeClr val="accent1">
+              <a:shade val="50000"/>
+            </a:schemeClr>
+          </a:lnRef>
+          <a:fillRef idx="1">
+            <a:schemeClr val="accent1"/>
+          </a:fillRef>
+          <a:effectRef idx="0">
+            <a:schemeClr val="accent1"/>
+          </a:effectRef>
+          <a:fontRef idx="minor">
+            <a:schemeClr val="lt1"/>
+          </a:fontRef>
+        </p:style>
+        <p:txBody>
+          <a:bodyPr rtlCol="0" anchor="ctr"/>
+          <a:lstStyle/>
+          <a:p>
+            <a:pPr algn="ctr"/>
+            <a:r>
+              <a:rPr lang="en-US" dirty="0" smtClean="0"/>
+              <a:t>-9</a:t>
+            </a:r>
+            <a:endParaRPr lang="en-US" dirty="0"/>
+          </a:p>
+        </p:txBody>
+      </p:sp>
+      <p:sp>
+        <p:nvSpPr>
+          <p:cNvPr id="98" name="Oval 97"/>
+          <p:cNvSpPr/>
+          <p:nvPr/>
+        </p:nvSpPr>
+        <p:spPr>
+          <a:xfrm>
+            <a:off x="7848600" y="5943600"/>
+            <a:ext cx="533400" cy="533400"/>
+          </a:xfrm>
+          <a:prstGeom prst="ellipse">
+            <a:avLst/>
+          </a:prstGeom>
+        </p:spPr>
+        <p:style>
+          <a:lnRef idx="2">
+            <a:schemeClr val="accent1">
+              <a:shade val="50000"/>
+            </a:schemeClr>
+          </a:lnRef>
+          <a:fillRef idx="1">
+            <a:schemeClr val="accent1"/>
+          </a:fillRef>
+          <a:effectRef idx="0">
+            <a:schemeClr val="accent1"/>
+          </a:effectRef>
+          <a:fontRef idx="minor">
+            <a:schemeClr val="lt1"/>
+          </a:fontRef>
+        </p:style>
+        <p:txBody>
+          <a:bodyPr rtlCol="0" anchor="ctr"/>
+          <a:lstStyle/>
+          <a:p>
+            <a:pPr algn="ctr"/>
+            <a:r>
+              <a:rPr lang="en-US" dirty="0" smtClean="0"/>
+              <a:t>-1</a:t>
+            </a:r>
+            <a:endParaRPr lang="en-US" dirty="0"/>
+          </a:p>
+        </p:txBody>
+      </p:sp>
+      <p:cxnSp>
+        <p:nvCxnSpPr>
+          <p:cNvPr id="100" name="Elbow Connector 99"/>
+          <p:cNvCxnSpPr>
+            <a:stCxn id="17" idx="2"/>
+            <a:endCxn id="39" idx="2"/>
+          </p:cNvCxnSpPr>
+          <p:nvPr/>
+        </p:nvCxnSpPr>
+        <p:spPr>
+          <a:xfrm rot="10800000" flipV="1">
+            <a:off x="304800" y="1905000"/>
+            <a:ext cx="1588" cy="723900"/>
+          </a:xfrm>
+          <a:prstGeom prst="bentConnector3">
+            <a:avLst>
+              <a:gd name="adj1" fmla="val 14395466"/>
+            </a:avLst>
+          </a:prstGeom>
+        </p:spPr>
+        <p:style>
+          <a:lnRef idx="1">
+            <a:schemeClr val="accent1"/>
+          </a:lnRef>
+          <a:fillRef idx="0">
+            <a:schemeClr val="accent1"/>
+          </a:fillRef>
+          <a:effectRef idx="0">
+            <a:schemeClr val="accent1"/>
+          </a:effectRef>
+          <a:fontRef idx="minor">
+            <a:schemeClr val="tx1"/>
+          </a:fontRef>
+        </p:style>
+      </p:cxnSp>
+      <p:cxnSp>
+        <p:nvCxnSpPr>
+          <p:cNvPr id="103" name="Elbow Connector 102"/>
+          <p:cNvCxnSpPr>
+            <a:stCxn id="40" idx="2"/>
+            <a:endCxn id="17" idx="2"/>
+          </p:cNvCxnSpPr>
+          <p:nvPr/>
+        </p:nvCxnSpPr>
+        <p:spPr>
+          <a:xfrm rot="10800000">
+            <a:off x="304800" y="1905000"/>
+            <a:ext cx="1588" cy="1320800"/>
+          </a:xfrm>
+          <a:prstGeom prst="bentConnector3">
+            <a:avLst>
+              <a:gd name="adj1" fmla="val 14395466"/>
+            </a:avLst>
+          </a:prstGeom>
+        </p:spPr>
+        <p:style>
+          <a:lnRef idx="1">
+            <a:schemeClr val="accent1"/>
+          </a:lnRef>
+          <a:fillRef idx="0">
+            <a:schemeClr val="accent1"/>
+          </a:fillRef>
+          <a:effectRef idx="0">
+            <a:schemeClr val="accent1"/>
+          </a:effectRef>
+          <a:fontRef idx="minor">
+            <a:schemeClr val="tx1"/>
+          </a:fontRef>
+        </p:style>
+      </p:cxnSp>
+      <p:cxnSp>
+        <p:nvCxnSpPr>
+          <p:cNvPr id="105" name="Elbow Connector 104"/>
+          <p:cNvCxnSpPr>
+            <a:stCxn id="41" idx="2"/>
+            <a:endCxn id="17" idx="2"/>
+          </p:cNvCxnSpPr>
+          <p:nvPr/>
+        </p:nvCxnSpPr>
+        <p:spPr>
+          <a:xfrm rot="10800000">
+            <a:off x="304800" y="1905000"/>
+            <a:ext cx="1588" cy="1917700"/>
+          </a:xfrm>
+          <a:prstGeom prst="bentConnector3">
+            <a:avLst>
+              <a:gd name="adj1" fmla="val 14395466"/>
+            </a:avLst>
+          </a:prstGeom>
+        </p:spPr>
+        <p:style>
+          <a:lnRef idx="1">
+            <a:schemeClr val="accent1"/>
+          </a:lnRef>
+          <a:fillRef idx="0">
+            <a:schemeClr val="accent1"/>
+          </a:fillRef>
+          <a:effectRef idx="0">
+            <a:schemeClr val="accent1"/>
+          </a:effectRef>
+          <a:fontRef idx="minor">
+            <a:schemeClr val="tx1"/>
+          </a:fontRef>
+        </p:style>
+      </p:cxnSp>
+      <p:cxnSp>
+        <p:nvCxnSpPr>
+          <p:cNvPr id="107" name="Elbow Connector 106"/>
+          <p:cNvCxnSpPr>
+            <a:stCxn id="42" idx="2"/>
+            <a:endCxn id="17" idx="2"/>
+          </p:cNvCxnSpPr>
+          <p:nvPr/>
+        </p:nvCxnSpPr>
+        <p:spPr>
+          <a:xfrm rot="10800000">
+            <a:off x="304800" y="1905000"/>
+            <a:ext cx="1588" cy="2514600"/>
+          </a:xfrm>
+          <a:prstGeom prst="bentConnector3">
+            <a:avLst>
+              <a:gd name="adj1" fmla="val 14395466"/>
+            </a:avLst>
+          </a:prstGeom>
+        </p:spPr>
+        <p:style>
+          <a:lnRef idx="1">
+            <a:schemeClr val="accent1"/>
+          </a:lnRef>
+          <a:fillRef idx="0">
+            <a:schemeClr val="accent1"/>
+          </a:fillRef>
+          <a:effectRef idx="0">
+            <a:schemeClr val="accent1"/>
+          </a:effectRef>
+          <a:fontRef idx="minor">
+            <a:schemeClr val="tx1"/>
+          </a:fontRef>
+        </p:style>
+      </p:cxnSp>
+      <p:cxnSp>
+        <p:nvCxnSpPr>
+          <p:cNvPr id="109" name="Elbow Connector 108"/>
+          <p:cNvCxnSpPr>
+            <a:stCxn id="43" idx="2"/>
+            <a:endCxn id="17" idx="2"/>
+          </p:cNvCxnSpPr>
+          <p:nvPr/>
+        </p:nvCxnSpPr>
+        <p:spPr>
+          <a:xfrm rot="10800000">
+            <a:off x="304800" y="1905000"/>
+            <a:ext cx="1588" cy="3111500"/>
+          </a:xfrm>
+          <a:prstGeom prst="bentConnector3">
+            <a:avLst>
+              <a:gd name="adj1" fmla="val 14395466"/>
+            </a:avLst>
+          </a:prstGeom>
+        </p:spPr>
+        <p:style>
+          <a:lnRef idx="1">
+            <a:schemeClr val="accent1"/>
+          </a:lnRef>
+          <a:fillRef idx="0">
+            <a:schemeClr val="accent1"/>
+          </a:fillRef>
+          <a:effectRef idx="0">
+            <a:schemeClr val="accent1"/>
+          </a:effectRef>
+          <a:fontRef idx="minor">
+            <a:schemeClr val="tx1"/>
+          </a:fontRef>
+        </p:style>
+      </p:cxnSp>
+      <p:cxnSp>
+        <p:nvCxnSpPr>
+          <p:cNvPr id="112" name="Elbow Connector 111"/>
+          <p:cNvCxnSpPr>
+            <a:stCxn id="45" idx="2"/>
+            <a:endCxn id="17" idx="2"/>
+          </p:cNvCxnSpPr>
+          <p:nvPr/>
+        </p:nvCxnSpPr>
+        <p:spPr>
+          <a:xfrm rot="10800000">
+            <a:off x="304800" y="1905000"/>
+            <a:ext cx="1588" cy="4305300"/>
+          </a:xfrm>
+          <a:prstGeom prst="bentConnector3">
+            <a:avLst>
+              <a:gd name="adj1" fmla="val 14395466"/>
+            </a:avLst>
+          </a:prstGeom>
+        </p:spPr>
+        <p:style>
+          <a:lnRef idx="1">
+            <a:schemeClr val="accent1"/>
+          </a:lnRef>
+          <a:fillRef idx="0">
+            <a:schemeClr val="accent1"/>
+          </a:fillRef>
+          <a:effectRef idx="0">
+            <a:schemeClr val="accent1"/>
+          </a:effectRef>
+          <a:fontRef idx="minor">
+            <a:schemeClr val="tx1"/>
+          </a:fontRef>
+        </p:style>
+      </p:cxnSp>
+      <p:cxnSp>
+        <p:nvCxnSpPr>
+          <p:cNvPr id="115" name="Elbow Connector 114"/>
+          <p:cNvCxnSpPr>
+            <a:stCxn id="44" idx="2"/>
+            <a:endCxn id="17" idx="2"/>
+          </p:cNvCxnSpPr>
+          <p:nvPr/>
+        </p:nvCxnSpPr>
+        <p:spPr>
+          <a:xfrm rot="10800000">
+            <a:off x="304800" y="1905000"/>
+            <a:ext cx="1588" cy="3708400"/>
+          </a:xfrm>
+          <a:prstGeom prst="bentConnector3">
+            <a:avLst>
+              <a:gd name="adj1" fmla="val 14395466"/>
+            </a:avLst>
+          </a:prstGeom>
+        </p:spPr>
+        <p:style>
+          <a:lnRef idx="1">
+            <a:schemeClr val="accent1"/>
+          </a:lnRef>
+          <a:fillRef idx="0">
+            <a:schemeClr val="accent1"/>
+          </a:fillRef>
+          <a:effectRef idx="0">
+            <a:schemeClr val="accent1"/>
+          </a:effectRef>
+          <a:fontRef idx="minor">
+            <a:schemeClr val="tx1"/>
+          </a:fontRef>
+        </p:style>
+      </p:cxnSp>
+      <p:cxnSp>
+        <p:nvCxnSpPr>
+          <p:cNvPr id="117" name="Elbow Connector 116"/>
+          <p:cNvCxnSpPr/>
+          <p:nvPr/>
+        </p:nvCxnSpPr>
+        <p:spPr>
+          <a:xfrm rot="10800000" flipV="1">
+            <a:off x="1600201" y="1866900"/>
+            <a:ext cx="1588" cy="723900"/>
+          </a:xfrm>
+          <a:prstGeom prst="bentConnector3">
+            <a:avLst>
+              <a:gd name="adj1" fmla="val 14395466"/>
+            </a:avLst>
+          </a:prstGeom>
+        </p:spPr>
+        <p:style>
+          <a:lnRef idx="1">
+            <a:schemeClr val="accent1"/>
+          </a:lnRef>
+          <a:fillRef idx="0">
+            <a:schemeClr val="accent1"/>
+          </a:fillRef>
+          <a:effectRef idx="0">
+            <a:schemeClr val="accent1"/>
+          </a:effectRef>
+          <a:fontRef idx="minor">
+            <a:schemeClr val="tx1"/>
+          </a:fontRef>
+        </p:style>
+      </p:cxnSp>
+      <p:cxnSp>
+        <p:nvCxnSpPr>
+          <p:cNvPr id="118" name="Elbow Connector 117"/>
+          <p:cNvCxnSpPr/>
+          <p:nvPr/>
+        </p:nvCxnSpPr>
+        <p:spPr>
+          <a:xfrm rot="10800000">
+            <a:off x="1600201" y="1866900"/>
+            <a:ext cx="1588" cy="1320800"/>
+          </a:xfrm>
+          <a:prstGeom prst="bentConnector3">
+            <a:avLst>
+              <a:gd name="adj1" fmla="val 14395466"/>
+            </a:avLst>
+          </a:prstGeom>
+        </p:spPr>
+        <p:style>
+          <a:lnRef idx="1">
+            <a:schemeClr val="accent1"/>
+          </a:lnRef>
+          <a:fillRef idx="0">
+            <a:schemeClr val="accent1"/>
+          </a:fillRef>
+          <a:effectRef idx="0">
+            <a:schemeClr val="accent1"/>
+          </a:effectRef>
+          <a:fontRef idx="minor">
+            <a:schemeClr val="tx1"/>
+          </a:fontRef>
+        </p:style>
+      </p:cxnSp>
+      <p:cxnSp>
+        <p:nvCxnSpPr>
+          <p:cNvPr id="119" name="Elbow Connector 118"/>
+          <p:cNvCxnSpPr/>
+          <p:nvPr/>
+        </p:nvCxnSpPr>
+        <p:spPr>
+          <a:xfrm rot="10800000">
+            <a:off x="1600201" y="1866900"/>
+            <a:ext cx="1588" cy="1917700"/>
+          </a:xfrm>
+          <a:prstGeom prst="bentConnector3">
+            <a:avLst>
+              <a:gd name="adj1" fmla="val 14395466"/>
+            </a:avLst>
+          </a:prstGeom>
+        </p:spPr>
+        <p:style>
+          <a:lnRef idx="1">
+            <a:schemeClr val="accent1"/>
+          </a:lnRef>
+          <a:fillRef idx="0">
+            <a:schemeClr val="accent1"/>
+          </a:fillRef>
+          <a:effectRef idx="0">
+            <a:schemeClr val="accent1"/>
+          </a:effectRef>
+          <a:fontRef idx="minor">
+            <a:schemeClr val="tx1"/>
+          </a:fontRef>
+        </p:style>
+      </p:cxnSp>
+      <p:cxnSp>
+        <p:nvCxnSpPr>
+          <p:cNvPr id="120" name="Elbow Connector 119"/>
+          <p:cNvCxnSpPr/>
+          <p:nvPr/>
+        </p:nvCxnSpPr>
+        <p:spPr>
+          <a:xfrm rot="10800000">
+            <a:off x="1600201" y="1866900"/>
+            <a:ext cx="1588" cy="2514600"/>
+          </a:xfrm>
+          <a:prstGeom prst="bentConnector3">
+            <a:avLst>
+              <a:gd name="adj1" fmla="val 14395466"/>
+            </a:avLst>
+          </a:prstGeom>
+        </p:spPr>
+        <p:style>
+          <a:lnRef idx="1">
+            <a:schemeClr val="accent1"/>
+          </a:lnRef>
+          <a:fillRef idx="0">
+            <a:schemeClr val="accent1"/>
+          </a:fillRef>
+          <a:effectRef idx="0">
+            <a:schemeClr val="accent1"/>
+          </a:effectRef>
+          <a:fontRef idx="minor">
+            <a:schemeClr val="tx1"/>
+          </a:fontRef>
+        </p:style>
+      </p:cxnSp>
+      <p:cxnSp>
+        <p:nvCxnSpPr>
+          <p:cNvPr id="121" name="Elbow Connector 120"/>
+          <p:cNvCxnSpPr/>
+          <p:nvPr/>
+        </p:nvCxnSpPr>
+        <p:spPr>
+          <a:xfrm rot="10800000">
+            <a:off x="1600201" y="1866900"/>
+            <a:ext cx="1588" cy="3111500"/>
+          </a:xfrm>
+          <a:prstGeom prst="bentConnector3">
+            <a:avLst>
+              <a:gd name="adj1" fmla="val 14395466"/>
+            </a:avLst>
+          </a:prstGeom>
+        </p:spPr>
+        <p:style>
+          <a:lnRef idx="1">
+            <a:schemeClr val="accent1"/>
+          </a:lnRef>
+          <a:fillRef idx="0">
+            <a:schemeClr val="accent1"/>
+          </a:fillRef>
+          <a:effectRef idx="0">
+            <a:schemeClr val="accent1"/>
+          </a:effectRef>
+          <a:fontRef idx="minor">
+            <a:schemeClr val="tx1"/>
+          </a:fontRef>
+        </p:style>
+      </p:cxnSp>
+      <p:cxnSp>
+        <p:nvCxnSpPr>
+          <p:cNvPr id="122" name="Elbow Connector 121"/>
+          <p:cNvCxnSpPr/>
+          <p:nvPr/>
+        </p:nvCxnSpPr>
+        <p:spPr>
+          <a:xfrm rot="10800000">
+            <a:off x="1600201" y="1866900"/>
+            <a:ext cx="1588" cy="4305300"/>
+          </a:xfrm>
+          <a:prstGeom prst="bentConnector3">
+            <a:avLst>
+              <a:gd name="adj1" fmla="val 14395466"/>
+            </a:avLst>
+          </a:prstGeom>
+        </p:spPr>
+        <p:style>
+          <a:lnRef idx="1">
+            <a:schemeClr val="accent1"/>
+          </a:lnRef>
+          <a:fillRef idx="0">
+            <a:schemeClr val="accent1"/>
+          </a:fillRef>
+          <a:effectRef idx="0">
+            <a:schemeClr val="accent1"/>
+          </a:effectRef>
+          <a:fontRef idx="minor">
+            <a:schemeClr val="tx1"/>
+          </a:fontRef>
+        </p:style>
+      </p:cxnSp>
+      <p:cxnSp>
+        <p:nvCxnSpPr>
+          <p:cNvPr id="123" name="Elbow Connector 122"/>
+          <p:cNvCxnSpPr/>
+          <p:nvPr/>
+        </p:nvCxnSpPr>
+        <p:spPr>
+          <a:xfrm rot="10800000">
+            <a:off x="1600201" y="1866900"/>
+            <a:ext cx="1588" cy="3708400"/>
+          </a:xfrm>
+          <a:prstGeom prst="bentConnector3">
+            <a:avLst>
+              <a:gd name="adj1" fmla="val 14395466"/>
+            </a:avLst>
+          </a:prstGeom>
+        </p:spPr>
+        <p:style>
+          <a:lnRef idx="1">
+            <a:schemeClr val="accent1"/>
+          </a:lnRef>
+          <a:fillRef idx="0">
+            <a:schemeClr val="accent1"/>
+          </a:fillRef>
+          <a:effectRef idx="0">
+            <a:schemeClr val="accent1"/>
+          </a:effectRef>
+          <a:fontRef idx="minor">
+            <a:schemeClr val="tx1"/>
+          </a:fontRef>
+        </p:style>
+      </p:cxnSp>
+      <p:cxnSp>
+        <p:nvCxnSpPr>
+          <p:cNvPr id="124" name="Elbow Connector 123"/>
+          <p:cNvCxnSpPr/>
+          <p:nvPr/>
+        </p:nvCxnSpPr>
+        <p:spPr>
+          <a:xfrm rot="10800000" flipV="1">
+            <a:off x="2819401" y="1905000"/>
+            <a:ext cx="1588" cy="723900"/>
+          </a:xfrm>
+          <a:prstGeom prst="bentConnector3">
+            <a:avLst>
+              <a:gd name="adj1" fmla="val 14395466"/>
+            </a:avLst>
+          </a:prstGeom>
+        </p:spPr>
+        <p:style>
+          <a:lnRef idx="1">
+            <a:schemeClr val="accent1"/>
+          </a:lnRef>
+          <a:fillRef idx="0">
+            <a:schemeClr val="accent1"/>
+          </a:fillRef>
+          <a:effectRef idx="0">
+            <a:schemeClr val="accent1"/>
+          </a:effectRef>
+          <a:fontRef idx="minor">
+            <a:schemeClr val="tx1"/>
+          </a:fontRef>
+        </p:style>
+      </p:cxnSp>
+      <p:cxnSp>
+        <p:nvCxnSpPr>
+          <p:cNvPr id="125" name="Elbow Connector 124"/>
+          <p:cNvCxnSpPr/>
+          <p:nvPr/>
+        </p:nvCxnSpPr>
+        <p:spPr>
+          <a:xfrm rot="10800000">
+            <a:off x="2819401" y="1905000"/>
+            <a:ext cx="1588" cy="1320800"/>
+          </a:xfrm>
+          <a:prstGeom prst="bentConnector3">
+            <a:avLst>
+              <a:gd name="adj1" fmla="val 14395466"/>
+            </a:avLst>
+          </a:prstGeom>
+        </p:spPr>
+        <p:style>
+          <a:lnRef idx="1">
+            <a:schemeClr val="accent1"/>
+          </a:lnRef>
+          <a:fillRef idx="0">
+            <a:schemeClr val="accent1"/>
+          </a:fillRef>
+          <a:effectRef idx="0">
+            <a:schemeClr val="accent1"/>
+          </a:effectRef>
+          <a:fontRef idx="minor">
+            <a:schemeClr val="tx1"/>
+          </a:fontRef>
+        </p:style>
+      </p:cxnSp>
+      <p:cxnSp>
+        <p:nvCxnSpPr>
+          <p:cNvPr id="126" name="Elbow Connector 125"/>
+          <p:cNvCxnSpPr/>
+          <p:nvPr/>
+        </p:nvCxnSpPr>
+        <p:spPr>
+          <a:xfrm rot="10800000">
+            <a:off x="2819401" y="1905000"/>
+            <a:ext cx="1588" cy="1917700"/>
+          </a:xfrm>
+          <a:prstGeom prst="bentConnector3">
+            <a:avLst>
+              <a:gd name="adj1" fmla="val 14395466"/>
+            </a:avLst>
+          </a:prstGeom>
+        </p:spPr>
+        <p:style>
+          <a:lnRef idx="1">
+            <a:schemeClr val="accent1"/>
+          </a:lnRef>
+          <a:fillRef idx="0">
+            <a:schemeClr val="accent1"/>
+          </a:fillRef>
+          <a:effectRef idx="0">
+            <a:schemeClr val="accent1"/>
+          </a:effectRef>
+          <a:fontRef idx="minor">
+            <a:schemeClr val="tx1"/>
+          </a:fontRef>
+        </p:style>
+      </p:cxnSp>
+      <p:cxnSp>
+        <p:nvCxnSpPr>
+          <p:cNvPr id="127" name="Elbow Connector 126"/>
+          <p:cNvCxnSpPr/>
+          <p:nvPr/>
+        </p:nvCxnSpPr>
+        <p:spPr>
+          <a:xfrm rot="10800000">
+            <a:off x="2819401" y="1905000"/>
+            <a:ext cx="1588" cy="2514600"/>
+          </a:xfrm>
+          <a:prstGeom prst="bentConnector3">
+            <a:avLst>
+              <a:gd name="adj1" fmla="val 14395466"/>
+            </a:avLst>
+          </a:prstGeom>
+        </p:spPr>
+        <p:style>
+          <a:lnRef idx="1">
+            <a:schemeClr val="accent1"/>
+          </a:lnRef>
+          <a:fillRef idx="0">
+            <a:schemeClr val="accent1"/>
+          </a:fillRef>
+          <a:effectRef idx="0">
+            <a:schemeClr val="accent1"/>
+          </a:effectRef>
+          <a:fontRef idx="minor">
+            <a:schemeClr val="tx1"/>
+          </a:fontRef>
+        </p:style>
+      </p:cxnSp>
+      <p:cxnSp>
+        <p:nvCxnSpPr>
+          <p:cNvPr id="128" name="Elbow Connector 127"/>
+          <p:cNvCxnSpPr/>
+          <p:nvPr/>
+        </p:nvCxnSpPr>
+        <p:spPr>
+          <a:xfrm rot="10800000">
+            <a:off x="2819401" y="1905000"/>
+            <a:ext cx="1588" cy="3111500"/>
+          </a:xfrm>
+          <a:prstGeom prst="bentConnector3">
+            <a:avLst>
+              <a:gd name="adj1" fmla="val 14395466"/>
+            </a:avLst>
+          </a:prstGeom>
+        </p:spPr>
+        <p:style>
+          <a:lnRef idx="1">
+            <a:schemeClr val="accent1"/>
+          </a:lnRef>
+          <a:fillRef idx="0">
+            <a:schemeClr val="accent1"/>
+          </a:fillRef>
+          <a:effectRef idx="0">
+            <a:schemeClr val="accent1"/>
+          </a:effectRef>
+          <a:fontRef idx="minor">
+            <a:schemeClr val="tx1"/>
+          </a:fontRef>
+        </p:style>
+      </p:cxnSp>
+      <p:cxnSp>
+        <p:nvCxnSpPr>
+          <p:cNvPr id="129" name="Elbow Connector 128"/>
+          <p:cNvCxnSpPr/>
+          <p:nvPr/>
+        </p:nvCxnSpPr>
+        <p:spPr>
+          <a:xfrm rot="10800000">
+            <a:off x="2819401" y="1905000"/>
+            <a:ext cx="1588" cy="4305300"/>
+          </a:xfrm>
+          <a:prstGeom prst="bentConnector3">
+            <a:avLst>
+              <a:gd name="adj1" fmla="val 14395466"/>
+            </a:avLst>
+          </a:prstGeom>
+        </p:spPr>
+        <p:style>
+          <a:lnRef idx="1">
+            <a:schemeClr val="accent1"/>
+          </a:lnRef>
+          <a:fillRef idx="0">
+            <a:schemeClr val="accent1"/>
+          </a:fillRef>
+          <a:effectRef idx="0">
+            <a:schemeClr val="accent1"/>
+          </a:effectRef>
+          <a:fontRef idx="minor">
+            <a:schemeClr val="tx1"/>
+          </a:fontRef>
+        </p:style>
+      </p:cxnSp>
+      <p:cxnSp>
+        <p:nvCxnSpPr>
+          <p:cNvPr id="130" name="Elbow Connector 129"/>
+          <p:cNvCxnSpPr/>
+          <p:nvPr/>
+        </p:nvCxnSpPr>
+        <p:spPr>
+          <a:xfrm rot="10800000">
+            <a:off x="2819401" y="1905000"/>
+            <a:ext cx="1588" cy="3708400"/>
+          </a:xfrm>
+          <a:prstGeom prst="bentConnector3">
+            <a:avLst>
+              <a:gd name="adj1" fmla="val 14395466"/>
+            </a:avLst>
+          </a:prstGeom>
+        </p:spPr>
+        <p:style>
+          <a:lnRef idx="1">
+            <a:schemeClr val="accent1"/>
+          </a:lnRef>
+          <a:fillRef idx="0">
+            <a:schemeClr val="accent1"/>
+          </a:fillRef>
+          <a:effectRef idx="0">
+            <a:schemeClr val="accent1"/>
+          </a:effectRef>
+          <a:fontRef idx="minor">
+            <a:schemeClr val="tx1"/>
+          </a:fontRef>
+        </p:style>
+      </p:cxnSp>
+      <p:cxnSp>
+        <p:nvCxnSpPr>
+          <p:cNvPr id="131" name="Elbow Connector 130"/>
+          <p:cNvCxnSpPr/>
+          <p:nvPr/>
+        </p:nvCxnSpPr>
+        <p:spPr>
+          <a:xfrm rot="10800000" flipV="1">
+            <a:off x="4113212" y="1905000"/>
+            <a:ext cx="1588" cy="723900"/>
+          </a:xfrm>
+          <a:prstGeom prst="bentConnector3">
+            <a:avLst>
+              <a:gd name="adj1" fmla="val 14395466"/>
+            </a:avLst>
+          </a:prstGeom>
+        </p:spPr>
+        <p:style>
+          <a:lnRef idx="1">
+            <a:schemeClr val="accent1"/>
+          </a:lnRef>
+          <a:fillRef idx="0">
+            <a:schemeClr val="accent1"/>
+          </a:fillRef>
+          <a:effectRef idx="0">
+            <a:schemeClr val="accent1"/>
+          </a:effectRef>
+          <a:fontRef idx="minor">
+            <a:schemeClr val="tx1"/>
+          </a:fontRef>
+        </p:style>
+      </p:cxnSp>
+      <p:cxnSp>
+        <p:nvCxnSpPr>
+          <p:cNvPr id="132" name="Elbow Connector 131"/>
+          <p:cNvCxnSpPr/>
+          <p:nvPr/>
+        </p:nvCxnSpPr>
+        <p:spPr>
+          <a:xfrm rot="10800000">
+            <a:off x="4113212" y="1905000"/>
+            <a:ext cx="1588" cy="1320800"/>
+          </a:xfrm>
+          <a:prstGeom prst="bentConnector3">
+            <a:avLst>
+              <a:gd name="adj1" fmla="val 14395466"/>
+            </a:avLst>
+          </a:prstGeom>
+        </p:spPr>
+        <p:style>
+          <a:lnRef idx="1">
+            <a:schemeClr val="accent1"/>
+          </a:lnRef>
+          <a:fillRef idx="0">
+            <a:schemeClr val="accent1"/>
+          </a:fillRef>
+          <a:effectRef idx="0">
+            <a:schemeClr val="accent1"/>
+          </a:effectRef>
+          <a:fontRef idx="minor">
+            <a:schemeClr val="tx1"/>
+          </a:fontRef>
+        </p:style>
+      </p:cxnSp>
+      <p:cxnSp>
+        <p:nvCxnSpPr>
+          <p:cNvPr id="133" name="Elbow Connector 132"/>
+          <p:cNvCxnSpPr/>
+          <p:nvPr/>
+        </p:nvCxnSpPr>
+        <p:spPr>
+          <a:xfrm rot="10800000">
+            <a:off x="4113212" y="1905000"/>
+            <a:ext cx="1588" cy="1917700"/>
+          </a:xfrm>
+          <a:prstGeom prst="bentConnector3">
+            <a:avLst>
+              <a:gd name="adj1" fmla="val 14395466"/>
+            </a:avLst>
+          </a:prstGeom>
+        </p:spPr>
+        <p:style>
+          <a:lnRef idx="1">
+            <a:schemeClr val="accent1"/>
+          </a:lnRef>
+          <a:fillRef idx="0">
+            <a:schemeClr val="accent1"/>
+          </a:fillRef>
+          <a:effectRef idx="0">
+            <a:schemeClr val="accent1"/>
+          </a:effectRef>
+          <a:fontRef idx="minor">
+            <a:schemeClr val="tx1"/>
+          </a:fontRef>
+        </p:style>
+      </p:cxnSp>
+      <p:cxnSp>
+        <p:nvCxnSpPr>
+          <p:cNvPr id="134" name="Elbow Connector 133"/>
+          <p:cNvCxnSpPr/>
+          <p:nvPr/>
+        </p:nvCxnSpPr>
+        <p:spPr>
+          <a:xfrm rot="10800000">
+            <a:off x="4113212" y="1905000"/>
+            <a:ext cx="1588" cy="2514600"/>
+          </a:xfrm>
+          <a:prstGeom prst="bentConnector3">
+            <a:avLst>
+              <a:gd name="adj1" fmla="val 14395466"/>
+            </a:avLst>
+          </a:prstGeom>
+        </p:spPr>
+        <p:style>
+          <a:lnRef idx="1">
+            <a:schemeClr val="accent1"/>
+          </a:lnRef>
+          <a:fillRef idx="0">
+            <a:schemeClr val="accent1"/>
+          </a:fillRef>
+          <a:effectRef idx="0">
+            <a:schemeClr val="accent1"/>
+          </a:effectRef>
+          <a:fontRef idx="minor">
+            <a:schemeClr val="tx1"/>
+          </a:fontRef>
+        </p:style>
+      </p:cxnSp>
+      <p:cxnSp>
+        <p:nvCxnSpPr>
+          <p:cNvPr id="135" name="Elbow Connector 134"/>
+          <p:cNvCxnSpPr/>
+          <p:nvPr/>
+        </p:nvCxnSpPr>
+        <p:spPr>
+          <a:xfrm rot="10800000">
+            <a:off x="4113212" y="1905000"/>
+            <a:ext cx="1588" cy="3111500"/>
+          </a:xfrm>
+          <a:prstGeom prst="bentConnector3">
+            <a:avLst>
+              <a:gd name="adj1" fmla="val 14395466"/>
+            </a:avLst>
+          </a:prstGeom>
+        </p:spPr>
+        <p:style>
+          <a:lnRef idx="1">
+            <a:schemeClr val="accent1"/>
+          </a:lnRef>
+          <a:fillRef idx="0">
+            <a:schemeClr val="accent1"/>
+          </a:fillRef>
+          <a:effectRef idx="0">
+            <a:schemeClr val="accent1"/>
+          </a:effectRef>
+          <a:fontRef idx="minor">
+            <a:schemeClr val="tx1"/>
+          </a:fontRef>
+        </p:style>
+      </p:cxnSp>
+      <p:cxnSp>
+        <p:nvCxnSpPr>
+          <p:cNvPr id="136" name="Elbow Connector 135"/>
+          <p:cNvCxnSpPr/>
+          <p:nvPr/>
+        </p:nvCxnSpPr>
+        <p:spPr>
+          <a:xfrm rot="10800000">
+            <a:off x="4113212" y="1905000"/>
+            <a:ext cx="1588" cy="4305300"/>
+          </a:xfrm>
+          <a:prstGeom prst="bentConnector3">
+            <a:avLst>
+              <a:gd name="adj1" fmla="val 14395466"/>
+            </a:avLst>
+          </a:prstGeom>
+        </p:spPr>
+        <p:style>
+          <a:lnRef idx="1">
+            <a:schemeClr val="accent1"/>
+          </a:lnRef>
+          <a:fillRef idx="0">
+            <a:schemeClr val="accent1"/>
+          </a:fillRef>
+          <a:effectRef idx="0">
+            <a:schemeClr val="accent1"/>
+          </a:effectRef>
+          <a:fontRef idx="minor">
+            <a:schemeClr val="tx1"/>
+          </a:fontRef>
+        </p:style>
+      </p:cxnSp>
+      <p:cxnSp>
+        <p:nvCxnSpPr>
+          <p:cNvPr id="137" name="Elbow Connector 136"/>
+          <p:cNvCxnSpPr/>
+          <p:nvPr/>
+        </p:nvCxnSpPr>
+        <p:spPr>
+          <a:xfrm rot="10800000">
+            <a:off x="4113212" y="1905000"/>
+            <a:ext cx="1588" cy="3708400"/>
+          </a:xfrm>
+          <a:prstGeom prst="bentConnector3">
+            <a:avLst>
+              <a:gd name="adj1" fmla="val 14395466"/>
+            </a:avLst>
+          </a:prstGeom>
+        </p:spPr>
+        <p:style>
+          <a:lnRef idx="1">
+            <a:schemeClr val="accent1"/>
+          </a:lnRef>
+          <a:fillRef idx="0">
+            <a:schemeClr val="accent1"/>
+          </a:fillRef>
+          <a:effectRef idx="0">
+            <a:schemeClr val="accent1"/>
+          </a:effectRef>
+          <a:fontRef idx="minor">
+            <a:schemeClr val="tx1"/>
+          </a:fontRef>
+        </p:style>
+      </p:cxnSp>
+      <p:cxnSp>
+        <p:nvCxnSpPr>
+          <p:cNvPr id="138" name="Elbow Connector 137"/>
+          <p:cNvCxnSpPr/>
+          <p:nvPr/>
+        </p:nvCxnSpPr>
+        <p:spPr>
+          <a:xfrm rot="10800000" flipV="1">
+            <a:off x="5334001" y="1905000"/>
+            <a:ext cx="1588" cy="723900"/>
+          </a:xfrm>
+          <a:prstGeom prst="bentConnector3">
+            <a:avLst>
+              <a:gd name="adj1" fmla="val 14395466"/>
+            </a:avLst>
+          </a:prstGeom>
+        </p:spPr>
+        <p:style>
+          <a:lnRef idx="1">
+            <a:schemeClr val="accent1"/>
+          </a:lnRef>
+          <a:fillRef idx="0">
+            <a:schemeClr val="accent1"/>
+          </a:fillRef>
+          <a:effectRef idx="0">
+            <a:schemeClr val="accent1"/>
+          </a:effectRef>
+          <a:fontRef idx="minor">
+            <a:schemeClr val="tx1"/>
+          </a:fontRef>
+        </p:style>
+      </p:cxnSp>
+      <p:cxnSp>
+        <p:nvCxnSpPr>
+          <p:cNvPr id="139" name="Elbow Connector 138"/>
+          <p:cNvCxnSpPr/>
+          <p:nvPr/>
+        </p:nvCxnSpPr>
+        <p:spPr>
+          <a:xfrm rot="10800000">
+            <a:off x="5334001" y="1905000"/>
+            <a:ext cx="1588" cy="1320800"/>
+          </a:xfrm>
+          <a:prstGeom prst="bentConnector3">
+            <a:avLst>
+              <a:gd name="adj1" fmla="val 14395466"/>
+            </a:avLst>
+          </a:prstGeom>
+        </p:spPr>
+        <p:style>
+          <a:lnRef idx="1">
+            <a:schemeClr val="accent1"/>
+          </a:lnRef>
+          <a:fillRef idx="0">
+            <a:schemeClr val="accent1"/>
+          </a:fillRef>
+          <a:effectRef idx="0">
+            <a:schemeClr val="accent1"/>
+          </a:effectRef>
+          <a:fontRef idx="minor">
+            <a:schemeClr val="tx1"/>
+          </a:fontRef>
+        </p:style>
+      </p:cxnSp>
+      <p:cxnSp>
+        <p:nvCxnSpPr>
+          <p:cNvPr id="140" name="Elbow Connector 139"/>
+          <p:cNvCxnSpPr/>
+          <p:nvPr/>
+        </p:nvCxnSpPr>
+        <p:spPr>
+          <a:xfrm rot="10800000">
+            <a:off x="5334001" y="1905000"/>
+            <a:ext cx="1588" cy="1917700"/>
+          </a:xfrm>
+          <a:prstGeom prst="bentConnector3">
+            <a:avLst>
+              <a:gd name="adj1" fmla="val 14395466"/>
+            </a:avLst>
+          </a:prstGeom>
+        </p:spPr>
+        <p:style>
+          <a:lnRef idx="1">
+            <a:schemeClr val="accent1"/>
+          </a:lnRef>
+          <a:fillRef idx="0">
+            <a:schemeClr val="accent1"/>
+          </a:fillRef>
+          <a:effectRef idx="0">
+            <a:schemeClr val="accent1"/>
+          </a:effectRef>
+          <a:fontRef idx="minor">
+            <a:schemeClr val="tx1"/>
+          </a:fontRef>
+        </p:style>
+      </p:cxnSp>
+      <p:cxnSp>
+        <p:nvCxnSpPr>
+          <p:cNvPr id="141" name="Elbow Connector 140"/>
+          <p:cNvCxnSpPr/>
+          <p:nvPr/>
+        </p:nvCxnSpPr>
+        <p:spPr>
+          <a:xfrm rot="10800000">
+            <a:off x="5334001" y="1905000"/>
+            <a:ext cx="1588" cy="2514600"/>
+          </a:xfrm>
+          <a:prstGeom prst="bentConnector3">
+            <a:avLst>
+              <a:gd name="adj1" fmla="val 14395466"/>
+            </a:avLst>
+          </a:prstGeom>
+        </p:spPr>
+        <p:style>
+          <a:lnRef idx="1">
+            <a:schemeClr val="accent1"/>
+          </a:lnRef>
+          <a:fillRef idx="0">
+            <a:schemeClr val="accent1"/>
+          </a:fillRef>
+          <a:effectRef idx="0">
+            <a:schemeClr val="accent1"/>
+          </a:effectRef>
+          <a:fontRef idx="minor">
+            <a:schemeClr val="tx1"/>
+          </a:fontRef>
+        </p:style>
+      </p:cxnSp>
+      <p:cxnSp>
+        <p:nvCxnSpPr>
+          <p:cNvPr id="142" name="Elbow Connector 141"/>
+          <p:cNvCxnSpPr/>
+          <p:nvPr/>
+        </p:nvCxnSpPr>
+        <p:spPr>
+          <a:xfrm rot="10800000">
+            <a:off x="5334001" y="1905000"/>
+            <a:ext cx="1588" cy="3111500"/>
+          </a:xfrm>
+          <a:prstGeom prst="bentConnector3">
+            <a:avLst>
+              <a:gd name="adj1" fmla="val 14395466"/>
+            </a:avLst>
+          </a:prstGeom>
+        </p:spPr>
+        <p:style>
+          <a:lnRef idx="1">
+            <a:schemeClr val="accent1"/>
+          </a:lnRef>
+          <a:fillRef idx="0">
+            <a:schemeClr val="accent1"/>
+          </a:fillRef>
+          <a:effectRef idx="0">
+            <a:schemeClr val="accent1"/>
+          </a:effectRef>
+          <a:fontRef idx="minor">
+            <a:schemeClr val="tx1"/>
+          </a:fontRef>
+        </p:style>
+      </p:cxnSp>
+      <p:cxnSp>
+        <p:nvCxnSpPr>
+          <p:cNvPr id="143" name="Elbow Connector 142"/>
+          <p:cNvCxnSpPr/>
+          <p:nvPr/>
+        </p:nvCxnSpPr>
+        <p:spPr>
+          <a:xfrm rot="10800000">
+            <a:off x="5334001" y="1905000"/>
+            <a:ext cx="1588" cy="4305300"/>
+          </a:xfrm>
+          <a:prstGeom prst="bentConnector3">
+            <a:avLst>
+              <a:gd name="adj1" fmla="val 14395466"/>
+            </a:avLst>
+          </a:prstGeom>
+        </p:spPr>
+        <p:style>
+          <a:lnRef idx="1">
+            <a:schemeClr val="accent1"/>
+          </a:lnRef>
+          <a:fillRef idx="0">
+            <a:schemeClr val="accent1"/>
+          </a:fillRef>
+          <a:effectRef idx="0">
+            <a:schemeClr val="accent1"/>
+          </a:effectRef>
+          <a:fontRef idx="minor">
+            <a:schemeClr val="tx1"/>
+          </a:fontRef>
+        </p:style>
+      </p:cxnSp>
+      <p:cxnSp>
+        <p:nvCxnSpPr>
+          <p:cNvPr id="144" name="Elbow Connector 143"/>
+          <p:cNvCxnSpPr/>
+          <p:nvPr/>
+        </p:nvCxnSpPr>
+        <p:spPr>
+          <a:xfrm rot="10800000">
+            <a:off x="5334001" y="1905000"/>
+            <a:ext cx="1588" cy="3708400"/>
+          </a:xfrm>
+          <a:prstGeom prst="bentConnector3">
+            <a:avLst>
+              <a:gd name="adj1" fmla="val 14395466"/>
+            </a:avLst>
+          </a:prstGeom>
+        </p:spPr>
+        <p:style>
+          <a:lnRef idx="1">
+            <a:schemeClr val="accent1"/>
+          </a:lnRef>
+          <a:fillRef idx="0">
+            <a:schemeClr val="accent1"/>
+          </a:fillRef>
+          <a:effectRef idx="0">
+            <a:schemeClr val="accent1"/>
+          </a:effectRef>
+          <a:fontRef idx="minor">
+            <a:schemeClr val="tx1"/>
+          </a:fontRef>
+        </p:style>
+      </p:cxnSp>
+      <p:cxnSp>
+        <p:nvCxnSpPr>
+          <p:cNvPr id="145" name="Elbow Connector 144"/>
+          <p:cNvCxnSpPr/>
+          <p:nvPr/>
+        </p:nvCxnSpPr>
+        <p:spPr>
+          <a:xfrm rot="10800000" flipV="1">
+            <a:off x="6551612" y="1905000"/>
+            <a:ext cx="1588" cy="723900"/>
+          </a:xfrm>
+          <a:prstGeom prst="bentConnector3">
+            <a:avLst>
+              <a:gd name="adj1" fmla="val 14395466"/>
+            </a:avLst>
+          </a:prstGeom>
+        </p:spPr>
+        <p:style>
+          <a:lnRef idx="1">
+            <a:schemeClr val="accent1"/>
+          </a:lnRef>
+          <a:fillRef idx="0">
+            <a:schemeClr val="accent1"/>
+          </a:fillRef>
+          <a:effectRef idx="0">
+            <a:schemeClr val="accent1"/>
+          </a:effectRef>
+          <a:fontRef idx="minor">
+            <a:schemeClr val="tx1"/>
+          </a:fontRef>
+        </p:style>
+      </p:cxnSp>
+      <p:cxnSp>
+        <p:nvCxnSpPr>
+          <p:cNvPr id="146" name="Elbow Connector 145"/>
+          <p:cNvCxnSpPr/>
+          <p:nvPr/>
+        </p:nvCxnSpPr>
+        <p:spPr>
+          <a:xfrm rot="10800000">
+            <a:off x="6551612" y="1905000"/>
+            <a:ext cx="1588" cy="1320800"/>
+          </a:xfrm>
+          <a:prstGeom prst="bentConnector3">
+            <a:avLst>
+              <a:gd name="adj1" fmla="val 14395466"/>
+            </a:avLst>
+          </a:prstGeom>
+        </p:spPr>
+        <p:style>
+          <a:lnRef idx="1">
+            <a:schemeClr val="accent1"/>
+          </a:lnRef>
+          <a:fillRef idx="0">
+            <a:schemeClr val="accent1"/>
+          </a:fillRef>
+          <a:effectRef idx="0">
+            <a:schemeClr val="accent1"/>
+          </a:effectRef>
+          <a:fontRef idx="minor">
+            <a:schemeClr val="tx1"/>
+          </a:fontRef>
+        </p:style>
+      </p:cxnSp>
+      <p:cxnSp>
+        <p:nvCxnSpPr>
+          <p:cNvPr id="147" name="Elbow Connector 146"/>
+          <p:cNvCxnSpPr/>
+          <p:nvPr/>
+        </p:nvCxnSpPr>
+        <p:spPr>
+          <a:xfrm rot="10800000">
+            <a:off x="6551612" y="1905000"/>
+            <a:ext cx="1588" cy="1917700"/>
+          </a:xfrm>
+          <a:prstGeom prst="bentConnector3">
+            <a:avLst>
+              <a:gd name="adj1" fmla="val 14395466"/>
+            </a:avLst>
+          </a:prstGeom>
+        </p:spPr>
+        <p:style>
+          <a:lnRef idx="1">
+            <a:schemeClr val="accent1"/>
+          </a:lnRef>
+          <a:fillRef idx="0">
+            <a:schemeClr val="accent1"/>
+          </a:fillRef>
+          <a:effectRef idx="0">
+            <a:schemeClr val="accent1"/>
+          </a:effectRef>
+          <a:fontRef idx="minor">
+            <a:schemeClr val="tx1"/>
+          </a:fontRef>
+        </p:style>
+      </p:cxnSp>
+      <p:cxnSp>
+        <p:nvCxnSpPr>
+          <p:cNvPr id="148" name="Elbow Connector 147"/>
+          <p:cNvCxnSpPr/>
+          <p:nvPr/>
+        </p:nvCxnSpPr>
+        <p:spPr>
+          <a:xfrm rot="10800000">
+            <a:off x="6551612" y="1905000"/>
+            <a:ext cx="1588" cy="2514600"/>
+          </a:xfrm>
+          <a:prstGeom prst="bentConnector3">
+            <a:avLst>
+              <a:gd name="adj1" fmla="val 14395466"/>
+            </a:avLst>
+          </a:prstGeom>
+        </p:spPr>
+        <p:style>
+          <a:lnRef idx="1">
+            <a:schemeClr val="accent1"/>
+          </a:lnRef>
+          <a:fillRef idx="0">
+            <a:schemeClr val="accent1"/>
+          </a:fillRef>
+          <a:effectRef idx="0">
+            <a:schemeClr val="accent1"/>
+          </a:effectRef>
+          <a:fontRef idx="minor">
+            <a:schemeClr val="tx1"/>
+          </a:fontRef>
+        </p:style>
+      </p:cxnSp>
+      <p:cxnSp>
+        <p:nvCxnSpPr>
+          <p:cNvPr id="149" name="Elbow Connector 148"/>
+          <p:cNvCxnSpPr/>
+          <p:nvPr/>
+        </p:nvCxnSpPr>
+        <p:spPr>
+          <a:xfrm rot="10800000">
+            <a:off x="6551612" y="1905000"/>
+            <a:ext cx="1588" cy="3111500"/>
+          </a:xfrm>
+          <a:prstGeom prst="bentConnector3">
+            <a:avLst>
+              <a:gd name="adj1" fmla="val 14395466"/>
+            </a:avLst>
+          </a:prstGeom>
+        </p:spPr>
+        <p:style>
+          <a:lnRef idx="1">
+            <a:schemeClr val="accent1"/>
+          </a:lnRef>
+          <a:fillRef idx="0">
+            <a:schemeClr val="accent1"/>
+          </a:fillRef>
+          <a:effectRef idx="0">
+            <a:schemeClr val="accent1"/>
+          </a:effectRef>
+          <a:fontRef idx="minor">
+            <a:schemeClr val="tx1"/>
+          </a:fontRef>
+        </p:style>
+      </p:cxnSp>
+      <p:cxnSp>
+        <p:nvCxnSpPr>
+          <p:cNvPr id="150" name="Elbow Connector 149"/>
+          <p:cNvCxnSpPr/>
+          <p:nvPr/>
+        </p:nvCxnSpPr>
+        <p:spPr>
+          <a:xfrm rot="10800000">
+            <a:off x="6551612" y="1905000"/>
+            <a:ext cx="1588" cy="4305300"/>
+          </a:xfrm>
+          <a:prstGeom prst="bentConnector3">
+            <a:avLst>
+              <a:gd name="adj1" fmla="val 14395466"/>
+            </a:avLst>
+          </a:prstGeom>
+        </p:spPr>
+        <p:style>
+          <a:lnRef idx="1">
+            <a:schemeClr val="accent1"/>
+          </a:lnRef>
+          <a:fillRef idx="0">
+            <a:schemeClr val="accent1"/>
+          </a:fillRef>
+          <a:effectRef idx="0">
+            <a:schemeClr val="accent1"/>
+          </a:effectRef>
+          <a:fontRef idx="minor">
+            <a:schemeClr val="tx1"/>
+          </a:fontRef>
+        </p:style>
+      </p:cxnSp>
+      <p:cxnSp>
+        <p:nvCxnSpPr>
+          <p:cNvPr id="151" name="Elbow Connector 150"/>
+          <p:cNvCxnSpPr/>
+          <p:nvPr/>
+        </p:nvCxnSpPr>
+        <p:spPr>
+          <a:xfrm rot="10800000">
+            <a:off x="6551612" y="1905000"/>
+            <a:ext cx="1588" cy="3708400"/>
+          </a:xfrm>
+          <a:prstGeom prst="bentConnector3">
+            <a:avLst>
+              <a:gd name="adj1" fmla="val 14395466"/>
+            </a:avLst>
+          </a:prstGeom>
+        </p:spPr>
+        <p:style>
+          <a:lnRef idx="1">
+            <a:schemeClr val="accent1"/>
+          </a:lnRef>
+          <a:fillRef idx="0">
+            <a:schemeClr val="accent1"/>
+          </a:fillRef>
+          <a:effectRef idx="0">
+            <a:schemeClr val="accent1"/>
+          </a:effectRef>
+          <a:fontRef idx="minor">
+            <a:schemeClr val="tx1"/>
+          </a:fontRef>
+        </p:style>
+      </p:cxnSp>
+      <p:cxnSp>
+        <p:nvCxnSpPr>
+          <p:cNvPr id="152" name="Elbow Connector 151"/>
+          <p:cNvCxnSpPr/>
+          <p:nvPr/>
+        </p:nvCxnSpPr>
+        <p:spPr>
+          <a:xfrm rot="10800000" flipV="1">
+            <a:off x="7847012" y="1905000"/>
+            <a:ext cx="1588" cy="723900"/>
+          </a:xfrm>
+          <a:prstGeom prst="bentConnector3">
+            <a:avLst>
+              <a:gd name="adj1" fmla="val 14395466"/>
+            </a:avLst>
+          </a:prstGeom>
+        </p:spPr>
+        <p:style>
+          <a:lnRef idx="1">
+            <a:schemeClr val="accent1"/>
+          </a:lnRef>
+          <a:fillRef idx="0">
+            <a:schemeClr val="accent1"/>
+          </a:fillRef>
+          <a:effectRef idx="0">
+            <a:schemeClr val="accent1"/>
+          </a:effectRef>
+          <a:fontRef idx="minor">
+            <a:schemeClr val="tx1"/>
+          </a:fontRef>
+        </p:style>
+      </p:cxnSp>
+      <p:cxnSp>
+        <p:nvCxnSpPr>
+          <p:cNvPr id="153" name="Elbow Connector 152"/>
+          <p:cNvCxnSpPr/>
+          <p:nvPr/>
+        </p:nvCxnSpPr>
+        <p:spPr>
+          <a:xfrm rot="10800000">
+            <a:off x="7847012" y="1905000"/>
+            <a:ext cx="1588" cy="1320800"/>
+          </a:xfrm>
+          <a:prstGeom prst="bentConnector3">
+            <a:avLst>
+              <a:gd name="adj1" fmla="val 14395466"/>
+            </a:avLst>
+          </a:prstGeom>
+        </p:spPr>
+        <p:style>
+          <a:lnRef idx="1">
+            <a:schemeClr val="accent1"/>
+          </a:lnRef>
+          <a:fillRef idx="0">
+            <a:schemeClr val="accent1"/>
+          </a:fillRef>
+          <a:effectRef idx="0">
+            <a:schemeClr val="accent1"/>
+          </a:effectRef>
+          <a:fontRef idx="minor">
+            <a:schemeClr val="tx1"/>
+          </a:fontRef>
+        </p:style>
+      </p:cxnSp>
+      <p:cxnSp>
+        <p:nvCxnSpPr>
+          <p:cNvPr id="154" name="Elbow Connector 153"/>
+          <p:cNvCxnSpPr/>
+          <p:nvPr/>
+        </p:nvCxnSpPr>
+        <p:spPr>
+          <a:xfrm rot="10800000">
+            <a:off x="7847012" y="1905000"/>
+            <a:ext cx="1588" cy="1917700"/>
+          </a:xfrm>
+          <a:prstGeom prst="bentConnector3">
+            <a:avLst>
+              <a:gd name="adj1" fmla="val 14395466"/>
+            </a:avLst>
+          </a:prstGeom>
+        </p:spPr>
+        <p:style>
+          <a:lnRef idx="1">
+            <a:schemeClr val="accent1"/>
+          </a:lnRef>
+          <a:fillRef idx="0">
+            <a:schemeClr val="accent1"/>
+          </a:fillRef>
+          <a:effectRef idx="0">
+            <a:schemeClr val="accent1"/>
+          </a:effectRef>
+          <a:fontRef idx="minor">
+            <a:schemeClr val="tx1"/>
+          </a:fontRef>
+        </p:style>
+      </p:cxnSp>
+      <p:cxnSp>
+        <p:nvCxnSpPr>
+          <p:cNvPr id="155" name="Elbow Connector 154"/>
+          <p:cNvCxnSpPr/>
+          <p:nvPr/>
+        </p:nvCxnSpPr>
+        <p:spPr>
+          <a:xfrm rot="10800000">
+            <a:off x="7847012" y="1905000"/>
+            <a:ext cx="1588" cy="2514600"/>
+          </a:xfrm>
+          <a:prstGeom prst="bentConnector3">
+            <a:avLst>
+              <a:gd name="adj1" fmla="val 14395466"/>
+            </a:avLst>
+          </a:prstGeom>
+        </p:spPr>
+        <p:style>
+          <a:lnRef idx="1">
+            <a:schemeClr val="accent1"/>
+          </a:lnRef>
+          <a:fillRef idx="0">
+            <a:schemeClr val="accent1"/>
+          </a:fillRef>
+          <a:effectRef idx="0">
+            <a:schemeClr val="accent1"/>
+          </a:effectRef>
+          <a:fontRef idx="minor">
+            <a:schemeClr val="tx1"/>
+          </a:fontRef>
+        </p:style>
+      </p:cxnSp>
+      <p:cxnSp>
+        <p:nvCxnSpPr>
+          <p:cNvPr id="156" name="Elbow Connector 155"/>
+          <p:cNvCxnSpPr/>
+          <p:nvPr/>
+        </p:nvCxnSpPr>
+        <p:spPr>
+          <a:xfrm rot="10800000">
+            <a:off x="7847012" y="1905000"/>
+            <a:ext cx="1588" cy="3111500"/>
+          </a:xfrm>
+          <a:prstGeom prst="bentConnector3">
+            <a:avLst>
+              <a:gd name="adj1" fmla="val 14395466"/>
+            </a:avLst>
+          </a:prstGeom>
+        </p:spPr>
+        <p:style>
+          <a:lnRef idx="1">
+            <a:schemeClr val="accent1"/>
+          </a:lnRef>
+          <a:fillRef idx="0">
+            <a:schemeClr val="accent1"/>
+          </a:fillRef>
+          <a:effectRef idx="0">
+            <a:schemeClr val="accent1"/>
+          </a:effectRef>
+          <a:fontRef idx="minor">
+            <a:schemeClr val="tx1"/>
+          </a:fontRef>
+        </p:style>
+      </p:cxnSp>
+      <p:cxnSp>
+        <p:nvCxnSpPr>
+          <p:cNvPr id="157" name="Elbow Connector 156"/>
+          <p:cNvCxnSpPr/>
+          <p:nvPr/>
+        </p:nvCxnSpPr>
+        <p:spPr>
+          <a:xfrm rot="10800000">
+            <a:off x="7847012" y="1905000"/>
+            <a:ext cx="1588" cy="4305300"/>
+          </a:xfrm>
+          <a:prstGeom prst="bentConnector3">
+            <a:avLst>
+              <a:gd name="adj1" fmla="val 14395466"/>
+            </a:avLst>
+          </a:prstGeom>
+        </p:spPr>
+        <p:style>
+          <a:lnRef idx="1">
+            <a:schemeClr val="accent1"/>
+          </a:lnRef>
+          <a:fillRef idx="0">
+            <a:schemeClr val="accent1"/>
+          </a:fillRef>
+          <a:effectRef idx="0">
+            <a:schemeClr val="accent1"/>
+          </a:effectRef>
+          <a:fontRef idx="minor">
+            <a:schemeClr val="tx1"/>
+          </a:fontRef>
+        </p:style>
+      </p:cxnSp>
+      <p:cxnSp>
+        <p:nvCxnSpPr>
+          <p:cNvPr id="158" name="Elbow Connector 157"/>
+          <p:cNvCxnSpPr/>
+          <p:nvPr/>
+        </p:nvCxnSpPr>
+        <p:spPr>
+          <a:xfrm rot="10800000">
+            <a:off x="7847012" y="1905000"/>
+            <a:ext cx="1588" cy="3708400"/>
+          </a:xfrm>
+          <a:prstGeom prst="bentConnector3">
+            <a:avLst>
+              <a:gd name="adj1" fmla="val 14395466"/>
+            </a:avLst>
+          </a:prstGeom>
+        </p:spPr>
+        <p:style>
+          <a:lnRef idx="1">
+            <a:schemeClr val="accent1"/>
+          </a:lnRef>
+          <a:fillRef idx="0">
+            <a:schemeClr val="accent1"/>
+          </a:fillRef>
+          <a:effectRef idx="0">
+            <a:schemeClr val="accent1"/>
+          </a:effectRef>
+          <a:fontRef idx="minor">
+            <a:schemeClr val="tx1"/>
+          </a:fontRef>
+        </p:style>
+      </p:cxnSp>
+    </p:spTree>
+  </p:cSld>
+  <p:clrMapOvr>
+    <a:masterClrMapping/>
+  </p:clrMapOvr>
+</p:sld>
+</file>
+
+<file path=ppt/slides/slide9.xml><?xml version="1.0" encoding="utf-8"?>
+<p:sld xmlns:a="http://schemas.openxmlformats.org/drawingml/2006/main" xmlns:r="http://schemas.openxmlformats.org/officeDocument/2006/relationships" xmlns:p="http://schemas.openxmlformats.org/presentationml/2006/main">
+  <p:cSld>
+    <p:spTree>
+      <p:nvGrpSpPr>
+        <p:cNvPr id="1" name=""/>
+        <p:cNvGrpSpPr/>
+        <p:nvPr/>
+      </p:nvGrpSpPr>
+      <p:grpSpPr>
+        <a:xfrm>
+          <a:off x="0" y="0"/>
+          <a:ext cx="0" cy="0"/>
+          <a:chOff x="0" y="0"/>
+          <a:chExt cx="0" cy="0"/>
+        </a:xfrm>
+      </p:grpSpPr>
+      <p:sp>
+        <p:nvSpPr>
+          <p:cNvPr id="2" name="Title 1"/>
+          <p:cNvSpPr>
+            <a:spLocks noGrp="1"/>
+          </p:cNvSpPr>
+          <p:nvPr>
+            <p:ph type="title"/>
+          </p:nvPr>
+        </p:nvSpPr>
+        <p:spPr/>
+        <p:txBody>
+          <a:bodyPr/>
+          <a:lstStyle/>
+          <a:p>
+            <a:r>
+              <a:rPr lang="en-US" dirty="0" smtClean="0"/>
+              <a:t>Results of Runs</a:t>
+            </a:r>
+            <a:endParaRPr lang="en-US" dirty="0"/>
+          </a:p>
+        </p:txBody>
+      </p:sp>
+      <p:pic>
+        <p:nvPicPr>
+          <p:cNvPr id="1026" name="Picture 2"/>
+          <p:cNvPicPr>
+            <a:picLocks noChangeAspect="1" noChangeArrowheads="1"/>
+          </p:cNvPicPr>
+          <p:nvPr/>
+        </p:nvPicPr>
+        <p:blipFill>
+          <a:blip r:embed="rId2"/>
+          <a:srcRect/>
+          <a:stretch>
+            <a:fillRect/>
+          </a:stretch>
+        </p:blipFill>
+        <p:spPr bwMode="auto">
+          <a:xfrm>
+            <a:off x="1" y="1981200"/>
+            <a:ext cx="9144000" cy="2856411"/>
+          </a:xfrm>
+          <a:prstGeom prst="rect">
+            <a:avLst/>
+          </a:prstGeom>
+          <a:noFill/>
+          <a:ln w="9525">
+            <a:noFill/>
+            <a:miter lim="800000"/>
+            <a:headEnd/>
+            <a:tailEnd/>
+          </a:ln>
+          <a:effectLst/>
+        </p:spPr>
+      </p:pic>
     </p:spTree>
   </p:cSld>
   <p:clrMapOvr>

--- a/FinalProject/FinalProjectPresentation.pptx
+++ b/FinalProject/FinalProjectPresentation.pptx
@@ -13,7 +13,8 @@
     <p:sldId id="262" r:id="rId7"/>
     <p:sldId id="263" r:id="rId8"/>
     <p:sldId id="264" r:id="rId9"/>
-    <p:sldId id="265" r:id="rId10"/>
+    <p:sldId id="266" r:id="rId10"/>
+    <p:sldId id="265" r:id="rId11"/>
   </p:sldIdLst>
   <p:sldSz cx="9144000" cy="6858000" type="screen4x3"/>
   <p:notesSz cx="6858000" cy="9144000"/>
@@ -297,7 +298,7 @@
             <a:fld id="{1D8BD707-D9CF-40AE-B4C6-C98DA3205C09}" type="datetimeFigureOut">
               <a:rPr lang="en-US" smtClean="0"/>
               <a:pPr/>
-              <a:t>4/6/2015</a:t>
+              <a:t>4/19/2015</a:t>
             </a:fld>
             <a:endParaRPr lang="en-US"/>
           </a:p>
@@ -464,7 +465,7 @@
             <a:fld id="{1D8BD707-D9CF-40AE-B4C6-C98DA3205C09}" type="datetimeFigureOut">
               <a:rPr lang="en-US" smtClean="0"/>
               <a:pPr/>
-              <a:t>4/6/2015</a:t>
+              <a:t>4/19/2015</a:t>
             </a:fld>
             <a:endParaRPr lang="en-US"/>
           </a:p>
@@ -641,7 +642,7 @@
             <a:fld id="{1D8BD707-D9CF-40AE-B4C6-C98DA3205C09}" type="datetimeFigureOut">
               <a:rPr lang="en-US" smtClean="0"/>
               <a:pPr/>
-              <a:t>4/6/2015</a:t>
+              <a:t>4/19/2015</a:t>
             </a:fld>
             <a:endParaRPr lang="en-US"/>
           </a:p>
@@ -808,7 +809,7 @@
             <a:fld id="{1D8BD707-D9CF-40AE-B4C6-C98DA3205C09}" type="datetimeFigureOut">
               <a:rPr lang="en-US" smtClean="0"/>
               <a:pPr/>
-              <a:t>4/6/2015</a:t>
+              <a:t>4/19/2015</a:t>
             </a:fld>
             <a:endParaRPr lang="en-US"/>
           </a:p>
@@ -1051,7 +1052,7 @@
             <a:fld id="{1D8BD707-D9CF-40AE-B4C6-C98DA3205C09}" type="datetimeFigureOut">
               <a:rPr lang="en-US" smtClean="0"/>
               <a:pPr/>
-              <a:t>4/6/2015</a:t>
+              <a:t>4/19/2015</a:t>
             </a:fld>
             <a:endParaRPr lang="en-US"/>
           </a:p>
@@ -1336,7 +1337,7 @@
             <a:fld id="{1D8BD707-D9CF-40AE-B4C6-C98DA3205C09}" type="datetimeFigureOut">
               <a:rPr lang="en-US" smtClean="0"/>
               <a:pPr/>
-              <a:t>4/6/2015</a:t>
+              <a:t>4/19/2015</a:t>
             </a:fld>
             <a:endParaRPr lang="en-US"/>
           </a:p>
@@ -1755,7 +1756,7 @@
             <a:fld id="{1D8BD707-D9CF-40AE-B4C6-C98DA3205C09}" type="datetimeFigureOut">
               <a:rPr lang="en-US" smtClean="0"/>
               <a:pPr/>
-              <a:t>4/6/2015</a:t>
+              <a:t>4/19/2015</a:t>
             </a:fld>
             <a:endParaRPr lang="en-US"/>
           </a:p>
@@ -1870,7 +1871,7 @@
             <a:fld id="{1D8BD707-D9CF-40AE-B4C6-C98DA3205C09}" type="datetimeFigureOut">
               <a:rPr lang="en-US" smtClean="0"/>
               <a:pPr/>
-              <a:t>4/6/2015</a:t>
+              <a:t>4/19/2015</a:t>
             </a:fld>
             <a:endParaRPr lang="en-US"/>
           </a:p>
@@ -1962,7 +1963,7 @@
             <a:fld id="{1D8BD707-D9CF-40AE-B4C6-C98DA3205C09}" type="datetimeFigureOut">
               <a:rPr lang="en-US" smtClean="0"/>
               <a:pPr/>
-              <a:t>4/6/2015</a:t>
+              <a:t>4/19/2015</a:t>
             </a:fld>
             <a:endParaRPr lang="en-US"/>
           </a:p>
@@ -2236,7 +2237,7 @@
             <a:fld id="{1D8BD707-D9CF-40AE-B4C6-C98DA3205C09}" type="datetimeFigureOut">
               <a:rPr lang="en-US" smtClean="0"/>
               <a:pPr/>
-              <a:t>4/6/2015</a:t>
+              <a:t>4/19/2015</a:t>
             </a:fld>
             <a:endParaRPr lang="en-US"/>
           </a:p>
@@ -2486,7 +2487,7 @@
             <a:fld id="{1D8BD707-D9CF-40AE-B4C6-C98DA3205C09}" type="datetimeFigureOut">
               <a:rPr lang="en-US" smtClean="0"/>
               <a:pPr/>
-              <a:t>4/6/2015</a:t>
+              <a:t>4/19/2015</a:t>
             </a:fld>
             <a:endParaRPr lang="en-US"/>
           </a:p>
@@ -2696,7 +2697,7 @@
             <a:fld id="{1D8BD707-D9CF-40AE-B4C6-C98DA3205C09}" type="datetimeFigureOut">
               <a:rPr lang="en-US" smtClean="0"/>
               <a:pPr/>
-              <a:t>4/6/2015</a:t>
+              <a:t>4/19/2015</a:t>
             </a:fld>
             <a:endParaRPr lang="en-US"/>
           </a:p>
@@ -3128,6 +3129,87 @@
 </p:sld>
 </file>
 
+<file path=ppt/slides/slide10.xml><?xml version="1.0" encoding="utf-8"?>
+<p:sld xmlns:a="http://schemas.openxmlformats.org/drawingml/2006/main" xmlns:r="http://schemas.openxmlformats.org/officeDocument/2006/relationships" xmlns:p="http://schemas.openxmlformats.org/presentationml/2006/main">
+  <p:cSld>
+    <p:spTree>
+      <p:nvGrpSpPr>
+        <p:cNvPr id="1" name=""/>
+        <p:cNvGrpSpPr/>
+        <p:nvPr/>
+      </p:nvGrpSpPr>
+      <p:grpSpPr>
+        <a:xfrm>
+          <a:off x="0" y="0"/>
+          <a:ext cx="0" cy="0"/>
+          <a:chOff x="0" y="0"/>
+          <a:chExt cx="0" cy="0"/>
+        </a:xfrm>
+      </p:grpSpPr>
+      <p:sp>
+        <p:nvSpPr>
+          <p:cNvPr id="2" name="Title 1"/>
+          <p:cNvSpPr>
+            <a:spLocks noGrp="1"/>
+          </p:cNvSpPr>
+          <p:nvPr>
+            <p:ph type="title"/>
+          </p:nvPr>
+        </p:nvSpPr>
+        <p:spPr/>
+        <p:txBody>
+          <a:bodyPr/>
+          <a:lstStyle/>
+          <a:p>
+            <a:r>
+              <a:rPr lang="en-US" dirty="0" smtClean="0"/>
+              <a:t>Results of Runs</a:t>
+            </a:r>
+            <a:endParaRPr lang="en-US" dirty="0"/>
+          </a:p>
+        </p:txBody>
+      </p:sp>
+      <p:pic>
+        <p:nvPicPr>
+          <p:cNvPr id="1026" name="Picture 2"/>
+          <p:cNvPicPr>
+            <a:picLocks noChangeAspect="1" noChangeArrowheads="1"/>
+          </p:cNvPicPr>
+          <p:nvPr/>
+        </p:nvPicPr>
+        <p:blipFill>
+          <a:blip r:embed="rId2"/>
+          <a:srcRect/>
+          <a:stretch>
+            <a:fillRect/>
+          </a:stretch>
+        </p:blipFill>
+        <p:spPr bwMode="auto">
+          <a:xfrm>
+            <a:off x="1" y="1981200"/>
+            <a:ext cx="9144000" cy="2856411"/>
+          </a:xfrm>
+          <a:prstGeom prst="rect">
+            <a:avLst/>
+          </a:prstGeom>
+          <a:noFill/>
+          <a:ln w="9525">
+            <a:noFill/>
+            <a:miter lim="800000"/>
+            <a:headEnd/>
+            <a:tailEnd/>
+          </a:ln>
+          <a:effectLst/>
+        </p:spPr>
+      </p:pic>
+    </p:spTree>
+  </p:cSld>
+  <p:clrMapOvr>
+    <a:masterClrMapping/>
+  </p:clrMapOvr>
+</p:sld>
+</file>
+
 <file path=ppt/slides/slide2.xml><?xml version="1.0" encoding="utf-8"?>
 <p:sld xmlns:a="http://schemas.openxmlformats.org/drawingml/2006/main" xmlns:r="http://schemas.openxmlformats.org/officeDocument/2006/relationships" xmlns:p="http://schemas.openxmlformats.org/presentationml/2006/main">
   <p:cSld>
@@ -3342,8 +3424,13 @@
           <a:p>
             <a:r>
               <a:rPr lang="en-US" dirty="0" smtClean="0"/>
-              <a:t>Simple Game</a:t>
-            </a:r>
+              <a:t>Simple </a:t>
+            </a:r>
+            <a:r>
+              <a:rPr lang="en-US" dirty="0" smtClean="0"/>
+              <a:t>Game (or so we thought)</a:t>
+            </a:r>
+            <a:endParaRPr lang="en-US" dirty="0" smtClean="0"/>
           </a:p>
           <a:p>
             <a:r>
@@ -3679,6 +3766,13 @@
   <p:clrMapOvr>
     <a:masterClrMapping/>
   </p:clrMapOvr>
+  <p:timing>
+    <p:tnLst>
+      <p:par>
+        <p:cTn id="1" dur="indefinite" restart="never" nodeType="tmRoot"/>
+      </p:par>
+    </p:tnLst>
+  </p:timing>
 </p:sld>
 </file>
 
@@ -3765,8 +3859,13 @@
             </a:r>
             <a:r>
               <a:rPr lang="en-US" dirty="0" smtClean="0"/>
-              <a:t> points - 100</a:t>
-            </a:r>
+              <a:t> </a:t>
+            </a:r>
+            <a:r>
+              <a:rPr lang="en-US" dirty="0" smtClean="0"/>
+              <a:t>points</a:t>
+            </a:r>
+            <a:endParaRPr lang="en-US" dirty="0" smtClean="0"/>
           </a:p>
           <a:p>
             <a:r>
@@ -3779,7 +3878,11 @@
             </a:r>
             <a:r>
               <a:rPr lang="en-US" dirty="0" smtClean="0"/>
-              <a:t> points - 100</a:t>
+              <a:t> </a:t>
+            </a:r>
+            <a:r>
+              <a:rPr lang="en-US" dirty="0" smtClean="0"/>
+              <a:t>points</a:t>
             </a:r>
             <a:endParaRPr lang="en-US" dirty="0"/>
           </a:p>
@@ -3790,6 +3893,13 @@
   <p:clrMapOvr>
     <a:masterClrMapping/>
   </p:clrMapOvr>
+  <p:timing>
+    <p:tnLst>
+      <p:par>
+        <p:cTn id="1" dur="indefinite" restart="never" nodeType="tmRoot"/>
+      </p:par>
+    </p:tnLst>
+  </p:timing>
 </p:sld>
 </file>
 
@@ -3903,6 +4013,13 @@
   <p:clrMapOvr>
     <a:masterClrMapping/>
   </p:clrMapOvr>
+  <p:timing>
+    <p:tnLst>
+      <p:par>
+        <p:cTn id="1" dur="indefinite" restart="never" nodeType="tmRoot"/>
+      </p:par>
+    </p:tnLst>
+  </p:timing>
 </p:sld>
 </file>
 
@@ -4542,6 +4659,13 @@
   <p:clrMapOvr>
     <a:masterClrMapping/>
   </p:clrMapOvr>
+  <p:timing>
+    <p:tnLst>
+      <p:par>
+        <p:cTn id="1" dur="indefinite" restart="never" nodeType="tmRoot"/>
+      </p:par>
+    </p:tnLst>
+  </p:timing>
 </p:sld>
 </file>
 
@@ -4564,49 +4688,13 @@
       </p:grpSpPr>
       <p:sp>
         <p:nvSpPr>
-          <p:cNvPr id="2" name="Title 1"/>
-          <p:cNvSpPr>
-            <a:spLocks noGrp="1"/>
-          </p:cNvSpPr>
-          <p:nvPr>
-            <p:ph type="title"/>
-          </p:nvPr>
-        </p:nvSpPr>
-        <p:spPr>
-          <a:xfrm>
-            <a:off x="381000" y="-152400"/>
-            <a:ext cx="8229600" cy="1143000"/>
-          </a:xfrm>
-        </p:spPr>
-        <p:txBody>
-          <a:bodyPr/>
-          <a:lstStyle/>
-          <a:p>
-            <a:r>
-              <a:rPr lang="en-US" dirty="0" err="1" smtClean="0"/>
-              <a:t>Nega</a:t>
-            </a:r>
-            <a:r>
-              <a:rPr lang="en-US" dirty="0" smtClean="0"/>
-              <a:t>-Max Greater </a:t>
-            </a:r>
-            <a:r>
-              <a:rPr lang="en-US" dirty="0" err="1" smtClean="0"/>
-              <a:t>Bot</a:t>
-            </a:r>
-            <a:endParaRPr lang="en-US" dirty="0"/>
-          </a:p>
-        </p:txBody>
-      </p:sp>
-      <p:sp>
-        <p:nvSpPr>
           <p:cNvPr id="4" name="Oval 3"/>
           <p:cNvSpPr/>
           <p:nvPr/>
         </p:nvSpPr>
         <p:spPr>
           <a:xfrm>
-            <a:off x="3886200" y="640080"/>
+            <a:off x="3886200" y="0"/>
             <a:ext cx="731520" cy="731520"/>
           </a:xfrm>
           <a:prstGeom prst="ellipse">
@@ -4636,7 +4724,7 @@
             <a:pPr algn="ctr"/>
             <a:r>
               <a:rPr lang="en-US" dirty="0" smtClean="0"/>
-              <a:t>-6</a:t>
+              <a:t>13</a:t>
             </a:r>
             <a:endParaRPr lang="en-US" dirty="0"/>
           </a:p>
@@ -4656,6 +4744,19 @@
           <a:prstGeom prst="ellipse">
             <a:avLst/>
           </a:prstGeom>
+          <a:solidFill>
+            <a:schemeClr val="accent2">
+              <a:lumMod val="60000"/>
+              <a:lumOff val="40000"/>
+            </a:schemeClr>
+          </a:solidFill>
+          <a:ln>
+            <a:solidFill>
+              <a:schemeClr val="accent2">
+                <a:lumMod val="50000"/>
+              </a:schemeClr>
+            </a:solidFill>
+          </a:ln>
         </p:spPr>
         <p:style>
           <a:lnRef idx="2">
@@ -4700,6 +4801,19 @@
           <a:prstGeom prst="ellipse">
             <a:avLst/>
           </a:prstGeom>
+          <a:solidFill>
+            <a:schemeClr val="accent2">
+              <a:lumMod val="60000"/>
+              <a:lumOff val="40000"/>
+            </a:schemeClr>
+          </a:solidFill>
+          <a:ln>
+            <a:solidFill>
+              <a:schemeClr val="accent2">
+                <a:lumMod val="50000"/>
+              </a:schemeClr>
+            </a:solidFill>
+          </a:ln>
         </p:spPr>
         <p:style>
           <a:lnRef idx="2">
@@ -4744,6 +4858,19 @@
           <a:prstGeom prst="ellipse">
             <a:avLst/>
           </a:prstGeom>
+          <a:solidFill>
+            <a:schemeClr val="accent2">
+              <a:lumMod val="60000"/>
+              <a:lumOff val="40000"/>
+            </a:schemeClr>
+          </a:solidFill>
+          <a:ln>
+            <a:solidFill>
+              <a:schemeClr val="accent2">
+                <a:lumMod val="50000"/>
+              </a:schemeClr>
+            </a:solidFill>
+          </a:ln>
         </p:spPr>
         <p:style>
           <a:lnRef idx="2">
@@ -4788,6 +4915,19 @@
           <a:prstGeom prst="ellipse">
             <a:avLst/>
           </a:prstGeom>
+          <a:solidFill>
+            <a:schemeClr val="accent2">
+              <a:lumMod val="60000"/>
+              <a:lumOff val="40000"/>
+            </a:schemeClr>
+          </a:solidFill>
+          <a:ln>
+            <a:solidFill>
+              <a:schemeClr val="accent2">
+                <a:lumMod val="50000"/>
+              </a:schemeClr>
+            </a:solidFill>
+          </a:ln>
         </p:spPr>
         <p:style>
           <a:lnRef idx="2">
@@ -4832,6 +4972,19 @@
           <a:prstGeom prst="ellipse">
             <a:avLst/>
           </a:prstGeom>
+          <a:solidFill>
+            <a:schemeClr val="accent2">
+              <a:lumMod val="60000"/>
+              <a:lumOff val="40000"/>
+            </a:schemeClr>
+          </a:solidFill>
+          <a:ln>
+            <a:solidFill>
+              <a:schemeClr val="accent2">
+                <a:lumMod val="50000"/>
+              </a:schemeClr>
+            </a:solidFill>
+          </a:ln>
         </p:spPr>
         <p:style>
           <a:lnRef idx="2">
@@ -4856,7 +5009,7 @@
             <a:pPr algn="ctr"/>
             <a:r>
               <a:rPr lang="en-US" dirty="0" smtClean="0"/>
-              <a:t>-9</a:t>
+              <a:t>-7</a:t>
             </a:r>
             <a:endParaRPr lang="en-US" dirty="0"/>
           </a:p>
@@ -4876,6 +5029,19 @@
           <a:prstGeom prst="ellipse">
             <a:avLst/>
           </a:prstGeom>
+          <a:solidFill>
+            <a:schemeClr val="accent2">
+              <a:lumMod val="60000"/>
+              <a:lumOff val="40000"/>
+            </a:schemeClr>
+          </a:solidFill>
+          <a:ln>
+            <a:solidFill>
+              <a:schemeClr val="accent2">
+                <a:lumMod val="50000"/>
+              </a:schemeClr>
+            </a:solidFill>
+          </a:ln>
         </p:spPr>
         <p:style>
           <a:lnRef idx="2">
@@ -4920,6 +5086,19 @@
           <a:prstGeom prst="ellipse">
             <a:avLst/>
           </a:prstGeom>
+          <a:solidFill>
+            <a:schemeClr val="accent2">
+              <a:lumMod val="60000"/>
+              <a:lumOff val="40000"/>
+            </a:schemeClr>
+          </a:solidFill>
+          <a:ln>
+            <a:solidFill>
+              <a:schemeClr val="accent2">
+                <a:lumMod val="50000"/>
+              </a:schemeClr>
+            </a:solidFill>
+          </a:ln>
         </p:spPr>
         <p:style>
           <a:lnRef idx="2">
@@ -4955,14 +5134,14 @@
           <p:cNvPr id="19" name="Straight Connector 18"/>
           <p:cNvCxnSpPr>
             <a:stCxn id="4" idx="4"/>
-            <a:endCxn id="17" idx="0"/>
+            <a:endCxn id="166" idx="0"/>
           </p:cNvCxnSpPr>
           <p:nvPr/>
         </p:nvCxnSpPr>
         <p:spPr>
           <a:xfrm rot="5400000">
-            <a:off x="2316480" y="-335280"/>
-            <a:ext cx="228600" cy="3642360"/>
+            <a:off x="2369820" y="-1043940"/>
+            <a:ext cx="106680" cy="3657600"/>
           </a:xfrm>
           <a:prstGeom prst="line">
             <a:avLst/>
@@ -4987,15 +5166,15 @@
         <p:nvCxnSpPr>
           <p:cNvPr id="21" name="Straight Connector 20"/>
           <p:cNvCxnSpPr>
-            <a:stCxn id="16" idx="0"/>
+            <a:stCxn id="168" idx="0"/>
             <a:endCxn id="4" idx="4"/>
           </p:cNvCxnSpPr>
           <p:nvPr/>
         </p:nvCxnSpPr>
         <p:spPr>
           <a:xfrm rot="5400000" flipH="1" flipV="1">
-            <a:off x="2945130" y="293370"/>
-            <a:ext cx="228600" cy="2385060"/>
+            <a:off x="3017520" y="-396240"/>
+            <a:ext cx="106680" cy="2362200"/>
           </a:xfrm>
           <a:prstGeom prst="line">
             <a:avLst/>
@@ -5021,14 +5200,14 @@
           <p:cNvPr id="23" name="Straight Connector 22"/>
           <p:cNvCxnSpPr>
             <a:stCxn id="4" idx="4"/>
-            <a:endCxn id="15" idx="0"/>
+            <a:endCxn id="170" idx="0"/>
           </p:cNvCxnSpPr>
           <p:nvPr/>
         </p:nvCxnSpPr>
         <p:spPr>
           <a:xfrm rot="16200000" flipH="1">
-            <a:off x="4202430" y="1421130"/>
-            <a:ext cx="228600" cy="129540"/>
+            <a:off x="4236720" y="746760"/>
+            <a:ext cx="106680" cy="76200"/>
           </a:xfrm>
           <a:prstGeom prst="line">
             <a:avLst/>
@@ -5053,15 +5232,15 @@
         <p:nvCxnSpPr>
           <p:cNvPr id="25" name="Straight Connector 24"/>
           <p:cNvCxnSpPr>
-            <a:stCxn id="13" idx="0"/>
+            <a:stCxn id="169" idx="0"/>
             <a:endCxn id="4" idx="4"/>
           </p:cNvCxnSpPr>
           <p:nvPr/>
         </p:nvCxnSpPr>
         <p:spPr>
           <a:xfrm rot="5400000" flipH="1" flipV="1">
-            <a:off x="3573780" y="922020"/>
-            <a:ext cx="228600" cy="1127760"/>
+            <a:off x="3665220" y="251460"/>
+            <a:ext cx="106680" cy="1066800"/>
           </a:xfrm>
           <a:prstGeom prst="line">
             <a:avLst/>
@@ -5086,15 +5265,15 @@
         <p:nvCxnSpPr>
           <p:cNvPr id="27" name="Straight Connector 26"/>
           <p:cNvCxnSpPr>
-            <a:stCxn id="12" idx="0"/>
+            <a:stCxn id="171" idx="0"/>
             <a:endCxn id="4" idx="4"/>
           </p:cNvCxnSpPr>
           <p:nvPr/>
         </p:nvCxnSpPr>
         <p:spPr>
           <a:xfrm rot="16200000" flipV="1">
-            <a:off x="4831080" y="792480"/>
-            <a:ext cx="228600" cy="1386840"/>
+            <a:off x="4884420" y="99060"/>
+            <a:ext cx="106680" cy="1371600"/>
           </a:xfrm>
           <a:prstGeom prst="line">
             <a:avLst/>
@@ -5119,15 +5298,15 @@
         <p:nvCxnSpPr>
           <p:cNvPr id="29" name="Straight Connector 28"/>
           <p:cNvCxnSpPr>
-            <a:stCxn id="14" idx="0"/>
+            <a:stCxn id="172" idx="0"/>
             <a:endCxn id="4" idx="4"/>
           </p:cNvCxnSpPr>
           <p:nvPr/>
         </p:nvCxnSpPr>
         <p:spPr>
           <a:xfrm rot="16200000" flipV="1">
-            <a:off x="5459730" y="163830"/>
-            <a:ext cx="228600" cy="2644140"/>
+            <a:off x="5532120" y="-548640"/>
+            <a:ext cx="106680" cy="2667000"/>
           </a:xfrm>
           <a:prstGeom prst="line">
             <a:avLst/>
@@ -5152,15 +5331,15 @@
         <p:nvCxnSpPr>
           <p:cNvPr id="31" name="Straight Connector 30"/>
           <p:cNvCxnSpPr>
-            <a:stCxn id="9" idx="0"/>
+            <a:stCxn id="173" idx="0"/>
             <a:endCxn id="4" idx="4"/>
           </p:cNvCxnSpPr>
           <p:nvPr/>
         </p:nvCxnSpPr>
         <p:spPr>
           <a:xfrm rot="16200000" flipV="1">
-            <a:off x="6088380" y="-464820"/>
-            <a:ext cx="228600" cy="3901440"/>
+            <a:off x="6179820" y="-1196340"/>
+            <a:ext cx="106680" cy="3962400"/>
           </a:xfrm>
           <a:prstGeom prst="line">
             <a:avLst/>
@@ -5195,6 +5374,19 @@
           <a:prstGeom prst="ellipse">
             <a:avLst/>
           </a:prstGeom>
+          <a:solidFill>
+            <a:schemeClr val="accent2">
+              <a:lumMod val="40000"/>
+              <a:lumOff val="60000"/>
+            </a:schemeClr>
+          </a:solidFill>
+          <a:ln>
+            <a:solidFill>
+              <a:schemeClr val="accent2">
+                <a:lumMod val="50000"/>
+              </a:schemeClr>
+            </a:solidFill>
+          </a:ln>
         </p:spPr>
         <p:style>
           <a:lnRef idx="2">
@@ -5239,6 +5431,19 @@
           <a:prstGeom prst="ellipse">
             <a:avLst/>
           </a:prstGeom>
+          <a:solidFill>
+            <a:schemeClr val="accent2">
+              <a:lumMod val="40000"/>
+              <a:lumOff val="60000"/>
+            </a:schemeClr>
+          </a:solidFill>
+          <a:ln>
+            <a:solidFill>
+              <a:schemeClr val="accent2">
+                <a:lumMod val="50000"/>
+              </a:schemeClr>
+            </a:solidFill>
+          </a:ln>
         </p:spPr>
         <p:style>
           <a:lnRef idx="2">
@@ -5283,6 +5488,19 @@
           <a:prstGeom prst="ellipse">
             <a:avLst/>
           </a:prstGeom>
+          <a:solidFill>
+            <a:schemeClr val="accent2">
+              <a:lumMod val="40000"/>
+              <a:lumOff val="60000"/>
+            </a:schemeClr>
+          </a:solidFill>
+          <a:ln>
+            <a:solidFill>
+              <a:schemeClr val="accent2">
+                <a:lumMod val="50000"/>
+              </a:schemeClr>
+            </a:solidFill>
+          </a:ln>
         </p:spPr>
         <p:style>
           <a:lnRef idx="2">
@@ -5327,6 +5545,19 @@
           <a:prstGeom prst="ellipse">
             <a:avLst/>
           </a:prstGeom>
+          <a:solidFill>
+            <a:schemeClr val="accent2">
+              <a:lumMod val="40000"/>
+              <a:lumOff val="60000"/>
+            </a:schemeClr>
+          </a:solidFill>
+          <a:ln>
+            <a:solidFill>
+              <a:schemeClr val="accent2">
+                <a:lumMod val="50000"/>
+              </a:schemeClr>
+            </a:solidFill>
+          </a:ln>
         </p:spPr>
         <p:style>
           <a:lnRef idx="2">
@@ -5371,6 +5602,19 @@
           <a:prstGeom prst="ellipse">
             <a:avLst/>
           </a:prstGeom>
+          <a:solidFill>
+            <a:schemeClr val="accent2">
+              <a:lumMod val="40000"/>
+              <a:lumOff val="60000"/>
+            </a:schemeClr>
+          </a:solidFill>
+          <a:ln>
+            <a:solidFill>
+              <a:schemeClr val="accent2">
+                <a:lumMod val="50000"/>
+              </a:schemeClr>
+            </a:solidFill>
+          </a:ln>
         </p:spPr>
         <p:style>
           <a:lnRef idx="2">
@@ -5415,6 +5659,19 @@
           <a:prstGeom prst="ellipse">
             <a:avLst/>
           </a:prstGeom>
+          <a:solidFill>
+            <a:schemeClr val="accent2">
+              <a:lumMod val="40000"/>
+              <a:lumOff val="60000"/>
+            </a:schemeClr>
+          </a:solidFill>
+          <a:ln>
+            <a:solidFill>
+              <a:schemeClr val="accent2">
+                <a:lumMod val="50000"/>
+              </a:schemeClr>
+            </a:solidFill>
+          </a:ln>
         </p:spPr>
         <p:style>
           <a:lnRef idx="2">
@@ -5459,6 +5716,19 @@
           <a:prstGeom prst="ellipse">
             <a:avLst/>
           </a:prstGeom>
+          <a:solidFill>
+            <a:schemeClr val="accent2">
+              <a:lumMod val="40000"/>
+              <a:lumOff val="60000"/>
+            </a:schemeClr>
+          </a:solidFill>
+          <a:ln>
+            <a:solidFill>
+              <a:schemeClr val="accent2">
+                <a:lumMod val="50000"/>
+              </a:schemeClr>
+            </a:solidFill>
+          </a:ln>
         </p:spPr>
         <p:style>
           <a:lnRef idx="2">
@@ -5503,6 +5773,19 @@
           <a:prstGeom prst="ellipse">
             <a:avLst/>
           </a:prstGeom>
+          <a:solidFill>
+            <a:schemeClr val="accent2">
+              <a:lumMod val="40000"/>
+              <a:lumOff val="60000"/>
+            </a:schemeClr>
+          </a:solidFill>
+          <a:ln>
+            <a:solidFill>
+              <a:schemeClr val="accent2">
+                <a:lumMod val="50000"/>
+              </a:schemeClr>
+            </a:solidFill>
+          </a:ln>
         </p:spPr>
         <p:style>
           <a:lnRef idx="2">
@@ -5547,6 +5830,19 @@
           <a:prstGeom prst="ellipse">
             <a:avLst/>
           </a:prstGeom>
+          <a:solidFill>
+            <a:schemeClr val="accent2">
+              <a:lumMod val="40000"/>
+              <a:lumOff val="60000"/>
+            </a:schemeClr>
+          </a:solidFill>
+          <a:ln>
+            <a:solidFill>
+              <a:schemeClr val="accent2">
+                <a:lumMod val="50000"/>
+              </a:schemeClr>
+            </a:solidFill>
+          </a:ln>
         </p:spPr>
         <p:style>
           <a:lnRef idx="2">
@@ -5591,6 +5887,19 @@
           <a:prstGeom prst="ellipse">
             <a:avLst/>
           </a:prstGeom>
+          <a:solidFill>
+            <a:schemeClr val="accent2">
+              <a:lumMod val="40000"/>
+              <a:lumOff val="60000"/>
+            </a:schemeClr>
+          </a:solidFill>
+          <a:ln>
+            <a:solidFill>
+              <a:schemeClr val="accent2">
+                <a:lumMod val="50000"/>
+              </a:schemeClr>
+            </a:solidFill>
+          </a:ln>
         </p:spPr>
         <p:style>
           <a:lnRef idx="2">
@@ -5635,6 +5944,19 @@
           <a:prstGeom prst="ellipse">
             <a:avLst/>
           </a:prstGeom>
+          <a:solidFill>
+            <a:schemeClr val="accent2">
+              <a:lumMod val="40000"/>
+              <a:lumOff val="60000"/>
+            </a:schemeClr>
+          </a:solidFill>
+          <a:ln>
+            <a:solidFill>
+              <a:schemeClr val="accent2">
+                <a:lumMod val="50000"/>
+              </a:schemeClr>
+            </a:solidFill>
+          </a:ln>
         </p:spPr>
         <p:style>
           <a:lnRef idx="2">
@@ -5679,6 +6001,19 @@
           <a:prstGeom prst="ellipse">
             <a:avLst/>
           </a:prstGeom>
+          <a:solidFill>
+            <a:schemeClr val="accent2">
+              <a:lumMod val="40000"/>
+              <a:lumOff val="60000"/>
+            </a:schemeClr>
+          </a:solidFill>
+          <a:ln>
+            <a:solidFill>
+              <a:schemeClr val="accent2">
+                <a:lumMod val="50000"/>
+              </a:schemeClr>
+            </a:solidFill>
+          </a:ln>
         </p:spPr>
         <p:style>
           <a:lnRef idx="2">
@@ -5723,6 +6058,19 @@
           <a:prstGeom prst="ellipse">
             <a:avLst/>
           </a:prstGeom>
+          <a:solidFill>
+            <a:schemeClr val="accent2">
+              <a:lumMod val="40000"/>
+              <a:lumOff val="60000"/>
+            </a:schemeClr>
+          </a:solidFill>
+          <a:ln>
+            <a:solidFill>
+              <a:schemeClr val="accent2">
+                <a:lumMod val="50000"/>
+              </a:schemeClr>
+            </a:solidFill>
+          </a:ln>
         </p:spPr>
         <p:style>
           <a:lnRef idx="2">
@@ -5767,6 +6115,19 @@
           <a:prstGeom prst="ellipse">
             <a:avLst/>
           </a:prstGeom>
+          <a:solidFill>
+            <a:schemeClr val="accent2">
+              <a:lumMod val="40000"/>
+              <a:lumOff val="60000"/>
+            </a:schemeClr>
+          </a:solidFill>
+          <a:ln>
+            <a:solidFill>
+              <a:schemeClr val="accent2">
+                <a:lumMod val="50000"/>
+              </a:schemeClr>
+            </a:solidFill>
+          </a:ln>
         </p:spPr>
         <p:style>
           <a:lnRef idx="2">
@@ -5811,6 +6172,19 @@
           <a:prstGeom prst="ellipse">
             <a:avLst/>
           </a:prstGeom>
+          <a:solidFill>
+            <a:schemeClr val="accent2">
+              <a:lumMod val="40000"/>
+              <a:lumOff val="60000"/>
+            </a:schemeClr>
+          </a:solidFill>
+          <a:ln>
+            <a:solidFill>
+              <a:schemeClr val="accent2">
+                <a:lumMod val="50000"/>
+              </a:schemeClr>
+            </a:solidFill>
+          </a:ln>
         </p:spPr>
         <p:style>
           <a:lnRef idx="2">
@@ -5855,6 +6229,19 @@
           <a:prstGeom prst="ellipse">
             <a:avLst/>
           </a:prstGeom>
+          <a:solidFill>
+            <a:schemeClr val="accent2">
+              <a:lumMod val="40000"/>
+              <a:lumOff val="60000"/>
+            </a:schemeClr>
+          </a:solidFill>
+          <a:ln>
+            <a:solidFill>
+              <a:schemeClr val="accent2">
+                <a:lumMod val="50000"/>
+              </a:schemeClr>
+            </a:solidFill>
+          </a:ln>
         </p:spPr>
         <p:style>
           <a:lnRef idx="2">
@@ -5899,6 +6286,19 @@
           <a:prstGeom prst="ellipse">
             <a:avLst/>
           </a:prstGeom>
+          <a:solidFill>
+            <a:schemeClr val="accent2">
+              <a:lumMod val="40000"/>
+              <a:lumOff val="60000"/>
+            </a:schemeClr>
+          </a:solidFill>
+          <a:ln>
+            <a:solidFill>
+              <a:schemeClr val="accent2">
+                <a:lumMod val="50000"/>
+              </a:schemeClr>
+            </a:solidFill>
+          </a:ln>
         </p:spPr>
         <p:style>
           <a:lnRef idx="2">
@@ -5943,6 +6343,19 @@
           <a:prstGeom prst="ellipse">
             <a:avLst/>
           </a:prstGeom>
+          <a:solidFill>
+            <a:schemeClr val="accent2">
+              <a:lumMod val="40000"/>
+              <a:lumOff val="60000"/>
+            </a:schemeClr>
+          </a:solidFill>
+          <a:ln>
+            <a:solidFill>
+              <a:schemeClr val="accent2">
+                <a:lumMod val="50000"/>
+              </a:schemeClr>
+            </a:solidFill>
+          </a:ln>
         </p:spPr>
         <p:style>
           <a:lnRef idx="2">
@@ -5987,6 +6400,19 @@
           <a:prstGeom prst="ellipse">
             <a:avLst/>
           </a:prstGeom>
+          <a:solidFill>
+            <a:schemeClr val="accent2">
+              <a:lumMod val="40000"/>
+              <a:lumOff val="60000"/>
+            </a:schemeClr>
+          </a:solidFill>
+          <a:ln>
+            <a:solidFill>
+              <a:schemeClr val="accent2">
+                <a:lumMod val="50000"/>
+              </a:schemeClr>
+            </a:solidFill>
+          </a:ln>
         </p:spPr>
         <p:style>
           <a:lnRef idx="2">
@@ -6031,6 +6457,19 @@
           <a:prstGeom prst="ellipse">
             <a:avLst/>
           </a:prstGeom>
+          <a:solidFill>
+            <a:schemeClr val="accent2">
+              <a:lumMod val="40000"/>
+              <a:lumOff val="60000"/>
+            </a:schemeClr>
+          </a:solidFill>
+          <a:ln>
+            <a:solidFill>
+              <a:schemeClr val="accent2">
+                <a:lumMod val="50000"/>
+              </a:schemeClr>
+            </a:solidFill>
+          </a:ln>
         </p:spPr>
         <p:style>
           <a:lnRef idx="2">
@@ -6075,6 +6514,19 @@
           <a:prstGeom prst="ellipse">
             <a:avLst/>
           </a:prstGeom>
+          <a:solidFill>
+            <a:schemeClr val="accent2">
+              <a:lumMod val="40000"/>
+              <a:lumOff val="60000"/>
+            </a:schemeClr>
+          </a:solidFill>
+          <a:ln>
+            <a:solidFill>
+              <a:schemeClr val="accent2">
+                <a:lumMod val="50000"/>
+              </a:schemeClr>
+            </a:solidFill>
+          </a:ln>
         </p:spPr>
         <p:style>
           <a:lnRef idx="2">
@@ -6119,6 +6571,19 @@
           <a:prstGeom prst="ellipse">
             <a:avLst/>
           </a:prstGeom>
+          <a:solidFill>
+            <a:schemeClr val="accent2">
+              <a:lumMod val="40000"/>
+              <a:lumOff val="60000"/>
+            </a:schemeClr>
+          </a:solidFill>
+          <a:ln>
+            <a:solidFill>
+              <a:schemeClr val="accent2">
+                <a:lumMod val="50000"/>
+              </a:schemeClr>
+            </a:solidFill>
+          </a:ln>
         </p:spPr>
         <p:style>
           <a:lnRef idx="2">
@@ -6163,6 +6628,19 @@
           <a:prstGeom prst="ellipse">
             <a:avLst/>
           </a:prstGeom>
+          <a:solidFill>
+            <a:schemeClr val="accent2">
+              <a:lumMod val="40000"/>
+              <a:lumOff val="60000"/>
+            </a:schemeClr>
+          </a:solidFill>
+          <a:ln>
+            <a:solidFill>
+              <a:schemeClr val="accent2">
+                <a:lumMod val="50000"/>
+              </a:schemeClr>
+            </a:solidFill>
+          </a:ln>
         </p:spPr>
         <p:style>
           <a:lnRef idx="2">
@@ -6207,6 +6685,19 @@
           <a:prstGeom prst="ellipse">
             <a:avLst/>
           </a:prstGeom>
+          <a:solidFill>
+            <a:schemeClr val="accent2">
+              <a:lumMod val="40000"/>
+              <a:lumOff val="60000"/>
+            </a:schemeClr>
+          </a:solidFill>
+          <a:ln>
+            <a:solidFill>
+              <a:schemeClr val="accent2">
+                <a:lumMod val="50000"/>
+              </a:schemeClr>
+            </a:solidFill>
+          </a:ln>
         </p:spPr>
         <p:style>
           <a:lnRef idx="2">
@@ -6231,7 +6722,7 @@
             <a:pPr algn="ctr"/>
             <a:r>
               <a:rPr lang="en-US" dirty="0" smtClean="0"/>
-              <a:t>-9</a:t>
+              <a:t>-7</a:t>
             </a:r>
             <a:endParaRPr lang="en-US" dirty="0"/>
           </a:p>
@@ -6251,6 +6742,19 @@
           <a:prstGeom prst="ellipse">
             <a:avLst/>
           </a:prstGeom>
+          <a:solidFill>
+            <a:schemeClr val="accent2">
+              <a:lumMod val="40000"/>
+              <a:lumOff val="60000"/>
+            </a:schemeClr>
+          </a:solidFill>
+          <a:ln>
+            <a:solidFill>
+              <a:schemeClr val="accent2">
+                <a:lumMod val="50000"/>
+              </a:schemeClr>
+            </a:solidFill>
+          </a:ln>
         </p:spPr>
         <p:style>
           <a:lnRef idx="2">
@@ -6295,6 +6799,19 @@
           <a:prstGeom prst="ellipse">
             <a:avLst/>
           </a:prstGeom>
+          <a:solidFill>
+            <a:schemeClr val="accent2">
+              <a:lumMod val="40000"/>
+              <a:lumOff val="60000"/>
+            </a:schemeClr>
+          </a:solidFill>
+          <a:ln>
+            <a:solidFill>
+              <a:schemeClr val="accent2">
+                <a:lumMod val="50000"/>
+              </a:schemeClr>
+            </a:solidFill>
+          </a:ln>
         </p:spPr>
         <p:style>
           <a:lnRef idx="2">
@@ -6319,7 +6836,7 @@
             <a:pPr algn="ctr"/>
             <a:r>
               <a:rPr lang="en-US" dirty="0" smtClean="0"/>
-              <a:t>-9</a:t>
+              <a:t>-3</a:t>
             </a:r>
             <a:endParaRPr lang="en-US" dirty="0"/>
           </a:p>
@@ -6339,6 +6856,19 @@
           <a:prstGeom prst="ellipse">
             <a:avLst/>
           </a:prstGeom>
+          <a:solidFill>
+            <a:schemeClr val="accent2">
+              <a:lumMod val="40000"/>
+              <a:lumOff val="60000"/>
+            </a:schemeClr>
+          </a:solidFill>
+          <a:ln>
+            <a:solidFill>
+              <a:schemeClr val="accent2">
+                <a:lumMod val="50000"/>
+              </a:schemeClr>
+            </a:solidFill>
+          </a:ln>
         </p:spPr>
         <p:style>
           <a:lnRef idx="2">
@@ -6363,7 +6893,7 @@
             <a:pPr algn="ctr"/>
             <a:r>
               <a:rPr lang="en-US" dirty="0" smtClean="0"/>
-              <a:t>-8</a:t>
+              <a:t>-3</a:t>
             </a:r>
             <a:endParaRPr lang="en-US" dirty="0"/>
           </a:p>
@@ -6383,6 +6913,19 @@
           <a:prstGeom prst="ellipse">
             <a:avLst/>
           </a:prstGeom>
+          <a:solidFill>
+            <a:schemeClr val="accent2">
+              <a:lumMod val="40000"/>
+              <a:lumOff val="60000"/>
+            </a:schemeClr>
+          </a:solidFill>
+          <a:ln>
+            <a:solidFill>
+              <a:schemeClr val="accent2">
+                <a:lumMod val="50000"/>
+              </a:schemeClr>
+            </a:solidFill>
+          </a:ln>
         </p:spPr>
         <p:style>
           <a:lnRef idx="2">
@@ -6427,6 +6970,19 @@
           <a:prstGeom prst="ellipse">
             <a:avLst/>
           </a:prstGeom>
+          <a:solidFill>
+            <a:schemeClr val="accent2">
+              <a:lumMod val="40000"/>
+              <a:lumOff val="60000"/>
+            </a:schemeClr>
+          </a:solidFill>
+          <a:ln>
+            <a:solidFill>
+              <a:schemeClr val="accent2">
+                <a:lumMod val="50000"/>
+              </a:schemeClr>
+            </a:solidFill>
+          </a:ln>
         </p:spPr>
         <p:style>
           <a:lnRef idx="2">
@@ -6471,6 +7027,19 @@
           <a:prstGeom prst="ellipse">
             <a:avLst/>
           </a:prstGeom>
+          <a:solidFill>
+            <a:schemeClr val="accent2">
+              <a:lumMod val="40000"/>
+              <a:lumOff val="60000"/>
+            </a:schemeClr>
+          </a:solidFill>
+          <a:ln>
+            <a:solidFill>
+              <a:schemeClr val="accent2">
+                <a:lumMod val="50000"/>
+              </a:schemeClr>
+            </a:solidFill>
+          </a:ln>
         </p:spPr>
         <p:style>
           <a:lnRef idx="2">
@@ -6515,6 +7084,19 @@
           <a:prstGeom prst="ellipse">
             <a:avLst/>
           </a:prstGeom>
+          <a:solidFill>
+            <a:schemeClr val="accent2">
+              <a:lumMod val="40000"/>
+              <a:lumOff val="60000"/>
+            </a:schemeClr>
+          </a:solidFill>
+          <a:ln>
+            <a:solidFill>
+              <a:schemeClr val="accent2">
+                <a:lumMod val="50000"/>
+              </a:schemeClr>
+            </a:solidFill>
+          </a:ln>
         </p:spPr>
         <p:style>
           <a:lnRef idx="2">
@@ -6559,6 +7141,19 @@
           <a:prstGeom prst="ellipse">
             <a:avLst/>
           </a:prstGeom>
+          <a:solidFill>
+            <a:schemeClr val="accent2">
+              <a:lumMod val="40000"/>
+              <a:lumOff val="60000"/>
+            </a:schemeClr>
+          </a:solidFill>
+          <a:ln>
+            <a:solidFill>
+              <a:schemeClr val="accent2">
+                <a:lumMod val="50000"/>
+              </a:schemeClr>
+            </a:solidFill>
+          </a:ln>
         </p:spPr>
         <p:style>
           <a:lnRef idx="2">
@@ -6603,6 +7198,19 @@
           <a:prstGeom prst="ellipse">
             <a:avLst/>
           </a:prstGeom>
+          <a:solidFill>
+            <a:schemeClr val="accent2">
+              <a:lumMod val="40000"/>
+              <a:lumOff val="60000"/>
+            </a:schemeClr>
+          </a:solidFill>
+          <a:ln>
+            <a:solidFill>
+              <a:schemeClr val="accent2">
+                <a:lumMod val="50000"/>
+              </a:schemeClr>
+            </a:solidFill>
+          </a:ln>
         </p:spPr>
         <p:style>
           <a:lnRef idx="2">
@@ -6647,6 +7255,19 @@
           <a:prstGeom prst="ellipse">
             <a:avLst/>
           </a:prstGeom>
+          <a:solidFill>
+            <a:schemeClr val="accent2">
+              <a:lumMod val="40000"/>
+              <a:lumOff val="60000"/>
+            </a:schemeClr>
+          </a:solidFill>
+          <a:ln>
+            <a:solidFill>
+              <a:schemeClr val="accent2">
+                <a:lumMod val="50000"/>
+              </a:schemeClr>
+            </a:solidFill>
+          </a:ln>
         </p:spPr>
         <p:style>
           <a:lnRef idx="2">
@@ -6691,6 +7312,19 @@
           <a:prstGeom prst="ellipse">
             <a:avLst/>
           </a:prstGeom>
+          <a:solidFill>
+            <a:schemeClr val="accent2">
+              <a:lumMod val="40000"/>
+              <a:lumOff val="60000"/>
+            </a:schemeClr>
+          </a:solidFill>
+          <a:ln>
+            <a:solidFill>
+              <a:schemeClr val="accent2">
+                <a:lumMod val="50000"/>
+              </a:schemeClr>
+            </a:solidFill>
+          </a:ln>
         </p:spPr>
         <p:style>
           <a:lnRef idx="2">
@@ -6735,6 +7369,19 @@
           <a:prstGeom prst="ellipse">
             <a:avLst/>
           </a:prstGeom>
+          <a:solidFill>
+            <a:schemeClr val="accent2">
+              <a:lumMod val="40000"/>
+              <a:lumOff val="60000"/>
+            </a:schemeClr>
+          </a:solidFill>
+          <a:ln>
+            <a:solidFill>
+              <a:schemeClr val="accent2">
+                <a:lumMod val="50000"/>
+              </a:schemeClr>
+            </a:solidFill>
+          </a:ln>
         </p:spPr>
         <p:style>
           <a:lnRef idx="2">
@@ -6779,6 +7426,19 @@
           <a:prstGeom prst="ellipse">
             <a:avLst/>
           </a:prstGeom>
+          <a:solidFill>
+            <a:schemeClr val="accent2">
+              <a:lumMod val="40000"/>
+              <a:lumOff val="60000"/>
+            </a:schemeClr>
+          </a:solidFill>
+          <a:ln>
+            <a:solidFill>
+              <a:schemeClr val="accent2">
+                <a:lumMod val="50000"/>
+              </a:schemeClr>
+            </a:solidFill>
+          </a:ln>
         </p:spPr>
         <p:style>
           <a:lnRef idx="2">
@@ -6823,6 +7483,19 @@
           <a:prstGeom prst="ellipse">
             <a:avLst/>
           </a:prstGeom>
+          <a:solidFill>
+            <a:schemeClr val="accent2">
+              <a:lumMod val="40000"/>
+              <a:lumOff val="60000"/>
+            </a:schemeClr>
+          </a:solidFill>
+          <a:ln>
+            <a:solidFill>
+              <a:schemeClr val="accent2">
+                <a:lumMod val="50000"/>
+              </a:schemeClr>
+            </a:solidFill>
+          </a:ln>
         </p:spPr>
         <p:style>
           <a:lnRef idx="2">
@@ -6867,6 +7540,19 @@
           <a:prstGeom prst="ellipse">
             <a:avLst/>
           </a:prstGeom>
+          <a:solidFill>
+            <a:schemeClr val="accent2">
+              <a:lumMod val="40000"/>
+              <a:lumOff val="60000"/>
+            </a:schemeClr>
+          </a:solidFill>
+          <a:ln>
+            <a:solidFill>
+              <a:schemeClr val="accent2">
+                <a:lumMod val="50000"/>
+              </a:schemeClr>
+            </a:solidFill>
+          </a:ln>
         </p:spPr>
         <p:style>
           <a:lnRef idx="2">
@@ -6911,6 +7597,19 @@
           <a:prstGeom prst="ellipse">
             <a:avLst/>
           </a:prstGeom>
+          <a:solidFill>
+            <a:schemeClr val="accent2">
+              <a:lumMod val="40000"/>
+              <a:lumOff val="60000"/>
+            </a:schemeClr>
+          </a:solidFill>
+          <a:ln>
+            <a:solidFill>
+              <a:schemeClr val="accent2">
+                <a:lumMod val="50000"/>
+              </a:schemeClr>
+            </a:solidFill>
+          </a:ln>
         </p:spPr>
         <p:style>
           <a:lnRef idx="2">
@@ -6955,6 +7654,19 @@
           <a:prstGeom prst="ellipse">
             <a:avLst/>
           </a:prstGeom>
+          <a:solidFill>
+            <a:schemeClr val="accent2">
+              <a:lumMod val="40000"/>
+              <a:lumOff val="60000"/>
+            </a:schemeClr>
+          </a:solidFill>
+          <a:ln>
+            <a:solidFill>
+              <a:schemeClr val="accent2">
+                <a:lumMod val="50000"/>
+              </a:schemeClr>
+            </a:solidFill>
+          </a:ln>
         </p:spPr>
         <p:style>
           <a:lnRef idx="2">
@@ -6999,6 +7711,19 @@
           <a:prstGeom prst="ellipse">
             <a:avLst/>
           </a:prstGeom>
+          <a:solidFill>
+            <a:schemeClr val="accent2">
+              <a:lumMod val="40000"/>
+              <a:lumOff val="60000"/>
+            </a:schemeClr>
+          </a:solidFill>
+          <a:ln>
+            <a:solidFill>
+              <a:schemeClr val="accent2">
+                <a:lumMod val="50000"/>
+              </a:schemeClr>
+            </a:solidFill>
+          </a:ln>
         </p:spPr>
         <p:style>
           <a:lnRef idx="2">
@@ -7043,6 +7768,19 @@
           <a:prstGeom prst="ellipse">
             <a:avLst/>
           </a:prstGeom>
+          <a:solidFill>
+            <a:schemeClr val="accent2">
+              <a:lumMod val="40000"/>
+              <a:lumOff val="60000"/>
+            </a:schemeClr>
+          </a:solidFill>
+          <a:ln>
+            <a:solidFill>
+              <a:schemeClr val="accent2">
+                <a:lumMod val="50000"/>
+              </a:schemeClr>
+            </a:solidFill>
+          </a:ln>
         </p:spPr>
         <p:style>
           <a:lnRef idx="2">
@@ -7087,6 +7825,19 @@
           <a:prstGeom prst="ellipse">
             <a:avLst/>
           </a:prstGeom>
+          <a:solidFill>
+            <a:schemeClr val="accent2">
+              <a:lumMod val="40000"/>
+              <a:lumOff val="60000"/>
+            </a:schemeClr>
+          </a:solidFill>
+          <a:ln>
+            <a:solidFill>
+              <a:schemeClr val="accent2">
+                <a:lumMod val="50000"/>
+              </a:schemeClr>
+            </a:solidFill>
+          </a:ln>
         </p:spPr>
         <p:style>
           <a:lnRef idx="2">
@@ -7131,6 +7882,19 @@
           <a:prstGeom prst="ellipse">
             <a:avLst/>
           </a:prstGeom>
+          <a:solidFill>
+            <a:schemeClr val="accent2">
+              <a:lumMod val="40000"/>
+              <a:lumOff val="60000"/>
+            </a:schemeClr>
+          </a:solidFill>
+          <a:ln>
+            <a:solidFill>
+              <a:schemeClr val="accent2">
+                <a:lumMod val="50000"/>
+              </a:schemeClr>
+            </a:solidFill>
+          </a:ln>
         </p:spPr>
         <p:style>
           <a:lnRef idx="2">
@@ -7175,6 +7939,19 @@
           <a:prstGeom prst="ellipse">
             <a:avLst/>
           </a:prstGeom>
+          <a:solidFill>
+            <a:schemeClr val="accent2">
+              <a:lumMod val="40000"/>
+              <a:lumOff val="60000"/>
+            </a:schemeClr>
+          </a:solidFill>
+          <a:ln>
+            <a:solidFill>
+              <a:schemeClr val="accent2">
+                <a:lumMod val="50000"/>
+              </a:schemeClr>
+            </a:solidFill>
+          </a:ln>
         </p:spPr>
         <p:style>
           <a:lnRef idx="2">
@@ -7219,6 +7996,19 @@
           <a:prstGeom prst="ellipse">
             <a:avLst/>
           </a:prstGeom>
+          <a:solidFill>
+            <a:schemeClr val="accent2">
+              <a:lumMod val="40000"/>
+              <a:lumOff val="60000"/>
+            </a:schemeClr>
+          </a:solidFill>
+          <a:ln>
+            <a:solidFill>
+              <a:schemeClr val="accent2">
+                <a:lumMod val="50000"/>
+              </a:schemeClr>
+            </a:solidFill>
+          </a:ln>
         </p:spPr>
         <p:style>
           <a:lnRef idx="2">
@@ -7263,6 +8053,19 @@
           <a:prstGeom prst="ellipse">
             <a:avLst/>
           </a:prstGeom>
+          <a:solidFill>
+            <a:schemeClr val="accent2">
+              <a:lumMod val="40000"/>
+              <a:lumOff val="60000"/>
+            </a:schemeClr>
+          </a:solidFill>
+          <a:ln>
+            <a:solidFill>
+              <a:schemeClr val="accent2">
+                <a:lumMod val="50000"/>
+              </a:schemeClr>
+            </a:solidFill>
+          </a:ln>
         </p:spPr>
         <p:style>
           <a:lnRef idx="2">
@@ -7307,6 +8110,19 @@
           <a:prstGeom prst="ellipse">
             <a:avLst/>
           </a:prstGeom>
+          <a:solidFill>
+            <a:schemeClr val="accent2">
+              <a:lumMod val="40000"/>
+              <a:lumOff val="60000"/>
+            </a:schemeClr>
+          </a:solidFill>
+          <a:ln>
+            <a:solidFill>
+              <a:schemeClr val="accent2">
+                <a:lumMod val="50000"/>
+              </a:schemeClr>
+            </a:solidFill>
+          </a:ln>
         </p:spPr>
         <p:style>
           <a:lnRef idx="2">
@@ -8909,6 +9725,545 @@
             <a:avLst>
               <a:gd name="adj1" fmla="val 14395466"/>
             </a:avLst>
+          </a:prstGeom>
+        </p:spPr>
+        <p:style>
+          <a:lnRef idx="1">
+            <a:schemeClr val="accent1"/>
+          </a:lnRef>
+          <a:fillRef idx="0">
+            <a:schemeClr val="accent1"/>
+          </a:fillRef>
+          <a:effectRef idx="0">
+            <a:schemeClr val="accent1"/>
+          </a:effectRef>
+          <a:fontRef idx="minor">
+            <a:schemeClr val="tx1"/>
+          </a:fontRef>
+        </p:style>
+      </p:cxnSp>
+      <p:sp>
+        <p:nvSpPr>
+          <p:cNvPr id="166" name="Oval 165"/>
+          <p:cNvSpPr/>
+          <p:nvPr/>
+        </p:nvSpPr>
+        <p:spPr>
+          <a:xfrm>
+            <a:off x="228600" y="838200"/>
+            <a:ext cx="731520" cy="731520"/>
+          </a:xfrm>
+          <a:prstGeom prst="ellipse">
+            <a:avLst/>
+          </a:prstGeom>
+        </p:spPr>
+        <p:style>
+          <a:lnRef idx="2">
+            <a:schemeClr val="accent1">
+              <a:shade val="50000"/>
+            </a:schemeClr>
+          </a:lnRef>
+          <a:fillRef idx="1">
+            <a:schemeClr val="accent1"/>
+          </a:fillRef>
+          <a:effectRef idx="0">
+            <a:schemeClr val="accent1"/>
+          </a:effectRef>
+          <a:fontRef idx="minor">
+            <a:schemeClr val="lt1"/>
+          </a:fontRef>
+        </p:style>
+        <p:txBody>
+          <a:bodyPr rtlCol="0" anchor="ctr"/>
+          <a:lstStyle/>
+          <a:p>
+            <a:pPr algn="ctr"/>
+            <a:r>
+              <a:rPr lang="en-US" dirty="0" smtClean="0"/>
+              <a:t>11</a:t>
+            </a:r>
+            <a:endParaRPr lang="en-US" dirty="0"/>
+          </a:p>
+        </p:txBody>
+      </p:sp>
+      <p:sp>
+        <p:nvSpPr>
+          <p:cNvPr id="168" name="Oval 167"/>
+          <p:cNvSpPr/>
+          <p:nvPr/>
+        </p:nvSpPr>
+        <p:spPr>
+          <a:xfrm>
+            <a:off x="1524000" y="838200"/>
+            <a:ext cx="731520" cy="731520"/>
+          </a:xfrm>
+          <a:prstGeom prst="ellipse">
+            <a:avLst/>
+          </a:prstGeom>
+        </p:spPr>
+        <p:style>
+          <a:lnRef idx="2">
+            <a:schemeClr val="accent1">
+              <a:shade val="50000"/>
+            </a:schemeClr>
+          </a:lnRef>
+          <a:fillRef idx="1">
+            <a:schemeClr val="accent1"/>
+          </a:fillRef>
+          <a:effectRef idx="0">
+            <a:schemeClr val="accent1"/>
+          </a:effectRef>
+          <a:fontRef idx="minor">
+            <a:schemeClr val="lt1"/>
+          </a:fontRef>
+        </p:style>
+        <p:txBody>
+          <a:bodyPr rtlCol="0" anchor="ctr"/>
+          <a:lstStyle/>
+          <a:p>
+            <a:pPr algn="ctr"/>
+            <a:r>
+              <a:rPr lang="en-US" dirty="0" smtClean="0"/>
+              <a:t>7</a:t>
+            </a:r>
+            <a:endParaRPr lang="en-US" dirty="0"/>
+          </a:p>
+        </p:txBody>
+      </p:sp>
+      <p:sp>
+        <p:nvSpPr>
+          <p:cNvPr id="169" name="Oval 168"/>
+          <p:cNvSpPr/>
+          <p:nvPr/>
+        </p:nvSpPr>
+        <p:spPr>
+          <a:xfrm>
+            <a:off x="2819400" y="838200"/>
+            <a:ext cx="731520" cy="731520"/>
+          </a:xfrm>
+          <a:prstGeom prst="ellipse">
+            <a:avLst/>
+          </a:prstGeom>
+        </p:spPr>
+        <p:style>
+          <a:lnRef idx="2">
+            <a:schemeClr val="accent1">
+              <a:shade val="50000"/>
+            </a:schemeClr>
+          </a:lnRef>
+          <a:fillRef idx="1">
+            <a:schemeClr val="accent1"/>
+          </a:fillRef>
+          <a:effectRef idx="0">
+            <a:schemeClr val="accent1"/>
+          </a:effectRef>
+          <a:fontRef idx="minor">
+            <a:schemeClr val="lt1"/>
+          </a:fontRef>
+        </p:style>
+        <p:txBody>
+          <a:bodyPr rtlCol="0" anchor="ctr"/>
+          <a:lstStyle/>
+          <a:p>
+            <a:pPr algn="ctr"/>
+            <a:r>
+              <a:rPr lang="en-US" dirty="0" smtClean="0"/>
+              <a:t>9</a:t>
+            </a:r>
+            <a:endParaRPr lang="en-US" dirty="0"/>
+          </a:p>
+        </p:txBody>
+      </p:sp>
+      <p:sp>
+        <p:nvSpPr>
+          <p:cNvPr id="170" name="Oval 169"/>
+          <p:cNvSpPr/>
+          <p:nvPr/>
+        </p:nvSpPr>
+        <p:spPr>
+          <a:xfrm>
+            <a:off x="3962400" y="838200"/>
+            <a:ext cx="731520" cy="731520"/>
+          </a:xfrm>
+          <a:prstGeom prst="ellipse">
+            <a:avLst/>
+          </a:prstGeom>
+        </p:spPr>
+        <p:style>
+          <a:lnRef idx="2">
+            <a:schemeClr val="accent1">
+              <a:shade val="50000"/>
+            </a:schemeClr>
+          </a:lnRef>
+          <a:fillRef idx="1">
+            <a:schemeClr val="accent1"/>
+          </a:fillRef>
+          <a:effectRef idx="0">
+            <a:schemeClr val="accent1"/>
+          </a:effectRef>
+          <a:fontRef idx="minor">
+            <a:schemeClr val="lt1"/>
+          </a:fontRef>
+        </p:style>
+        <p:txBody>
+          <a:bodyPr rtlCol="0" anchor="ctr"/>
+          <a:lstStyle/>
+          <a:p>
+            <a:pPr algn="ctr"/>
+            <a:r>
+              <a:rPr lang="en-US" dirty="0" smtClean="0"/>
+              <a:t>12</a:t>
+            </a:r>
+            <a:endParaRPr lang="en-US" dirty="0"/>
+          </a:p>
+        </p:txBody>
+      </p:sp>
+      <p:sp>
+        <p:nvSpPr>
+          <p:cNvPr id="171" name="Oval 170"/>
+          <p:cNvSpPr/>
+          <p:nvPr/>
+        </p:nvSpPr>
+        <p:spPr>
+          <a:xfrm>
+            <a:off x="5257800" y="838200"/>
+            <a:ext cx="731520" cy="731520"/>
+          </a:xfrm>
+          <a:prstGeom prst="ellipse">
+            <a:avLst/>
+          </a:prstGeom>
+        </p:spPr>
+        <p:style>
+          <a:lnRef idx="2">
+            <a:schemeClr val="accent1">
+              <a:shade val="50000"/>
+            </a:schemeClr>
+          </a:lnRef>
+          <a:fillRef idx="1">
+            <a:schemeClr val="accent1"/>
+          </a:fillRef>
+          <a:effectRef idx="0">
+            <a:schemeClr val="accent1"/>
+          </a:effectRef>
+          <a:fontRef idx="minor">
+            <a:schemeClr val="lt1"/>
+          </a:fontRef>
+        </p:style>
+        <p:txBody>
+          <a:bodyPr rtlCol="0" anchor="ctr"/>
+          <a:lstStyle/>
+          <a:p>
+            <a:pPr algn="ctr"/>
+            <a:r>
+              <a:rPr lang="en-US" dirty="0" smtClean="0"/>
+              <a:t>13</a:t>
+            </a:r>
+            <a:endParaRPr lang="en-US" dirty="0"/>
+          </a:p>
+        </p:txBody>
+      </p:sp>
+      <p:sp>
+        <p:nvSpPr>
+          <p:cNvPr id="172" name="Oval 171"/>
+          <p:cNvSpPr/>
+          <p:nvPr/>
+        </p:nvSpPr>
+        <p:spPr>
+          <a:xfrm>
+            <a:off x="6553200" y="838200"/>
+            <a:ext cx="731520" cy="731520"/>
+          </a:xfrm>
+          <a:prstGeom prst="ellipse">
+            <a:avLst/>
+          </a:prstGeom>
+        </p:spPr>
+        <p:style>
+          <a:lnRef idx="2">
+            <a:schemeClr val="accent1">
+              <a:shade val="50000"/>
+            </a:schemeClr>
+          </a:lnRef>
+          <a:fillRef idx="1">
+            <a:schemeClr val="accent1"/>
+          </a:fillRef>
+          <a:effectRef idx="0">
+            <a:schemeClr val="accent1"/>
+          </a:effectRef>
+          <a:fontRef idx="minor">
+            <a:schemeClr val="lt1"/>
+          </a:fontRef>
+        </p:style>
+        <p:txBody>
+          <a:bodyPr rtlCol="0" anchor="ctr"/>
+          <a:lstStyle/>
+          <a:p>
+            <a:pPr algn="ctr"/>
+            <a:r>
+              <a:rPr lang="en-US" dirty="0" smtClean="0"/>
+              <a:t>3</a:t>
+            </a:r>
+            <a:endParaRPr lang="en-US" dirty="0"/>
+          </a:p>
+        </p:txBody>
+      </p:sp>
+      <p:sp>
+        <p:nvSpPr>
+          <p:cNvPr id="173" name="Oval 172"/>
+          <p:cNvSpPr/>
+          <p:nvPr/>
+        </p:nvSpPr>
+        <p:spPr>
+          <a:xfrm>
+            <a:off x="7848600" y="838200"/>
+            <a:ext cx="731520" cy="731520"/>
+          </a:xfrm>
+          <a:prstGeom prst="ellipse">
+            <a:avLst/>
+          </a:prstGeom>
+        </p:spPr>
+        <p:style>
+          <a:lnRef idx="2">
+            <a:schemeClr val="accent1">
+              <a:shade val="50000"/>
+            </a:schemeClr>
+          </a:lnRef>
+          <a:fillRef idx="1">
+            <a:schemeClr val="accent1"/>
+          </a:fillRef>
+          <a:effectRef idx="0">
+            <a:schemeClr val="accent1"/>
+          </a:effectRef>
+          <a:fontRef idx="minor">
+            <a:schemeClr val="lt1"/>
+          </a:fontRef>
+        </p:style>
+        <p:txBody>
+          <a:bodyPr rtlCol="0" anchor="ctr"/>
+          <a:lstStyle/>
+          <a:p>
+            <a:pPr algn="ctr"/>
+            <a:r>
+              <a:rPr lang="en-US" dirty="0" smtClean="0"/>
+              <a:t>6</a:t>
+            </a:r>
+            <a:endParaRPr lang="en-US" dirty="0"/>
+          </a:p>
+        </p:txBody>
+      </p:sp>
+      <p:cxnSp>
+        <p:nvCxnSpPr>
+          <p:cNvPr id="182" name="Straight Connector 181"/>
+          <p:cNvCxnSpPr>
+            <a:stCxn id="17" idx="0"/>
+            <a:endCxn id="166" idx="4"/>
+          </p:cNvCxnSpPr>
+          <p:nvPr/>
+        </p:nvCxnSpPr>
+        <p:spPr>
+          <a:xfrm rot="16200000" flipV="1">
+            <a:off x="586740" y="1577340"/>
+            <a:ext cx="30480" cy="15240"/>
+          </a:xfrm>
+          <a:prstGeom prst="line">
+            <a:avLst/>
+          </a:prstGeom>
+        </p:spPr>
+        <p:style>
+          <a:lnRef idx="1">
+            <a:schemeClr val="accent1"/>
+          </a:lnRef>
+          <a:fillRef idx="0">
+            <a:schemeClr val="accent1"/>
+          </a:fillRef>
+          <a:effectRef idx="0">
+            <a:schemeClr val="accent1"/>
+          </a:effectRef>
+          <a:fontRef idx="minor">
+            <a:schemeClr val="tx1"/>
+          </a:fontRef>
+        </p:style>
+      </p:cxnSp>
+      <p:cxnSp>
+        <p:nvCxnSpPr>
+          <p:cNvPr id="184" name="Straight Connector 183"/>
+          <p:cNvCxnSpPr>
+            <a:stCxn id="16" idx="0"/>
+            <a:endCxn id="168" idx="4"/>
+          </p:cNvCxnSpPr>
+          <p:nvPr/>
+        </p:nvCxnSpPr>
+        <p:spPr>
+          <a:xfrm rot="5400000" flipH="1" flipV="1">
+            <a:off x="1863090" y="1573530"/>
+            <a:ext cx="30480" cy="22860"/>
+          </a:xfrm>
+          <a:prstGeom prst="line">
+            <a:avLst/>
+          </a:prstGeom>
+        </p:spPr>
+        <p:style>
+          <a:lnRef idx="1">
+            <a:schemeClr val="accent1"/>
+          </a:lnRef>
+          <a:fillRef idx="0">
+            <a:schemeClr val="accent1"/>
+          </a:fillRef>
+          <a:effectRef idx="0">
+            <a:schemeClr val="accent1"/>
+          </a:effectRef>
+          <a:fontRef idx="minor">
+            <a:schemeClr val="tx1"/>
+          </a:fontRef>
+        </p:style>
+      </p:cxnSp>
+      <p:cxnSp>
+        <p:nvCxnSpPr>
+          <p:cNvPr id="186" name="Straight Connector 185"/>
+          <p:cNvCxnSpPr>
+            <a:stCxn id="13" idx="0"/>
+            <a:endCxn id="169" idx="4"/>
+          </p:cNvCxnSpPr>
+          <p:nvPr/>
+        </p:nvCxnSpPr>
+        <p:spPr>
+          <a:xfrm rot="5400000" flipH="1" flipV="1">
+            <a:off x="3139440" y="1554480"/>
+            <a:ext cx="30480" cy="60960"/>
+          </a:xfrm>
+          <a:prstGeom prst="line">
+            <a:avLst/>
+          </a:prstGeom>
+        </p:spPr>
+        <p:style>
+          <a:lnRef idx="1">
+            <a:schemeClr val="accent1"/>
+          </a:lnRef>
+          <a:fillRef idx="0">
+            <a:schemeClr val="accent1"/>
+          </a:fillRef>
+          <a:effectRef idx="0">
+            <a:schemeClr val="accent1"/>
+          </a:effectRef>
+          <a:fontRef idx="minor">
+            <a:schemeClr val="tx1"/>
+          </a:fontRef>
+        </p:style>
+      </p:cxnSp>
+      <p:cxnSp>
+        <p:nvCxnSpPr>
+          <p:cNvPr id="188" name="Straight Connector 187"/>
+          <p:cNvCxnSpPr>
+            <a:stCxn id="15" idx="0"/>
+            <a:endCxn id="170" idx="4"/>
+          </p:cNvCxnSpPr>
+          <p:nvPr/>
+        </p:nvCxnSpPr>
+        <p:spPr>
+          <a:xfrm rot="16200000" flipV="1">
+            <a:off x="4339590" y="1558290"/>
+            <a:ext cx="30480" cy="53340"/>
+          </a:xfrm>
+          <a:prstGeom prst="line">
+            <a:avLst/>
+          </a:prstGeom>
+        </p:spPr>
+        <p:style>
+          <a:lnRef idx="1">
+            <a:schemeClr val="accent1"/>
+          </a:lnRef>
+          <a:fillRef idx="0">
+            <a:schemeClr val="accent1"/>
+          </a:fillRef>
+          <a:effectRef idx="0">
+            <a:schemeClr val="accent1"/>
+          </a:effectRef>
+          <a:fontRef idx="minor">
+            <a:schemeClr val="tx1"/>
+          </a:fontRef>
+        </p:style>
+      </p:cxnSp>
+      <p:cxnSp>
+        <p:nvCxnSpPr>
+          <p:cNvPr id="190" name="Straight Connector 189"/>
+          <p:cNvCxnSpPr>
+            <a:stCxn id="12" idx="0"/>
+            <a:endCxn id="171" idx="4"/>
+          </p:cNvCxnSpPr>
+          <p:nvPr/>
+        </p:nvCxnSpPr>
+        <p:spPr>
+          <a:xfrm rot="16200000" flipV="1">
+            <a:off x="5615940" y="1577340"/>
+            <a:ext cx="30480" cy="15240"/>
+          </a:xfrm>
+          <a:prstGeom prst="line">
+            <a:avLst/>
+          </a:prstGeom>
+        </p:spPr>
+        <p:style>
+          <a:lnRef idx="1">
+            <a:schemeClr val="accent1"/>
+          </a:lnRef>
+          <a:fillRef idx="0">
+            <a:schemeClr val="accent1"/>
+          </a:fillRef>
+          <a:effectRef idx="0">
+            <a:schemeClr val="accent1"/>
+          </a:effectRef>
+          <a:fontRef idx="minor">
+            <a:schemeClr val="tx1"/>
+          </a:fontRef>
+        </p:style>
+      </p:cxnSp>
+      <p:cxnSp>
+        <p:nvCxnSpPr>
+          <p:cNvPr id="192" name="Straight Connector 191"/>
+          <p:cNvCxnSpPr>
+            <a:stCxn id="14" idx="0"/>
+            <a:endCxn id="172" idx="4"/>
+          </p:cNvCxnSpPr>
+          <p:nvPr/>
+        </p:nvCxnSpPr>
+        <p:spPr>
+          <a:xfrm rot="5400000" flipH="1" flipV="1">
+            <a:off x="6892290" y="1573530"/>
+            <a:ext cx="30480" cy="22860"/>
+          </a:xfrm>
+          <a:prstGeom prst="line">
+            <a:avLst/>
+          </a:prstGeom>
+        </p:spPr>
+        <p:style>
+          <a:lnRef idx="1">
+            <a:schemeClr val="accent1"/>
+          </a:lnRef>
+          <a:fillRef idx="0">
+            <a:schemeClr val="accent1"/>
+          </a:fillRef>
+          <a:effectRef idx="0">
+            <a:schemeClr val="accent1"/>
+          </a:effectRef>
+          <a:fontRef idx="minor">
+            <a:schemeClr val="tx1"/>
+          </a:fontRef>
+        </p:style>
+      </p:cxnSp>
+      <p:cxnSp>
+        <p:nvCxnSpPr>
+          <p:cNvPr id="194" name="Straight Connector 193"/>
+          <p:cNvCxnSpPr>
+            <a:stCxn id="9" idx="0"/>
+            <a:endCxn id="173" idx="4"/>
+          </p:cNvCxnSpPr>
+          <p:nvPr/>
+        </p:nvCxnSpPr>
+        <p:spPr>
+          <a:xfrm rot="5400000" flipH="1" flipV="1">
+            <a:off x="8168640" y="1554480"/>
+            <a:ext cx="30480" cy="60960"/>
+          </a:xfrm>
+          <a:prstGeom prst="line">
+            <a:avLst/>
           </a:prstGeom>
         </p:spPr>
         <p:style>
@@ -8953,60 +10308,5599 @@
       </p:grpSpPr>
       <p:sp>
         <p:nvSpPr>
-          <p:cNvPr id="2" name="Title 1"/>
-          <p:cNvSpPr>
-            <a:spLocks noGrp="1"/>
-          </p:cNvSpPr>
-          <p:nvPr>
-            <p:ph type="title"/>
-          </p:nvPr>
-        </p:nvSpPr>
-        <p:spPr/>
-        <p:txBody>
-          <a:bodyPr/>
-          <a:lstStyle/>
-          <a:p>
-            <a:r>
-              <a:rPr lang="en-US" dirty="0" smtClean="0"/>
-              <a:t>Results of Runs</a:t>
+          <p:cNvPr id="4" name="Oval 3"/>
+          <p:cNvSpPr/>
+          <p:nvPr/>
+        </p:nvSpPr>
+        <p:spPr>
+          <a:xfrm>
+            <a:off x="3886200" y="0"/>
+            <a:ext cx="731520" cy="731520"/>
+          </a:xfrm>
+          <a:prstGeom prst="ellipse">
+            <a:avLst/>
+          </a:prstGeom>
+        </p:spPr>
+        <p:style>
+          <a:lnRef idx="2">
+            <a:schemeClr val="accent1">
+              <a:shade val="50000"/>
+            </a:schemeClr>
+          </a:lnRef>
+          <a:fillRef idx="1">
+            <a:schemeClr val="accent1"/>
+          </a:fillRef>
+          <a:effectRef idx="0">
+            <a:schemeClr val="accent1"/>
+          </a:effectRef>
+          <a:fontRef idx="minor">
+            <a:schemeClr val="lt1"/>
+          </a:fontRef>
+        </p:style>
+        <p:txBody>
+          <a:bodyPr rtlCol="0" anchor="ctr"/>
+          <a:lstStyle/>
+          <a:p>
+            <a:pPr algn="ctr"/>
+            <a:r>
+              <a:rPr lang="en-US" dirty="0" smtClean="0"/>
+              <a:t>5</a:t>
             </a:r>
             <a:endParaRPr lang="en-US" dirty="0"/>
           </a:p>
         </p:txBody>
       </p:sp>
-      <p:pic>
-        <p:nvPicPr>
-          <p:cNvPr id="1026" name="Picture 2"/>
-          <p:cNvPicPr>
-            <a:picLocks noChangeAspect="1" noChangeArrowheads="1"/>
-          </p:cNvPicPr>
-          <p:nvPr/>
-        </p:nvPicPr>
-        <p:blipFill>
-          <a:blip r:embed="rId2"/>
-          <a:srcRect/>
-          <a:stretch>
-            <a:fillRect/>
-          </a:stretch>
-        </p:blipFill>
-        <p:spPr bwMode="auto">
-          <a:xfrm>
-            <a:off x="1" y="1981200"/>
-            <a:ext cx="9144000" cy="2856411"/>
-          </a:xfrm>
-          <a:prstGeom prst="rect">
-            <a:avLst/>
-          </a:prstGeom>
-          <a:noFill/>
-          <a:ln w="9525">
-            <a:noFill/>
-            <a:miter lim="800000"/>
-            <a:headEnd/>
-            <a:tailEnd/>
+      <p:sp>
+        <p:nvSpPr>
+          <p:cNvPr id="9" name="Oval 8"/>
+          <p:cNvSpPr/>
+          <p:nvPr/>
+        </p:nvSpPr>
+        <p:spPr>
+          <a:xfrm>
+            <a:off x="7848600" y="1600200"/>
+            <a:ext cx="609600" cy="609600"/>
+          </a:xfrm>
+          <a:prstGeom prst="ellipse">
+            <a:avLst/>
+          </a:prstGeom>
+          <a:solidFill>
+            <a:schemeClr val="accent2">
+              <a:lumMod val="60000"/>
+              <a:lumOff val="40000"/>
+            </a:schemeClr>
+          </a:solidFill>
+          <a:ln>
+            <a:solidFill>
+              <a:schemeClr val="accent2">
+                <a:lumMod val="50000"/>
+              </a:schemeClr>
+            </a:solidFill>
           </a:ln>
-          <a:effectLst/>
-        </p:spPr>
-      </p:pic>
+        </p:spPr>
+        <p:style>
+          <a:lnRef idx="2">
+            <a:schemeClr val="accent1">
+              <a:shade val="50000"/>
+            </a:schemeClr>
+          </a:lnRef>
+          <a:fillRef idx="1">
+            <a:schemeClr val="accent1"/>
+          </a:fillRef>
+          <a:effectRef idx="0">
+            <a:schemeClr val="accent1"/>
+          </a:effectRef>
+          <a:fontRef idx="minor">
+            <a:schemeClr val="lt1"/>
+          </a:fontRef>
+        </p:style>
+        <p:txBody>
+          <a:bodyPr rtlCol="0" anchor="ctr"/>
+          <a:lstStyle/>
+          <a:p>
+            <a:pPr algn="ctr"/>
+            <a:r>
+              <a:rPr lang="en-US" dirty="0" smtClean="0"/>
+              <a:t>-9</a:t>
+            </a:r>
+            <a:endParaRPr lang="en-US" dirty="0"/>
+          </a:p>
+        </p:txBody>
+      </p:sp>
+      <p:sp>
+        <p:nvSpPr>
+          <p:cNvPr id="12" name="Oval 11"/>
+          <p:cNvSpPr/>
+          <p:nvPr/>
+        </p:nvSpPr>
+        <p:spPr>
+          <a:xfrm>
+            <a:off x="5334000" y="1600200"/>
+            <a:ext cx="609600" cy="609600"/>
+          </a:xfrm>
+          <a:prstGeom prst="ellipse">
+            <a:avLst/>
+          </a:prstGeom>
+          <a:solidFill>
+            <a:schemeClr val="accent2">
+              <a:lumMod val="60000"/>
+              <a:lumOff val="40000"/>
+            </a:schemeClr>
+          </a:solidFill>
+          <a:ln>
+            <a:solidFill>
+              <a:schemeClr val="accent2">
+                <a:lumMod val="50000"/>
+              </a:schemeClr>
+            </a:solidFill>
+          </a:ln>
+        </p:spPr>
+        <p:style>
+          <a:lnRef idx="2">
+            <a:schemeClr val="accent1">
+              <a:shade val="50000"/>
+            </a:schemeClr>
+          </a:lnRef>
+          <a:fillRef idx="1">
+            <a:schemeClr val="accent1"/>
+          </a:fillRef>
+          <a:effectRef idx="0">
+            <a:schemeClr val="accent1"/>
+          </a:effectRef>
+          <a:fontRef idx="minor">
+            <a:schemeClr val="lt1"/>
+          </a:fontRef>
+        </p:style>
+        <p:txBody>
+          <a:bodyPr rtlCol="0" anchor="ctr"/>
+          <a:lstStyle/>
+          <a:p>
+            <a:pPr algn="ctr"/>
+            <a:r>
+              <a:rPr lang="en-US" dirty="0" smtClean="0"/>
+              <a:t>-9</a:t>
+            </a:r>
+            <a:endParaRPr lang="en-US" dirty="0"/>
+          </a:p>
+        </p:txBody>
+      </p:sp>
+      <p:sp>
+        <p:nvSpPr>
+          <p:cNvPr id="13" name="Oval 12"/>
+          <p:cNvSpPr/>
+          <p:nvPr/>
+        </p:nvSpPr>
+        <p:spPr>
+          <a:xfrm>
+            <a:off x="2819400" y="1600200"/>
+            <a:ext cx="609600" cy="609600"/>
+          </a:xfrm>
+          <a:prstGeom prst="ellipse">
+            <a:avLst/>
+          </a:prstGeom>
+          <a:solidFill>
+            <a:schemeClr val="accent2">
+              <a:lumMod val="60000"/>
+              <a:lumOff val="40000"/>
+            </a:schemeClr>
+          </a:solidFill>
+          <a:ln>
+            <a:solidFill>
+              <a:schemeClr val="accent2">
+                <a:lumMod val="50000"/>
+              </a:schemeClr>
+            </a:solidFill>
+          </a:ln>
+        </p:spPr>
+        <p:style>
+          <a:lnRef idx="2">
+            <a:schemeClr val="accent1">
+              <a:shade val="50000"/>
+            </a:schemeClr>
+          </a:lnRef>
+          <a:fillRef idx="1">
+            <a:schemeClr val="accent1"/>
+          </a:fillRef>
+          <a:effectRef idx="0">
+            <a:schemeClr val="accent1"/>
+          </a:effectRef>
+          <a:fontRef idx="minor">
+            <a:schemeClr val="lt1"/>
+          </a:fontRef>
+        </p:style>
+        <p:txBody>
+          <a:bodyPr rtlCol="0" anchor="ctr"/>
+          <a:lstStyle/>
+          <a:p>
+            <a:pPr algn="ctr"/>
+            <a:r>
+              <a:rPr lang="en-US" dirty="0" smtClean="0"/>
+              <a:t>-6</a:t>
+            </a:r>
+            <a:endParaRPr lang="en-US" dirty="0"/>
+          </a:p>
+        </p:txBody>
+      </p:sp>
+      <p:sp>
+        <p:nvSpPr>
+          <p:cNvPr id="14" name="Oval 13"/>
+          <p:cNvSpPr/>
+          <p:nvPr/>
+        </p:nvSpPr>
+        <p:spPr>
+          <a:xfrm>
+            <a:off x="6591300" y="1600200"/>
+            <a:ext cx="609600" cy="609600"/>
+          </a:xfrm>
+          <a:prstGeom prst="ellipse">
+            <a:avLst/>
+          </a:prstGeom>
+          <a:solidFill>
+            <a:schemeClr val="accent2">
+              <a:lumMod val="60000"/>
+              <a:lumOff val="40000"/>
+            </a:schemeClr>
+          </a:solidFill>
+          <a:ln>
+            <a:solidFill>
+              <a:schemeClr val="accent2">
+                <a:lumMod val="50000"/>
+              </a:schemeClr>
+            </a:solidFill>
+          </a:ln>
+        </p:spPr>
+        <p:style>
+          <a:lnRef idx="2">
+            <a:schemeClr val="accent1">
+              <a:shade val="50000"/>
+            </a:schemeClr>
+          </a:lnRef>
+          <a:fillRef idx="1">
+            <a:schemeClr val="accent1"/>
+          </a:fillRef>
+          <a:effectRef idx="0">
+            <a:schemeClr val="accent1"/>
+          </a:effectRef>
+          <a:fontRef idx="minor">
+            <a:schemeClr val="lt1"/>
+          </a:fontRef>
+        </p:style>
+        <p:txBody>
+          <a:bodyPr rtlCol="0" anchor="ctr"/>
+          <a:lstStyle/>
+          <a:p>
+            <a:pPr algn="ctr"/>
+            <a:r>
+              <a:rPr lang="en-US" dirty="0" smtClean="0"/>
+              <a:t>-9</a:t>
+            </a:r>
+            <a:endParaRPr lang="en-US" dirty="0"/>
+          </a:p>
+        </p:txBody>
+      </p:sp>
+      <p:sp>
+        <p:nvSpPr>
+          <p:cNvPr id="15" name="Oval 14"/>
+          <p:cNvSpPr/>
+          <p:nvPr/>
+        </p:nvSpPr>
+        <p:spPr>
+          <a:xfrm>
+            <a:off x="4076700" y="1600200"/>
+            <a:ext cx="609600" cy="609600"/>
+          </a:xfrm>
+          <a:prstGeom prst="ellipse">
+            <a:avLst/>
+          </a:prstGeom>
+          <a:solidFill>
+            <a:schemeClr val="accent2">
+              <a:lumMod val="60000"/>
+              <a:lumOff val="40000"/>
+            </a:schemeClr>
+          </a:solidFill>
+          <a:ln>
+            <a:solidFill>
+              <a:schemeClr val="accent2">
+                <a:lumMod val="50000"/>
+              </a:schemeClr>
+            </a:solidFill>
+          </a:ln>
+        </p:spPr>
+        <p:style>
+          <a:lnRef idx="2">
+            <a:schemeClr val="accent1">
+              <a:shade val="50000"/>
+            </a:schemeClr>
+          </a:lnRef>
+          <a:fillRef idx="1">
+            <a:schemeClr val="accent1"/>
+          </a:fillRef>
+          <a:effectRef idx="0">
+            <a:schemeClr val="accent1"/>
+          </a:effectRef>
+          <a:fontRef idx="minor">
+            <a:schemeClr val="lt1"/>
+          </a:fontRef>
+        </p:style>
+        <p:txBody>
+          <a:bodyPr rtlCol="0" anchor="ctr"/>
+          <a:lstStyle/>
+          <a:p>
+            <a:pPr algn="ctr"/>
+            <a:r>
+              <a:rPr lang="en-US" dirty="0" smtClean="0"/>
+              <a:t>-7</a:t>
+            </a:r>
+            <a:endParaRPr lang="en-US" dirty="0"/>
+          </a:p>
+        </p:txBody>
+      </p:sp>
+      <p:sp>
+        <p:nvSpPr>
+          <p:cNvPr id="16" name="Oval 15"/>
+          <p:cNvSpPr/>
+          <p:nvPr/>
+        </p:nvSpPr>
+        <p:spPr>
+          <a:xfrm>
+            <a:off x="1562100" y="1600200"/>
+            <a:ext cx="609600" cy="609600"/>
+          </a:xfrm>
+          <a:prstGeom prst="ellipse">
+            <a:avLst/>
+          </a:prstGeom>
+          <a:solidFill>
+            <a:schemeClr val="accent2">
+              <a:lumMod val="60000"/>
+              <a:lumOff val="40000"/>
+            </a:schemeClr>
+          </a:solidFill>
+          <a:ln>
+            <a:solidFill>
+              <a:schemeClr val="accent2">
+                <a:lumMod val="50000"/>
+              </a:schemeClr>
+            </a:solidFill>
+          </a:ln>
+        </p:spPr>
+        <p:style>
+          <a:lnRef idx="2">
+            <a:schemeClr val="accent1">
+              <a:shade val="50000"/>
+            </a:schemeClr>
+          </a:lnRef>
+          <a:fillRef idx="1">
+            <a:schemeClr val="accent1"/>
+          </a:fillRef>
+          <a:effectRef idx="0">
+            <a:schemeClr val="accent1"/>
+          </a:effectRef>
+          <a:fontRef idx="minor">
+            <a:schemeClr val="lt1"/>
+          </a:fontRef>
+        </p:style>
+        <p:txBody>
+          <a:bodyPr rtlCol="0" anchor="ctr"/>
+          <a:lstStyle/>
+          <a:p>
+            <a:pPr algn="ctr"/>
+            <a:r>
+              <a:rPr lang="en-US" dirty="0" smtClean="0"/>
+              <a:t>-7</a:t>
+            </a:r>
+            <a:endParaRPr lang="en-US" dirty="0"/>
+          </a:p>
+        </p:txBody>
+      </p:sp>
+      <p:sp>
+        <p:nvSpPr>
+          <p:cNvPr id="17" name="Oval 16"/>
+          <p:cNvSpPr/>
+          <p:nvPr/>
+        </p:nvSpPr>
+        <p:spPr>
+          <a:xfrm>
+            <a:off x="304800" y="1600200"/>
+            <a:ext cx="609600" cy="609600"/>
+          </a:xfrm>
+          <a:prstGeom prst="ellipse">
+            <a:avLst/>
+          </a:prstGeom>
+          <a:solidFill>
+            <a:schemeClr val="accent2">
+              <a:lumMod val="60000"/>
+              <a:lumOff val="40000"/>
+            </a:schemeClr>
+          </a:solidFill>
+          <a:ln>
+            <a:solidFill>
+              <a:schemeClr val="accent2">
+                <a:lumMod val="50000"/>
+              </a:schemeClr>
+            </a:solidFill>
+          </a:ln>
+        </p:spPr>
+        <p:style>
+          <a:lnRef idx="2">
+            <a:schemeClr val="accent1">
+              <a:shade val="50000"/>
+            </a:schemeClr>
+          </a:lnRef>
+          <a:fillRef idx="1">
+            <a:schemeClr val="accent1"/>
+          </a:fillRef>
+          <a:effectRef idx="0">
+            <a:schemeClr val="accent1"/>
+          </a:effectRef>
+          <a:fontRef idx="minor">
+            <a:schemeClr val="lt1"/>
+          </a:fontRef>
+        </p:style>
+        <p:txBody>
+          <a:bodyPr rtlCol="0" anchor="ctr"/>
+          <a:lstStyle/>
+          <a:p>
+            <a:pPr algn="ctr"/>
+            <a:r>
+              <a:rPr lang="en-US" dirty="0" smtClean="0"/>
+              <a:t>-8</a:t>
+            </a:r>
+            <a:endParaRPr lang="en-US" dirty="0"/>
+          </a:p>
+        </p:txBody>
+      </p:sp>
+      <p:cxnSp>
+        <p:nvCxnSpPr>
+          <p:cNvPr id="19" name="Straight Connector 18"/>
+          <p:cNvCxnSpPr>
+            <a:stCxn id="4" idx="4"/>
+            <a:endCxn id="166" idx="0"/>
+          </p:cNvCxnSpPr>
+          <p:nvPr/>
+        </p:nvCxnSpPr>
+        <p:spPr>
+          <a:xfrm rot="5400000">
+            <a:off x="2369820" y="-1043940"/>
+            <a:ext cx="106680" cy="3657600"/>
+          </a:xfrm>
+          <a:prstGeom prst="line">
+            <a:avLst/>
+          </a:prstGeom>
+        </p:spPr>
+        <p:style>
+          <a:lnRef idx="1">
+            <a:schemeClr val="accent1"/>
+          </a:lnRef>
+          <a:fillRef idx="0">
+            <a:schemeClr val="accent1"/>
+          </a:fillRef>
+          <a:effectRef idx="0">
+            <a:schemeClr val="accent1"/>
+          </a:effectRef>
+          <a:fontRef idx="minor">
+            <a:schemeClr val="tx1"/>
+          </a:fontRef>
+        </p:style>
+      </p:cxnSp>
+      <p:cxnSp>
+        <p:nvCxnSpPr>
+          <p:cNvPr id="21" name="Straight Connector 20"/>
+          <p:cNvCxnSpPr>
+            <a:stCxn id="168" idx="0"/>
+            <a:endCxn id="4" idx="4"/>
+          </p:cNvCxnSpPr>
+          <p:nvPr/>
+        </p:nvCxnSpPr>
+        <p:spPr>
+          <a:xfrm rot="5400000" flipH="1" flipV="1">
+            <a:off x="3017520" y="-396240"/>
+            <a:ext cx="106680" cy="2362200"/>
+          </a:xfrm>
+          <a:prstGeom prst="line">
+            <a:avLst/>
+          </a:prstGeom>
+        </p:spPr>
+        <p:style>
+          <a:lnRef idx="1">
+            <a:schemeClr val="accent1"/>
+          </a:lnRef>
+          <a:fillRef idx="0">
+            <a:schemeClr val="accent1"/>
+          </a:fillRef>
+          <a:effectRef idx="0">
+            <a:schemeClr val="accent1"/>
+          </a:effectRef>
+          <a:fontRef idx="minor">
+            <a:schemeClr val="tx1"/>
+          </a:fontRef>
+        </p:style>
+      </p:cxnSp>
+      <p:cxnSp>
+        <p:nvCxnSpPr>
+          <p:cNvPr id="23" name="Straight Connector 22"/>
+          <p:cNvCxnSpPr>
+            <a:stCxn id="4" idx="4"/>
+            <a:endCxn id="170" idx="0"/>
+          </p:cNvCxnSpPr>
+          <p:nvPr/>
+        </p:nvCxnSpPr>
+        <p:spPr>
+          <a:xfrm rot="16200000" flipH="1">
+            <a:off x="4236720" y="746760"/>
+            <a:ext cx="106680" cy="76200"/>
+          </a:xfrm>
+          <a:prstGeom prst="line">
+            <a:avLst/>
+          </a:prstGeom>
+        </p:spPr>
+        <p:style>
+          <a:lnRef idx="1">
+            <a:schemeClr val="accent1"/>
+          </a:lnRef>
+          <a:fillRef idx="0">
+            <a:schemeClr val="accent1"/>
+          </a:fillRef>
+          <a:effectRef idx="0">
+            <a:schemeClr val="accent1"/>
+          </a:effectRef>
+          <a:fontRef idx="minor">
+            <a:schemeClr val="tx1"/>
+          </a:fontRef>
+        </p:style>
+      </p:cxnSp>
+      <p:cxnSp>
+        <p:nvCxnSpPr>
+          <p:cNvPr id="25" name="Straight Connector 24"/>
+          <p:cNvCxnSpPr>
+            <a:stCxn id="169" idx="0"/>
+            <a:endCxn id="4" idx="4"/>
+          </p:cNvCxnSpPr>
+          <p:nvPr/>
+        </p:nvCxnSpPr>
+        <p:spPr>
+          <a:xfrm rot="5400000" flipH="1" flipV="1">
+            <a:off x="3665220" y="251460"/>
+            <a:ext cx="106680" cy="1066800"/>
+          </a:xfrm>
+          <a:prstGeom prst="line">
+            <a:avLst/>
+          </a:prstGeom>
+        </p:spPr>
+        <p:style>
+          <a:lnRef idx="1">
+            <a:schemeClr val="accent1"/>
+          </a:lnRef>
+          <a:fillRef idx="0">
+            <a:schemeClr val="accent1"/>
+          </a:fillRef>
+          <a:effectRef idx="0">
+            <a:schemeClr val="accent1"/>
+          </a:effectRef>
+          <a:fontRef idx="minor">
+            <a:schemeClr val="tx1"/>
+          </a:fontRef>
+        </p:style>
+      </p:cxnSp>
+      <p:cxnSp>
+        <p:nvCxnSpPr>
+          <p:cNvPr id="27" name="Straight Connector 26"/>
+          <p:cNvCxnSpPr>
+            <a:stCxn id="171" idx="0"/>
+            <a:endCxn id="4" idx="4"/>
+          </p:cNvCxnSpPr>
+          <p:nvPr/>
+        </p:nvCxnSpPr>
+        <p:spPr>
+          <a:xfrm rot="16200000" flipV="1">
+            <a:off x="4884420" y="99060"/>
+            <a:ext cx="106680" cy="1371600"/>
+          </a:xfrm>
+          <a:prstGeom prst="line">
+            <a:avLst/>
+          </a:prstGeom>
+        </p:spPr>
+        <p:style>
+          <a:lnRef idx="1">
+            <a:schemeClr val="accent1"/>
+          </a:lnRef>
+          <a:fillRef idx="0">
+            <a:schemeClr val="accent1"/>
+          </a:fillRef>
+          <a:effectRef idx="0">
+            <a:schemeClr val="accent1"/>
+          </a:effectRef>
+          <a:fontRef idx="minor">
+            <a:schemeClr val="tx1"/>
+          </a:fontRef>
+        </p:style>
+      </p:cxnSp>
+      <p:cxnSp>
+        <p:nvCxnSpPr>
+          <p:cNvPr id="29" name="Straight Connector 28"/>
+          <p:cNvCxnSpPr>
+            <a:stCxn id="172" idx="0"/>
+            <a:endCxn id="4" idx="4"/>
+          </p:cNvCxnSpPr>
+          <p:nvPr/>
+        </p:nvCxnSpPr>
+        <p:spPr>
+          <a:xfrm rot="16200000" flipV="1">
+            <a:off x="5532120" y="-548640"/>
+            <a:ext cx="106680" cy="2667000"/>
+          </a:xfrm>
+          <a:prstGeom prst="line">
+            <a:avLst/>
+          </a:prstGeom>
+        </p:spPr>
+        <p:style>
+          <a:lnRef idx="1">
+            <a:schemeClr val="accent1"/>
+          </a:lnRef>
+          <a:fillRef idx="0">
+            <a:schemeClr val="accent1"/>
+          </a:fillRef>
+          <a:effectRef idx="0">
+            <a:schemeClr val="accent1"/>
+          </a:effectRef>
+          <a:fontRef idx="minor">
+            <a:schemeClr val="tx1"/>
+          </a:fontRef>
+        </p:style>
+      </p:cxnSp>
+      <p:cxnSp>
+        <p:nvCxnSpPr>
+          <p:cNvPr id="31" name="Straight Connector 30"/>
+          <p:cNvCxnSpPr>
+            <a:stCxn id="173" idx="0"/>
+            <a:endCxn id="4" idx="4"/>
+          </p:cNvCxnSpPr>
+          <p:nvPr/>
+        </p:nvCxnSpPr>
+        <p:spPr>
+          <a:xfrm rot="16200000" flipV="1">
+            <a:off x="6179820" y="-1196340"/>
+            <a:ext cx="106680" cy="3962400"/>
+          </a:xfrm>
+          <a:prstGeom prst="line">
+            <a:avLst/>
+          </a:prstGeom>
+        </p:spPr>
+        <p:style>
+          <a:lnRef idx="1">
+            <a:schemeClr val="accent1"/>
+          </a:lnRef>
+          <a:fillRef idx="0">
+            <a:schemeClr val="accent1"/>
+          </a:fillRef>
+          <a:effectRef idx="0">
+            <a:schemeClr val="accent1"/>
+          </a:effectRef>
+          <a:fontRef idx="minor">
+            <a:schemeClr val="tx1"/>
+          </a:fontRef>
+        </p:style>
+      </p:cxnSp>
+      <p:sp>
+        <p:nvSpPr>
+          <p:cNvPr id="39" name="Oval 38"/>
+          <p:cNvSpPr/>
+          <p:nvPr/>
+        </p:nvSpPr>
+        <p:spPr>
+          <a:xfrm>
+            <a:off x="304800" y="2362200"/>
+            <a:ext cx="533400" cy="533400"/>
+          </a:xfrm>
+          <a:prstGeom prst="ellipse">
+            <a:avLst/>
+          </a:prstGeom>
+          <a:solidFill>
+            <a:schemeClr val="accent2">
+              <a:lumMod val="40000"/>
+              <a:lumOff val="60000"/>
+            </a:schemeClr>
+          </a:solidFill>
+          <a:ln>
+            <a:solidFill>
+              <a:schemeClr val="accent2">
+                <a:lumMod val="50000"/>
+              </a:schemeClr>
+            </a:solidFill>
+          </a:ln>
+        </p:spPr>
+        <p:style>
+          <a:lnRef idx="2">
+            <a:schemeClr val="accent1">
+              <a:shade val="50000"/>
+            </a:schemeClr>
+          </a:lnRef>
+          <a:fillRef idx="1">
+            <a:schemeClr val="accent1"/>
+          </a:fillRef>
+          <a:effectRef idx="0">
+            <a:schemeClr val="accent1"/>
+          </a:effectRef>
+          <a:fontRef idx="minor">
+            <a:schemeClr val="lt1"/>
+          </a:fontRef>
+        </p:style>
+        <p:txBody>
+          <a:bodyPr rtlCol="0" anchor="ctr"/>
+          <a:lstStyle/>
+          <a:p>
+            <a:pPr algn="ctr"/>
+            <a:r>
+              <a:rPr lang="en-US" dirty="0" smtClean="0"/>
+              <a:t>-5</a:t>
+            </a:r>
+            <a:endParaRPr lang="en-US" dirty="0"/>
+          </a:p>
+        </p:txBody>
+      </p:sp>
+      <p:sp>
+        <p:nvSpPr>
+          <p:cNvPr id="40" name="Oval 39"/>
+          <p:cNvSpPr/>
+          <p:nvPr/>
+        </p:nvSpPr>
+        <p:spPr>
+          <a:xfrm>
+            <a:off x="304800" y="2959100"/>
+            <a:ext cx="533400" cy="533400"/>
+          </a:xfrm>
+          <a:prstGeom prst="ellipse">
+            <a:avLst/>
+          </a:prstGeom>
+          <a:solidFill>
+            <a:schemeClr val="accent2">
+              <a:lumMod val="40000"/>
+              <a:lumOff val="60000"/>
+            </a:schemeClr>
+          </a:solidFill>
+          <a:ln>
+            <a:solidFill>
+              <a:schemeClr val="accent2">
+                <a:lumMod val="50000"/>
+              </a:schemeClr>
+            </a:solidFill>
+          </a:ln>
+        </p:spPr>
+        <p:style>
+          <a:lnRef idx="2">
+            <a:schemeClr val="accent1">
+              <a:shade val="50000"/>
+            </a:schemeClr>
+          </a:lnRef>
+          <a:fillRef idx="1">
+            <a:schemeClr val="accent1"/>
+          </a:fillRef>
+          <a:effectRef idx="0">
+            <a:schemeClr val="accent1"/>
+          </a:effectRef>
+          <a:fontRef idx="minor">
+            <a:schemeClr val="lt1"/>
+          </a:fontRef>
+        </p:style>
+        <p:txBody>
+          <a:bodyPr rtlCol="0" anchor="ctr"/>
+          <a:lstStyle/>
+          <a:p>
+            <a:pPr algn="ctr"/>
+            <a:r>
+              <a:rPr lang="en-US" dirty="0" smtClean="0"/>
+              <a:t>-1</a:t>
+            </a:r>
+            <a:endParaRPr lang="en-US" dirty="0"/>
+          </a:p>
+        </p:txBody>
+      </p:sp>
+      <p:sp>
+        <p:nvSpPr>
+          <p:cNvPr id="41" name="Oval 40"/>
+          <p:cNvSpPr/>
+          <p:nvPr/>
+        </p:nvSpPr>
+        <p:spPr>
+          <a:xfrm>
+            <a:off x="304800" y="3556000"/>
+            <a:ext cx="533400" cy="533400"/>
+          </a:xfrm>
+          <a:prstGeom prst="ellipse">
+            <a:avLst/>
+          </a:prstGeom>
+          <a:solidFill>
+            <a:schemeClr val="accent2">
+              <a:lumMod val="40000"/>
+              <a:lumOff val="60000"/>
+            </a:schemeClr>
+          </a:solidFill>
+          <a:ln>
+            <a:solidFill>
+              <a:schemeClr val="accent2">
+                <a:lumMod val="50000"/>
+              </a:schemeClr>
+            </a:solidFill>
+          </a:ln>
+        </p:spPr>
+        <p:style>
+          <a:lnRef idx="2">
+            <a:schemeClr val="accent1">
+              <a:shade val="50000"/>
+            </a:schemeClr>
+          </a:lnRef>
+          <a:fillRef idx="1">
+            <a:schemeClr val="accent1"/>
+          </a:fillRef>
+          <a:effectRef idx="0">
+            <a:schemeClr val="accent1"/>
+          </a:effectRef>
+          <a:fontRef idx="minor">
+            <a:schemeClr val="lt1"/>
+          </a:fontRef>
+        </p:style>
+        <p:txBody>
+          <a:bodyPr rtlCol="0" anchor="ctr"/>
+          <a:lstStyle/>
+          <a:p>
+            <a:pPr algn="ctr"/>
+            <a:r>
+              <a:rPr lang="en-US" dirty="0" smtClean="0"/>
+              <a:t>-8</a:t>
+            </a:r>
+            <a:endParaRPr lang="en-US" dirty="0"/>
+          </a:p>
+        </p:txBody>
+      </p:sp>
+      <p:sp>
+        <p:nvSpPr>
+          <p:cNvPr id="42" name="Oval 41"/>
+          <p:cNvSpPr/>
+          <p:nvPr/>
+        </p:nvSpPr>
+        <p:spPr>
+          <a:xfrm>
+            <a:off x="304800" y="4152900"/>
+            <a:ext cx="533400" cy="533400"/>
+          </a:xfrm>
+          <a:prstGeom prst="ellipse">
+            <a:avLst/>
+          </a:prstGeom>
+          <a:solidFill>
+            <a:schemeClr val="accent2">
+              <a:lumMod val="40000"/>
+              <a:lumOff val="60000"/>
+            </a:schemeClr>
+          </a:solidFill>
+          <a:ln>
+            <a:solidFill>
+              <a:schemeClr val="accent2">
+                <a:lumMod val="50000"/>
+              </a:schemeClr>
+            </a:solidFill>
+          </a:ln>
+        </p:spPr>
+        <p:style>
+          <a:lnRef idx="2">
+            <a:schemeClr val="accent1">
+              <a:shade val="50000"/>
+            </a:schemeClr>
+          </a:lnRef>
+          <a:fillRef idx="1">
+            <a:schemeClr val="accent1"/>
+          </a:fillRef>
+          <a:effectRef idx="0">
+            <a:schemeClr val="accent1"/>
+          </a:effectRef>
+          <a:fontRef idx="minor">
+            <a:schemeClr val="lt1"/>
+          </a:fontRef>
+        </p:style>
+        <p:txBody>
+          <a:bodyPr rtlCol="0" anchor="ctr"/>
+          <a:lstStyle/>
+          <a:p>
+            <a:pPr algn="ctr"/>
+            <a:r>
+              <a:rPr lang="en-US" dirty="0" smtClean="0"/>
+              <a:t>-6</a:t>
+            </a:r>
+            <a:endParaRPr lang="en-US" dirty="0"/>
+          </a:p>
+        </p:txBody>
+      </p:sp>
+      <p:sp>
+        <p:nvSpPr>
+          <p:cNvPr id="43" name="Oval 42"/>
+          <p:cNvSpPr/>
+          <p:nvPr/>
+        </p:nvSpPr>
+        <p:spPr>
+          <a:xfrm>
+            <a:off x="304800" y="4749800"/>
+            <a:ext cx="533400" cy="533400"/>
+          </a:xfrm>
+          <a:prstGeom prst="ellipse">
+            <a:avLst/>
+          </a:prstGeom>
+          <a:solidFill>
+            <a:schemeClr val="accent2">
+              <a:lumMod val="40000"/>
+              <a:lumOff val="60000"/>
+            </a:schemeClr>
+          </a:solidFill>
+          <a:ln>
+            <a:solidFill>
+              <a:schemeClr val="accent2">
+                <a:lumMod val="50000"/>
+              </a:schemeClr>
+            </a:solidFill>
+          </a:ln>
+        </p:spPr>
+        <p:style>
+          <a:lnRef idx="2">
+            <a:schemeClr val="accent1">
+              <a:shade val="50000"/>
+            </a:schemeClr>
+          </a:lnRef>
+          <a:fillRef idx="1">
+            <a:schemeClr val="accent1"/>
+          </a:fillRef>
+          <a:effectRef idx="0">
+            <a:schemeClr val="accent1"/>
+          </a:effectRef>
+          <a:fontRef idx="minor">
+            <a:schemeClr val="lt1"/>
+          </a:fontRef>
+        </p:style>
+        <p:txBody>
+          <a:bodyPr rtlCol="0" anchor="ctr"/>
+          <a:lstStyle/>
+          <a:p>
+            <a:pPr algn="ctr"/>
+            <a:r>
+              <a:rPr lang="en-US" dirty="0" smtClean="0"/>
+              <a:t>-7</a:t>
+            </a:r>
+            <a:endParaRPr lang="en-US" dirty="0"/>
+          </a:p>
+        </p:txBody>
+      </p:sp>
+      <p:sp>
+        <p:nvSpPr>
+          <p:cNvPr id="44" name="Oval 43"/>
+          <p:cNvSpPr/>
+          <p:nvPr/>
+        </p:nvSpPr>
+        <p:spPr>
+          <a:xfrm>
+            <a:off x="304800" y="5346700"/>
+            <a:ext cx="533400" cy="533400"/>
+          </a:xfrm>
+          <a:prstGeom prst="ellipse">
+            <a:avLst/>
+          </a:prstGeom>
+          <a:solidFill>
+            <a:schemeClr val="accent2">
+              <a:lumMod val="40000"/>
+              <a:lumOff val="60000"/>
+            </a:schemeClr>
+          </a:solidFill>
+          <a:ln>
+            <a:solidFill>
+              <a:schemeClr val="accent2">
+                <a:lumMod val="50000"/>
+              </a:schemeClr>
+            </a:solidFill>
+          </a:ln>
+        </p:spPr>
+        <p:style>
+          <a:lnRef idx="2">
+            <a:schemeClr val="accent1">
+              <a:shade val="50000"/>
+            </a:schemeClr>
+          </a:lnRef>
+          <a:fillRef idx="1">
+            <a:schemeClr val="accent1"/>
+          </a:fillRef>
+          <a:effectRef idx="0">
+            <a:schemeClr val="accent1"/>
+          </a:effectRef>
+          <a:fontRef idx="minor">
+            <a:schemeClr val="lt1"/>
+          </a:fontRef>
+        </p:style>
+        <p:txBody>
+          <a:bodyPr rtlCol="0" anchor="ctr"/>
+          <a:lstStyle/>
+          <a:p>
+            <a:pPr algn="ctr"/>
+            <a:r>
+              <a:rPr lang="en-US" dirty="0" smtClean="0"/>
+              <a:t>-8</a:t>
+            </a:r>
+            <a:endParaRPr lang="en-US" dirty="0"/>
+          </a:p>
+        </p:txBody>
+      </p:sp>
+      <p:sp>
+        <p:nvSpPr>
+          <p:cNvPr id="45" name="Oval 44"/>
+          <p:cNvSpPr/>
+          <p:nvPr/>
+        </p:nvSpPr>
+        <p:spPr>
+          <a:xfrm>
+            <a:off x="304800" y="5943600"/>
+            <a:ext cx="533400" cy="533400"/>
+          </a:xfrm>
+          <a:prstGeom prst="ellipse">
+            <a:avLst/>
+          </a:prstGeom>
+          <a:solidFill>
+            <a:schemeClr val="accent2">
+              <a:lumMod val="40000"/>
+              <a:lumOff val="60000"/>
+            </a:schemeClr>
+          </a:solidFill>
+          <a:ln>
+            <a:solidFill>
+              <a:schemeClr val="accent2">
+                <a:lumMod val="50000"/>
+              </a:schemeClr>
+            </a:solidFill>
+          </a:ln>
+        </p:spPr>
+        <p:style>
+          <a:lnRef idx="2">
+            <a:schemeClr val="accent1">
+              <a:shade val="50000"/>
+            </a:schemeClr>
+          </a:lnRef>
+          <a:fillRef idx="1">
+            <a:schemeClr val="accent1"/>
+          </a:fillRef>
+          <a:effectRef idx="0">
+            <a:schemeClr val="accent1"/>
+          </a:effectRef>
+          <a:fontRef idx="minor">
+            <a:schemeClr val="lt1"/>
+          </a:fontRef>
+        </p:style>
+        <p:txBody>
+          <a:bodyPr rtlCol="0" anchor="ctr"/>
+          <a:lstStyle/>
+          <a:p>
+            <a:pPr algn="ctr"/>
+            <a:r>
+              <a:rPr lang="en-US" dirty="0" smtClean="0"/>
+              <a:t>-1</a:t>
+            </a:r>
+            <a:endParaRPr lang="en-US" dirty="0"/>
+          </a:p>
+        </p:txBody>
+      </p:sp>
+      <p:sp>
+        <p:nvSpPr>
+          <p:cNvPr id="50" name="Oval 49"/>
+          <p:cNvSpPr/>
+          <p:nvPr/>
+        </p:nvSpPr>
+        <p:spPr>
+          <a:xfrm>
+            <a:off x="1600200" y="2362200"/>
+            <a:ext cx="533400" cy="533400"/>
+          </a:xfrm>
+          <a:prstGeom prst="ellipse">
+            <a:avLst/>
+          </a:prstGeom>
+          <a:solidFill>
+            <a:schemeClr val="accent2">
+              <a:lumMod val="40000"/>
+              <a:lumOff val="60000"/>
+            </a:schemeClr>
+          </a:solidFill>
+          <a:ln>
+            <a:solidFill>
+              <a:schemeClr val="accent2">
+                <a:lumMod val="50000"/>
+              </a:schemeClr>
+            </a:solidFill>
+          </a:ln>
+        </p:spPr>
+        <p:style>
+          <a:lnRef idx="2">
+            <a:schemeClr val="accent1">
+              <a:shade val="50000"/>
+            </a:schemeClr>
+          </a:lnRef>
+          <a:fillRef idx="1">
+            <a:schemeClr val="accent1"/>
+          </a:fillRef>
+          <a:effectRef idx="0">
+            <a:schemeClr val="accent1"/>
+          </a:effectRef>
+          <a:fontRef idx="minor">
+            <a:schemeClr val="lt1"/>
+          </a:fontRef>
+        </p:style>
+        <p:txBody>
+          <a:bodyPr rtlCol="0" anchor="ctr"/>
+          <a:lstStyle/>
+          <a:p>
+            <a:pPr algn="ctr"/>
+            <a:r>
+              <a:rPr lang="en-US" dirty="0" smtClean="0"/>
+              <a:t>-7</a:t>
+            </a:r>
+            <a:endParaRPr lang="en-US" dirty="0"/>
+          </a:p>
+        </p:txBody>
+      </p:sp>
+      <p:sp>
+        <p:nvSpPr>
+          <p:cNvPr id="51" name="Oval 50"/>
+          <p:cNvSpPr/>
+          <p:nvPr/>
+        </p:nvSpPr>
+        <p:spPr>
+          <a:xfrm>
+            <a:off x="1600200" y="2959100"/>
+            <a:ext cx="533400" cy="533400"/>
+          </a:xfrm>
+          <a:prstGeom prst="ellipse">
+            <a:avLst/>
+          </a:prstGeom>
+          <a:solidFill>
+            <a:schemeClr val="accent2">
+              <a:lumMod val="40000"/>
+              <a:lumOff val="60000"/>
+            </a:schemeClr>
+          </a:solidFill>
+          <a:ln>
+            <a:solidFill>
+              <a:schemeClr val="accent2">
+                <a:lumMod val="50000"/>
+              </a:schemeClr>
+            </a:solidFill>
+          </a:ln>
+        </p:spPr>
+        <p:style>
+          <a:lnRef idx="2">
+            <a:schemeClr val="accent1">
+              <a:shade val="50000"/>
+            </a:schemeClr>
+          </a:lnRef>
+          <a:fillRef idx="1">
+            <a:schemeClr val="accent1"/>
+          </a:fillRef>
+          <a:effectRef idx="0">
+            <a:schemeClr val="accent1"/>
+          </a:effectRef>
+          <a:fontRef idx="minor">
+            <a:schemeClr val="lt1"/>
+          </a:fontRef>
+        </p:style>
+        <p:txBody>
+          <a:bodyPr rtlCol="0" anchor="ctr"/>
+          <a:lstStyle/>
+          <a:p>
+            <a:pPr algn="ctr"/>
+            <a:r>
+              <a:rPr lang="en-US" dirty="0" smtClean="0"/>
+              <a:t>-3</a:t>
+            </a:r>
+            <a:endParaRPr lang="en-US" dirty="0"/>
+          </a:p>
+        </p:txBody>
+      </p:sp>
+      <p:sp>
+        <p:nvSpPr>
+          <p:cNvPr id="52" name="Oval 51"/>
+          <p:cNvSpPr/>
+          <p:nvPr/>
+        </p:nvSpPr>
+        <p:spPr>
+          <a:xfrm>
+            <a:off x="1600200" y="3556000"/>
+            <a:ext cx="533400" cy="533400"/>
+          </a:xfrm>
+          <a:prstGeom prst="ellipse">
+            <a:avLst/>
+          </a:prstGeom>
+          <a:solidFill>
+            <a:schemeClr val="accent2">
+              <a:lumMod val="40000"/>
+              <a:lumOff val="60000"/>
+            </a:schemeClr>
+          </a:solidFill>
+          <a:ln>
+            <a:solidFill>
+              <a:schemeClr val="accent2">
+                <a:lumMod val="50000"/>
+              </a:schemeClr>
+            </a:solidFill>
+          </a:ln>
+        </p:spPr>
+        <p:style>
+          <a:lnRef idx="2">
+            <a:schemeClr val="accent1">
+              <a:shade val="50000"/>
+            </a:schemeClr>
+          </a:lnRef>
+          <a:fillRef idx="1">
+            <a:schemeClr val="accent1"/>
+          </a:fillRef>
+          <a:effectRef idx="0">
+            <a:schemeClr val="accent1"/>
+          </a:effectRef>
+          <a:fontRef idx="minor">
+            <a:schemeClr val="lt1"/>
+          </a:fontRef>
+        </p:style>
+        <p:txBody>
+          <a:bodyPr rtlCol="0" anchor="ctr"/>
+          <a:lstStyle/>
+          <a:p>
+            <a:pPr algn="ctr"/>
+            <a:r>
+              <a:rPr lang="en-US" dirty="0" smtClean="0"/>
+              <a:t>-4</a:t>
+            </a:r>
+            <a:endParaRPr lang="en-US" dirty="0"/>
+          </a:p>
+        </p:txBody>
+      </p:sp>
+      <p:sp>
+        <p:nvSpPr>
+          <p:cNvPr id="53" name="Oval 52"/>
+          <p:cNvSpPr/>
+          <p:nvPr/>
+        </p:nvSpPr>
+        <p:spPr>
+          <a:xfrm>
+            <a:off x="1600200" y="4152900"/>
+            <a:ext cx="533400" cy="533400"/>
+          </a:xfrm>
+          <a:prstGeom prst="ellipse">
+            <a:avLst/>
+          </a:prstGeom>
+          <a:solidFill>
+            <a:schemeClr val="accent2">
+              <a:lumMod val="40000"/>
+              <a:lumOff val="60000"/>
+            </a:schemeClr>
+          </a:solidFill>
+          <a:ln>
+            <a:solidFill>
+              <a:schemeClr val="accent2">
+                <a:lumMod val="50000"/>
+              </a:schemeClr>
+            </a:solidFill>
+          </a:ln>
+        </p:spPr>
+        <p:style>
+          <a:lnRef idx="2">
+            <a:schemeClr val="accent1">
+              <a:shade val="50000"/>
+            </a:schemeClr>
+          </a:lnRef>
+          <a:fillRef idx="1">
+            <a:schemeClr val="accent1"/>
+          </a:fillRef>
+          <a:effectRef idx="0">
+            <a:schemeClr val="accent1"/>
+          </a:effectRef>
+          <a:fontRef idx="minor">
+            <a:schemeClr val="lt1"/>
+          </a:fontRef>
+        </p:style>
+        <p:txBody>
+          <a:bodyPr rtlCol="0" anchor="ctr"/>
+          <a:lstStyle/>
+          <a:p>
+            <a:pPr algn="ctr"/>
+            <a:r>
+              <a:rPr lang="en-US" dirty="0" smtClean="0"/>
+              <a:t>-2</a:t>
+            </a:r>
+            <a:endParaRPr lang="en-US" dirty="0"/>
+          </a:p>
+        </p:txBody>
+      </p:sp>
+      <p:sp>
+        <p:nvSpPr>
+          <p:cNvPr id="54" name="Oval 53"/>
+          <p:cNvSpPr/>
+          <p:nvPr/>
+        </p:nvSpPr>
+        <p:spPr>
+          <a:xfrm>
+            <a:off x="1600200" y="4749800"/>
+            <a:ext cx="533400" cy="533400"/>
+          </a:xfrm>
+          <a:prstGeom prst="ellipse">
+            <a:avLst/>
+          </a:prstGeom>
+          <a:solidFill>
+            <a:schemeClr val="accent2">
+              <a:lumMod val="40000"/>
+              <a:lumOff val="60000"/>
+            </a:schemeClr>
+          </a:solidFill>
+          <a:ln>
+            <a:solidFill>
+              <a:schemeClr val="accent2">
+                <a:lumMod val="50000"/>
+              </a:schemeClr>
+            </a:solidFill>
+          </a:ln>
+        </p:spPr>
+        <p:style>
+          <a:lnRef idx="2">
+            <a:schemeClr val="accent1">
+              <a:shade val="50000"/>
+            </a:schemeClr>
+          </a:lnRef>
+          <a:fillRef idx="1">
+            <a:schemeClr val="accent1"/>
+          </a:fillRef>
+          <a:effectRef idx="0">
+            <a:schemeClr val="accent1"/>
+          </a:effectRef>
+          <a:fontRef idx="minor">
+            <a:schemeClr val="lt1"/>
+          </a:fontRef>
+        </p:style>
+        <p:txBody>
+          <a:bodyPr rtlCol="0" anchor="ctr"/>
+          <a:lstStyle/>
+          <a:p>
+            <a:pPr algn="ctr"/>
+            <a:r>
+              <a:rPr lang="en-US" dirty="0" smtClean="0"/>
+              <a:t>1</a:t>
+            </a:r>
+            <a:endParaRPr lang="en-US" dirty="0"/>
+          </a:p>
+        </p:txBody>
+      </p:sp>
+      <p:sp>
+        <p:nvSpPr>
+          <p:cNvPr id="55" name="Oval 54"/>
+          <p:cNvSpPr/>
+          <p:nvPr/>
+        </p:nvSpPr>
+        <p:spPr>
+          <a:xfrm>
+            <a:off x="1600200" y="5346700"/>
+            <a:ext cx="533400" cy="533400"/>
+          </a:xfrm>
+          <a:prstGeom prst="ellipse">
+            <a:avLst/>
+          </a:prstGeom>
+          <a:solidFill>
+            <a:schemeClr val="accent2">
+              <a:lumMod val="40000"/>
+              <a:lumOff val="60000"/>
+            </a:schemeClr>
+          </a:solidFill>
+          <a:ln>
+            <a:solidFill>
+              <a:schemeClr val="accent2">
+                <a:lumMod val="50000"/>
+              </a:schemeClr>
+            </a:solidFill>
+          </a:ln>
+        </p:spPr>
+        <p:style>
+          <a:lnRef idx="2">
+            <a:schemeClr val="accent1">
+              <a:shade val="50000"/>
+            </a:schemeClr>
+          </a:lnRef>
+          <a:fillRef idx="1">
+            <a:schemeClr val="accent1"/>
+          </a:fillRef>
+          <a:effectRef idx="0">
+            <a:schemeClr val="accent1"/>
+          </a:effectRef>
+          <a:fontRef idx="minor">
+            <a:schemeClr val="lt1"/>
+          </a:fontRef>
+        </p:style>
+        <p:txBody>
+          <a:bodyPr rtlCol="0" anchor="ctr"/>
+          <a:lstStyle/>
+          <a:p>
+            <a:pPr algn="ctr"/>
+            <a:r>
+              <a:rPr lang="en-US" dirty="0" smtClean="0"/>
+              <a:t>-7</a:t>
+            </a:r>
+            <a:endParaRPr lang="en-US" dirty="0"/>
+          </a:p>
+        </p:txBody>
+      </p:sp>
+      <p:sp>
+        <p:nvSpPr>
+          <p:cNvPr id="56" name="Oval 55"/>
+          <p:cNvSpPr/>
+          <p:nvPr/>
+        </p:nvSpPr>
+        <p:spPr>
+          <a:xfrm>
+            <a:off x="1600200" y="5943600"/>
+            <a:ext cx="533400" cy="533400"/>
+          </a:xfrm>
+          <a:prstGeom prst="ellipse">
+            <a:avLst/>
+          </a:prstGeom>
+          <a:solidFill>
+            <a:schemeClr val="accent2">
+              <a:lumMod val="40000"/>
+              <a:lumOff val="60000"/>
+            </a:schemeClr>
+          </a:solidFill>
+          <a:ln>
+            <a:solidFill>
+              <a:schemeClr val="accent2">
+                <a:lumMod val="50000"/>
+              </a:schemeClr>
+            </a:solidFill>
+          </a:ln>
+        </p:spPr>
+        <p:style>
+          <a:lnRef idx="2">
+            <a:schemeClr val="accent1">
+              <a:shade val="50000"/>
+            </a:schemeClr>
+          </a:lnRef>
+          <a:fillRef idx="1">
+            <a:schemeClr val="accent1"/>
+          </a:fillRef>
+          <a:effectRef idx="0">
+            <a:schemeClr val="accent1"/>
+          </a:effectRef>
+          <a:fontRef idx="minor">
+            <a:schemeClr val="lt1"/>
+          </a:fontRef>
+        </p:style>
+        <p:txBody>
+          <a:bodyPr rtlCol="0" anchor="ctr"/>
+          <a:lstStyle/>
+          <a:p>
+            <a:pPr algn="ctr"/>
+            <a:r>
+              <a:rPr lang="en-US" dirty="0" smtClean="0"/>
+              <a:t>-5</a:t>
+            </a:r>
+            <a:endParaRPr lang="en-US" dirty="0"/>
+          </a:p>
+        </p:txBody>
+      </p:sp>
+      <p:sp>
+        <p:nvSpPr>
+          <p:cNvPr id="64" name="Oval 63"/>
+          <p:cNvSpPr/>
+          <p:nvPr/>
+        </p:nvSpPr>
+        <p:spPr>
+          <a:xfrm>
+            <a:off x="2819400" y="2362200"/>
+            <a:ext cx="533400" cy="533400"/>
+          </a:xfrm>
+          <a:prstGeom prst="ellipse">
+            <a:avLst/>
+          </a:prstGeom>
+          <a:solidFill>
+            <a:schemeClr val="accent2">
+              <a:lumMod val="40000"/>
+              <a:lumOff val="60000"/>
+            </a:schemeClr>
+          </a:solidFill>
+          <a:ln>
+            <a:solidFill>
+              <a:schemeClr val="accent2">
+                <a:lumMod val="50000"/>
+              </a:schemeClr>
+            </a:solidFill>
+          </a:ln>
+        </p:spPr>
+        <p:style>
+          <a:lnRef idx="2">
+            <a:schemeClr val="accent1">
+              <a:shade val="50000"/>
+            </a:schemeClr>
+          </a:lnRef>
+          <a:fillRef idx="1">
+            <a:schemeClr val="accent1"/>
+          </a:fillRef>
+          <a:effectRef idx="0">
+            <a:schemeClr val="accent1"/>
+          </a:effectRef>
+          <a:fontRef idx="minor">
+            <a:schemeClr val="lt1"/>
+          </a:fontRef>
+        </p:style>
+        <p:txBody>
+          <a:bodyPr rtlCol="0" anchor="ctr"/>
+          <a:lstStyle/>
+          <a:p>
+            <a:pPr algn="ctr"/>
+            <a:r>
+              <a:rPr lang="en-US" dirty="0" smtClean="0"/>
+              <a:t>-2</a:t>
+            </a:r>
+            <a:endParaRPr lang="en-US" dirty="0"/>
+          </a:p>
+        </p:txBody>
+      </p:sp>
+      <p:sp>
+        <p:nvSpPr>
+          <p:cNvPr id="65" name="Oval 64"/>
+          <p:cNvSpPr/>
+          <p:nvPr/>
+        </p:nvSpPr>
+        <p:spPr>
+          <a:xfrm>
+            <a:off x="2819400" y="2959100"/>
+            <a:ext cx="533400" cy="533400"/>
+          </a:xfrm>
+          <a:prstGeom prst="ellipse">
+            <a:avLst/>
+          </a:prstGeom>
+          <a:solidFill>
+            <a:schemeClr val="accent2">
+              <a:lumMod val="40000"/>
+              <a:lumOff val="60000"/>
+            </a:schemeClr>
+          </a:solidFill>
+          <a:ln>
+            <a:solidFill>
+              <a:schemeClr val="accent2">
+                <a:lumMod val="50000"/>
+              </a:schemeClr>
+            </a:solidFill>
+          </a:ln>
+        </p:spPr>
+        <p:style>
+          <a:lnRef idx="2">
+            <a:schemeClr val="accent1">
+              <a:shade val="50000"/>
+            </a:schemeClr>
+          </a:lnRef>
+          <a:fillRef idx="1">
+            <a:schemeClr val="accent1"/>
+          </a:fillRef>
+          <a:effectRef idx="0">
+            <a:schemeClr val="accent1"/>
+          </a:effectRef>
+          <a:fontRef idx="minor">
+            <a:schemeClr val="lt1"/>
+          </a:fontRef>
+        </p:style>
+        <p:txBody>
+          <a:bodyPr rtlCol="0" anchor="ctr"/>
+          <a:lstStyle/>
+          <a:p>
+            <a:pPr algn="ctr"/>
+            <a:r>
+              <a:rPr lang="en-US" dirty="0" smtClean="0"/>
+              <a:t>-1</a:t>
+            </a:r>
+            <a:endParaRPr lang="en-US" dirty="0"/>
+          </a:p>
+        </p:txBody>
+      </p:sp>
+      <p:sp>
+        <p:nvSpPr>
+          <p:cNvPr id="66" name="Oval 65"/>
+          <p:cNvSpPr/>
+          <p:nvPr/>
+        </p:nvSpPr>
+        <p:spPr>
+          <a:xfrm>
+            <a:off x="2819400" y="3556000"/>
+            <a:ext cx="533400" cy="533400"/>
+          </a:xfrm>
+          <a:prstGeom prst="ellipse">
+            <a:avLst/>
+          </a:prstGeom>
+          <a:solidFill>
+            <a:schemeClr val="accent2">
+              <a:lumMod val="40000"/>
+              <a:lumOff val="60000"/>
+            </a:schemeClr>
+          </a:solidFill>
+          <a:ln>
+            <a:solidFill>
+              <a:schemeClr val="accent2">
+                <a:lumMod val="50000"/>
+              </a:schemeClr>
+            </a:solidFill>
+          </a:ln>
+        </p:spPr>
+        <p:style>
+          <a:lnRef idx="2">
+            <a:schemeClr val="accent1">
+              <a:shade val="50000"/>
+            </a:schemeClr>
+          </a:lnRef>
+          <a:fillRef idx="1">
+            <a:schemeClr val="accent1"/>
+          </a:fillRef>
+          <a:effectRef idx="0">
+            <a:schemeClr val="accent1"/>
+          </a:effectRef>
+          <a:fontRef idx="minor">
+            <a:schemeClr val="lt1"/>
+          </a:fontRef>
+        </p:style>
+        <p:txBody>
+          <a:bodyPr rtlCol="0" anchor="ctr"/>
+          <a:lstStyle/>
+          <a:p>
+            <a:pPr algn="ctr"/>
+            <a:r>
+              <a:rPr lang="en-US" dirty="0" smtClean="0"/>
+              <a:t>-6</a:t>
+            </a:r>
+            <a:endParaRPr lang="en-US" dirty="0"/>
+          </a:p>
+        </p:txBody>
+      </p:sp>
+      <p:sp>
+        <p:nvSpPr>
+          <p:cNvPr id="67" name="Oval 66"/>
+          <p:cNvSpPr/>
+          <p:nvPr/>
+        </p:nvSpPr>
+        <p:spPr>
+          <a:xfrm>
+            <a:off x="2819400" y="4152900"/>
+            <a:ext cx="533400" cy="533400"/>
+          </a:xfrm>
+          <a:prstGeom prst="ellipse">
+            <a:avLst/>
+          </a:prstGeom>
+          <a:solidFill>
+            <a:schemeClr val="accent2">
+              <a:lumMod val="40000"/>
+              <a:lumOff val="60000"/>
+            </a:schemeClr>
+          </a:solidFill>
+          <a:ln>
+            <a:solidFill>
+              <a:schemeClr val="accent2">
+                <a:lumMod val="50000"/>
+              </a:schemeClr>
+            </a:solidFill>
+          </a:ln>
+        </p:spPr>
+        <p:style>
+          <a:lnRef idx="2">
+            <a:schemeClr val="accent1">
+              <a:shade val="50000"/>
+            </a:schemeClr>
+          </a:lnRef>
+          <a:fillRef idx="1">
+            <a:schemeClr val="accent1"/>
+          </a:fillRef>
+          <a:effectRef idx="0">
+            <a:schemeClr val="accent1"/>
+          </a:effectRef>
+          <a:fontRef idx="minor">
+            <a:schemeClr val="lt1"/>
+          </a:fontRef>
+        </p:style>
+        <p:txBody>
+          <a:bodyPr rtlCol="0" anchor="ctr"/>
+          <a:lstStyle/>
+          <a:p>
+            <a:pPr algn="ctr"/>
+            <a:r>
+              <a:rPr lang="en-US" dirty="0" smtClean="0"/>
+              <a:t>-6</a:t>
+            </a:r>
+            <a:endParaRPr lang="en-US" dirty="0"/>
+          </a:p>
+        </p:txBody>
+      </p:sp>
+      <p:sp>
+        <p:nvSpPr>
+          <p:cNvPr id="68" name="Oval 67"/>
+          <p:cNvSpPr/>
+          <p:nvPr/>
+        </p:nvSpPr>
+        <p:spPr>
+          <a:xfrm>
+            <a:off x="2819400" y="4749800"/>
+            <a:ext cx="533400" cy="533400"/>
+          </a:xfrm>
+          <a:prstGeom prst="ellipse">
+            <a:avLst/>
+          </a:prstGeom>
+          <a:solidFill>
+            <a:schemeClr val="accent2">
+              <a:lumMod val="40000"/>
+              <a:lumOff val="60000"/>
+            </a:schemeClr>
+          </a:solidFill>
+          <a:ln>
+            <a:solidFill>
+              <a:schemeClr val="accent2">
+                <a:lumMod val="50000"/>
+              </a:schemeClr>
+            </a:solidFill>
+          </a:ln>
+        </p:spPr>
+        <p:style>
+          <a:lnRef idx="2">
+            <a:schemeClr val="accent1">
+              <a:shade val="50000"/>
+            </a:schemeClr>
+          </a:lnRef>
+          <a:fillRef idx="1">
+            <a:schemeClr val="accent1"/>
+          </a:fillRef>
+          <a:effectRef idx="0">
+            <a:schemeClr val="accent1"/>
+          </a:effectRef>
+          <a:fontRef idx="minor">
+            <a:schemeClr val="lt1"/>
+          </a:fontRef>
+        </p:style>
+        <p:txBody>
+          <a:bodyPr rtlCol="0" anchor="ctr"/>
+          <a:lstStyle/>
+          <a:p>
+            <a:pPr algn="ctr"/>
+            <a:r>
+              <a:rPr lang="en-US" dirty="0" smtClean="0"/>
+              <a:t>-2</a:t>
+            </a:r>
+            <a:endParaRPr lang="en-US" dirty="0"/>
+          </a:p>
+        </p:txBody>
+      </p:sp>
+      <p:sp>
+        <p:nvSpPr>
+          <p:cNvPr id="69" name="Oval 68"/>
+          <p:cNvSpPr/>
+          <p:nvPr/>
+        </p:nvSpPr>
+        <p:spPr>
+          <a:xfrm>
+            <a:off x="2819400" y="5346700"/>
+            <a:ext cx="533400" cy="533400"/>
+          </a:xfrm>
+          <a:prstGeom prst="ellipse">
+            <a:avLst/>
+          </a:prstGeom>
+          <a:solidFill>
+            <a:schemeClr val="accent2">
+              <a:lumMod val="40000"/>
+              <a:lumOff val="60000"/>
+            </a:schemeClr>
+          </a:solidFill>
+          <a:ln>
+            <a:solidFill>
+              <a:schemeClr val="accent2">
+                <a:lumMod val="50000"/>
+              </a:schemeClr>
+            </a:solidFill>
+          </a:ln>
+        </p:spPr>
+        <p:style>
+          <a:lnRef idx="2">
+            <a:schemeClr val="accent1">
+              <a:shade val="50000"/>
+            </a:schemeClr>
+          </a:lnRef>
+          <a:fillRef idx="1">
+            <a:schemeClr val="accent1"/>
+          </a:fillRef>
+          <a:effectRef idx="0">
+            <a:schemeClr val="accent1"/>
+          </a:effectRef>
+          <a:fontRef idx="minor">
+            <a:schemeClr val="lt1"/>
+          </a:fontRef>
+        </p:style>
+        <p:txBody>
+          <a:bodyPr rtlCol="0" anchor="ctr"/>
+          <a:lstStyle/>
+          <a:p>
+            <a:pPr algn="ctr"/>
+            <a:r>
+              <a:rPr lang="en-US" dirty="0" smtClean="0"/>
+              <a:t>-6</a:t>
+            </a:r>
+            <a:endParaRPr lang="en-US" dirty="0"/>
+          </a:p>
+        </p:txBody>
+      </p:sp>
+      <p:sp>
+        <p:nvSpPr>
+          <p:cNvPr id="70" name="Oval 69"/>
+          <p:cNvSpPr/>
+          <p:nvPr/>
+        </p:nvSpPr>
+        <p:spPr>
+          <a:xfrm>
+            <a:off x="2819400" y="5943600"/>
+            <a:ext cx="533400" cy="533400"/>
+          </a:xfrm>
+          <a:prstGeom prst="ellipse">
+            <a:avLst/>
+          </a:prstGeom>
+          <a:solidFill>
+            <a:schemeClr val="accent2">
+              <a:lumMod val="40000"/>
+              <a:lumOff val="60000"/>
+            </a:schemeClr>
+          </a:solidFill>
+          <a:ln>
+            <a:solidFill>
+              <a:schemeClr val="accent2">
+                <a:lumMod val="50000"/>
+              </a:schemeClr>
+            </a:solidFill>
+          </a:ln>
+        </p:spPr>
+        <p:style>
+          <a:lnRef idx="2">
+            <a:schemeClr val="accent1">
+              <a:shade val="50000"/>
+            </a:schemeClr>
+          </a:lnRef>
+          <a:fillRef idx="1">
+            <a:schemeClr val="accent1"/>
+          </a:fillRef>
+          <a:effectRef idx="0">
+            <a:schemeClr val="accent1"/>
+          </a:effectRef>
+          <a:fontRef idx="minor">
+            <a:schemeClr val="lt1"/>
+          </a:fontRef>
+        </p:style>
+        <p:txBody>
+          <a:bodyPr rtlCol="0" anchor="ctr"/>
+          <a:lstStyle/>
+          <a:p>
+            <a:pPr algn="ctr"/>
+            <a:r>
+              <a:rPr lang="en-US" dirty="0" smtClean="0"/>
+              <a:t>-3</a:t>
+            </a:r>
+            <a:endParaRPr lang="en-US" dirty="0"/>
+          </a:p>
+        </p:txBody>
+      </p:sp>
+      <p:sp>
+        <p:nvSpPr>
+          <p:cNvPr id="71" name="Oval 70"/>
+          <p:cNvSpPr/>
+          <p:nvPr/>
+        </p:nvSpPr>
+        <p:spPr>
+          <a:xfrm>
+            <a:off x="4114800" y="2362200"/>
+            <a:ext cx="533400" cy="533400"/>
+          </a:xfrm>
+          <a:prstGeom prst="ellipse">
+            <a:avLst/>
+          </a:prstGeom>
+          <a:solidFill>
+            <a:schemeClr val="accent2">
+              <a:lumMod val="40000"/>
+              <a:lumOff val="60000"/>
+            </a:schemeClr>
+          </a:solidFill>
+          <a:ln>
+            <a:solidFill>
+              <a:schemeClr val="accent2">
+                <a:lumMod val="50000"/>
+              </a:schemeClr>
+            </a:solidFill>
+          </a:ln>
+        </p:spPr>
+        <p:style>
+          <a:lnRef idx="2">
+            <a:schemeClr val="accent1">
+              <a:shade val="50000"/>
+            </a:schemeClr>
+          </a:lnRef>
+          <a:fillRef idx="1">
+            <a:schemeClr val="accent1"/>
+          </a:fillRef>
+          <a:effectRef idx="0">
+            <a:schemeClr val="accent1"/>
+          </a:effectRef>
+          <a:fontRef idx="minor">
+            <a:schemeClr val="lt1"/>
+          </a:fontRef>
+        </p:style>
+        <p:txBody>
+          <a:bodyPr rtlCol="0" anchor="ctr"/>
+          <a:lstStyle/>
+          <a:p>
+            <a:pPr algn="ctr"/>
+            <a:r>
+              <a:rPr lang="en-US" dirty="0" smtClean="0"/>
+              <a:t>-1</a:t>
+            </a:r>
+            <a:endParaRPr lang="en-US" dirty="0"/>
+          </a:p>
+        </p:txBody>
+      </p:sp>
+      <p:sp>
+        <p:nvSpPr>
+          <p:cNvPr id="72" name="Oval 71"/>
+          <p:cNvSpPr/>
+          <p:nvPr/>
+        </p:nvSpPr>
+        <p:spPr>
+          <a:xfrm>
+            <a:off x="4114800" y="2959100"/>
+            <a:ext cx="533400" cy="533400"/>
+          </a:xfrm>
+          <a:prstGeom prst="ellipse">
+            <a:avLst/>
+          </a:prstGeom>
+          <a:solidFill>
+            <a:schemeClr val="accent2">
+              <a:lumMod val="40000"/>
+              <a:lumOff val="60000"/>
+            </a:schemeClr>
+          </a:solidFill>
+          <a:ln>
+            <a:solidFill>
+              <a:schemeClr val="accent2">
+                <a:lumMod val="50000"/>
+              </a:schemeClr>
+            </a:solidFill>
+          </a:ln>
+        </p:spPr>
+        <p:style>
+          <a:lnRef idx="2">
+            <a:schemeClr val="accent1">
+              <a:shade val="50000"/>
+            </a:schemeClr>
+          </a:lnRef>
+          <a:fillRef idx="1">
+            <a:schemeClr val="accent1"/>
+          </a:fillRef>
+          <a:effectRef idx="0">
+            <a:schemeClr val="accent1"/>
+          </a:effectRef>
+          <a:fontRef idx="minor">
+            <a:schemeClr val="lt1"/>
+          </a:fontRef>
+        </p:style>
+        <p:txBody>
+          <a:bodyPr rtlCol="0" anchor="ctr"/>
+          <a:lstStyle/>
+          <a:p>
+            <a:pPr algn="ctr"/>
+            <a:r>
+              <a:rPr lang="en-US" dirty="0" smtClean="0"/>
+              <a:t>-1</a:t>
+            </a:r>
+            <a:endParaRPr lang="en-US" dirty="0"/>
+          </a:p>
+        </p:txBody>
+      </p:sp>
+      <p:sp>
+        <p:nvSpPr>
+          <p:cNvPr id="73" name="Oval 72"/>
+          <p:cNvSpPr/>
+          <p:nvPr/>
+        </p:nvSpPr>
+        <p:spPr>
+          <a:xfrm>
+            <a:off x="4114800" y="3556000"/>
+            <a:ext cx="533400" cy="533400"/>
+          </a:xfrm>
+          <a:prstGeom prst="ellipse">
+            <a:avLst/>
+          </a:prstGeom>
+          <a:solidFill>
+            <a:schemeClr val="accent2">
+              <a:lumMod val="40000"/>
+              <a:lumOff val="60000"/>
+            </a:schemeClr>
+          </a:solidFill>
+          <a:ln>
+            <a:solidFill>
+              <a:schemeClr val="accent2">
+                <a:lumMod val="50000"/>
+              </a:schemeClr>
+            </a:solidFill>
+          </a:ln>
+        </p:spPr>
+        <p:style>
+          <a:lnRef idx="2">
+            <a:schemeClr val="accent1">
+              <a:shade val="50000"/>
+            </a:schemeClr>
+          </a:lnRef>
+          <a:fillRef idx="1">
+            <a:schemeClr val="accent1"/>
+          </a:fillRef>
+          <a:effectRef idx="0">
+            <a:schemeClr val="accent1"/>
+          </a:effectRef>
+          <a:fontRef idx="minor">
+            <a:schemeClr val="lt1"/>
+          </a:fontRef>
+        </p:style>
+        <p:txBody>
+          <a:bodyPr rtlCol="0" anchor="ctr"/>
+          <a:lstStyle/>
+          <a:p>
+            <a:pPr algn="ctr"/>
+            <a:r>
+              <a:rPr lang="en-US" dirty="0" smtClean="0"/>
+              <a:t>-7</a:t>
+            </a:r>
+            <a:endParaRPr lang="en-US" dirty="0"/>
+          </a:p>
+        </p:txBody>
+      </p:sp>
+      <p:sp>
+        <p:nvSpPr>
+          <p:cNvPr id="74" name="Oval 73"/>
+          <p:cNvSpPr/>
+          <p:nvPr/>
+        </p:nvSpPr>
+        <p:spPr>
+          <a:xfrm>
+            <a:off x="4114800" y="4152900"/>
+            <a:ext cx="533400" cy="533400"/>
+          </a:xfrm>
+          <a:prstGeom prst="ellipse">
+            <a:avLst/>
+          </a:prstGeom>
+          <a:solidFill>
+            <a:schemeClr val="accent2">
+              <a:lumMod val="40000"/>
+              <a:lumOff val="60000"/>
+            </a:schemeClr>
+          </a:solidFill>
+          <a:ln>
+            <a:solidFill>
+              <a:schemeClr val="accent2">
+                <a:lumMod val="50000"/>
+              </a:schemeClr>
+            </a:solidFill>
+          </a:ln>
+        </p:spPr>
+        <p:style>
+          <a:lnRef idx="2">
+            <a:schemeClr val="accent1">
+              <a:shade val="50000"/>
+            </a:schemeClr>
+          </a:lnRef>
+          <a:fillRef idx="1">
+            <a:schemeClr val="accent1"/>
+          </a:fillRef>
+          <a:effectRef idx="0">
+            <a:schemeClr val="accent1"/>
+          </a:effectRef>
+          <a:fontRef idx="minor">
+            <a:schemeClr val="lt1"/>
+          </a:fontRef>
+        </p:style>
+        <p:txBody>
+          <a:bodyPr rtlCol="0" anchor="ctr"/>
+          <a:lstStyle/>
+          <a:p>
+            <a:pPr algn="ctr"/>
+            <a:r>
+              <a:rPr lang="en-US" dirty="0" smtClean="0"/>
+              <a:t>-6</a:t>
+            </a:r>
+            <a:endParaRPr lang="en-US" dirty="0"/>
+          </a:p>
+        </p:txBody>
+      </p:sp>
+      <p:sp>
+        <p:nvSpPr>
+          <p:cNvPr id="75" name="Oval 74"/>
+          <p:cNvSpPr/>
+          <p:nvPr/>
+        </p:nvSpPr>
+        <p:spPr>
+          <a:xfrm>
+            <a:off x="4114800" y="4749800"/>
+            <a:ext cx="533400" cy="533400"/>
+          </a:xfrm>
+          <a:prstGeom prst="ellipse">
+            <a:avLst/>
+          </a:prstGeom>
+          <a:solidFill>
+            <a:schemeClr val="accent2">
+              <a:lumMod val="40000"/>
+              <a:lumOff val="60000"/>
+            </a:schemeClr>
+          </a:solidFill>
+          <a:ln>
+            <a:solidFill>
+              <a:schemeClr val="accent2">
+                <a:lumMod val="50000"/>
+              </a:schemeClr>
+            </a:solidFill>
+          </a:ln>
+        </p:spPr>
+        <p:style>
+          <a:lnRef idx="2">
+            <a:schemeClr val="accent1">
+              <a:shade val="50000"/>
+            </a:schemeClr>
+          </a:lnRef>
+          <a:fillRef idx="1">
+            <a:schemeClr val="accent1"/>
+          </a:fillRef>
+          <a:effectRef idx="0">
+            <a:schemeClr val="accent1"/>
+          </a:effectRef>
+          <a:fontRef idx="minor">
+            <a:schemeClr val="lt1"/>
+          </a:fontRef>
+        </p:style>
+        <p:txBody>
+          <a:bodyPr rtlCol="0" anchor="ctr"/>
+          <a:lstStyle/>
+          <a:p>
+            <a:pPr algn="ctr"/>
+            <a:r>
+              <a:rPr lang="en-US" dirty="0" smtClean="0"/>
+              <a:t>-3</a:t>
+            </a:r>
+            <a:endParaRPr lang="en-US" dirty="0"/>
+          </a:p>
+        </p:txBody>
+      </p:sp>
+      <p:sp>
+        <p:nvSpPr>
+          <p:cNvPr id="76" name="Oval 75"/>
+          <p:cNvSpPr/>
+          <p:nvPr/>
+        </p:nvSpPr>
+        <p:spPr>
+          <a:xfrm>
+            <a:off x="4114800" y="5346700"/>
+            <a:ext cx="533400" cy="533400"/>
+          </a:xfrm>
+          <a:prstGeom prst="ellipse">
+            <a:avLst/>
+          </a:prstGeom>
+          <a:solidFill>
+            <a:schemeClr val="accent2">
+              <a:lumMod val="40000"/>
+              <a:lumOff val="60000"/>
+            </a:schemeClr>
+          </a:solidFill>
+          <a:ln>
+            <a:solidFill>
+              <a:schemeClr val="accent2">
+                <a:lumMod val="50000"/>
+              </a:schemeClr>
+            </a:solidFill>
+          </a:ln>
+        </p:spPr>
+        <p:style>
+          <a:lnRef idx="2">
+            <a:schemeClr val="accent1">
+              <a:shade val="50000"/>
+            </a:schemeClr>
+          </a:lnRef>
+          <a:fillRef idx="1">
+            <a:schemeClr val="accent1"/>
+          </a:fillRef>
+          <a:effectRef idx="0">
+            <a:schemeClr val="accent1"/>
+          </a:effectRef>
+          <a:fontRef idx="minor">
+            <a:schemeClr val="lt1"/>
+          </a:fontRef>
+        </p:style>
+        <p:txBody>
+          <a:bodyPr rtlCol="0" anchor="ctr"/>
+          <a:lstStyle/>
+          <a:p>
+            <a:pPr algn="ctr"/>
+            <a:r>
+              <a:rPr lang="en-US" dirty="0" smtClean="0"/>
+              <a:t>-3</a:t>
+            </a:r>
+            <a:endParaRPr lang="en-US" dirty="0"/>
+          </a:p>
+        </p:txBody>
+      </p:sp>
+      <p:sp>
+        <p:nvSpPr>
+          <p:cNvPr id="77" name="Oval 76"/>
+          <p:cNvSpPr/>
+          <p:nvPr/>
+        </p:nvSpPr>
+        <p:spPr>
+          <a:xfrm>
+            <a:off x="4114800" y="5943600"/>
+            <a:ext cx="533400" cy="533400"/>
+          </a:xfrm>
+          <a:prstGeom prst="ellipse">
+            <a:avLst/>
+          </a:prstGeom>
+          <a:solidFill>
+            <a:schemeClr val="accent2">
+              <a:lumMod val="40000"/>
+              <a:lumOff val="60000"/>
+            </a:schemeClr>
+          </a:solidFill>
+          <a:ln>
+            <a:solidFill>
+              <a:schemeClr val="accent2">
+                <a:lumMod val="50000"/>
+              </a:schemeClr>
+            </a:solidFill>
+          </a:ln>
+        </p:spPr>
+        <p:style>
+          <a:lnRef idx="2">
+            <a:schemeClr val="accent1">
+              <a:shade val="50000"/>
+            </a:schemeClr>
+          </a:lnRef>
+          <a:fillRef idx="1">
+            <a:schemeClr val="accent1"/>
+          </a:fillRef>
+          <a:effectRef idx="0">
+            <a:schemeClr val="accent1"/>
+          </a:effectRef>
+          <a:fontRef idx="minor">
+            <a:schemeClr val="lt1"/>
+          </a:fontRef>
+        </p:style>
+        <p:txBody>
+          <a:bodyPr rtlCol="0" anchor="ctr"/>
+          <a:lstStyle/>
+          <a:p>
+            <a:pPr algn="ctr"/>
+            <a:r>
+              <a:rPr lang="en-US" dirty="0" smtClean="0"/>
+              <a:t>-5</a:t>
+            </a:r>
+            <a:endParaRPr lang="en-US" dirty="0"/>
+          </a:p>
+        </p:txBody>
+      </p:sp>
+      <p:sp>
+        <p:nvSpPr>
+          <p:cNvPr id="78" name="Oval 77"/>
+          <p:cNvSpPr/>
+          <p:nvPr/>
+        </p:nvSpPr>
+        <p:spPr>
+          <a:xfrm>
+            <a:off x="5334000" y="2362200"/>
+            <a:ext cx="533400" cy="533400"/>
+          </a:xfrm>
+          <a:prstGeom prst="ellipse">
+            <a:avLst/>
+          </a:prstGeom>
+          <a:solidFill>
+            <a:schemeClr val="accent2">
+              <a:lumMod val="40000"/>
+              <a:lumOff val="60000"/>
+            </a:schemeClr>
+          </a:solidFill>
+          <a:ln>
+            <a:solidFill>
+              <a:schemeClr val="accent2">
+                <a:lumMod val="50000"/>
+              </a:schemeClr>
+            </a:solidFill>
+          </a:ln>
+        </p:spPr>
+        <p:style>
+          <a:lnRef idx="2">
+            <a:schemeClr val="accent1">
+              <a:shade val="50000"/>
+            </a:schemeClr>
+          </a:lnRef>
+          <a:fillRef idx="1">
+            <a:schemeClr val="accent1"/>
+          </a:fillRef>
+          <a:effectRef idx="0">
+            <a:schemeClr val="accent1"/>
+          </a:effectRef>
+          <a:fontRef idx="minor">
+            <a:schemeClr val="lt1"/>
+          </a:fontRef>
+        </p:style>
+        <p:txBody>
+          <a:bodyPr rtlCol="0" anchor="ctr"/>
+          <a:lstStyle/>
+          <a:p>
+            <a:pPr algn="ctr"/>
+            <a:r>
+              <a:rPr lang="en-US" dirty="0" smtClean="0"/>
+              <a:t>-4</a:t>
+            </a:r>
+            <a:endParaRPr lang="en-US" dirty="0"/>
+          </a:p>
+        </p:txBody>
+      </p:sp>
+      <p:sp>
+        <p:nvSpPr>
+          <p:cNvPr id="79" name="Oval 78"/>
+          <p:cNvSpPr/>
+          <p:nvPr/>
+        </p:nvSpPr>
+        <p:spPr>
+          <a:xfrm>
+            <a:off x="5334000" y="2959100"/>
+            <a:ext cx="533400" cy="533400"/>
+          </a:xfrm>
+          <a:prstGeom prst="ellipse">
+            <a:avLst/>
+          </a:prstGeom>
+          <a:solidFill>
+            <a:schemeClr val="accent2">
+              <a:lumMod val="40000"/>
+              <a:lumOff val="60000"/>
+            </a:schemeClr>
+          </a:solidFill>
+          <a:ln>
+            <a:solidFill>
+              <a:schemeClr val="accent2">
+                <a:lumMod val="50000"/>
+              </a:schemeClr>
+            </a:solidFill>
+          </a:ln>
+        </p:spPr>
+        <p:style>
+          <a:lnRef idx="2">
+            <a:schemeClr val="accent1">
+              <a:shade val="50000"/>
+            </a:schemeClr>
+          </a:lnRef>
+          <a:fillRef idx="1">
+            <a:schemeClr val="accent1"/>
+          </a:fillRef>
+          <a:effectRef idx="0">
+            <a:schemeClr val="accent1"/>
+          </a:effectRef>
+          <a:fontRef idx="minor">
+            <a:schemeClr val="lt1"/>
+          </a:fontRef>
+        </p:style>
+        <p:txBody>
+          <a:bodyPr rtlCol="0" anchor="ctr"/>
+          <a:lstStyle/>
+          <a:p>
+            <a:pPr algn="ctr"/>
+            <a:r>
+              <a:rPr lang="en-US" dirty="0" smtClean="0"/>
+              <a:t>-1</a:t>
+            </a:r>
+            <a:endParaRPr lang="en-US" dirty="0"/>
+          </a:p>
+        </p:txBody>
+      </p:sp>
+      <p:sp>
+        <p:nvSpPr>
+          <p:cNvPr id="80" name="Oval 79"/>
+          <p:cNvSpPr/>
+          <p:nvPr/>
+        </p:nvSpPr>
+        <p:spPr>
+          <a:xfrm>
+            <a:off x="5334000" y="3556000"/>
+            <a:ext cx="533400" cy="533400"/>
+          </a:xfrm>
+          <a:prstGeom prst="ellipse">
+            <a:avLst/>
+          </a:prstGeom>
+          <a:solidFill>
+            <a:schemeClr val="accent2">
+              <a:lumMod val="40000"/>
+              <a:lumOff val="60000"/>
+            </a:schemeClr>
+          </a:solidFill>
+          <a:ln>
+            <a:solidFill>
+              <a:schemeClr val="accent2">
+                <a:lumMod val="50000"/>
+              </a:schemeClr>
+            </a:solidFill>
+          </a:ln>
+        </p:spPr>
+        <p:style>
+          <a:lnRef idx="2">
+            <a:schemeClr val="accent1">
+              <a:shade val="50000"/>
+            </a:schemeClr>
+          </a:lnRef>
+          <a:fillRef idx="1">
+            <a:schemeClr val="accent1"/>
+          </a:fillRef>
+          <a:effectRef idx="0">
+            <a:schemeClr val="accent1"/>
+          </a:effectRef>
+          <a:fontRef idx="minor">
+            <a:schemeClr val="lt1"/>
+          </a:fontRef>
+        </p:style>
+        <p:txBody>
+          <a:bodyPr rtlCol="0" anchor="ctr"/>
+          <a:lstStyle/>
+          <a:p>
+            <a:pPr algn="ctr"/>
+            <a:r>
+              <a:rPr lang="en-US" dirty="0" smtClean="0"/>
+              <a:t>-8</a:t>
+            </a:r>
+            <a:endParaRPr lang="en-US" dirty="0"/>
+          </a:p>
+        </p:txBody>
+      </p:sp>
+      <p:sp>
+        <p:nvSpPr>
+          <p:cNvPr id="81" name="Oval 80"/>
+          <p:cNvSpPr/>
+          <p:nvPr/>
+        </p:nvSpPr>
+        <p:spPr>
+          <a:xfrm>
+            <a:off x="5334000" y="4152900"/>
+            <a:ext cx="533400" cy="533400"/>
+          </a:xfrm>
+          <a:prstGeom prst="ellipse">
+            <a:avLst/>
+          </a:prstGeom>
+          <a:solidFill>
+            <a:schemeClr val="accent2">
+              <a:lumMod val="40000"/>
+              <a:lumOff val="60000"/>
+            </a:schemeClr>
+          </a:solidFill>
+          <a:ln>
+            <a:solidFill>
+              <a:schemeClr val="accent2">
+                <a:lumMod val="50000"/>
+              </a:schemeClr>
+            </a:solidFill>
+          </a:ln>
+        </p:spPr>
+        <p:style>
+          <a:lnRef idx="2">
+            <a:schemeClr val="accent1">
+              <a:shade val="50000"/>
+            </a:schemeClr>
+          </a:lnRef>
+          <a:fillRef idx="1">
+            <a:schemeClr val="accent1"/>
+          </a:fillRef>
+          <a:effectRef idx="0">
+            <a:schemeClr val="accent1"/>
+          </a:effectRef>
+          <a:fontRef idx="minor">
+            <a:schemeClr val="lt1"/>
+          </a:fontRef>
+        </p:style>
+        <p:txBody>
+          <a:bodyPr rtlCol="0" anchor="ctr"/>
+          <a:lstStyle/>
+          <a:p>
+            <a:pPr algn="ctr"/>
+            <a:r>
+              <a:rPr lang="en-US" dirty="0" smtClean="0"/>
+              <a:t>-9</a:t>
+            </a:r>
+            <a:endParaRPr lang="en-US" dirty="0"/>
+          </a:p>
+        </p:txBody>
+      </p:sp>
+      <p:sp>
+        <p:nvSpPr>
+          <p:cNvPr id="82" name="Oval 81"/>
+          <p:cNvSpPr/>
+          <p:nvPr/>
+        </p:nvSpPr>
+        <p:spPr>
+          <a:xfrm>
+            <a:off x="5334000" y="4749800"/>
+            <a:ext cx="533400" cy="533400"/>
+          </a:xfrm>
+          <a:prstGeom prst="ellipse">
+            <a:avLst/>
+          </a:prstGeom>
+          <a:solidFill>
+            <a:schemeClr val="accent2">
+              <a:lumMod val="40000"/>
+              <a:lumOff val="60000"/>
+            </a:schemeClr>
+          </a:solidFill>
+          <a:ln>
+            <a:solidFill>
+              <a:schemeClr val="accent2">
+                <a:lumMod val="50000"/>
+              </a:schemeClr>
+            </a:solidFill>
+          </a:ln>
+        </p:spPr>
+        <p:style>
+          <a:lnRef idx="2">
+            <a:schemeClr val="accent1">
+              <a:shade val="50000"/>
+            </a:schemeClr>
+          </a:lnRef>
+          <a:fillRef idx="1">
+            <a:schemeClr val="accent1"/>
+          </a:fillRef>
+          <a:effectRef idx="0">
+            <a:schemeClr val="accent1"/>
+          </a:effectRef>
+          <a:fontRef idx="minor">
+            <a:schemeClr val="lt1"/>
+          </a:fontRef>
+        </p:style>
+        <p:txBody>
+          <a:bodyPr rtlCol="0" anchor="ctr"/>
+          <a:lstStyle/>
+          <a:p>
+            <a:pPr algn="ctr"/>
+            <a:r>
+              <a:rPr lang="en-US" dirty="0" smtClean="0"/>
+              <a:t>-7</a:t>
+            </a:r>
+            <a:endParaRPr lang="en-US" dirty="0"/>
+          </a:p>
+        </p:txBody>
+      </p:sp>
+      <p:sp>
+        <p:nvSpPr>
+          <p:cNvPr id="83" name="Oval 82"/>
+          <p:cNvSpPr/>
+          <p:nvPr/>
+        </p:nvSpPr>
+        <p:spPr>
+          <a:xfrm>
+            <a:off x="5334000" y="5346700"/>
+            <a:ext cx="533400" cy="533400"/>
+          </a:xfrm>
+          <a:prstGeom prst="ellipse">
+            <a:avLst/>
+          </a:prstGeom>
+          <a:solidFill>
+            <a:schemeClr val="accent2">
+              <a:lumMod val="40000"/>
+              <a:lumOff val="60000"/>
+            </a:schemeClr>
+          </a:solidFill>
+          <a:ln>
+            <a:solidFill>
+              <a:schemeClr val="accent2">
+                <a:lumMod val="50000"/>
+              </a:schemeClr>
+            </a:solidFill>
+          </a:ln>
+        </p:spPr>
+        <p:style>
+          <a:lnRef idx="2">
+            <a:schemeClr val="accent1">
+              <a:shade val="50000"/>
+            </a:schemeClr>
+          </a:lnRef>
+          <a:fillRef idx="1">
+            <a:schemeClr val="accent1"/>
+          </a:fillRef>
+          <a:effectRef idx="0">
+            <a:schemeClr val="accent1"/>
+          </a:effectRef>
+          <a:fontRef idx="minor">
+            <a:schemeClr val="lt1"/>
+          </a:fontRef>
+        </p:style>
+        <p:txBody>
+          <a:bodyPr rtlCol="0" anchor="ctr"/>
+          <a:lstStyle/>
+          <a:p>
+            <a:pPr algn="ctr"/>
+            <a:r>
+              <a:rPr lang="en-US" dirty="0" smtClean="0"/>
+              <a:t>-8</a:t>
+            </a:r>
+            <a:endParaRPr lang="en-US" dirty="0"/>
+          </a:p>
+        </p:txBody>
+      </p:sp>
+      <p:sp>
+        <p:nvSpPr>
+          <p:cNvPr id="84" name="Oval 83"/>
+          <p:cNvSpPr/>
+          <p:nvPr/>
+        </p:nvSpPr>
+        <p:spPr>
+          <a:xfrm>
+            <a:off x="5334000" y="5943600"/>
+            <a:ext cx="533400" cy="533400"/>
+          </a:xfrm>
+          <a:prstGeom prst="ellipse">
+            <a:avLst/>
+          </a:prstGeom>
+          <a:solidFill>
+            <a:schemeClr val="accent2">
+              <a:lumMod val="40000"/>
+              <a:lumOff val="60000"/>
+            </a:schemeClr>
+          </a:solidFill>
+          <a:ln>
+            <a:solidFill>
+              <a:schemeClr val="accent2">
+                <a:lumMod val="50000"/>
+              </a:schemeClr>
+            </a:solidFill>
+          </a:ln>
+        </p:spPr>
+        <p:style>
+          <a:lnRef idx="2">
+            <a:schemeClr val="accent1">
+              <a:shade val="50000"/>
+            </a:schemeClr>
+          </a:lnRef>
+          <a:fillRef idx="1">
+            <a:schemeClr val="accent1"/>
+          </a:fillRef>
+          <a:effectRef idx="0">
+            <a:schemeClr val="accent1"/>
+          </a:effectRef>
+          <a:fontRef idx="minor">
+            <a:schemeClr val="lt1"/>
+          </a:fontRef>
+        </p:style>
+        <p:txBody>
+          <a:bodyPr rtlCol="0" anchor="ctr"/>
+          <a:lstStyle/>
+          <a:p>
+            <a:pPr algn="ctr"/>
+            <a:r>
+              <a:rPr lang="en-US" dirty="0" smtClean="0"/>
+              <a:t>-5</a:t>
+            </a:r>
+            <a:endParaRPr lang="en-US" dirty="0"/>
+          </a:p>
+        </p:txBody>
+      </p:sp>
+      <p:sp>
+        <p:nvSpPr>
+          <p:cNvPr id="85" name="Oval 84"/>
+          <p:cNvSpPr/>
+          <p:nvPr/>
+        </p:nvSpPr>
+        <p:spPr>
+          <a:xfrm>
+            <a:off x="6553200" y="2362200"/>
+            <a:ext cx="533400" cy="533400"/>
+          </a:xfrm>
+          <a:prstGeom prst="ellipse">
+            <a:avLst/>
+          </a:prstGeom>
+          <a:solidFill>
+            <a:schemeClr val="accent2">
+              <a:lumMod val="40000"/>
+              <a:lumOff val="60000"/>
+            </a:schemeClr>
+          </a:solidFill>
+          <a:ln>
+            <a:solidFill>
+              <a:schemeClr val="accent2">
+                <a:lumMod val="50000"/>
+              </a:schemeClr>
+            </a:solidFill>
+          </a:ln>
+        </p:spPr>
+        <p:style>
+          <a:lnRef idx="2">
+            <a:schemeClr val="accent1">
+              <a:shade val="50000"/>
+            </a:schemeClr>
+          </a:lnRef>
+          <a:fillRef idx="1">
+            <a:schemeClr val="accent1"/>
+          </a:fillRef>
+          <a:effectRef idx="0">
+            <a:schemeClr val="accent1"/>
+          </a:effectRef>
+          <a:fontRef idx="minor">
+            <a:schemeClr val="lt1"/>
+          </a:fontRef>
+        </p:style>
+        <p:txBody>
+          <a:bodyPr rtlCol="0" anchor="ctr"/>
+          <a:lstStyle/>
+          <a:p>
+            <a:pPr algn="ctr"/>
+            <a:r>
+              <a:rPr lang="en-US" dirty="0" smtClean="0"/>
+              <a:t>-1</a:t>
+            </a:r>
+            <a:endParaRPr lang="en-US" dirty="0"/>
+          </a:p>
+        </p:txBody>
+      </p:sp>
+      <p:sp>
+        <p:nvSpPr>
+          <p:cNvPr id="86" name="Oval 85"/>
+          <p:cNvSpPr/>
+          <p:nvPr/>
+        </p:nvSpPr>
+        <p:spPr>
+          <a:xfrm>
+            <a:off x="6553200" y="2959100"/>
+            <a:ext cx="533400" cy="533400"/>
+          </a:xfrm>
+          <a:prstGeom prst="ellipse">
+            <a:avLst/>
+          </a:prstGeom>
+          <a:solidFill>
+            <a:schemeClr val="accent2">
+              <a:lumMod val="40000"/>
+              <a:lumOff val="60000"/>
+            </a:schemeClr>
+          </a:solidFill>
+          <a:ln>
+            <a:solidFill>
+              <a:schemeClr val="accent2">
+                <a:lumMod val="50000"/>
+              </a:schemeClr>
+            </a:solidFill>
+          </a:ln>
+        </p:spPr>
+        <p:style>
+          <a:lnRef idx="2">
+            <a:schemeClr val="accent1">
+              <a:shade val="50000"/>
+            </a:schemeClr>
+          </a:lnRef>
+          <a:fillRef idx="1">
+            <a:schemeClr val="accent1"/>
+          </a:fillRef>
+          <a:effectRef idx="0">
+            <a:schemeClr val="accent1"/>
+          </a:effectRef>
+          <a:fontRef idx="minor">
+            <a:schemeClr val="lt1"/>
+          </a:fontRef>
+        </p:style>
+        <p:txBody>
+          <a:bodyPr rtlCol="0" anchor="ctr"/>
+          <a:lstStyle/>
+          <a:p>
+            <a:pPr algn="ctr"/>
+            <a:r>
+              <a:rPr lang="en-US" dirty="0" smtClean="0"/>
+              <a:t>-4</a:t>
+            </a:r>
+            <a:endParaRPr lang="en-US" dirty="0"/>
+          </a:p>
+        </p:txBody>
+      </p:sp>
+      <p:sp>
+        <p:nvSpPr>
+          <p:cNvPr id="87" name="Oval 86"/>
+          <p:cNvSpPr/>
+          <p:nvPr/>
+        </p:nvSpPr>
+        <p:spPr>
+          <a:xfrm>
+            <a:off x="6553200" y="3556000"/>
+            <a:ext cx="533400" cy="533400"/>
+          </a:xfrm>
+          <a:prstGeom prst="ellipse">
+            <a:avLst/>
+          </a:prstGeom>
+          <a:solidFill>
+            <a:schemeClr val="accent2">
+              <a:lumMod val="40000"/>
+              <a:lumOff val="60000"/>
+            </a:schemeClr>
+          </a:solidFill>
+          <a:ln>
+            <a:solidFill>
+              <a:schemeClr val="accent2">
+                <a:lumMod val="50000"/>
+              </a:schemeClr>
+            </a:solidFill>
+          </a:ln>
+        </p:spPr>
+        <p:style>
+          <a:lnRef idx="2">
+            <a:schemeClr val="accent1">
+              <a:shade val="50000"/>
+            </a:schemeClr>
+          </a:lnRef>
+          <a:fillRef idx="1">
+            <a:schemeClr val="accent1"/>
+          </a:fillRef>
+          <a:effectRef idx="0">
+            <a:schemeClr val="accent1"/>
+          </a:effectRef>
+          <a:fontRef idx="minor">
+            <a:schemeClr val="lt1"/>
+          </a:fontRef>
+        </p:style>
+        <p:txBody>
+          <a:bodyPr rtlCol="0" anchor="ctr"/>
+          <a:lstStyle/>
+          <a:p>
+            <a:pPr algn="ctr"/>
+            <a:r>
+              <a:rPr lang="en-US" dirty="0" smtClean="0"/>
+              <a:t>-1</a:t>
+            </a:r>
+            <a:endParaRPr lang="en-US" dirty="0"/>
+          </a:p>
+        </p:txBody>
+      </p:sp>
+      <p:sp>
+        <p:nvSpPr>
+          <p:cNvPr id="88" name="Oval 87"/>
+          <p:cNvSpPr/>
+          <p:nvPr/>
+        </p:nvSpPr>
+        <p:spPr>
+          <a:xfrm>
+            <a:off x="6553200" y="4152900"/>
+            <a:ext cx="533400" cy="533400"/>
+          </a:xfrm>
+          <a:prstGeom prst="ellipse">
+            <a:avLst/>
+          </a:prstGeom>
+          <a:solidFill>
+            <a:schemeClr val="accent2">
+              <a:lumMod val="40000"/>
+              <a:lumOff val="60000"/>
+            </a:schemeClr>
+          </a:solidFill>
+          <a:ln>
+            <a:solidFill>
+              <a:schemeClr val="accent2">
+                <a:lumMod val="50000"/>
+              </a:schemeClr>
+            </a:solidFill>
+          </a:ln>
+        </p:spPr>
+        <p:style>
+          <a:lnRef idx="2">
+            <a:schemeClr val="accent1">
+              <a:shade val="50000"/>
+            </a:schemeClr>
+          </a:lnRef>
+          <a:fillRef idx="1">
+            <a:schemeClr val="accent1"/>
+          </a:fillRef>
+          <a:effectRef idx="0">
+            <a:schemeClr val="accent1"/>
+          </a:effectRef>
+          <a:fontRef idx="minor">
+            <a:schemeClr val="lt1"/>
+          </a:fontRef>
+        </p:style>
+        <p:txBody>
+          <a:bodyPr rtlCol="0" anchor="ctr"/>
+          <a:lstStyle/>
+          <a:p>
+            <a:pPr algn="ctr"/>
+            <a:r>
+              <a:rPr lang="en-US" dirty="0" smtClean="0"/>
+              <a:t>-6</a:t>
+            </a:r>
+            <a:endParaRPr lang="en-US" dirty="0"/>
+          </a:p>
+        </p:txBody>
+      </p:sp>
+      <p:sp>
+        <p:nvSpPr>
+          <p:cNvPr id="89" name="Oval 88"/>
+          <p:cNvSpPr/>
+          <p:nvPr/>
+        </p:nvSpPr>
+        <p:spPr>
+          <a:xfrm>
+            <a:off x="6553200" y="4749800"/>
+            <a:ext cx="533400" cy="533400"/>
+          </a:xfrm>
+          <a:prstGeom prst="ellipse">
+            <a:avLst/>
+          </a:prstGeom>
+          <a:solidFill>
+            <a:schemeClr val="accent2">
+              <a:lumMod val="40000"/>
+              <a:lumOff val="60000"/>
+            </a:schemeClr>
+          </a:solidFill>
+          <a:ln>
+            <a:solidFill>
+              <a:schemeClr val="accent2">
+                <a:lumMod val="50000"/>
+              </a:schemeClr>
+            </a:solidFill>
+          </a:ln>
+        </p:spPr>
+        <p:style>
+          <a:lnRef idx="2">
+            <a:schemeClr val="accent1">
+              <a:shade val="50000"/>
+            </a:schemeClr>
+          </a:lnRef>
+          <a:fillRef idx="1">
+            <a:schemeClr val="accent1"/>
+          </a:fillRef>
+          <a:effectRef idx="0">
+            <a:schemeClr val="accent1"/>
+          </a:effectRef>
+          <a:fontRef idx="minor">
+            <a:schemeClr val="lt1"/>
+          </a:fontRef>
+        </p:style>
+        <p:txBody>
+          <a:bodyPr rtlCol="0" anchor="ctr"/>
+          <a:lstStyle/>
+          <a:p>
+            <a:pPr algn="ctr"/>
+            <a:r>
+              <a:rPr lang="en-US" dirty="0" smtClean="0"/>
+              <a:t>-9</a:t>
+            </a:r>
+            <a:endParaRPr lang="en-US" dirty="0"/>
+          </a:p>
+        </p:txBody>
+      </p:sp>
+      <p:sp>
+        <p:nvSpPr>
+          <p:cNvPr id="90" name="Oval 89"/>
+          <p:cNvSpPr/>
+          <p:nvPr/>
+        </p:nvSpPr>
+        <p:spPr>
+          <a:xfrm>
+            <a:off x="6553200" y="5346700"/>
+            <a:ext cx="533400" cy="533400"/>
+          </a:xfrm>
+          <a:prstGeom prst="ellipse">
+            <a:avLst/>
+          </a:prstGeom>
+          <a:solidFill>
+            <a:schemeClr val="accent2">
+              <a:lumMod val="40000"/>
+              <a:lumOff val="60000"/>
+            </a:schemeClr>
+          </a:solidFill>
+          <a:ln>
+            <a:solidFill>
+              <a:schemeClr val="accent2">
+                <a:lumMod val="50000"/>
+              </a:schemeClr>
+            </a:solidFill>
+          </a:ln>
+        </p:spPr>
+        <p:style>
+          <a:lnRef idx="2">
+            <a:schemeClr val="accent1">
+              <a:shade val="50000"/>
+            </a:schemeClr>
+          </a:lnRef>
+          <a:fillRef idx="1">
+            <a:schemeClr val="accent1"/>
+          </a:fillRef>
+          <a:effectRef idx="0">
+            <a:schemeClr val="accent1"/>
+          </a:effectRef>
+          <a:fontRef idx="minor">
+            <a:schemeClr val="lt1"/>
+          </a:fontRef>
+        </p:style>
+        <p:txBody>
+          <a:bodyPr rtlCol="0" anchor="ctr"/>
+          <a:lstStyle/>
+          <a:p>
+            <a:pPr algn="ctr"/>
+            <a:r>
+              <a:rPr lang="en-US" dirty="0" smtClean="0"/>
+              <a:t>-8</a:t>
+            </a:r>
+            <a:endParaRPr lang="en-US" dirty="0"/>
+          </a:p>
+        </p:txBody>
+      </p:sp>
+      <p:sp>
+        <p:nvSpPr>
+          <p:cNvPr id="91" name="Oval 90"/>
+          <p:cNvSpPr/>
+          <p:nvPr/>
+        </p:nvSpPr>
+        <p:spPr>
+          <a:xfrm>
+            <a:off x="6553200" y="5943600"/>
+            <a:ext cx="533400" cy="533400"/>
+          </a:xfrm>
+          <a:prstGeom prst="ellipse">
+            <a:avLst/>
+          </a:prstGeom>
+          <a:solidFill>
+            <a:schemeClr val="accent2">
+              <a:lumMod val="40000"/>
+              <a:lumOff val="60000"/>
+            </a:schemeClr>
+          </a:solidFill>
+          <a:ln>
+            <a:solidFill>
+              <a:schemeClr val="accent2">
+                <a:lumMod val="50000"/>
+              </a:schemeClr>
+            </a:solidFill>
+          </a:ln>
+        </p:spPr>
+        <p:style>
+          <a:lnRef idx="2">
+            <a:schemeClr val="accent1">
+              <a:shade val="50000"/>
+            </a:schemeClr>
+          </a:lnRef>
+          <a:fillRef idx="1">
+            <a:schemeClr val="accent1"/>
+          </a:fillRef>
+          <a:effectRef idx="0">
+            <a:schemeClr val="accent1"/>
+          </a:effectRef>
+          <a:fontRef idx="minor">
+            <a:schemeClr val="lt1"/>
+          </a:fontRef>
+        </p:style>
+        <p:txBody>
+          <a:bodyPr rtlCol="0" anchor="ctr"/>
+          <a:lstStyle/>
+          <a:p>
+            <a:pPr algn="ctr"/>
+            <a:r>
+              <a:rPr lang="en-US" dirty="0" smtClean="0"/>
+              <a:t>-1</a:t>
+            </a:r>
+            <a:endParaRPr lang="en-US" dirty="0"/>
+          </a:p>
+        </p:txBody>
+      </p:sp>
+      <p:sp>
+        <p:nvSpPr>
+          <p:cNvPr id="92" name="Oval 91"/>
+          <p:cNvSpPr/>
+          <p:nvPr/>
+        </p:nvSpPr>
+        <p:spPr>
+          <a:xfrm>
+            <a:off x="7848600" y="2362200"/>
+            <a:ext cx="533400" cy="533400"/>
+          </a:xfrm>
+          <a:prstGeom prst="ellipse">
+            <a:avLst/>
+          </a:prstGeom>
+          <a:solidFill>
+            <a:schemeClr val="accent2">
+              <a:lumMod val="40000"/>
+              <a:lumOff val="60000"/>
+            </a:schemeClr>
+          </a:solidFill>
+          <a:ln>
+            <a:solidFill>
+              <a:schemeClr val="accent2">
+                <a:lumMod val="50000"/>
+              </a:schemeClr>
+            </a:solidFill>
+          </a:ln>
+        </p:spPr>
+        <p:style>
+          <a:lnRef idx="2">
+            <a:schemeClr val="accent1">
+              <a:shade val="50000"/>
+            </a:schemeClr>
+          </a:lnRef>
+          <a:fillRef idx="1">
+            <a:schemeClr val="accent1"/>
+          </a:fillRef>
+          <a:effectRef idx="0">
+            <a:schemeClr val="accent1"/>
+          </a:effectRef>
+          <a:fontRef idx="minor">
+            <a:schemeClr val="lt1"/>
+          </a:fontRef>
+        </p:style>
+        <p:txBody>
+          <a:bodyPr rtlCol="0" anchor="ctr"/>
+          <a:lstStyle/>
+          <a:p>
+            <a:pPr algn="ctr"/>
+            <a:r>
+              <a:rPr lang="en-US" dirty="0" smtClean="0"/>
+              <a:t>-4</a:t>
+            </a:r>
+            <a:endParaRPr lang="en-US" dirty="0"/>
+          </a:p>
+        </p:txBody>
+      </p:sp>
+      <p:sp>
+        <p:nvSpPr>
+          <p:cNvPr id="93" name="Oval 92"/>
+          <p:cNvSpPr/>
+          <p:nvPr/>
+        </p:nvSpPr>
+        <p:spPr>
+          <a:xfrm>
+            <a:off x="7848600" y="2959100"/>
+            <a:ext cx="533400" cy="533400"/>
+          </a:xfrm>
+          <a:prstGeom prst="ellipse">
+            <a:avLst/>
+          </a:prstGeom>
+          <a:solidFill>
+            <a:schemeClr val="accent2">
+              <a:lumMod val="40000"/>
+              <a:lumOff val="60000"/>
+            </a:schemeClr>
+          </a:solidFill>
+          <a:ln>
+            <a:solidFill>
+              <a:schemeClr val="accent2">
+                <a:lumMod val="50000"/>
+              </a:schemeClr>
+            </a:solidFill>
+          </a:ln>
+        </p:spPr>
+        <p:style>
+          <a:lnRef idx="2">
+            <a:schemeClr val="accent1">
+              <a:shade val="50000"/>
+            </a:schemeClr>
+          </a:lnRef>
+          <a:fillRef idx="1">
+            <a:schemeClr val="accent1"/>
+          </a:fillRef>
+          <a:effectRef idx="0">
+            <a:schemeClr val="accent1"/>
+          </a:effectRef>
+          <a:fontRef idx="minor">
+            <a:schemeClr val="lt1"/>
+          </a:fontRef>
+        </p:style>
+        <p:txBody>
+          <a:bodyPr rtlCol="0" anchor="ctr"/>
+          <a:lstStyle/>
+          <a:p>
+            <a:pPr algn="ctr"/>
+            <a:r>
+              <a:rPr lang="en-US" dirty="0" smtClean="0"/>
+              <a:t>-1</a:t>
+            </a:r>
+            <a:endParaRPr lang="en-US" dirty="0"/>
+          </a:p>
+        </p:txBody>
+      </p:sp>
+      <p:sp>
+        <p:nvSpPr>
+          <p:cNvPr id="94" name="Oval 93"/>
+          <p:cNvSpPr/>
+          <p:nvPr/>
+        </p:nvSpPr>
+        <p:spPr>
+          <a:xfrm>
+            <a:off x="7848600" y="3556000"/>
+            <a:ext cx="533400" cy="533400"/>
+          </a:xfrm>
+          <a:prstGeom prst="ellipse">
+            <a:avLst/>
+          </a:prstGeom>
+          <a:solidFill>
+            <a:schemeClr val="accent2">
+              <a:lumMod val="40000"/>
+              <a:lumOff val="60000"/>
+            </a:schemeClr>
+          </a:solidFill>
+          <a:ln>
+            <a:solidFill>
+              <a:schemeClr val="accent2">
+                <a:lumMod val="50000"/>
+              </a:schemeClr>
+            </a:solidFill>
+          </a:ln>
+        </p:spPr>
+        <p:style>
+          <a:lnRef idx="2">
+            <a:schemeClr val="accent1">
+              <a:shade val="50000"/>
+            </a:schemeClr>
+          </a:lnRef>
+          <a:fillRef idx="1">
+            <a:schemeClr val="accent1"/>
+          </a:fillRef>
+          <a:effectRef idx="0">
+            <a:schemeClr val="accent1"/>
+          </a:effectRef>
+          <a:fontRef idx="minor">
+            <a:schemeClr val="lt1"/>
+          </a:fontRef>
+        </p:style>
+        <p:txBody>
+          <a:bodyPr rtlCol="0" anchor="ctr"/>
+          <a:lstStyle/>
+          <a:p>
+            <a:pPr algn="ctr"/>
+            <a:r>
+              <a:rPr lang="en-US" dirty="0" smtClean="0"/>
+              <a:t>-8</a:t>
+            </a:r>
+            <a:endParaRPr lang="en-US" dirty="0"/>
+          </a:p>
+        </p:txBody>
+      </p:sp>
+      <p:sp>
+        <p:nvSpPr>
+          <p:cNvPr id="95" name="Oval 94"/>
+          <p:cNvSpPr/>
+          <p:nvPr/>
+        </p:nvSpPr>
+        <p:spPr>
+          <a:xfrm>
+            <a:off x="7848600" y="4152900"/>
+            <a:ext cx="533400" cy="533400"/>
+          </a:xfrm>
+          <a:prstGeom prst="ellipse">
+            <a:avLst/>
+          </a:prstGeom>
+          <a:solidFill>
+            <a:schemeClr val="accent2">
+              <a:lumMod val="40000"/>
+              <a:lumOff val="60000"/>
+            </a:schemeClr>
+          </a:solidFill>
+          <a:ln>
+            <a:solidFill>
+              <a:schemeClr val="accent2">
+                <a:lumMod val="50000"/>
+              </a:schemeClr>
+            </a:solidFill>
+          </a:ln>
+        </p:spPr>
+        <p:style>
+          <a:lnRef idx="2">
+            <a:schemeClr val="accent1">
+              <a:shade val="50000"/>
+            </a:schemeClr>
+          </a:lnRef>
+          <a:fillRef idx="1">
+            <a:schemeClr val="accent1"/>
+          </a:fillRef>
+          <a:effectRef idx="0">
+            <a:schemeClr val="accent1"/>
+          </a:effectRef>
+          <a:fontRef idx="minor">
+            <a:schemeClr val="lt1"/>
+          </a:fontRef>
+        </p:style>
+        <p:txBody>
+          <a:bodyPr rtlCol="0" anchor="ctr"/>
+          <a:lstStyle/>
+          <a:p>
+            <a:pPr algn="ctr"/>
+            <a:r>
+              <a:rPr lang="en-US" dirty="0" smtClean="0"/>
+              <a:t>-6</a:t>
+            </a:r>
+            <a:endParaRPr lang="en-US" dirty="0"/>
+          </a:p>
+        </p:txBody>
+      </p:sp>
+      <p:sp>
+        <p:nvSpPr>
+          <p:cNvPr id="96" name="Oval 95"/>
+          <p:cNvSpPr/>
+          <p:nvPr/>
+        </p:nvSpPr>
+        <p:spPr>
+          <a:xfrm>
+            <a:off x="7848600" y="4749800"/>
+            <a:ext cx="533400" cy="533400"/>
+          </a:xfrm>
+          <a:prstGeom prst="ellipse">
+            <a:avLst/>
+          </a:prstGeom>
+          <a:solidFill>
+            <a:schemeClr val="accent2">
+              <a:lumMod val="40000"/>
+              <a:lumOff val="60000"/>
+            </a:schemeClr>
+          </a:solidFill>
+          <a:ln>
+            <a:solidFill>
+              <a:schemeClr val="accent2">
+                <a:lumMod val="50000"/>
+              </a:schemeClr>
+            </a:solidFill>
+          </a:ln>
+        </p:spPr>
+        <p:style>
+          <a:lnRef idx="2">
+            <a:schemeClr val="accent1">
+              <a:shade val="50000"/>
+            </a:schemeClr>
+          </a:lnRef>
+          <a:fillRef idx="1">
+            <a:schemeClr val="accent1"/>
+          </a:fillRef>
+          <a:effectRef idx="0">
+            <a:schemeClr val="accent1"/>
+          </a:effectRef>
+          <a:fontRef idx="minor">
+            <a:schemeClr val="lt1"/>
+          </a:fontRef>
+        </p:style>
+        <p:txBody>
+          <a:bodyPr rtlCol="0" anchor="ctr"/>
+          <a:lstStyle/>
+          <a:p>
+            <a:pPr algn="ctr"/>
+            <a:r>
+              <a:rPr lang="en-US" dirty="0" smtClean="0"/>
+              <a:t>-7</a:t>
+            </a:r>
+            <a:endParaRPr lang="en-US" dirty="0"/>
+          </a:p>
+        </p:txBody>
+      </p:sp>
+      <p:sp>
+        <p:nvSpPr>
+          <p:cNvPr id="97" name="Oval 96"/>
+          <p:cNvSpPr/>
+          <p:nvPr/>
+        </p:nvSpPr>
+        <p:spPr>
+          <a:xfrm>
+            <a:off x="7848600" y="5346700"/>
+            <a:ext cx="533400" cy="533400"/>
+          </a:xfrm>
+          <a:prstGeom prst="ellipse">
+            <a:avLst/>
+          </a:prstGeom>
+          <a:solidFill>
+            <a:schemeClr val="accent2">
+              <a:lumMod val="40000"/>
+              <a:lumOff val="60000"/>
+            </a:schemeClr>
+          </a:solidFill>
+          <a:ln>
+            <a:solidFill>
+              <a:schemeClr val="accent2">
+                <a:lumMod val="50000"/>
+              </a:schemeClr>
+            </a:solidFill>
+          </a:ln>
+        </p:spPr>
+        <p:style>
+          <a:lnRef idx="2">
+            <a:schemeClr val="accent1">
+              <a:shade val="50000"/>
+            </a:schemeClr>
+          </a:lnRef>
+          <a:fillRef idx="1">
+            <a:schemeClr val="accent1"/>
+          </a:fillRef>
+          <a:effectRef idx="0">
+            <a:schemeClr val="accent1"/>
+          </a:effectRef>
+          <a:fontRef idx="minor">
+            <a:schemeClr val="lt1"/>
+          </a:fontRef>
+        </p:style>
+        <p:txBody>
+          <a:bodyPr rtlCol="0" anchor="ctr"/>
+          <a:lstStyle/>
+          <a:p>
+            <a:pPr algn="ctr"/>
+            <a:r>
+              <a:rPr lang="en-US" dirty="0" smtClean="0"/>
+              <a:t>-9</a:t>
+            </a:r>
+            <a:endParaRPr lang="en-US" dirty="0"/>
+          </a:p>
+        </p:txBody>
+      </p:sp>
+      <p:sp>
+        <p:nvSpPr>
+          <p:cNvPr id="98" name="Oval 97"/>
+          <p:cNvSpPr/>
+          <p:nvPr/>
+        </p:nvSpPr>
+        <p:spPr>
+          <a:xfrm>
+            <a:off x="7848600" y="5943600"/>
+            <a:ext cx="533400" cy="533400"/>
+          </a:xfrm>
+          <a:prstGeom prst="ellipse">
+            <a:avLst/>
+          </a:prstGeom>
+          <a:solidFill>
+            <a:schemeClr val="accent2">
+              <a:lumMod val="40000"/>
+              <a:lumOff val="60000"/>
+            </a:schemeClr>
+          </a:solidFill>
+          <a:ln>
+            <a:solidFill>
+              <a:schemeClr val="accent2">
+                <a:lumMod val="50000"/>
+              </a:schemeClr>
+            </a:solidFill>
+          </a:ln>
+        </p:spPr>
+        <p:style>
+          <a:lnRef idx="2">
+            <a:schemeClr val="accent1">
+              <a:shade val="50000"/>
+            </a:schemeClr>
+          </a:lnRef>
+          <a:fillRef idx="1">
+            <a:schemeClr val="accent1"/>
+          </a:fillRef>
+          <a:effectRef idx="0">
+            <a:schemeClr val="accent1"/>
+          </a:effectRef>
+          <a:fontRef idx="minor">
+            <a:schemeClr val="lt1"/>
+          </a:fontRef>
+        </p:style>
+        <p:txBody>
+          <a:bodyPr rtlCol="0" anchor="ctr"/>
+          <a:lstStyle/>
+          <a:p>
+            <a:pPr algn="ctr"/>
+            <a:r>
+              <a:rPr lang="en-US" dirty="0" smtClean="0"/>
+              <a:t>-1</a:t>
+            </a:r>
+            <a:endParaRPr lang="en-US" dirty="0"/>
+          </a:p>
+        </p:txBody>
+      </p:sp>
+      <p:cxnSp>
+        <p:nvCxnSpPr>
+          <p:cNvPr id="100" name="Elbow Connector 99"/>
+          <p:cNvCxnSpPr>
+            <a:stCxn id="17" idx="2"/>
+            <a:endCxn id="39" idx="2"/>
+          </p:cNvCxnSpPr>
+          <p:nvPr/>
+        </p:nvCxnSpPr>
+        <p:spPr>
+          <a:xfrm rot="10800000" flipV="1">
+            <a:off x="304800" y="1905000"/>
+            <a:ext cx="1588" cy="723900"/>
+          </a:xfrm>
+          <a:prstGeom prst="bentConnector3">
+            <a:avLst>
+              <a:gd name="adj1" fmla="val 14395466"/>
+            </a:avLst>
+          </a:prstGeom>
+        </p:spPr>
+        <p:style>
+          <a:lnRef idx="1">
+            <a:schemeClr val="accent1"/>
+          </a:lnRef>
+          <a:fillRef idx="0">
+            <a:schemeClr val="accent1"/>
+          </a:fillRef>
+          <a:effectRef idx="0">
+            <a:schemeClr val="accent1"/>
+          </a:effectRef>
+          <a:fontRef idx="minor">
+            <a:schemeClr val="tx1"/>
+          </a:fontRef>
+        </p:style>
+      </p:cxnSp>
+      <p:cxnSp>
+        <p:nvCxnSpPr>
+          <p:cNvPr id="103" name="Elbow Connector 102"/>
+          <p:cNvCxnSpPr>
+            <a:stCxn id="40" idx="2"/>
+            <a:endCxn id="17" idx="2"/>
+          </p:cNvCxnSpPr>
+          <p:nvPr/>
+        </p:nvCxnSpPr>
+        <p:spPr>
+          <a:xfrm rot="10800000">
+            <a:off x="304800" y="1905000"/>
+            <a:ext cx="1588" cy="1320800"/>
+          </a:xfrm>
+          <a:prstGeom prst="bentConnector3">
+            <a:avLst>
+              <a:gd name="adj1" fmla="val 14395466"/>
+            </a:avLst>
+          </a:prstGeom>
+        </p:spPr>
+        <p:style>
+          <a:lnRef idx="1">
+            <a:schemeClr val="accent1"/>
+          </a:lnRef>
+          <a:fillRef idx="0">
+            <a:schemeClr val="accent1"/>
+          </a:fillRef>
+          <a:effectRef idx="0">
+            <a:schemeClr val="accent1"/>
+          </a:effectRef>
+          <a:fontRef idx="minor">
+            <a:schemeClr val="tx1"/>
+          </a:fontRef>
+        </p:style>
+      </p:cxnSp>
+      <p:cxnSp>
+        <p:nvCxnSpPr>
+          <p:cNvPr id="105" name="Elbow Connector 104"/>
+          <p:cNvCxnSpPr>
+            <a:stCxn id="41" idx="2"/>
+            <a:endCxn id="17" idx="2"/>
+          </p:cNvCxnSpPr>
+          <p:nvPr/>
+        </p:nvCxnSpPr>
+        <p:spPr>
+          <a:xfrm rot="10800000">
+            <a:off x="304800" y="1905000"/>
+            <a:ext cx="1588" cy="1917700"/>
+          </a:xfrm>
+          <a:prstGeom prst="bentConnector3">
+            <a:avLst>
+              <a:gd name="adj1" fmla="val 14395466"/>
+            </a:avLst>
+          </a:prstGeom>
+        </p:spPr>
+        <p:style>
+          <a:lnRef idx="1">
+            <a:schemeClr val="accent1"/>
+          </a:lnRef>
+          <a:fillRef idx="0">
+            <a:schemeClr val="accent1"/>
+          </a:fillRef>
+          <a:effectRef idx="0">
+            <a:schemeClr val="accent1"/>
+          </a:effectRef>
+          <a:fontRef idx="minor">
+            <a:schemeClr val="tx1"/>
+          </a:fontRef>
+        </p:style>
+      </p:cxnSp>
+      <p:cxnSp>
+        <p:nvCxnSpPr>
+          <p:cNvPr id="107" name="Elbow Connector 106"/>
+          <p:cNvCxnSpPr>
+            <a:stCxn id="42" idx="2"/>
+            <a:endCxn id="17" idx="2"/>
+          </p:cNvCxnSpPr>
+          <p:nvPr/>
+        </p:nvCxnSpPr>
+        <p:spPr>
+          <a:xfrm rot="10800000">
+            <a:off x="304800" y="1905000"/>
+            <a:ext cx="1588" cy="2514600"/>
+          </a:xfrm>
+          <a:prstGeom prst="bentConnector3">
+            <a:avLst>
+              <a:gd name="adj1" fmla="val 14395466"/>
+            </a:avLst>
+          </a:prstGeom>
+        </p:spPr>
+        <p:style>
+          <a:lnRef idx="1">
+            <a:schemeClr val="accent1"/>
+          </a:lnRef>
+          <a:fillRef idx="0">
+            <a:schemeClr val="accent1"/>
+          </a:fillRef>
+          <a:effectRef idx="0">
+            <a:schemeClr val="accent1"/>
+          </a:effectRef>
+          <a:fontRef idx="minor">
+            <a:schemeClr val="tx1"/>
+          </a:fontRef>
+        </p:style>
+      </p:cxnSp>
+      <p:cxnSp>
+        <p:nvCxnSpPr>
+          <p:cNvPr id="109" name="Elbow Connector 108"/>
+          <p:cNvCxnSpPr>
+            <a:stCxn id="43" idx="2"/>
+            <a:endCxn id="17" idx="2"/>
+          </p:cNvCxnSpPr>
+          <p:nvPr/>
+        </p:nvCxnSpPr>
+        <p:spPr>
+          <a:xfrm rot="10800000">
+            <a:off x="304800" y="1905000"/>
+            <a:ext cx="1588" cy="3111500"/>
+          </a:xfrm>
+          <a:prstGeom prst="bentConnector3">
+            <a:avLst>
+              <a:gd name="adj1" fmla="val 14395466"/>
+            </a:avLst>
+          </a:prstGeom>
+        </p:spPr>
+        <p:style>
+          <a:lnRef idx="1">
+            <a:schemeClr val="accent1"/>
+          </a:lnRef>
+          <a:fillRef idx="0">
+            <a:schemeClr val="accent1"/>
+          </a:fillRef>
+          <a:effectRef idx="0">
+            <a:schemeClr val="accent1"/>
+          </a:effectRef>
+          <a:fontRef idx="minor">
+            <a:schemeClr val="tx1"/>
+          </a:fontRef>
+        </p:style>
+      </p:cxnSp>
+      <p:cxnSp>
+        <p:nvCxnSpPr>
+          <p:cNvPr id="112" name="Elbow Connector 111"/>
+          <p:cNvCxnSpPr>
+            <a:stCxn id="45" idx="2"/>
+            <a:endCxn id="17" idx="2"/>
+          </p:cNvCxnSpPr>
+          <p:nvPr/>
+        </p:nvCxnSpPr>
+        <p:spPr>
+          <a:xfrm rot="10800000">
+            <a:off x="304800" y="1905000"/>
+            <a:ext cx="1588" cy="4305300"/>
+          </a:xfrm>
+          <a:prstGeom prst="bentConnector3">
+            <a:avLst>
+              <a:gd name="adj1" fmla="val 14395466"/>
+            </a:avLst>
+          </a:prstGeom>
+        </p:spPr>
+        <p:style>
+          <a:lnRef idx="1">
+            <a:schemeClr val="accent1"/>
+          </a:lnRef>
+          <a:fillRef idx="0">
+            <a:schemeClr val="accent1"/>
+          </a:fillRef>
+          <a:effectRef idx="0">
+            <a:schemeClr val="accent1"/>
+          </a:effectRef>
+          <a:fontRef idx="minor">
+            <a:schemeClr val="tx1"/>
+          </a:fontRef>
+        </p:style>
+      </p:cxnSp>
+      <p:cxnSp>
+        <p:nvCxnSpPr>
+          <p:cNvPr id="115" name="Elbow Connector 114"/>
+          <p:cNvCxnSpPr>
+            <a:stCxn id="44" idx="2"/>
+            <a:endCxn id="17" idx="2"/>
+          </p:cNvCxnSpPr>
+          <p:nvPr/>
+        </p:nvCxnSpPr>
+        <p:spPr>
+          <a:xfrm rot="10800000">
+            <a:off x="304800" y="1905000"/>
+            <a:ext cx="1588" cy="3708400"/>
+          </a:xfrm>
+          <a:prstGeom prst="bentConnector3">
+            <a:avLst>
+              <a:gd name="adj1" fmla="val 14395466"/>
+            </a:avLst>
+          </a:prstGeom>
+        </p:spPr>
+        <p:style>
+          <a:lnRef idx="1">
+            <a:schemeClr val="accent1"/>
+          </a:lnRef>
+          <a:fillRef idx="0">
+            <a:schemeClr val="accent1"/>
+          </a:fillRef>
+          <a:effectRef idx="0">
+            <a:schemeClr val="accent1"/>
+          </a:effectRef>
+          <a:fontRef idx="minor">
+            <a:schemeClr val="tx1"/>
+          </a:fontRef>
+        </p:style>
+      </p:cxnSp>
+      <p:cxnSp>
+        <p:nvCxnSpPr>
+          <p:cNvPr id="117" name="Elbow Connector 116"/>
+          <p:cNvCxnSpPr/>
+          <p:nvPr/>
+        </p:nvCxnSpPr>
+        <p:spPr>
+          <a:xfrm rot="10800000" flipV="1">
+            <a:off x="1600201" y="1866900"/>
+            <a:ext cx="1588" cy="723900"/>
+          </a:xfrm>
+          <a:prstGeom prst="bentConnector3">
+            <a:avLst>
+              <a:gd name="adj1" fmla="val 14395466"/>
+            </a:avLst>
+          </a:prstGeom>
+        </p:spPr>
+        <p:style>
+          <a:lnRef idx="1">
+            <a:schemeClr val="accent1"/>
+          </a:lnRef>
+          <a:fillRef idx="0">
+            <a:schemeClr val="accent1"/>
+          </a:fillRef>
+          <a:effectRef idx="0">
+            <a:schemeClr val="accent1"/>
+          </a:effectRef>
+          <a:fontRef idx="minor">
+            <a:schemeClr val="tx1"/>
+          </a:fontRef>
+        </p:style>
+      </p:cxnSp>
+      <p:cxnSp>
+        <p:nvCxnSpPr>
+          <p:cNvPr id="118" name="Elbow Connector 117"/>
+          <p:cNvCxnSpPr/>
+          <p:nvPr/>
+        </p:nvCxnSpPr>
+        <p:spPr>
+          <a:xfrm rot="10800000">
+            <a:off x="1600201" y="1866900"/>
+            <a:ext cx="1588" cy="1320800"/>
+          </a:xfrm>
+          <a:prstGeom prst="bentConnector3">
+            <a:avLst>
+              <a:gd name="adj1" fmla="val 14395466"/>
+            </a:avLst>
+          </a:prstGeom>
+        </p:spPr>
+        <p:style>
+          <a:lnRef idx="1">
+            <a:schemeClr val="accent1"/>
+          </a:lnRef>
+          <a:fillRef idx="0">
+            <a:schemeClr val="accent1"/>
+          </a:fillRef>
+          <a:effectRef idx="0">
+            <a:schemeClr val="accent1"/>
+          </a:effectRef>
+          <a:fontRef idx="minor">
+            <a:schemeClr val="tx1"/>
+          </a:fontRef>
+        </p:style>
+      </p:cxnSp>
+      <p:cxnSp>
+        <p:nvCxnSpPr>
+          <p:cNvPr id="119" name="Elbow Connector 118"/>
+          <p:cNvCxnSpPr/>
+          <p:nvPr/>
+        </p:nvCxnSpPr>
+        <p:spPr>
+          <a:xfrm rot="10800000">
+            <a:off x="1600201" y="1866900"/>
+            <a:ext cx="1588" cy="1917700"/>
+          </a:xfrm>
+          <a:prstGeom prst="bentConnector3">
+            <a:avLst>
+              <a:gd name="adj1" fmla="val 14395466"/>
+            </a:avLst>
+          </a:prstGeom>
+        </p:spPr>
+        <p:style>
+          <a:lnRef idx="1">
+            <a:schemeClr val="accent1"/>
+          </a:lnRef>
+          <a:fillRef idx="0">
+            <a:schemeClr val="accent1"/>
+          </a:fillRef>
+          <a:effectRef idx="0">
+            <a:schemeClr val="accent1"/>
+          </a:effectRef>
+          <a:fontRef idx="minor">
+            <a:schemeClr val="tx1"/>
+          </a:fontRef>
+        </p:style>
+      </p:cxnSp>
+      <p:cxnSp>
+        <p:nvCxnSpPr>
+          <p:cNvPr id="120" name="Elbow Connector 119"/>
+          <p:cNvCxnSpPr/>
+          <p:nvPr/>
+        </p:nvCxnSpPr>
+        <p:spPr>
+          <a:xfrm rot="10800000">
+            <a:off x="1600201" y="1866900"/>
+            <a:ext cx="1588" cy="2514600"/>
+          </a:xfrm>
+          <a:prstGeom prst="bentConnector3">
+            <a:avLst>
+              <a:gd name="adj1" fmla="val 14395466"/>
+            </a:avLst>
+          </a:prstGeom>
+        </p:spPr>
+        <p:style>
+          <a:lnRef idx="1">
+            <a:schemeClr val="accent1"/>
+          </a:lnRef>
+          <a:fillRef idx="0">
+            <a:schemeClr val="accent1"/>
+          </a:fillRef>
+          <a:effectRef idx="0">
+            <a:schemeClr val="accent1"/>
+          </a:effectRef>
+          <a:fontRef idx="minor">
+            <a:schemeClr val="tx1"/>
+          </a:fontRef>
+        </p:style>
+      </p:cxnSp>
+      <p:cxnSp>
+        <p:nvCxnSpPr>
+          <p:cNvPr id="121" name="Elbow Connector 120"/>
+          <p:cNvCxnSpPr/>
+          <p:nvPr/>
+        </p:nvCxnSpPr>
+        <p:spPr>
+          <a:xfrm rot="10800000">
+            <a:off x="1600201" y="1866900"/>
+            <a:ext cx="1588" cy="3111500"/>
+          </a:xfrm>
+          <a:prstGeom prst="bentConnector3">
+            <a:avLst>
+              <a:gd name="adj1" fmla="val 14395466"/>
+            </a:avLst>
+          </a:prstGeom>
+        </p:spPr>
+        <p:style>
+          <a:lnRef idx="1">
+            <a:schemeClr val="accent1"/>
+          </a:lnRef>
+          <a:fillRef idx="0">
+            <a:schemeClr val="accent1"/>
+          </a:fillRef>
+          <a:effectRef idx="0">
+            <a:schemeClr val="accent1"/>
+          </a:effectRef>
+          <a:fontRef idx="minor">
+            <a:schemeClr val="tx1"/>
+          </a:fontRef>
+        </p:style>
+      </p:cxnSp>
+      <p:cxnSp>
+        <p:nvCxnSpPr>
+          <p:cNvPr id="122" name="Elbow Connector 121"/>
+          <p:cNvCxnSpPr/>
+          <p:nvPr/>
+        </p:nvCxnSpPr>
+        <p:spPr>
+          <a:xfrm rot="10800000">
+            <a:off x="1600201" y="1866900"/>
+            <a:ext cx="1588" cy="4305300"/>
+          </a:xfrm>
+          <a:prstGeom prst="bentConnector3">
+            <a:avLst>
+              <a:gd name="adj1" fmla="val 14395466"/>
+            </a:avLst>
+          </a:prstGeom>
+        </p:spPr>
+        <p:style>
+          <a:lnRef idx="1">
+            <a:schemeClr val="accent1"/>
+          </a:lnRef>
+          <a:fillRef idx="0">
+            <a:schemeClr val="accent1"/>
+          </a:fillRef>
+          <a:effectRef idx="0">
+            <a:schemeClr val="accent1"/>
+          </a:effectRef>
+          <a:fontRef idx="minor">
+            <a:schemeClr val="tx1"/>
+          </a:fontRef>
+        </p:style>
+      </p:cxnSp>
+      <p:cxnSp>
+        <p:nvCxnSpPr>
+          <p:cNvPr id="123" name="Elbow Connector 122"/>
+          <p:cNvCxnSpPr/>
+          <p:nvPr/>
+        </p:nvCxnSpPr>
+        <p:spPr>
+          <a:xfrm rot="10800000">
+            <a:off x="1600201" y="1866900"/>
+            <a:ext cx="1588" cy="3708400"/>
+          </a:xfrm>
+          <a:prstGeom prst="bentConnector3">
+            <a:avLst>
+              <a:gd name="adj1" fmla="val 14395466"/>
+            </a:avLst>
+          </a:prstGeom>
+        </p:spPr>
+        <p:style>
+          <a:lnRef idx="1">
+            <a:schemeClr val="accent1"/>
+          </a:lnRef>
+          <a:fillRef idx="0">
+            <a:schemeClr val="accent1"/>
+          </a:fillRef>
+          <a:effectRef idx="0">
+            <a:schemeClr val="accent1"/>
+          </a:effectRef>
+          <a:fontRef idx="minor">
+            <a:schemeClr val="tx1"/>
+          </a:fontRef>
+        </p:style>
+      </p:cxnSp>
+      <p:cxnSp>
+        <p:nvCxnSpPr>
+          <p:cNvPr id="124" name="Elbow Connector 123"/>
+          <p:cNvCxnSpPr/>
+          <p:nvPr/>
+        </p:nvCxnSpPr>
+        <p:spPr>
+          <a:xfrm rot="10800000" flipV="1">
+            <a:off x="2819401" y="1905000"/>
+            <a:ext cx="1588" cy="723900"/>
+          </a:xfrm>
+          <a:prstGeom prst="bentConnector3">
+            <a:avLst>
+              <a:gd name="adj1" fmla="val 14395466"/>
+            </a:avLst>
+          </a:prstGeom>
+        </p:spPr>
+        <p:style>
+          <a:lnRef idx="1">
+            <a:schemeClr val="accent1"/>
+          </a:lnRef>
+          <a:fillRef idx="0">
+            <a:schemeClr val="accent1"/>
+          </a:fillRef>
+          <a:effectRef idx="0">
+            <a:schemeClr val="accent1"/>
+          </a:effectRef>
+          <a:fontRef idx="minor">
+            <a:schemeClr val="tx1"/>
+          </a:fontRef>
+        </p:style>
+      </p:cxnSp>
+      <p:cxnSp>
+        <p:nvCxnSpPr>
+          <p:cNvPr id="125" name="Elbow Connector 124"/>
+          <p:cNvCxnSpPr/>
+          <p:nvPr/>
+        </p:nvCxnSpPr>
+        <p:spPr>
+          <a:xfrm rot="10800000">
+            <a:off x="2819401" y="1905000"/>
+            <a:ext cx="1588" cy="1320800"/>
+          </a:xfrm>
+          <a:prstGeom prst="bentConnector3">
+            <a:avLst>
+              <a:gd name="adj1" fmla="val 14395466"/>
+            </a:avLst>
+          </a:prstGeom>
+        </p:spPr>
+        <p:style>
+          <a:lnRef idx="1">
+            <a:schemeClr val="accent1"/>
+          </a:lnRef>
+          <a:fillRef idx="0">
+            <a:schemeClr val="accent1"/>
+          </a:fillRef>
+          <a:effectRef idx="0">
+            <a:schemeClr val="accent1"/>
+          </a:effectRef>
+          <a:fontRef idx="minor">
+            <a:schemeClr val="tx1"/>
+          </a:fontRef>
+        </p:style>
+      </p:cxnSp>
+      <p:cxnSp>
+        <p:nvCxnSpPr>
+          <p:cNvPr id="126" name="Elbow Connector 125"/>
+          <p:cNvCxnSpPr/>
+          <p:nvPr/>
+        </p:nvCxnSpPr>
+        <p:spPr>
+          <a:xfrm rot="10800000">
+            <a:off x="2819401" y="1905000"/>
+            <a:ext cx="1588" cy="1917700"/>
+          </a:xfrm>
+          <a:prstGeom prst="bentConnector3">
+            <a:avLst>
+              <a:gd name="adj1" fmla="val 14395466"/>
+            </a:avLst>
+          </a:prstGeom>
+        </p:spPr>
+        <p:style>
+          <a:lnRef idx="1">
+            <a:schemeClr val="accent1"/>
+          </a:lnRef>
+          <a:fillRef idx="0">
+            <a:schemeClr val="accent1"/>
+          </a:fillRef>
+          <a:effectRef idx="0">
+            <a:schemeClr val="accent1"/>
+          </a:effectRef>
+          <a:fontRef idx="minor">
+            <a:schemeClr val="tx1"/>
+          </a:fontRef>
+        </p:style>
+      </p:cxnSp>
+      <p:cxnSp>
+        <p:nvCxnSpPr>
+          <p:cNvPr id="127" name="Elbow Connector 126"/>
+          <p:cNvCxnSpPr/>
+          <p:nvPr/>
+        </p:nvCxnSpPr>
+        <p:spPr>
+          <a:xfrm rot="10800000">
+            <a:off x="2819401" y="1905000"/>
+            <a:ext cx="1588" cy="2514600"/>
+          </a:xfrm>
+          <a:prstGeom prst="bentConnector3">
+            <a:avLst>
+              <a:gd name="adj1" fmla="val 14395466"/>
+            </a:avLst>
+          </a:prstGeom>
+        </p:spPr>
+        <p:style>
+          <a:lnRef idx="1">
+            <a:schemeClr val="accent1"/>
+          </a:lnRef>
+          <a:fillRef idx="0">
+            <a:schemeClr val="accent1"/>
+          </a:fillRef>
+          <a:effectRef idx="0">
+            <a:schemeClr val="accent1"/>
+          </a:effectRef>
+          <a:fontRef idx="minor">
+            <a:schemeClr val="tx1"/>
+          </a:fontRef>
+        </p:style>
+      </p:cxnSp>
+      <p:cxnSp>
+        <p:nvCxnSpPr>
+          <p:cNvPr id="128" name="Elbow Connector 127"/>
+          <p:cNvCxnSpPr/>
+          <p:nvPr/>
+        </p:nvCxnSpPr>
+        <p:spPr>
+          <a:xfrm rot="10800000">
+            <a:off x="2819401" y="1905000"/>
+            <a:ext cx="1588" cy="3111500"/>
+          </a:xfrm>
+          <a:prstGeom prst="bentConnector3">
+            <a:avLst>
+              <a:gd name="adj1" fmla="val 14395466"/>
+            </a:avLst>
+          </a:prstGeom>
+        </p:spPr>
+        <p:style>
+          <a:lnRef idx="1">
+            <a:schemeClr val="accent1"/>
+          </a:lnRef>
+          <a:fillRef idx="0">
+            <a:schemeClr val="accent1"/>
+          </a:fillRef>
+          <a:effectRef idx="0">
+            <a:schemeClr val="accent1"/>
+          </a:effectRef>
+          <a:fontRef idx="minor">
+            <a:schemeClr val="tx1"/>
+          </a:fontRef>
+        </p:style>
+      </p:cxnSp>
+      <p:cxnSp>
+        <p:nvCxnSpPr>
+          <p:cNvPr id="129" name="Elbow Connector 128"/>
+          <p:cNvCxnSpPr/>
+          <p:nvPr/>
+        </p:nvCxnSpPr>
+        <p:spPr>
+          <a:xfrm rot="10800000">
+            <a:off x="2819401" y="1905000"/>
+            <a:ext cx="1588" cy="4305300"/>
+          </a:xfrm>
+          <a:prstGeom prst="bentConnector3">
+            <a:avLst>
+              <a:gd name="adj1" fmla="val 14395466"/>
+            </a:avLst>
+          </a:prstGeom>
+        </p:spPr>
+        <p:style>
+          <a:lnRef idx="1">
+            <a:schemeClr val="accent1"/>
+          </a:lnRef>
+          <a:fillRef idx="0">
+            <a:schemeClr val="accent1"/>
+          </a:fillRef>
+          <a:effectRef idx="0">
+            <a:schemeClr val="accent1"/>
+          </a:effectRef>
+          <a:fontRef idx="minor">
+            <a:schemeClr val="tx1"/>
+          </a:fontRef>
+        </p:style>
+      </p:cxnSp>
+      <p:cxnSp>
+        <p:nvCxnSpPr>
+          <p:cNvPr id="130" name="Elbow Connector 129"/>
+          <p:cNvCxnSpPr/>
+          <p:nvPr/>
+        </p:nvCxnSpPr>
+        <p:spPr>
+          <a:xfrm rot="10800000">
+            <a:off x="2819401" y="1905000"/>
+            <a:ext cx="1588" cy="3708400"/>
+          </a:xfrm>
+          <a:prstGeom prst="bentConnector3">
+            <a:avLst>
+              <a:gd name="adj1" fmla="val 14395466"/>
+            </a:avLst>
+          </a:prstGeom>
+        </p:spPr>
+        <p:style>
+          <a:lnRef idx="1">
+            <a:schemeClr val="accent1"/>
+          </a:lnRef>
+          <a:fillRef idx="0">
+            <a:schemeClr val="accent1"/>
+          </a:fillRef>
+          <a:effectRef idx="0">
+            <a:schemeClr val="accent1"/>
+          </a:effectRef>
+          <a:fontRef idx="minor">
+            <a:schemeClr val="tx1"/>
+          </a:fontRef>
+        </p:style>
+      </p:cxnSp>
+      <p:cxnSp>
+        <p:nvCxnSpPr>
+          <p:cNvPr id="131" name="Elbow Connector 130"/>
+          <p:cNvCxnSpPr/>
+          <p:nvPr/>
+        </p:nvCxnSpPr>
+        <p:spPr>
+          <a:xfrm rot="10800000" flipV="1">
+            <a:off x="4113212" y="1905000"/>
+            <a:ext cx="1588" cy="723900"/>
+          </a:xfrm>
+          <a:prstGeom prst="bentConnector3">
+            <a:avLst>
+              <a:gd name="adj1" fmla="val 14395466"/>
+            </a:avLst>
+          </a:prstGeom>
+        </p:spPr>
+        <p:style>
+          <a:lnRef idx="1">
+            <a:schemeClr val="accent1"/>
+          </a:lnRef>
+          <a:fillRef idx="0">
+            <a:schemeClr val="accent1"/>
+          </a:fillRef>
+          <a:effectRef idx="0">
+            <a:schemeClr val="accent1"/>
+          </a:effectRef>
+          <a:fontRef idx="minor">
+            <a:schemeClr val="tx1"/>
+          </a:fontRef>
+        </p:style>
+      </p:cxnSp>
+      <p:cxnSp>
+        <p:nvCxnSpPr>
+          <p:cNvPr id="132" name="Elbow Connector 131"/>
+          <p:cNvCxnSpPr/>
+          <p:nvPr/>
+        </p:nvCxnSpPr>
+        <p:spPr>
+          <a:xfrm rot="10800000">
+            <a:off x="4113212" y="1905000"/>
+            <a:ext cx="1588" cy="1320800"/>
+          </a:xfrm>
+          <a:prstGeom prst="bentConnector3">
+            <a:avLst>
+              <a:gd name="adj1" fmla="val 14395466"/>
+            </a:avLst>
+          </a:prstGeom>
+        </p:spPr>
+        <p:style>
+          <a:lnRef idx="1">
+            <a:schemeClr val="accent1"/>
+          </a:lnRef>
+          <a:fillRef idx="0">
+            <a:schemeClr val="accent1"/>
+          </a:fillRef>
+          <a:effectRef idx="0">
+            <a:schemeClr val="accent1"/>
+          </a:effectRef>
+          <a:fontRef idx="minor">
+            <a:schemeClr val="tx1"/>
+          </a:fontRef>
+        </p:style>
+      </p:cxnSp>
+      <p:cxnSp>
+        <p:nvCxnSpPr>
+          <p:cNvPr id="133" name="Elbow Connector 132"/>
+          <p:cNvCxnSpPr/>
+          <p:nvPr/>
+        </p:nvCxnSpPr>
+        <p:spPr>
+          <a:xfrm rot="10800000">
+            <a:off x="4113212" y="1905000"/>
+            <a:ext cx="1588" cy="1917700"/>
+          </a:xfrm>
+          <a:prstGeom prst="bentConnector3">
+            <a:avLst>
+              <a:gd name="adj1" fmla="val 14395466"/>
+            </a:avLst>
+          </a:prstGeom>
+        </p:spPr>
+        <p:style>
+          <a:lnRef idx="1">
+            <a:schemeClr val="accent1"/>
+          </a:lnRef>
+          <a:fillRef idx="0">
+            <a:schemeClr val="accent1"/>
+          </a:fillRef>
+          <a:effectRef idx="0">
+            <a:schemeClr val="accent1"/>
+          </a:effectRef>
+          <a:fontRef idx="minor">
+            <a:schemeClr val="tx1"/>
+          </a:fontRef>
+        </p:style>
+      </p:cxnSp>
+      <p:cxnSp>
+        <p:nvCxnSpPr>
+          <p:cNvPr id="134" name="Elbow Connector 133"/>
+          <p:cNvCxnSpPr/>
+          <p:nvPr/>
+        </p:nvCxnSpPr>
+        <p:spPr>
+          <a:xfrm rot="10800000">
+            <a:off x="4113212" y="1905000"/>
+            <a:ext cx="1588" cy="2514600"/>
+          </a:xfrm>
+          <a:prstGeom prst="bentConnector3">
+            <a:avLst>
+              <a:gd name="adj1" fmla="val 14395466"/>
+            </a:avLst>
+          </a:prstGeom>
+        </p:spPr>
+        <p:style>
+          <a:lnRef idx="1">
+            <a:schemeClr val="accent1"/>
+          </a:lnRef>
+          <a:fillRef idx="0">
+            <a:schemeClr val="accent1"/>
+          </a:fillRef>
+          <a:effectRef idx="0">
+            <a:schemeClr val="accent1"/>
+          </a:effectRef>
+          <a:fontRef idx="minor">
+            <a:schemeClr val="tx1"/>
+          </a:fontRef>
+        </p:style>
+      </p:cxnSp>
+      <p:cxnSp>
+        <p:nvCxnSpPr>
+          <p:cNvPr id="135" name="Elbow Connector 134"/>
+          <p:cNvCxnSpPr/>
+          <p:nvPr/>
+        </p:nvCxnSpPr>
+        <p:spPr>
+          <a:xfrm rot="10800000">
+            <a:off x="4113212" y="1905000"/>
+            <a:ext cx="1588" cy="3111500"/>
+          </a:xfrm>
+          <a:prstGeom prst="bentConnector3">
+            <a:avLst>
+              <a:gd name="adj1" fmla="val 14395466"/>
+            </a:avLst>
+          </a:prstGeom>
+        </p:spPr>
+        <p:style>
+          <a:lnRef idx="1">
+            <a:schemeClr val="accent1"/>
+          </a:lnRef>
+          <a:fillRef idx="0">
+            <a:schemeClr val="accent1"/>
+          </a:fillRef>
+          <a:effectRef idx="0">
+            <a:schemeClr val="accent1"/>
+          </a:effectRef>
+          <a:fontRef idx="minor">
+            <a:schemeClr val="tx1"/>
+          </a:fontRef>
+        </p:style>
+      </p:cxnSp>
+      <p:cxnSp>
+        <p:nvCxnSpPr>
+          <p:cNvPr id="136" name="Elbow Connector 135"/>
+          <p:cNvCxnSpPr/>
+          <p:nvPr/>
+        </p:nvCxnSpPr>
+        <p:spPr>
+          <a:xfrm rot="10800000">
+            <a:off x="4113212" y="1905000"/>
+            <a:ext cx="1588" cy="4305300"/>
+          </a:xfrm>
+          <a:prstGeom prst="bentConnector3">
+            <a:avLst>
+              <a:gd name="adj1" fmla="val 14395466"/>
+            </a:avLst>
+          </a:prstGeom>
+        </p:spPr>
+        <p:style>
+          <a:lnRef idx="1">
+            <a:schemeClr val="accent1"/>
+          </a:lnRef>
+          <a:fillRef idx="0">
+            <a:schemeClr val="accent1"/>
+          </a:fillRef>
+          <a:effectRef idx="0">
+            <a:schemeClr val="accent1"/>
+          </a:effectRef>
+          <a:fontRef idx="minor">
+            <a:schemeClr val="tx1"/>
+          </a:fontRef>
+        </p:style>
+      </p:cxnSp>
+      <p:cxnSp>
+        <p:nvCxnSpPr>
+          <p:cNvPr id="137" name="Elbow Connector 136"/>
+          <p:cNvCxnSpPr/>
+          <p:nvPr/>
+        </p:nvCxnSpPr>
+        <p:spPr>
+          <a:xfrm rot="10800000">
+            <a:off x="4113212" y="1905000"/>
+            <a:ext cx="1588" cy="3708400"/>
+          </a:xfrm>
+          <a:prstGeom prst="bentConnector3">
+            <a:avLst>
+              <a:gd name="adj1" fmla="val 14395466"/>
+            </a:avLst>
+          </a:prstGeom>
+        </p:spPr>
+        <p:style>
+          <a:lnRef idx="1">
+            <a:schemeClr val="accent1"/>
+          </a:lnRef>
+          <a:fillRef idx="0">
+            <a:schemeClr val="accent1"/>
+          </a:fillRef>
+          <a:effectRef idx="0">
+            <a:schemeClr val="accent1"/>
+          </a:effectRef>
+          <a:fontRef idx="minor">
+            <a:schemeClr val="tx1"/>
+          </a:fontRef>
+        </p:style>
+      </p:cxnSp>
+      <p:cxnSp>
+        <p:nvCxnSpPr>
+          <p:cNvPr id="138" name="Elbow Connector 137"/>
+          <p:cNvCxnSpPr/>
+          <p:nvPr/>
+        </p:nvCxnSpPr>
+        <p:spPr>
+          <a:xfrm rot="10800000" flipV="1">
+            <a:off x="5334001" y="1905000"/>
+            <a:ext cx="1588" cy="723900"/>
+          </a:xfrm>
+          <a:prstGeom prst="bentConnector3">
+            <a:avLst>
+              <a:gd name="adj1" fmla="val 14395466"/>
+            </a:avLst>
+          </a:prstGeom>
+        </p:spPr>
+        <p:style>
+          <a:lnRef idx="1">
+            <a:schemeClr val="accent1"/>
+          </a:lnRef>
+          <a:fillRef idx="0">
+            <a:schemeClr val="accent1"/>
+          </a:fillRef>
+          <a:effectRef idx="0">
+            <a:schemeClr val="accent1"/>
+          </a:effectRef>
+          <a:fontRef idx="minor">
+            <a:schemeClr val="tx1"/>
+          </a:fontRef>
+        </p:style>
+      </p:cxnSp>
+      <p:cxnSp>
+        <p:nvCxnSpPr>
+          <p:cNvPr id="139" name="Elbow Connector 138"/>
+          <p:cNvCxnSpPr/>
+          <p:nvPr/>
+        </p:nvCxnSpPr>
+        <p:spPr>
+          <a:xfrm rot="10800000">
+            <a:off x="5334001" y="1905000"/>
+            <a:ext cx="1588" cy="1320800"/>
+          </a:xfrm>
+          <a:prstGeom prst="bentConnector3">
+            <a:avLst>
+              <a:gd name="adj1" fmla="val 14395466"/>
+            </a:avLst>
+          </a:prstGeom>
+        </p:spPr>
+        <p:style>
+          <a:lnRef idx="1">
+            <a:schemeClr val="accent1"/>
+          </a:lnRef>
+          <a:fillRef idx="0">
+            <a:schemeClr val="accent1"/>
+          </a:fillRef>
+          <a:effectRef idx="0">
+            <a:schemeClr val="accent1"/>
+          </a:effectRef>
+          <a:fontRef idx="minor">
+            <a:schemeClr val="tx1"/>
+          </a:fontRef>
+        </p:style>
+      </p:cxnSp>
+      <p:cxnSp>
+        <p:nvCxnSpPr>
+          <p:cNvPr id="140" name="Elbow Connector 139"/>
+          <p:cNvCxnSpPr/>
+          <p:nvPr/>
+        </p:nvCxnSpPr>
+        <p:spPr>
+          <a:xfrm rot="10800000">
+            <a:off x="5334001" y="1905000"/>
+            <a:ext cx="1588" cy="1917700"/>
+          </a:xfrm>
+          <a:prstGeom prst="bentConnector3">
+            <a:avLst>
+              <a:gd name="adj1" fmla="val 14395466"/>
+            </a:avLst>
+          </a:prstGeom>
+        </p:spPr>
+        <p:style>
+          <a:lnRef idx="1">
+            <a:schemeClr val="accent1"/>
+          </a:lnRef>
+          <a:fillRef idx="0">
+            <a:schemeClr val="accent1"/>
+          </a:fillRef>
+          <a:effectRef idx="0">
+            <a:schemeClr val="accent1"/>
+          </a:effectRef>
+          <a:fontRef idx="minor">
+            <a:schemeClr val="tx1"/>
+          </a:fontRef>
+        </p:style>
+      </p:cxnSp>
+      <p:cxnSp>
+        <p:nvCxnSpPr>
+          <p:cNvPr id="141" name="Elbow Connector 140"/>
+          <p:cNvCxnSpPr/>
+          <p:nvPr/>
+        </p:nvCxnSpPr>
+        <p:spPr>
+          <a:xfrm rot="10800000">
+            <a:off x="5334001" y="1905000"/>
+            <a:ext cx="1588" cy="2514600"/>
+          </a:xfrm>
+          <a:prstGeom prst="bentConnector3">
+            <a:avLst>
+              <a:gd name="adj1" fmla="val 14395466"/>
+            </a:avLst>
+          </a:prstGeom>
+        </p:spPr>
+        <p:style>
+          <a:lnRef idx="1">
+            <a:schemeClr val="accent1"/>
+          </a:lnRef>
+          <a:fillRef idx="0">
+            <a:schemeClr val="accent1"/>
+          </a:fillRef>
+          <a:effectRef idx="0">
+            <a:schemeClr val="accent1"/>
+          </a:effectRef>
+          <a:fontRef idx="minor">
+            <a:schemeClr val="tx1"/>
+          </a:fontRef>
+        </p:style>
+      </p:cxnSp>
+      <p:cxnSp>
+        <p:nvCxnSpPr>
+          <p:cNvPr id="142" name="Elbow Connector 141"/>
+          <p:cNvCxnSpPr/>
+          <p:nvPr/>
+        </p:nvCxnSpPr>
+        <p:spPr>
+          <a:xfrm rot="10800000">
+            <a:off x="5334001" y="1905000"/>
+            <a:ext cx="1588" cy="3111500"/>
+          </a:xfrm>
+          <a:prstGeom prst="bentConnector3">
+            <a:avLst>
+              <a:gd name="adj1" fmla="val 14395466"/>
+            </a:avLst>
+          </a:prstGeom>
+        </p:spPr>
+        <p:style>
+          <a:lnRef idx="1">
+            <a:schemeClr val="accent1"/>
+          </a:lnRef>
+          <a:fillRef idx="0">
+            <a:schemeClr val="accent1"/>
+          </a:fillRef>
+          <a:effectRef idx="0">
+            <a:schemeClr val="accent1"/>
+          </a:effectRef>
+          <a:fontRef idx="minor">
+            <a:schemeClr val="tx1"/>
+          </a:fontRef>
+        </p:style>
+      </p:cxnSp>
+      <p:cxnSp>
+        <p:nvCxnSpPr>
+          <p:cNvPr id="143" name="Elbow Connector 142"/>
+          <p:cNvCxnSpPr/>
+          <p:nvPr/>
+        </p:nvCxnSpPr>
+        <p:spPr>
+          <a:xfrm rot="10800000">
+            <a:off x="5334001" y="1905000"/>
+            <a:ext cx="1588" cy="4305300"/>
+          </a:xfrm>
+          <a:prstGeom prst="bentConnector3">
+            <a:avLst>
+              <a:gd name="adj1" fmla="val 14395466"/>
+            </a:avLst>
+          </a:prstGeom>
+        </p:spPr>
+        <p:style>
+          <a:lnRef idx="1">
+            <a:schemeClr val="accent1"/>
+          </a:lnRef>
+          <a:fillRef idx="0">
+            <a:schemeClr val="accent1"/>
+          </a:fillRef>
+          <a:effectRef idx="0">
+            <a:schemeClr val="accent1"/>
+          </a:effectRef>
+          <a:fontRef idx="minor">
+            <a:schemeClr val="tx1"/>
+          </a:fontRef>
+        </p:style>
+      </p:cxnSp>
+      <p:cxnSp>
+        <p:nvCxnSpPr>
+          <p:cNvPr id="144" name="Elbow Connector 143"/>
+          <p:cNvCxnSpPr/>
+          <p:nvPr/>
+        </p:nvCxnSpPr>
+        <p:spPr>
+          <a:xfrm rot="10800000">
+            <a:off x="5334001" y="1905000"/>
+            <a:ext cx="1588" cy="3708400"/>
+          </a:xfrm>
+          <a:prstGeom prst="bentConnector3">
+            <a:avLst>
+              <a:gd name="adj1" fmla="val 14395466"/>
+            </a:avLst>
+          </a:prstGeom>
+        </p:spPr>
+        <p:style>
+          <a:lnRef idx="1">
+            <a:schemeClr val="accent1"/>
+          </a:lnRef>
+          <a:fillRef idx="0">
+            <a:schemeClr val="accent1"/>
+          </a:fillRef>
+          <a:effectRef idx="0">
+            <a:schemeClr val="accent1"/>
+          </a:effectRef>
+          <a:fontRef idx="minor">
+            <a:schemeClr val="tx1"/>
+          </a:fontRef>
+        </p:style>
+      </p:cxnSp>
+      <p:cxnSp>
+        <p:nvCxnSpPr>
+          <p:cNvPr id="145" name="Elbow Connector 144"/>
+          <p:cNvCxnSpPr/>
+          <p:nvPr/>
+        </p:nvCxnSpPr>
+        <p:spPr>
+          <a:xfrm rot="10800000" flipV="1">
+            <a:off x="6551612" y="1905000"/>
+            <a:ext cx="1588" cy="723900"/>
+          </a:xfrm>
+          <a:prstGeom prst="bentConnector3">
+            <a:avLst>
+              <a:gd name="adj1" fmla="val 14395466"/>
+            </a:avLst>
+          </a:prstGeom>
+        </p:spPr>
+        <p:style>
+          <a:lnRef idx="1">
+            <a:schemeClr val="accent1"/>
+          </a:lnRef>
+          <a:fillRef idx="0">
+            <a:schemeClr val="accent1"/>
+          </a:fillRef>
+          <a:effectRef idx="0">
+            <a:schemeClr val="accent1"/>
+          </a:effectRef>
+          <a:fontRef idx="minor">
+            <a:schemeClr val="tx1"/>
+          </a:fontRef>
+        </p:style>
+      </p:cxnSp>
+      <p:cxnSp>
+        <p:nvCxnSpPr>
+          <p:cNvPr id="146" name="Elbow Connector 145"/>
+          <p:cNvCxnSpPr/>
+          <p:nvPr/>
+        </p:nvCxnSpPr>
+        <p:spPr>
+          <a:xfrm rot="10800000">
+            <a:off x="6551612" y="1905000"/>
+            <a:ext cx="1588" cy="1320800"/>
+          </a:xfrm>
+          <a:prstGeom prst="bentConnector3">
+            <a:avLst>
+              <a:gd name="adj1" fmla="val 14395466"/>
+            </a:avLst>
+          </a:prstGeom>
+        </p:spPr>
+        <p:style>
+          <a:lnRef idx="1">
+            <a:schemeClr val="accent1"/>
+          </a:lnRef>
+          <a:fillRef idx="0">
+            <a:schemeClr val="accent1"/>
+          </a:fillRef>
+          <a:effectRef idx="0">
+            <a:schemeClr val="accent1"/>
+          </a:effectRef>
+          <a:fontRef idx="minor">
+            <a:schemeClr val="tx1"/>
+          </a:fontRef>
+        </p:style>
+      </p:cxnSp>
+      <p:cxnSp>
+        <p:nvCxnSpPr>
+          <p:cNvPr id="147" name="Elbow Connector 146"/>
+          <p:cNvCxnSpPr/>
+          <p:nvPr/>
+        </p:nvCxnSpPr>
+        <p:spPr>
+          <a:xfrm rot="10800000">
+            <a:off x="6551612" y="1905000"/>
+            <a:ext cx="1588" cy="1917700"/>
+          </a:xfrm>
+          <a:prstGeom prst="bentConnector3">
+            <a:avLst>
+              <a:gd name="adj1" fmla="val 14395466"/>
+            </a:avLst>
+          </a:prstGeom>
+        </p:spPr>
+        <p:style>
+          <a:lnRef idx="1">
+            <a:schemeClr val="accent1"/>
+          </a:lnRef>
+          <a:fillRef idx="0">
+            <a:schemeClr val="accent1"/>
+          </a:fillRef>
+          <a:effectRef idx="0">
+            <a:schemeClr val="accent1"/>
+          </a:effectRef>
+          <a:fontRef idx="minor">
+            <a:schemeClr val="tx1"/>
+          </a:fontRef>
+        </p:style>
+      </p:cxnSp>
+      <p:cxnSp>
+        <p:nvCxnSpPr>
+          <p:cNvPr id="148" name="Elbow Connector 147"/>
+          <p:cNvCxnSpPr/>
+          <p:nvPr/>
+        </p:nvCxnSpPr>
+        <p:spPr>
+          <a:xfrm rot="10800000">
+            <a:off x="6551612" y="1905000"/>
+            <a:ext cx="1588" cy="2514600"/>
+          </a:xfrm>
+          <a:prstGeom prst="bentConnector3">
+            <a:avLst>
+              <a:gd name="adj1" fmla="val 14395466"/>
+            </a:avLst>
+          </a:prstGeom>
+        </p:spPr>
+        <p:style>
+          <a:lnRef idx="1">
+            <a:schemeClr val="accent1"/>
+          </a:lnRef>
+          <a:fillRef idx="0">
+            <a:schemeClr val="accent1"/>
+          </a:fillRef>
+          <a:effectRef idx="0">
+            <a:schemeClr val="accent1"/>
+          </a:effectRef>
+          <a:fontRef idx="minor">
+            <a:schemeClr val="tx1"/>
+          </a:fontRef>
+        </p:style>
+      </p:cxnSp>
+      <p:cxnSp>
+        <p:nvCxnSpPr>
+          <p:cNvPr id="149" name="Elbow Connector 148"/>
+          <p:cNvCxnSpPr/>
+          <p:nvPr/>
+        </p:nvCxnSpPr>
+        <p:spPr>
+          <a:xfrm rot="10800000">
+            <a:off x="6551612" y="1905000"/>
+            <a:ext cx="1588" cy="3111500"/>
+          </a:xfrm>
+          <a:prstGeom prst="bentConnector3">
+            <a:avLst>
+              <a:gd name="adj1" fmla="val 14395466"/>
+            </a:avLst>
+          </a:prstGeom>
+        </p:spPr>
+        <p:style>
+          <a:lnRef idx="1">
+            <a:schemeClr val="accent1"/>
+          </a:lnRef>
+          <a:fillRef idx="0">
+            <a:schemeClr val="accent1"/>
+          </a:fillRef>
+          <a:effectRef idx="0">
+            <a:schemeClr val="accent1"/>
+          </a:effectRef>
+          <a:fontRef idx="minor">
+            <a:schemeClr val="tx1"/>
+          </a:fontRef>
+        </p:style>
+      </p:cxnSp>
+      <p:cxnSp>
+        <p:nvCxnSpPr>
+          <p:cNvPr id="150" name="Elbow Connector 149"/>
+          <p:cNvCxnSpPr/>
+          <p:nvPr/>
+        </p:nvCxnSpPr>
+        <p:spPr>
+          <a:xfrm rot="10800000">
+            <a:off x="6551612" y="1905000"/>
+            <a:ext cx="1588" cy="4305300"/>
+          </a:xfrm>
+          <a:prstGeom prst="bentConnector3">
+            <a:avLst>
+              <a:gd name="adj1" fmla="val 14395466"/>
+            </a:avLst>
+          </a:prstGeom>
+        </p:spPr>
+        <p:style>
+          <a:lnRef idx="1">
+            <a:schemeClr val="accent1"/>
+          </a:lnRef>
+          <a:fillRef idx="0">
+            <a:schemeClr val="accent1"/>
+          </a:fillRef>
+          <a:effectRef idx="0">
+            <a:schemeClr val="accent1"/>
+          </a:effectRef>
+          <a:fontRef idx="minor">
+            <a:schemeClr val="tx1"/>
+          </a:fontRef>
+        </p:style>
+      </p:cxnSp>
+      <p:cxnSp>
+        <p:nvCxnSpPr>
+          <p:cNvPr id="151" name="Elbow Connector 150"/>
+          <p:cNvCxnSpPr/>
+          <p:nvPr/>
+        </p:nvCxnSpPr>
+        <p:spPr>
+          <a:xfrm rot="10800000">
+            <a:off x="6551612" y="1905000"/>
+            <a:ext cx="1588" cy="3708400"/>
+          </a:xfrm>
+          <a:prstGeom prst="bentConnector3">
+            <a:avLst>
+              <a:gd name="adj1" fmla="val 14395466"/>
+            </a:avLst>
+          </a:prstGeom>
+        </p:spPr>
+        <p:style>
+          <a:lnRef idx="1">
+            <a:schemeClr val="accent1"/>
+          </a:lnRef>
+          <a:fillRef idx="0">
+            <a:schemeClr val="accent1"/>
+          </a:fillRef>
+          <a:effectRef idx="0">
+            <a:schemeClr val="accent1"/>
+          </a:effectRef>
+          <a:fontRef idx="minor">
+            <a:schemeClr val="tx1"/>
+          </a:fontRef>
+        </p:style>
+      </p:cxnSp>
+      <p:cxnSp>
+        <p:nvCxnSpPr>
+          <p:cNvPr id="152" name="Elbow Connector 151"/>
+          <p:cNvCxnSpPr/>
+          <p:nvPr/>
+        </p:nvCxnSpPr>
+        <p:spPr>
+          <a:xfrm rot="10800000" flipV="1">
+            <a:off x="7847012" y="1905000"/>
+            <a:ext cx="1588" cy="723900"/>
+          </a:xfrm>
+          <a:prstGeom prst="bentConnector3">
+            <a:avLst>
+              <a:gd name="adj1" fmla="val 14395466"/>
+            </a:avLst>
+          </a:prstGeom>
+        </p:spPr>
+        <p:style>
+          <a:lnRef idx="1">
+            <a:schemeClr val="accent1"/>
+          </a:lnRef>
+          <a:fillRef idx="0">
+            <a:schemeClr val="accent1"/>
+          </a:fillRef>
+          <a:effectRef idx="0">
+            <a:schemeClr val="accent1"/>
+          </a:effectRef>
+          <a:fontRef idx="minor">
+            <a:schemeClr val="tx1"/>
+          </a:fontRef>
+        </p:style>
+      </p:cxnSp>
+      <p:cxnSp>
+        <p:nvCxnSpPr>
+          <p:cNvPr id="153" name="Elbow Connector 152"/>
+          <p:cNvCxnSpPr/>
+          <p:nvPr/>
+        </p:nvCxnSpPr>
+        <p:spPr>
+          <a:xfrm rot="10800000">
+            <a:off x="7847012" y="1905000"/>
+            <a:ext cx="1588" cy="1320800"/>
+          </a:xfrm>
+          <a:prstGeom prst="bentConnector3">
+            <a:avLst>
+              <a:gd name="adj1" fmla="val 14395466"/>
+            </a:avLst>
+          </a:prstGeom>
+        </p:spPr>
+        <p:style>
+          <a:lnRef idx="1">
+            <a:schemeClr val="accent1"/>
+          </a:lnRef>
+          <a:fillRef idx="0">
+            <a:schemeClr val="accent1"/>
+          </a:fillRef>
+          <a:effectRef idx="0">
+            <a:schemeClr val="accent1"/>
+          </a:effectRef>
+          <a:fontRef idx="minor">
+            <a:schemeClr val="tx1"/>
+          </a:fontRef>
+        </p:style>
+      </p:cxnSp>
+      <p:cxnSp>
+        <p:nvCxnSpPr>
+          <p:cNvPr id="154" name="Elbow Connector 153"/>
+          <p:cNvCxnSpPr/>
+          <p:nvPr/>
+        </p:nvCxnSpPr>
+        <p:spPr>
+          <a:xfrm rot="10800000">
+            <a:off x="7847012" y="1905000"/>
+            <a:ext cx="1588" cy="1917700"/>
+          </a:xfrm>
+          <a:prstGeom prst="bentConnector3">
+            <a:avLst>
+              <a:gd name="adj1" fmla="val 14395466"/>
+            </a:avLst>
+          </a:prstGeom>
+        </p:spPr>
+        <p:style>
+          <a:lnRef idx="1">
+            <a:schemeClr val="accent1"/>
+          </a:lnRef>
+          <a:fillRef idx="0">
+            <a:schemeClr val="accent1"/>
+          </a:fillRef>
+          <a:effectRef idx="0">
+            <a:schemeClr val="accent1"/>
+          </a:effectRef>
+          <a:fontRef idx="minor">
+            <a:schemeClr val="tx1"/>
+          </a:fontRef>
+        </p:style>
+      </p:cxnSp>
+      <p:cxnSp>
+        <p:nvCxnSpPr>
+          <p:cNvPr id="155" name="Elbow Connector 154"/>
+          <p:cNvCxnSpPr/>
+          <p:nvPr/>
+        </p:nvCxnSpPr>
+        <p:spPr>
+          <a:xfrm rot="10800000">
+            <a:off x="7847012" y="1905000"/>
+            <a:ext cx="1588" cy="2514600"/>
+          </a:xfrm>
+          <a:prstGeom prst="bentConnector3">
+            <a:avLst>
+              <a:gd name="adj1" fmla="val 14395466"/>
+            </a:avLst>
+          </a:prstGeom>
+        </p:spPr>
+        <p:style>
+          <a:lnRef idx="1">
+            <a:schemeClr val="accent1"/>
+          </a:lnRef>
+          <a:fillRef idx="0">
+            <a:schemeClr val="accent1"/>
+          </a:fillRef>
+          <a:effectRef idx="0">
+            <a:schemeClr val="accent1"/>
+          </a:effectRef>
+          <a:fontRef idx="minor">
+            <a:schemeClr val="tx1"/>
+          </a:fontRef>
+        </p:style>
+      </p:cxnSp>
+      <p:cxnSp>
+        <p:nvCxnSpPr>
+          <p:cNvPr id="156" name="Elbow Connector 155"/>
+          <p:cNvCxnSpPr/>
+          <p:nvPr/>
+        </p:nvCxnSpPr>
+        <p:spPr>
+          <a:xfrm rot="10800000">
+            <a:off x="7847012" y="1905000"/>
+            <a:ext cx="1588" cy="3111500"/>
+          </a:xfrm>
+          <a:prstGeom prst="bentConnector3">
+            <a:avLst>
+              <a:gd name="adj1" fmla="val 14395466"/>
+            </a:avLst>
+          </a:prstGeom>
+        </p:spPr>
+        <p:style>
+          <a:lnRef idx="1">
+            <a:schemeClr val="accent1"/>
+          </a:lnRef>
+          <a:fillRef idx="0">
+            <a:schemeClr val="accent1"/>
+          </a:fillRef>
+          <a:effectRef idx="0">
+            <a:schemeClr val="accent1"/>
+          </a:effectRef>
+          <a:fontRef idx="minor">
+            <a:schemeClr val="tx1"/>
+          </a:fontRef>
+        </p:style>
+      </p:cxnSp>
+      <p:cxnSp>
+        <p:nvCxnSpPr>
+          <p:cNvPr id="157" name="Elbow Connector 156"/>
+          <p:cNvCxnSpPr/>
+          <p:nvPr/>
+        </p:nvCxnSpPr>
+        <p:spPr>
+          <a:xfrm rot="10800000">
+            <a:off x="7847012" y="1905000"/>
+            <a:ext cx="1588" cy="4305300"/>
+          </a:xfrm>
+          <a:prstGeom prst="bentConnector3">
+            <a:avLst>
+              <a:gd name="adj1" fmla="val 14395466"/>
+            </a:avLst>
+          </a:prstGeom>
+        </p:spPr>
+        <p:style>
+          <a:lnRef idx="1">
+            <a:schemeClr val="accent1"/>
+          </a:lnRef>
+          <a:fillRef idx="0">
+            <a:schemeClr val="accent1"/>
+          </a:fillRef>
+          <a:effectRef idx="0">
+            <a:schemeClr val="accent1"/>
+          </a:effectRef>
+          <a:fontRef idx="minor">
+            <a:schemeClr val="tx1"/>
+          </a:fontRef>
+        </p:style>
+      </p:cxnSp>
+      <p:cxnSp>
+        <p:nvCxnSpPr>
+          <p:cNvPr id="158" name="Elbow Connector 157"/>
+          <p:cNvCxnSpPr/>
+          <p:nvPr/>
+        </p:nvCxnSpPr>
+        <p:spPr>
+          <a:xfrm rot="10800000">
+            <a:off x="7847012" y="1905000"/>
+            <a:ext cx="1588" cy="3708400"/>
+          </a:xfrm>
+          <a:prstGeom prst="bentConnector3">
+            <a:avLst>
+              <a:gd name="adj1" fmla="val 14395466"/>
+            </a:avLst>
+          </a:prstGeom>
+        </p:spPr>
+        <p:style>
+          <a:lnRef idx="1">
+            <a:schemeClr val="accent1"/>
+          </a:lnRef>
+          <a:fillRef idx="0">
+            <a:schemeClr val="accent1"/>
+          </a:fillRef>
+          <a:effectRef idx="0">
+            <a:schemeClr val="accent1"/>
+          </a:effectRef>
+          <a:fontRef idx="minor">
+            <a:schemeClr val="tx1"/>
+          </a:fontRef>
+        </p:style>
+      </p:cxnSp>
+      <p:sp>
+        <p:nvSpPr>
+          <p:cNvPr id="166" name="Oval 165"/>
+          <p:cNvSpPr/>
+          <p:nvPr/>
+        </p:nvSpPr>
+        <p:spPr>
+          <a:xfrm>
+            <a:off x="228600" y="838200"/>
+            <a:ext cx="731520" cy="731520"/>
+          </a:xfrm>
+          <a:prstGeom prst="ellipse">
+            <a:avLst/>
+          </a:prstGeom>
+        </p:spPr>
+        <p:style>
+          <a:lnRef idx="2">
+            <a:schemeClr val="accent1">
+              <a:shade val="50000"/>
+            </a:schemeClr>
+          </a:lnRef>
+          <a:fillRef idx="1">
+            <a:schemeClr val="accent1"/>
+          </a:fillRef>
+          <a:effectRef idx="0">
+            <a:schemeClr val="accent1"/>
+          </a:effectRef>
+          <a:fontRef idx="minor">
+            <a:schemeClr val="lt1"/>
+          </a:fontRef>
+        </p:style>
+        <p:txBody>
+          <a:bodyPr rtlCol="0" anchor="ctr"/>
+          <a:lstStyle/>
+          <a:p>
+            <a:pPr algn="ctr"/>
+            <a:r>
+              <a:rPr lang="en-US" dirty="0" smtClean="0"/>
+              <a:t>3</a:t>
+            </a:r>
+            <a:endParaRPr lang="en-US" dirty="0"/>
+          </a:p>
+        </p:txBody>
+      </p:sp>
+      <p:sp>
+        <p:nvSpPr>
+          <p:cNvPr id="168" name="Oval 167"/>
+          <p:cNvSpPr/>
+          <p:nvPr/>
+        </p:nvSpPr>
+        <p:spPr>
+          <a:xfrm>
+            <a:off x="1524000" y="838200"/>
+            <a:ext cx="731520" cy="731520"/>
+          </a:xfrm>
+          <a:prstGeom prst="ellipse">
+            <a:avLst/>
+          </a:prstGeom>
+        </p:spPr>
+        <p:style>
+          <a:lnRef idx="2">
+            <a:schemeClr val="accent1">
+              <a:shade val="50000"/>
+            </a:schemeClr>
+          </a:lnRef>
+          <a:fillRef idx="1">
+            <a:schemeClr val="accent1"/>
+          </a:fillRef>
+          <a:effectRef idx="0">
+            <a:schemeClr val="accent1"/>
+          </a:effectRef>
+          <a:fontRef idx="minor">
+            <a:schemeClr val="lt1"/>
+          </a:fontRef>
+        </p:style>
+        <p:txBody>
+          <a:bodyPr rtlCol="0" anchor="ctr"/>
+          <a:lstStyle/>
+          <a:p>
+            <a:pPr algn="ctr"/>
+            <a:r>
+              <a:rPr lang="en-US" dirty="0" smtClean="0"/>
+              <a:t>0</a:t>
+            </a:r>
+            <a:endParaRPr lang="en-US" dirty="0"/>
+          </a:p>
+        </p:txBody>
+      </p:sp>
+      <p:sp>
+        <p:nvSpPr>
+          <p:cNvPr id="169" name="Oval 168"/>
+          <p:cNvSpPr/>
+          <p:nvPr/>
+        </p:nvSpPr>
+        <p:spPr>
+          <a:xfrm>
+            <a:off x="2819400" y="838200"/>
+            <a:ext cx="731520" cy="731520"/>
+          </a:xfrm>
+          <a:prstGeom prst="ellipse">
+            <a:avLst/>
+          </a:prstGeom>
+        </p:spPr>
+        <p:style>
+          <a:lnRef idx="2">
+            <a:schemeClr val="accent1">
+              <a:shade val="50000"/>
+            </a:schemeClr>
+          </a:lnRef>
+          <a:fillRef idx="1">
+            <a:schemeClr val="accent1"/>
+          </a:fillRef>
+          <a:effectRef idx="0">
+            <a:schemeClr val="accent1"/>
+          </a:effectRef>
+          <a:fontRef idx="minor">
+            <a:schemeClr val="lt1"/>
+          </a:fontRef>
+        </p:style>
+        <p:txBody>
+          <a:bodyPr rtlCol="0" anchor="ctr"/>
+          <a:lstStyle/>
+          <a:p>
+            <a:pPr algn="ctr"/>
+            <a:r>
+              <a:rPr lang="en-US" dirty="0" smtClean="0"/>
+              <a:t>3</a:t>
+            </a:r>
+            <a:endParaRPr lang="en-US" dirty="0"/>
+          </a:p>
+        </p:txBody>
+      </p:sp>
+      <p:sp>
+        <p:nvSpPr>
+          <p:cNvPr id="170" name="Oval 169"/>
+          <p:cNvSpPr/>
+          <p:nvPr/>
+        </p:nvSpPr>
+        <p:spPr>
+          <a:xfrm>
+            <a:off x="3962400" y="838200"/>
+            <a:ext cx="731520" cy="731520"/>
+          </a:xfrm>
+          <a:prstGeom prst="ellipse">
+            <a:avLst/>
+          </a:prstGeom>
+        </p:spPr>
+        <p:style>
+          <a:lnRef idx="2">
+            <a:schemeClr val="accent1">
+              <a:shade val="50000"/>
+            </a:schemeClr>
+          </a:lnRef>
+          <a:fillRef idx="1">
+            <a:schemeClr val="accent1"/>
+          </a:fillRef>
+          <a:effectRef idx="0">
+            <a:schemeClr val="accent1"/>
+          </a:effectRef>
+          <a:fontRef idx="minor">
+            <a:schemeClr val="lt1"/>
+          </a:fontRef>
+        </p:style>
+        <p:txBody>
+          <a:bodyPr rtlCol="0" anchor="ctr"/>
+          <a:lstStyle/>
+          <a:p>
+            <a:pPr algn="ctr"/>
+            <a:r>
+              <a:rPr lang="en-US" dirty="0" smtClean="0"/>
+              <a:t>5</a:t>
+            </a:r>
+            <a:endParaRPr lang="en-US" dirty="0"/>
+          </a:p>
+        </p:txBody>
+      </p:sp>
+      <p:sp>
+        <p:nvSpPr>
+          <p:cNvPr id="171" name="Oval 170"/>
+          <p:cNvSpPr/>
+          <p:nvPr/>
+        </p:nvSpPr>
+        <p:spPr>
+          <a:xfrm>
+            <a:off x="5257800" y="838200"/>
+            <a:ext cx="731520" cy="731520"/>
+          </a:xfrm>
+          <a:prstGeom prst="ellipse">
+            <a:avLst/>
+          </a:prstGeom>
+        </p:spPr>
+        <p:style>
+          <a:lnRef idx="2">
+            <a:schemeClr val="accent1">
+              <a:shade val="50000"/>
+            </a:schemeClr>
+          </a:lnRef>
+          <a:fillRef idx="1">
+            <a:schemeClr val="accent1"/>
+          </a:fillRef>
+          <a:effectRef idx="0">
+            <a:schemeClr val="accent1"/>
+          </a:effectRef>
+          <a:fontRef idx="minor">
+            <a:schemeClr val="lt1"/>
+          </a:fontRef>
+        </p:style>
+        <p:txBody>
+          <a:bodyPr rtlCol="0" anchor="ctr"/>
+          <a:lstStyle/>
+          <a:p>
+            <a:pPr algn="ctr"/>
+            <a:r>
+              <a:rPr lang="en-US" dirty="0" smtClean="0"/>
+              <a:t>4</a:t>
+            </a:r>
+            <a:endParaRPr lang="en-US" dirty="0"/>
+          </a:p>
+        </p:txBody>
+      </p:sp>
+      <p:sp>
+        <p:nvSpPr>
+          <p:cNvPr id="172" name="Oval 171"/>
+          <p:cNvSpPr/>
+          <p:nvPr/>
+        </p:nvSpPr>
+        <p:spPr>
+          <a:xfrm>
+            <a:off x="6553200" y="838200"/>
+            <a:ext cx="731520" cy="731520"/>
+          </a:xfrm>
+          <a:prstGeom prst="ellipse">
+            <a:avLst/>
+          </a:prstGeom>
+        </p:spPr>
+        <p:style>
+          <a:lnRef idx="2">
+            <a:schemeClr val="accent1">
+              <a:shade val="50000"/>
+            </a:schemeClr>
+          </a:lnRef>
+          <a:fillRef idx="1">
+            <a:schemeClr val="accent1"/>
+          </a:fillRef>
+          <a:effectRef idx="0">
+            <a:schemeClr val="accent1"/>
+          </a:effectRef>
+          <a:fontRef idx="minor">
+            <a:schemeClr val="lt1"/>
+          </a:fontRef>
+        </p:style>
+        <p:txBody>
+          <a:bodyPr rtlCol="0" anchor="ctr"/>
+          <a:lstStyle/>
+          <a:p>
+            <a:pPr algn="ctr"/>
+            <a:r>
+              <a:rPr lang="en-US" dirty="0" smtClean="0"/>
+              <a:t>-6</a:t>
+            </a:r>
+            <a:endParaRPr lang="en-US" dirty="0"/>
+          </a:p>
+        </p:txBody>
+      </p:sp>
+      <p:sp>
+        <p:nvSpPr>
+          <p:cNvPr id="173" name="Oval 172"/>
+          <p:cNvSpPr/>
+          <p:nvPr/>
+        </p:nvSpPr>
+        <p:spPr>
+          <a:xfrm>
+            <a:off x="7848600" y="838200"/>
+            <a:ext cx="731520" cy="731520"/>
+          </a:xfrm>
+          <a:prstGeom prst="ellipse">
+            <a:avLst/>
+          </a:prstGeom>
+        </p:spPr>
+        <p:style>
+          <a:lnRef idx="2">
+            <a:schemeClr val="accent1">
+              <a:shade val="50000"/>
+            </a:schemeClr>
+          </a:lnRef>
+          <a:fillRef idx="1">
+            <a:schemeClr val="accent1"/>
+          </a:fillRef>
+          <a:effectRef idx="0">
+            <a:schemeClr val="accent1"/>
+          </a:effectRef>
+          <a:fontRef idx="minor">
+            <a:schemeClr val="lt1"/>
+          </a:fontRef>
+        </p:style>
+        <p:txBody>
+          <a:bodyPr rtlCol="0" anchor="ctr"/>
+          <a:lstStyle/>
+          <a:p>
+            <a:pPr algn="ctr"/>
+            <a:r>
+              <a:rPr lang="en-US" dirty="0" smtClean="0"/>
+              <a:t>-3</a:t>
+            </a:r>
+            <a:endParaRPr lang="en-US" dirty="0"/>
+          </a:p>
+        </p:txBody>
+      </p:sp>
+      <p:cxnSp>
+        <p:nvCxnSpPr>
+          <p:cNvPr id="182" name="Straight Connector 181"/>
+          <p:cNvCxnSpPr>
+            <a:stCxn id="17" idx="0"/>
+            <a:endCxn id="166" idx="4"/>
+          </p:cNvCxnSpPr>
+          <p:nvPr/>
+        </p:nvCxnSpPr>
+        <p:spPr>
+          <a:xfrm rot="16200000" flipV="1">
+            <a:off x="586740" y="1577340"/>
+            <a:ext cx="30480" cy="15240"/>
+          </a:xfrm>
+          <a:prstGeom prst="line">
+            <a:avLst/>
+          </a:prstGeom>
+        </p:spPr>
+        <p:style>
+          <a:lnRef idx="1">
+            <a:schemeClr val="accent1"/>
+          </a:lnRef>
+          <a:fillRef idx="0">
+            <a:schemeClr val="accent1"/>
+          </a:fillRef>
+          <a:effectRef idx="0">
+            <a:schemeClr val="accent1"/>
+          </a:effectRef>
+          <a:fontRef idx="minor">
+            <a:schemeClr val="tx1"/>
+          </a:fontRef>
+        </p:style>
+      </p:cxnSp>
+      <p:cxnSp>
+        <p:nvCxnSpPr>
+          <p:cNvPr id="184" name="Straight Connector 183"/>
+          <p:cNvCxnSpPr>
+            <a:stCxn id="16" idx="0"/>
+            <a:endCxn id="168" idx="4"/>
+          </p:cNvCxnSpPr>
+          <p:nvPr/>
+        </p:nvCxnSpPr>
+        <p:spPr>
+          <a:xfrm rot="5400000" flipH="1" flipV="1">
+            <a:off x="1863090" y="1573530"/>
+            <a:ext cx="30480" cy="22860"/>
+          </a:xfrm>
+          <a:prstGeom prst="line">
+            <a:avLst/>
+          </a:prstGeom>
+        </p:spPr>
+        <p:style>
+          <a:lnRef idx="1">
+            <a:schemeClr val="accent1"/>
+          </a:lnRef>
+          <a:fillRef idx="0">
+            <a:schemeClr val="accent1"/>
+          </a:fillRef>
+          <a:effectRef idx="0">
+            <a:schemeClr val="accent1"/>
+          </a:effectRef>
+          <a:fontRef idx="minor">
+            <a:schemeClr val="tx1"/>
+          </a:fontRef>
+        </p:style>
+      </p:cxnSp>
+      <p:cxnSp>
+        <p:nvCxnSpPr>
+          <p:cNvPr id="186" name="Straight Connector 185"/>
+          <p:cNvCxnSpPr>
+            <a:stCxn id="13" idx="0"/>
+            <a:endCxn id="169" idx="4"/>
+          </p:cNvCxnSpPr>
+          <p:nvPr/>
+        </p:nvCxnSpPr>
+        <p:spPr>
+          <a:xfrm rot="5400000" flipH="1" flipV="1">
+            <a:off x="3139440" y="1554480"/>
+            <a:ext cx="30480" cy="60960"/>
+          </a:xfrm>
+          <a:prstGeom prst="line">
+            <a:avLst/>
+          </a:prstGeom>
+        </p:spPr>
+        <p:style>
+          <a:lnRef idx="1">
+            <a:schemeClr val="accent1"/>
+          </a:lnRef>
+          <a:fillRef idx="0">
+            <a:schemeClr val="accent1"/>
+          </a:fillRef>
+          <a:effectRef idx="0">
+            <a:schemeClr val="accent1"/>
+          </a:effectRef>
+          <a:fontRef idx="minor">
+            <a:schemeClr val="tx1"/>
+          </a:fontRef>
+        </p:style>
+      </p:cxnSp>
+      <p:cxnSp>
+        <p:nvCxnSpPr>
+          <p:cNvPr id="188" name="Straight Connector 187"/>
+          <p:cNvCxnSpPr>
+            <a:stCxn id="15" idx="0"/>
+            <a:endCxn id="170" idx="4"/>
+          </p:cNvCxnSpPr>
+          <p:nvPr/>
+        </p:nvCxnSpPr>
+        <p:spPr>
+          <a:xfrm rot="16200000" flipV="1">
+            <a:off x="4339590" y="1558290"/>
+            <a:ext cx="30480" cy="53340"/>
+          </a:xfrm>
+          <a:prstGeom prst="line">
+            <a:avLst/>
+          </a:prstGeom>
+        </p:spPr>
+        <p:style>
+          <a:lnRef idx="1">
+            <a:schemeClr val="accent1"/>
+          </a:lnRef>
+          <a:fillRef idx="0">
+            <a:schemeClr val="accent1"/>
+          </a:fillRef>
+          <a:effectRef idx="0">
+            <a:schemeClr val="accent1"/>
+          </a:effectRef>
+          <a:fontRef idx="minor">
+            <a:schemeClr val="tx1"/>
+          </a:fontRef>
+        </p:style>
+      </p:cxnSp>
+      <p:cxnSp>
+        <p:nvCxnSpPr>
+          <p:cNvPr id="190" name="Straight Connector 189"/>
+          <p:cNvCxnSpPr>
+            <a:stCxn id="12" idx="0"/>
+            <a:endCxn id="171" idx="4"/>
+          </p:cNvCxnSpPr>
+          <p:nvPr/>
+        </p:nvCxnSpPr>
+        <p:spPr>
+          <a:xfrm rot="16200000" flipV="1">
+            <a:off x="5615940" y="1577340"/>
+            <a:ext cx="30480" cy="15240"/>
+          </a:xfrm>
+          <a:prstGeom prst="line">
+            <a:avLst/>
+          </a:prstGeom>
+        </p:spPr>
+        <p:style>
+          <a:lnRef idx="1">
+            <a:schemeClr val="accent1"/>
+          </a:lnRef>
+          <a:fillRef idx="0">
+            <a:schemeClr val="accent1"/>
+          </a:fillRef>
+          <a:effectRef idx="0">
+            <a:schemeClr val="accent1"/>
+          </a:effectRef>
+          <a:fontRef idx="minor">
+            <a:schemeClr val="tx1"/>
+          </a:fontRef>
+        </p:style>
+      </p:cxnSp>
+      <p:cxnSp>
+        <p:nvCxnSpPr>
+          <p:cNvPr id="192" name="Straight Connector 191"/>
+          <p:cNvCxnSpPr>
+            <a:stCxn id="14" idx="0"/>
+            <a:endCxn id="172" idx="4"/>
+          </p:cNvCxnSpPr>
+          <p:nvPr/>
+        </p:nvCxnSpPr>
+        <p:spPr>
+          <a:xfrm rot="5400000" flipH="1" flipV="1">
+            <a:off x="6892290" y="1573530"/>
+            <a:ext cx="30480" cy="22860"/>
+          </a:xfrm>
+          <a:prstGeom prst="line">
+            <a:avLst/>
+          </a:prstGeom>
+        </p:spPr>
+        <p:style>
+          <a:lnRef idx="1">
+            <a:schemeClr val="accent1"/>
+          </a:lnRef>
+          <a:fillRef idx="0">
+            <a:schemeClr val="accent1"/>
+          </a:fillRef>
+          <a:effectRef idx="0">
+            <a:schemeClr val="accent1"/>
+          </a:effectRef>
+          <a:fontRef idx="minor">
+            <a:schemeClr val="tx1"/>
+          </a:fontRef>
+        </p:style>
+      </p:cxnSp>
+      <p:cxnSp>
+        <p:nvCxnSpPr>
+          <p:cNvPr id="194" name="Straight Connector 193"/>
+          <p:cNvCxnSpPr>
+            <a:stCxn id="9" idx="0"/>
+            <a:endCxn id="173" idx="4"/>
+          </p:cNvCxnSpPr>
+          <p:nvPr/>
+        </p:nvCxnSpPr>
+        <p:spPr>
+          <a:xfrm rot="5400000" flipH="1" flipV="1">
+            <a:off x="8168640" y="1554480"/>
+            <a:ext cx="30480" cy="60960"/>
+          </a:xfrm>
+          <a:prstGeom prst="line">
+            <a:avLst/>
+          </a:prstGeom>
+        </p:spPr>
+        <p:style>
+          <a:lnRef idx="1">
+            <a:schemeClr val="accent1"/>
+          </a:lnRef>
+          <a:fillRef idx="0">
+            <a:schemeClr val="accent1"/>
+          </a:fillRef>
+          <a:effectRef idx="0">
+            <a:schemeClr val="accent1"/>
+          </a:effectRef>
+          <a:fontRef idx="minor">
+            <a:schemeClr val="tx1"/>
+          </a:fontRef>
+        </p:style>
+      </p:cxnSp>
     </p:spTree>
   </p:cSld>
   <p:clrMapOvr>
